--- a/PRISMA.pptx
+++ b/PRISMA.pptx
@@ -8,27 +8,28 @@
     <p:sldId id="257" r:id="rId2"/>
     <p:sldId id="278" r:id="rId3"/>
     <p:sldId id="258" r:id="rId4"/>
-    <p:sldId id="256" r:id="rId5"/>
-    <p:sldId id="259" r:id="rId6"/>
-    <p:sldId id="261" r:id="rId7"/>
-    <p:sldId id="260" r:id="rId8"/>
-    <p:sldId id="262" r:id="rId9"/>
-    <p:sldId id="263" r:id="rId10"/>
-    <p:sldId id="279" r:id="rId11"/>
-    <p:sldId id="264" r:id="rId12"/>
-    <p:sldId id="265" r:id="rId13"/>
-    <p:sldId id="266" r:id="rId14"/>
-    <p:sldId id="267" r:id="rId15"/>
-    <p:sldId id="268" r:id="rId16"/>
-    <p:sldId id="269" r:id="rId17"/>
-    <p:sldId id="270" r:id="rId18"/>
-    <p:sldId id="271" r:id="rId19"/>
-    <p:sldId id="272" r:id="rId20"/>
-    <p:sldId id="273" r:id="rId21"/>
-    <p:sldId id="274" r:id="rId22"/>
-    <p:sldId id="275" r:id="rId23"/>
-    <p:sldId id="276" r:id="rId24"/>
-    <p:sldId id="277" r:id="rId25"/>
+    <p:sldId id="280" r:id="rId5"/>
+    <p:sldId id="256" r:id="rId6"/>
+    <p:sldId id="259" r:id="rId7"/>
+    <p:sldId id="261" r:id="rId8"/>
+    <p:sldId id="260" r:id="rId9"/>
+    <p:sldId id="262" r:id="rId10"/>
+    <p:sldId id="263" r:id="rId11"/>
+    <p:sldId id="279" r:id="rId12"/>
+    <p:sldId id="264" r:id="rId13"/>
+    <p:sldId id="265" r:id="rId14"/>
+    <p:sldId id="266" r:id="rId15"/>
+    <p:sldId id="267" r:id="rId16"/>
+    <p:sldId id="268" r:id="rId17"/>
+    <p:sldId id="269" r:id="rId18"/>
+    <p:sldId id="270" r:id="rId19"/>
+    <p:sldId id="271" r:id="rId20"/>
+    <p:sldId id="272" r:id="rId21"/>
+    <p:sldId id="273" r:id="rId22"/>
+    <p:sldId id="274" r:id="rId23"/>
+    <p:sldId id="275" r:id="rId24"/>
+    <p:sldId id="276" r:id="rId25"/>
+    <p:sldId id="277" r:id="rId26"/>
   </p:sldIdLst>
   <p:sldSz cx="12192000" cy="6858000"/>
   <p:notesSz cx="6858000" cy="9144000"/>
@@ -3410,6 +3411,1533 @@
           <a:chExt cx="0" cy="0"/>
         </a:xfrm>
       </p:grpSpPr>
+      <p:pic>
+        <p:nvPicPr>
+          <p:cNvPr id="3" name="Picture 2">
+            <a:extLst>
+              <a:ext uri="{FF2B5EF4-FFF2-40B4-BE49-F238E27FC236}">
+                <a16:creationId xmlns:a16="http://schemas.microsoft.com/office/drawing/2014/main" id="{9C5FA235-D176-8AE4-377E-9B65468F5EFD}"/>
+              </a:ext>
+            </a:extLst>
+          </p:cNvPr>
+          <p:cNvPicPr>
+            <a:picLocks noChangeAspect="1"/>
+          </p:cNvPicPr>
+          <p:nvPr/>
+        </p:nvPicPr>
+        <p:blipFill>
+          <a:blip r:embed="rId2"/>
+          <a:stretch>
+            <a:fillRect/>
+          </a:stretch>
+        </p:blipFill>
+        <p:spPr>
+          <a:xfrm>
+            <a:off x="375237" y="1591625"/>
+            <a:ext cx="4925112" cy="3258005"/>
+          </a:xfrm>
+          <a:prstGeom prst="rect">
+            <a:avLst/>
+          </a:prstGeom>
+        </p:spPr>
+      </p:pic>
+      <p:sp>
+        <p:nvSpPr>
+          <p:cNvPr id="4" name="TextBox 3">
+            <a:extLst>
+              <a:ext uri="{FF2B5EF4-FFF2-40B4-BE49-F238E27FC236}">
+                <a16:creationId xmlns:a16="http://schemas.microsoft.com/office/drawing/2014/main" id="{2AD32517-CB6E-FC1F-8819-B9F4B4EAC851}"/>
+              </a:ext>
+            </a:extLst>
+          </p:cNvPr>
+          <p:cNvSpPr txBox="1"/>
+          <p:nvPr/>
+        </p:nvSpPr>
+        <p:spPr>
+          <a:xfrm>
+            <a:off x="2429765" y="1138926"/>
+            <a:ext cx="1266693" cy="369332"/>
+          </a:xfrm>
+          <a:prstGeom prst="rect">
+            <a:avLst/>
+          </a:prstGeom>
+          <a:noFill/>
+        </p:spPr>
+        <p:txBody>
+          <a:bodyPr wrap="none" rtlCol="0">
+            <a:spAutoFit/>
+          </a:bodyPr>
+          <a:lstStyle/>
+          <a:p>
+            <a:r>
+              <a:rPr lang="en-US" dirty="0"/>
+              <a:t>In seed file:</a:t>
+            </a:r>
+          </a:p>
+        </p:txBody>
+      </p:sp>
+      <p:sp>
+        <p:nvSpPr>
+          <p:cNvPr id="6" name="TextBox 5">
+            <a:extLst>
+              <a:ext uri="{FF2B5EF4-FFF2-40B4-BE49-F238E27FC236}">
+                <a16:creationId xmlns:a16="http://schemas.microsoft.com/office/drawing/2014/main" id="{5D661ECF-69EA-9971-A531-9CD7C6BA6353}"/>
+              </a:ext>
+            </a:extLst>
+          </p:cNvPr>
+          <p:cNvSpPr txBox="1"/>
+          <p:nvPr/>
+        </p:nvSpPr>
+        <p:spPr>
+          <a:xfrm>
+            <a:off x="7391332" y="827149"/>
+            <a:ext cx="3760761" cy="3416320"/>
+          </a:xfrm>
+          <a:prstGeom prst="rect">
+            <a:avLst/>
+          </a:prstGeom>
+          <a:noFill/>
+        </p:spPr>
+        <p:txBody>
+          <a:bodyPr wrap="square">
+            <a:spAutoFit/>
+          </a:bodyPr>
+          <a:lstStyle/>
+          <a:p>
+            <a:pPr algn="l"/>
+            <a:r>
+              <a:rPr lang="en-US" sz="1200" b="0" i="0" dirty="0">
+                <a:solidFill>
+                  <a:srgbClr val="00009F"/>
+                </a:solidFill>
+                <a:effectLst/>
+                <a:latin typeface="JetBrainsMono"/>
+              </a:rPr>
+              <a:t>const</a:t>
+            </a:r>
+            <a:r>
+              <a:rPr lang="en-US" sz="1200" b="0" i="0" dirty="0">
+                <a:solidFill>
+                  <a:srgbClr val="1A202C"/>
+                </a:solidFill>
+                <a:effectLst/>
+                <a:latin typeface="JetBrainsMono"/>
+              </a:rPr>
+              <a:t> </a:t>
+            </a:r>
+            <a:r>
+              <a:rPr lang="en-US" sz="1200" b="0" i="0" dirty="0">
+                <a:solidFill>
+                  <a:srgbClr val="393A34"/>
+                </a:solidFill>
+                <a:effectLst/>
+                <a:latin typeface="JetBrainsMono"/>
+              </a:rPr>
+              <a:t>{</a:t>
+            </a:r>
+            <a:r>
+              <a:rPr lang="en-US" sz="1200" b="0" i="0" dirty="0">
+                <a:solidFill>
+                  <a:srgbClr val="1A202C"/>
+                </a:solidFill>
+                <a:effectLst/>
+                <a:latin typeface="JetBrainsMono"/>
+              </a:rPr>
+              <a:t> </a:t>
+            </a:r>
+            <a:r>
+              <a:rPr lang="en-US" sz="1200" b="0" i="0" dirty="0" err="1">
+                <a:solidFill>
+                  <a:srgbClr val="1A202C"/>
+                </a:solidFill>
+                <a:effectLst/>
+                <a:latin typeface="JetBrainsMono"/>
+              </a:rPr>
+              <a:t>PrismaClient</a:t>
+            </a:r>
+            <a:r>
+              <a:rPr lang="en-US" sz="1200" b="0" i="0" dirty="0">
+                <a:solidFill>
+                  <a:srgbClr val="1A202C"/>
+                </a:solidFill>
+                <a:effectLst/>
+                <a:latin typeface="JetBrainsMono"/>
+              </a:rPr>
+              <a:t> </a:t>
+            </a:r>
+            <a:r>
+              <a:rPr lang="en-US" sz="1200" b="0" i="0" dirty="0">
+                <a:solidFill>
+                  <a:srgbClr val="393A34"/>
+                </a:solidFill>
+                <a:effectLst/>
+                <a:latin typeface="JetBrainsMono"/>
+              </a:rPr>
+              <a:t>}</a:t>
+            </a:r>
+            <a:r>
+              <a:rPr lang="en-US" sz="1200" b="0" i="0" dirty="0">
+                <a:solidFill>
+                  <a:srgbClr val="1A202C"/>
+                </a:solidFill>
+                <a:effectLst/>
+                <a:latin typeface="JetBrainsMono"/>
+              </a:rPr>
+              <a:t> </a:t>
+            </a:r>
+            <a:r>
+              <a:rPr lang="en-US" sz="1200" b="0" i="0" dirty="0">
+                <a:solidFill>
+                  <a:srgbClr val="393A34"/>
+                </a:solidFill>
+                <a:effectLst/>
+                <a:latin typeface="JetBrainsMono"/>
+              </a:rPr>
+              <a:t>=</a:t>
+            </a:r>
+            <a:r>
+              <a:rPr lang="en-US" sz="1200" b="0" i="0" dirty="0">
+                <a:solidFill>
+                  <a:srgbClr val="1A202C"/>
+                </a:solidFill>
+                <a:effectLst/>
+                <a:latin typeface="JetBrainsMono"/>
+              </a:rPr>
+              <a:t> </a:t>
+            </a:r>
+            <a:r>
+              <a:rPr lang="en-US" sz="1200" b="0" i="0" dirty="0">
+                <a:solidFill>
+                  <a:srgbClr val="D73A49"/>
+                </a:solidFill>
+                <a:effectLst/>
+                <a:latin typeface="JetBrainsMono"/>
+              </a:rPr>
+              <a:t>require</a:t>
+            </a:r>
+            <a:r>
+              <a:rPr lang="en-US" sz="1200" b="0" i="0" dirty="0">
+                <a:solidFill>
+                  <a:srgbClr val="393A34"/>
+                </a:solidFill>
+                <a:effectLst/>
+                <a:latin typeface="JetBrainsMono"/>
+              </a:rPr>
+              <a:t>(</a:t>
+            </a:r>
+            <a:r>
+              <a:rPr lang="en-US" sz="1200" b="0" i="0" dirty="0">
+                <a:solidFill>
+                  <a:srgbClr val="E3116C"/>
+                </a:solidFill>
+                <a:effectLst/>
+                <a:latin typeface="JetBrainsMono"/>
+              </a:rPr>
+              <a:t>'@</a:t>
+            </a:r>
+            <a:r>
+              <a:rPr lang="en-US" sz="1200" b="0" i="0" dirty="0" err="1">
+                <a:solidFill>
+                  <a:srgbClr val="E3116C"/>
+                </a:solidFill>
+                <a:effectLst/>
+                <a:latin typeface="JetBrainsMono"/>
+              </a:rPr>
+              <a:t>prisma</a:t>
+            </a:r>
+            <a:r>
+              <a:rPr lang="en-US" sz="1200" b="0" i="0" dirty="0">
+                <a:solidFill>
+                  <a:srgbClr val="E3116C"/>
+                </a:solidFill>
+                <a:effectLst/>
+                <a:latin typeface="JetBrainsMono"/>
+              </a:rPr>
+              <a:t>/client'</a:t>
+            </a:r>
+            <a:r>
+              <a:rPr lang="en-US" sz="1200" b="0" i="0" dirty="0">
+                <a:solidFill>
+                  <a:srgbClr val="393A34"/>
+                </a:solidFill>
+                <a:effectLst/>
+                <a:latin typeface="JetBrainsMono"/>
+              </a:rPr>
+              <a:t>)</a:t>
+            </a:r>
+            <a:endParaRPr lang="en-US" sz="1200" b="0" i="0" dirty="0">
+              <a:solidFill>
+                <a:srgbClr val="1A202C"/>
+              </a:solidFill>
+              <a:effectLst/>
+              <a:latin typeface="JetBrainsMono"/>
+            </a:endParaRPr>
+          </a:p>
+          <a:p>
+            <a:pPr algn="l"/>
+            <a:r>
+              <a:rPr lang="en-US" sz="1200" b="0" i="0" dirty="0">
+                <a:solidFill>
+                  <a:srgbClr val="CBD5E0"/>
+                </a:solidFill>
+                <a:effectLst/>
+                <a:latin typeface="JetBrainsMono"/>
+              </a:rPr>
+              <a:t>2</a:t>
+            </a:r>
+            <a:r>
+              <a:rPr lang="en-US" sz="1200" b="0" i="0" dirty="0">
+                <a:solidFill>
+                  <a:srgbClr val="1A202C"/>
+                </a:solidFill>
+                <a:effectLst/>
+                <a:latin typeface="JetBrainsMono"/>
+              </a:rPr>
+              <a:t> </a:t>
+            </a:r>
+          </a:p>
+          <a:p>
+            <a:pPr algn="l"/>
+            <a:r>
+              <a:rPr lang="en-US" sz="1200" b="0" i="0" dirty="0">
+                <a:solidFill>
+                  <a:srgbClr val="CBD5E0"/>
+                </a:solidFill>
+                <a:effectLst/>
+                <a:latin typeface="JetBrainsMono"/>
+              </a:rPr>
+              <a:t>3</a:t>
+            </a:r>
+            <a:r>
+              <a:rPr lang="en-US" sz="1200" b="0" i="0" dirty="0">
+                <a:solidFill>
+                  <a:srgbClr val="00009F"/>
+                </a:solidFill>
+                <a:effectLst/>
+                <a:latin typeface="JetBrainsMono"/>
+              </a:rPr>
+              <a:t>const</a:t>
+            </a:r>
+            <a:r>
+              <a:rPr lang="en-US" sz="1200" b="0" i="0" dirty="0">
+                <a:solidFill>
+                  <a:srgbClr val="1A202C"/>
+                </a:solidFill>
+                <a:effectLst/>
+                <a:latin typeface="JetBrainsMono"/>
+              </a:rPr>
+              <a:t> </a:t>
+            </a:r>
+            <a:r>
+              <a:rPr lang="en-US" sz="1200" b="0" i="0" dirty="0" err="1">
+                <a:solidFill>
+                  <a:srgbClr val="1A202C"/>
+                </a:solidFill>
+                <a:effectLst/>
+                <a:latin typeface="JetBrainsMono"/>
+              </a:rPr>
+              <a:t>prisma</a:t>
+            </a:r>
+            <a:r>
+              <a:rPr lang="en-US" sz="1200" b="0" i="0" dirty="0">
+                <a:solidFill>
+                  <a:srgbClr val="1A202C"/>
+                </a:solidFill>
+                <a:effectLst/>
+                <a:latin typeface="JetBrainsMono"/>
+              </a:rPr>
+              <a:t> </a:t>
+            </a:r>
+            <a:r>
+              <a:rPr lang="en-US" sz="1200" b="0" i="0" dirty="0">
+                <a:solidFill>
+                  <a:srgbClr val="393A34"/>
+                </a:solidFill>
+                <a:effectLst/>
+                <a:latin typeface="JetBrainsMono"/>
+              </a:rPr>
+              <a:t>=</a:t>
+            </a:r>
+            <a:r>
+              <a:rPr lang="en-US" sz="1200" b="0" i="0" dirty="0">
+                <a:solidFill>
+                  <a:srgbClr val="1A202C"/>
+                </a:solidFill>
+                <a:effectLst/>
+                <a:latin typeface="JetBrainsMono"/>
+              </a:rPr>
+              <a:t> </a:t>
+            </a:r>
+            <a:r>
+              <a:rPr lang="en-US" sz="1200" b="0" i="0" dirty="0">
+                <a:solidFill>
+                  <a:srgbClr val="00009F"/>
+                </a:solidFill>
+                <a:effectLst/>
+                <a:latin typeface="JetBrainsMono"/>
+              </a:rPr>
+              <a:t>new</a:t>
+            </a:r>
+            <a:r>
+              <a:rPr lang="en-US" sz="1200" b="0" i="0" dirty="0">
+                <a:solidFill>
+                  <a:srgbClr val="1A202C"/>
+                </a:solidFill>
+                <a:effectLst/>
+                <a:latin typeface="JetBrainsMono"/>
+              </a:rPr>
+              <a:t> </a:t>
+            </a:r>
+            <a:r>
+              <a:rPr lang="en-US" sz="1200" b="0" i="0" dirty="0" err="1">
+                <a:solidFill>
+                  <a:srgbClr val="D73A49"/>
+                </a:solidFill>
+                <a:effectLst/>
+                <a:latin typeface="JetBrainsMono"/>
+              </a:rPr>
+              <a:t>PrismaClient</a:t>
+            </a:r>
+            <a:r>
+              <a:rPr lang="en-US" sz="1200" b="0" i="0" dirty="0">
+                <a:solidFill>
+                  <a:srgbClr val="393A34"/>
+                </a:solidFill>
+                <a:effectLst/>
+                <a:latin typeface="JetBrainsMono"/>
+              </a:rPr>
+              <a:t>()</a:t>
+            </a:r>
+            <a:endParaRPr lang="en-US" sz="1200" b="0" i="0" dirty="0">
+              <a:solidFill>
+                <a:srgbClr val="1A202C"/>
+              </a:solidFill>
+              <a:effectLst/>
+              <a:latin typeface="JetBrainsMono"/>
+            </a:endParaRPr>
+          </a:p>
+          <a:p>
+            <a:pPr algn="l"/>
+            <a:r>
+              <a:rPr lang="en-US" sz="1200" b="0" i="0" dirty="0">
+                <a:solidFill>
+                  <a:srgbClr val="CBD5E0"/>
+                </a:solidFill>
+                <a:effectLst/>
+                <a:latin typeface="JetBrainsMono"/>
+              </a:rPr>
+              <a:t>4</a:t>
+            </a:r>
+            <a:r>
+              <a:rPr lang="en-US" sz="1200" b="0" i="0" dirty="0">
+                <a:solidFill>
+                  <a:srgbClr val="1A202C"/>
+                </a:solidFill>
+                <a:effectLst/>
+                <a:latin typeface="JetBrainsMono"/>
+              </a:rPr>
+              <a:t> </a:t>
+            </a:r>
+          </a:p>
+          <a:p>
+            <a:pPr algn="l"/>
+            <a:r>
+              <a:rPr lang="en-US" sz="1200" b="0" i="0" dirty="0">
+                <a:solidFill>
+                  <a:srgbClr val="CBD5E0"/>
+                </a:solidFill>
+                <a:effectLst/>
+                <a:latin typeface="JetBrainsMono"/>
+              </a:rPr>
+              <a:t>5</a:t>
+            </a:r>
+            <a:r>
+              <a:rPr lang="en-US" sz="1200" b="0" i="0" dirty="0">
+                <a:solidFill>
+                  <a:srgbClr val="00009F"/>
+                </a:solidFill>
+                <a:effectLst/>
+                <a:latin typeface="JetBrainsMono"/>
+              </a:rPr>
+              <a:t>async</a:t>
+            </a:r>
+            <a:r>
+              <a:rPr lang="en-US" sz="1200" b="0" i="0" dirty="0">
+                <a:solidFill>
+                  <a:srgbClr val="1A202C"/>
+                </a:solidFill>
+                <a:effectLst/>
+                <a:latin typeface="JetBrainsMono"/>
+              </a:rPr>
+              <a:t> </a:t>
+            </a:r>
+            <a:r>
+              <a:rPr lang="en-US" sz="1200" b="0" i="0" dirty="0">
+                <a:solidFill>
+                  <a:srgbClr val="00009F"/>
+                </a:solidFill>
+                <a:effectLst/>
+                <a:latin typeface="JetBrainsMono"/>
+              </a:rPr>
+              <a:t>function</a:t>
+            </a:r>
+            <a:r>
+              <a:rPr lang="en-US" sz="1200" b="0" i="0" dirty="0">
+                <a:solidFill>
+                  <a:srgbClr val="1A202C"/>
+                </a:solidFill>
+                <a:effectLst/>
+                <a:latin typeface="JetBrainsMono"/>
+              </a:rPr>
+              <a:t> </a:t>
+            </a:r>
+            <a:r>
+              <a:rPr lang="en-US" sz="1200" b="0" i="0" dirty="0">
+                <a:solidFill>
+                  <a:srgbClr val="D73A49"/>
+                </a:solidFill>
+                <a:effectLst/>
+                <a:latin typeface="JetBrainsMono"/>
+              </a:rPr>
+              <a:t>main</a:t>
+            </a:r>
+            <a:r>
+              <a:rPr lang="en-US" sz="1200" b="0" i="0" dirty="0">
+                <a:solidFill>
+                  <a:srgbClr val="393A34"/>
+                </a:solidFill>
+                <a:effectLst/>
+                <a:latin typeface="JetBrainsMono"/>
+              </a:rPr>
+              <a:t>()</a:t>
+            </a:r>
+            <a:r>
+              <a:rPr lang="en-US" sz="1200" b="0" i="0" dirty="0">
+                <a:solidFill>
+                  <a:srgbClr val="1A202C"/>
+                </a:solidFill>
+                <a:effectLst/>
+                <a:latin typeface="JetBrainsMono"/>
+              </a:rPr>
+              <a:t> </a:t>
+            </a:r>
+            <a:r>
+              <a:rPr lang="en-US" sz="1200" b="0" i="0" dirty="0">
+                <a:solidFill>
+                  <a:srgbClr val="393A34"/>
+                </a:solidFill>
+                <a:effectLst/>
+                <a:latin typeface="JetBrainsMono"/>
+              </a:rPr>
+              <a:t>{</a:t>
+            </a:r>
+            <a:endParaRPr lang="en-US" sz="1200" b="0" i="0" dirty="0">
+              <a:solidFill>
+                <a:srgbClr val="1A202C"/>
+              </a:solidFill>
+              <a:effectLst/>
+              <a:latin typeface="JetBrainsMono"/>
+            </a:endParaRPr>
+          </a:p>
+          <a:p>
+            <a:pPr algn="l"/>
+            <a:r>
+              <a:rPr lang="en-US" sz="1200" b="0" i="0" dirty="0">
+                <a:solidFill>
+                  <a:srgbClr val="CBD5E0"/>
+                </a:solidFill>
+                <a:effectLst/>
+                <a:latin typeface="JetBrainsMono"/>
+              </a:rPr>
+              <a:t>6</a:t>
+            </a:r>
+            <a:r>
+              <a:rPr lang="en-US" sz="1200" b="0" i="0" dirty="0">
+                <a:solidFill>
+                  <a:srgbClr val="1A202C"/>
+                </a:solidFill>
+                <a:effectLst/>
+                <a:latin typeface="JetBrainsMono"/>
+              </a:rPr>
+              <a:t> </a:t>
+            </a:r>
+            <a:r>
+              <a:rPr lang="en-US" sz="1200" b="0" i="1" dirty="0">
+                <a:solidFill>
+                  <a:srgbClr val="999988"/>
+                </a:solidFill>
+                <a:effectLst/>
+                <a:latin typeface="JetBrainsMono"/>
+              </a:rPr>
+              <a:t>// ... you will write your Prisma Client queries here</a:t>
+            </a:r>
+          </a:p>
+          <a:p>
+            <a:pPr algn="l"/>
+            <a:r>
+              <a:rPr lang="en-US" sz="1200" i="1" dirty="0">
+                <a:solidFill>
+                  <a:srgbClr val="999988"/>
+                </a:solidFill>
+                <a:latin typeface="JetBrainsMono"/>
+              </a:rPr>
+              <a:t>Console.log(`seeding the database`)</a:t>
+            </a:r>
+            <a:endParaRPr lang="en-US" sz="1200" b="0" i="0" dirty="0">
+              <a:solidFill>
+                <a:srgbClr val="1A202C"/>
+              </a:solidFill>
+              <a:effectLst/>
+              <a:latin typeface="JetBrainsMono"/>
+            </a:endParaRPr>
+          </a:p>
+          <a:p>
+            <a:pPr algn="l"/>
+            <a:r>
+              <a:rPr lang="en-US" sz="1200" b="0" i="0" dirty="0">
+                <a:solidFill>
+                  <a:srgbClr val="CBD5E0"/>
+                </a:solidFill>
+                <a:effectLst/>
+                <a:latin typeface="JetBrainsMono"/>
+              </a:rPr>
+              <a:t>7</a:t>
+            </a:r>
+            <a:r>
+              <a:rPr lang="en-US" sz="1200" b="0" i="0" dirty="0">
+                <a:solidFill>
+                  <a:srgbClr val="393A34"/>
+                </a:solidFill>
+                <a:effectLst/>
+                <a:latin typeface="JetBrainsMono"/>
+              </a:rPr>
+              <a:t>}</a:t>
+            </a:r>
+            <a:endParaRPr lang="en-US" sz="1200" b="0" i="0" dirty="0">
+              <a:solidFill>
+                <a:srgbClr val="1A202C"/>
+              </a:solidFill>
+              <a:effectLst/>
+              <a:latin typeface="JetBrainsMono"/>
+            </a:endParaRPr>
+          </a:p>
+          <a:p>
+            <a:pPr algn="l"/>
+            <a:r>
+              <a:rPr lang="en-US" sz="1200" b="0" i="0" dirty="0">
+                <a:solidFill>
+                  <a:srgbClr val="CBD5E0"/>
+                </a:solidFill>
+                <a:effectLst/>
+                <a:latin typeface="JetBrainsMono"/>
+              </a:rPr>
+              <a:t>8</a:t>
+            </a:r>
+            <a:r>
+              <a:rPr lang="en-US" sz="1200" b="0" i="0" dirty="0">
+                <a:solidFill>
+                  <a:srgbClr val="1A202C"/>
+                </a:solidFill>
+                <a:effectLst/>
+                <a:latin typeface="JetBrainsMono"/>
+              </a:rPr>
+              <a:t> </a:t>
+            </a:r>
+          </a:p>
+          <a:p>
+            <a:pPr algn="l"/>
+            <a:r>
+              <a:rPr lang="en-US" sz="1200" b="0" i="0" dirty="0">
+                <a:solidFill>
+                  <a:srgbClr val="CBD5E0"/>
+                </a:solidFill>
+                <a:effectLst/>
+                <a:latin typeface="JetBrainsMono"/>
+              </a:rPr>
+              <a:t>9</a:t>
+            </a:r>
+            <a:r>
+              <a:rPr lang="en-US" sz="1200" b="0" i="0" dirty="0">
+                <a:solidFill>
+                  <a:srgbClr val="D73A49"/>
+                </a:solidFill>
+                <a:effectLst/>
+                <a:latin typeface="JetBrainsMono"/>
+              </a:rPr>
+              <a:t>main</a:t>
+            </a:r>
+            <a:r>
+              <a:rPr lang="en-US" sz="1200" b="0" i="0" dirty="0">
+                <a:solidFill>
+                  <a:srgbClr val="393A34"/>
+                </a:solidFill>
+                <a:effectLst/>
+                <a:latin typeface="JetBrainsMono"/>
+              </a:rPr>
+              <a:t>()</a:t>
+            </a:r>
+            <a:endParaRPr lang="en-US" sz="1200" b="0" i="0" dirty="0">
+              <a:solidFill>
+                <a:srgbClr val="1A202C"/>
+              </a:solidFill>
+              <a:effectLst/>
+              <a:latin typeface="JetBrainsMono"/>
+            </a:endParaRPr>
+          </a:p>
+          <a:p>
+            <a:pPr algn="l"/>
+            <a:r>
+              <a:rPr lang="en-US" sz="1200" b="0" i="0" dirty="0">
+                <a:solidFill>
+                  <a:srgbClr val="CBD5E0"/>
+                </a:solidFill>
+                <a:effectLst/>
+                <a:latin typeface="JetBrainsMono"/>
+              </a:rPr>
+              <a:t>10</a:t>
+            </a:r>
+            <a:r>
+              <a:rPr lang="en-US" sz="1200" b="0" i="0" dirty="0">
+                <a:solidFill>
+                  <a:srgbClr val="1A202C"/>
+                </a:solidFill>
+                <a:effectLst/>
+                <a:latin typeface="JetBrainsMono"/>
+              </a:rPr>
+              <a:t> </a:t>
+            </a:r>
+            <a:r>
+              <a:rPr lang="en-US" sz="1200" b="0" i="0" dirty="0">
+                <a:solidFill>
+                  <a:srgbClr val="393A34"/>
+                </a:solidFill>
+                <a:effectLst/>
+                <a:latin typeface="JetBrainsMono"/>
+              </a:rPr>
+              <a:t>.</a:t>
+            </a:r>
+            <a:r>
+              <a:rPr lang="en-US" sz="1200" b="0" i="0" dirty="0">
+                <a:solidFill>
+                  <a:srgbClr val="D73A49"/>
+                </a:solidFill>
+                <a:effectLst/>
+                <a:latin typeface="JetBrainsMono"/>
+              </a:rPr>
+              <a:t>then</a:t>
+            </a:r>
+            <a:r>
+              <a:rPr lang="en-US" sz="1200" b="0" i="0" dirty="0">
+                <a:solidFill>
+                  <a:srgbClr val="393A34"/>
+                </a:solidFill>
+                <a:effectLst/>
+                <a:latin typeface="JetBrainsMono"/>
+              </a:rPr>
+              <a:t>(</a:t>
+            </a:r>
+            <a:r>
+              <a:rPr lang="en-US" sz="1200" b="0" i="0" dirty="0">
+                <a:solidFill>
+                  <a:srgbClr val="00009F"/>
+                </a:solidFill>
+                <a:effectLst/>
+                <a:latin typeface="JetBrainsMono"/>
+              </a:rPr>
+              <a:t>async</a:t>
+            </a:r>
+            <a:r>
+              <a:rPr lang="en-US" sz="1200" b="0" i="0" dirty="0">
+                <a:solidFill>
+                  <a:srgbClr val="1A202C"/>
+                </a:solidFill>
+                <a:effectLst/>
+                <a:latin typeface="JetBrainsMono"/>
+              </a:rPr>
+              <a:t> </a:t>
+            </a:r>
+            <a:r>
+              <a:rPr lang="en-US" sz="1200" b="0" i="0" dirty="0">
+                <a:solidFill>
+                  <a:srgbClr val="393A34"/>
+                </a:solidFill>
+                <a:effectLst/>
+                <a:latin typeface="JetBrainsMono"/>
+              </a:rPr>
+              <a:t>()</a:t>
+            </a:r>
+            <a:r>
+              <a:rPr lang="en-US" sz="1200" b="0" i="0" dirty="0">
+                <a:solidFill>
+                  <a:srgbClr val="1A202C"/>
+                </a:solidFill>
+                <a:effectLst/>
+                <a:latin typeface="JetBrainsMono"/>
+              </a:rPr>
+              <a:t> </a:t>
+            </a:r>
+            <a:r>
+              <a:rPr lang="en-US" sz="1200" b="0" i="0" dirty="0">
+                <a:solidFill>
+                  <a:srgbClr val="393A34"/>
+                </a:solidFill>
+                <a:effectLst/>
+                <a:latin typeface="JetBrainsMono"/>
+              </a:rPr>
+              <a:t>=&gt;</a:t>
+            </a:r>
+            <a:r>
+              <a:rPr lang="en-US" sz="1200" b="0" i="0" dirty="0">
+                <a:solidFill>
+                  <a:srgbClr val="1A202C"/>
+                </a:solidFill>
+                <a:effectLst/>
+                <a:latin typeface="JetBrainsMono"/>
+              </a:rPr>
+              <a:t> </a:t>
+            </a:r>
+            <a:r>
+              <a:rPr lang="en-US" sz="1200" b="0" i="0" dirty="0">
+                <a:solidFill>
+                  <a:srgbClr val="393A34"/>
+                </a:solidFill>
+                <a:effectLst/>
+                <a:latin typeface="JetBrainsMono"/>
+              </a:rPr>
+              <a:t>{</a:t>
+            </a:r>
+            <a:endParaRPr lang="en-US" sz="1200" b="0" i="0" dirty="0">
+              <a:solidFill>
+                <a:srgbClr val="1A202C"/>
+              </a:solidFill>
+              <a:effectLst/>
+              <a:latin typeface="JetBrainsMono"/>
+            </a:endParaRPr>
+          </a:p>
+          <a:p>
+            <a:pPr algn="l"/>
+            <a:r>
+              <a:rPr lang="en-US" sz="1200" b="0" i="0" dirty="0">
+                <a:solidFill>
+                  <a:srgbClr val="CBD5E0"/>
+                </a:solidFill>
+                <a:effectLst/>
+                <a:latin typeface="JetBrainsMono"/>
+              </a:rPr>
+              <a:t>11</a:t>
+            </a:r>
+            <a:r>
+              <a:rPr lang="en-US" sz="1200" b="0" i="0" dirty="0">
+                <a:solidFill>
+                  <a:srgbClr val="1A202C"/>
+                </a:solidFill>
+                <a:effectLst/>
+                <a:latin typeface="JetBrainsMono"/>
+              </a:rPr>
+              <a:t> </a:t>
+            </a:r>
+            <a:r>
+              <a:rPr lang="en-US" sz="1200" b="0" i="0" dirty="0">
+                <a:solidFill>
+                  <a:srgbClr val="00009F"/>
+                </a:solidFill>
+                <a:effectLst/>
+                <a:latin typeface="JetBrainsMono"/>
+              </a:rPr>
+              <a:t>await</a:t>
+            </a:r>
+            <a:r>
+              <a:rPr lang="en-US" sz="1200" b="0" i="0" dirty="0">
+                <a:solidFill>
+                  <a:srgbClr val="1A202C"/>
+                </a:solidFill>
+                <a:effectLst/>
+                <a:latin typeface="JetBrainsMono"/>
+              </a:rPr>
+              <a:t> </a:t>
+            </a:r>
+            <a:r>
+              <a:rPr lang="en-US" sz="1200" b="0" i="0" dirty="0" err="1">
+                <a:solidFill>
+                  <a:srgbClr val="1A202C"/>
+                </a:solidFill>
+                <a:effectLst/>
+                <a:latin typeface="JetBrainsMono"/>
+              </a:rPr>
+              <a:t>prisma</a:t>
+            </a:r>
+            <a:r>
+              <a:rPr lang="en-US" sz="1200" b="0" i="0" dirty="0">
+                <a:solidFill>
+                  <a:srgbClr val="393A34"/>
+                </a:solidFill>
+                <a:effectLst/>
+                <a:latin typeface="JetBrainsMono"/>
+              </a:rPr>
+              <a:t>.</a:t>
+            </a:r>
+            <a:r>
+              <a:rPr lang="en-US" sz="1200" b="0" i="0" dirty="0">
+                <a:solidFill>
+                  <a:srgbClr val="D73A49"/>
+                </a:solidFill>
+                <a:effectLst/>
+                <a:latin typeface="JetBrainsMono"/>
+              </a:rPr>
+              <a:t>$disconnect</a:t>
+            </a:r>
+            <a:r>
+              <a:rPr lang="en-US" sz="1200" b="0" i="0" dirty="0">
+                <a:solidFill>
+                  <a:srgbClr val="393A34"/>
+                </a:solidFill>
+                <a:effectLst/>
+                <a:latin typeface="JetBrainsMono"/>
+              </a:rPr>
+              <a:t>()</a:t>
+            </a:r>
+            <a:endParaRPr lang="en-US" sz="1200" b="0" i="0" dirty="0">
+              <a:solidFill>
+                <a:srgbClr val="1A202C"/>
+              </a:solidFill>
+              <a:effectLst/>
+              <a:latin typeface="JetBrainsMono"/>
+            </a:endParaRPr>
+          </a:p>
+          <a:p>
+            <a:pPr algn="l"/>
+            <a:r>
+              <a:rPr lang="en-US" sz="1200" b="0" i="0" dirty="0">
+                <a:solidFill>
+                  <a:srgbClr val="CBD5E0"/>
+                </a:solidFill>
+                <a:effectLst/>
+                <a:latin typeface="JetBrainsMono"/>
+              </a:rPr>
+              <a:t>12</a:t>
+            </a:r>
+            <a:r>
+              <a:rPr lang="en-US" sz="1200" b="0" i="0" dirty="0">
+                <a:solidFill>
+                  <a:srgbClr val="1A202C"/>
+                </a:solidFill>
+                <a:effectLst/>
+                <a:latin typeface="JetBrainsMono"/>
+              </a:rPr>
+              <a:t> </a:t>
+            </a:r>
+            <a:r>
+              <a:rPr lang="en-US" sz="1200" b="0" i="0" dirty="0">
+                <a:solidFill>
+                  <a:srgbClr val="393A34"/>
+                </a:solidFill>
+                <a:effectLst/>
+                <a:latin typeface="JetBrainsMono"/>
+              </a:rPr>
+              <a:t>})</a:t>
+            </a:r>
+            <a:endParaRPr lang="en-US" sz="1200" b="0" i="0" dirty="0">
+              <a:solidFill>
+                <a:srgbClr val="1A202C"/>
+              </a:solidFill>
+              <a:effectLst/>
+              <a:latin typeface="JetBrainsMono"/>
+            </a:endParaRPr>
+          </a:p>
+          <a:p>
+            <a:pPr algn="l"/>
+            <a:r>
+              <a:rPr lang="en-US" sz="1200" b="0" i="0" dirty="0">
+                <a:solidFill>
+                  <a:srgbClr val="CBD5E0"/>
+                </a:solidFill>
+                <a:effectLst/>
+                <a:latin typeface="JetBrainsMono"/>
+              </a:rPr>
+              <a:t>13</a:t>
+            </a:r>
+            <a:r>
+              <a:rPr lang="en-US" sz="1200" b="0" i="0" dirty="0">
+                <a:solidFill>
+                  <a:srgbClr val="1A202C"/>
+                </a:solidFill>
+                <a:effectLst/>
+                <a:latin typeface="JetBrainsMono"/>
+              </a:rPr>
+              <a:t> </a:t>
+            </a:r>
+            <a:r>
+              <a:rPr lang="en-US" sz="1200" b="0" i="0" dirty="0">
+                <a:solidFill>
+                  <a:srgbClr val="393A34"/>
+                </a:solidFill>
+                <a:effectLst/>
+                <a:latin typeface="JetBrainsMono"/>
+              </a:rPr>
+              <a:t>.</a:t>
+            </a:r>
+            <a:r>
+              <a:rPr lang="en-US" sz="1200" b="0" i="0" dirty="0">
+                <a:solidFill>
+                  <a:srgbClr val="00009F"/>
+                </a:solidFill>
+                <a:effectLst/>
+                <a:latin typeface="JetBrainsMono"/>
+              </a:rPr>
+              <a:t>catch</a:t>
+            </a:r>
+            <a:r>
+              <a:rPr lang="en-US" sz="1200" b="0" i="0" dirty="0">
+                <a:solidFill>
+                  <a:srgbClr val="393A34"/>
+                </a:solidFill>
+                <a:effectLst/>
+                <a:latin typeface="JetBrainsMono"/>
+              </a:rPr>
+              <a:t>(</a:t>
+            </a:r>
+            <a:r>
+              <a:rPr lang="en-US" sz="1200" b="0" i="0" dirty="0">
+                <a:solidFill>
+                  <a:srgbClr val="00009F"/>
+                </a:solidFill>
+                <a:effectLst/>
+                <a:latin typeface="JetBrainsMono"/>
+              </a:rPr>
+              <a:t>async</a:t>
+            </a:r>
+            <a:r>
+              <a:rPr lang="en-US" sz="1200" b="0" i="0" dirty="0">
+                <a:solidFill>
+                  <a:srgbClr val="1A202C"/>
+                </a:solidFill>
+                <a:effectLst/>
+                <a:latin typeface="JetBrainsMono"/>
+              </a:rPr>
+              <a:t> </a:t>
+            </a:r>
+            <a:r>
+              <a:rPr lang="en-US" sz="1200" b="0" i="0" dirty="0">
+                <a:solidFill>
+                  <a:srgbClr val="393A34"/>
+                </a:solidFill>
+                <a:effectLst/>
+                <a:latin typeface="JetBrainsMono"/>
+              </a:rPr>
+              <a:t>(</a:t>
+            </a:r>
+            <a:r>
+              <a:rPr lang="en-US" sz="1200" b="0" i="0" dirty="0">
+                <a:solidFill>
+                  <a:srgbClr val="1A202C"/>
+                </a:solidFill>
+                <a:effectLst/>
+                <a:latin typeface="JetBrainsMono"/>
+              </a:rPr>
+              <a:t>e</a:t>
+            </a:r>
+            <a:r>
+              <a:rPr lang="en-US" sz="1200" b="0" i="0" dirty="0">
+                <a:solidFill>
+                  <a:srgbClr val="393A34"/>
+                </a:solidFill>
+                <a:effectLst/>
+                <a:latin typeface="JetBrainsMono"/>
+              </a:rPr>
+              <a:t>)</a:t>
+            </a:r>
+            <a:r>
+              <a:rPr lang="en-US" sz="1200" b="0" i="0" dirty="0">
+                <a:solidFill>
+                  <a:srgbClr val="1A202C"/>
+                </a:solidFill>
+                <a:effectLst/>
+                <a:latin typeface="JetBrainsMono"/>
+              </a:rPr>
+              <a:t> </a:t>
+            </a:r>
+            <a:r>
+              <a:rPr lang="en-US" sz="1200" b="0" i="0" dirty="0">
+                <a:solidFill>
+                  <a:srgbClr val="393A34"/>
+                </a:solidFill>
+                <a:effectLst/>
+                <a:latin typeface="JetBrainsMono"/>
+              </a:rPr>
+              <a:t>=&gt;</a:t>
+            </a:r>
+            <a:r>
+              <a:rPr lang="en-US" sz="1200" b="0" i="0" dirty="0">
+                <a:solidFill>
+                  <a:srgbClr val="1A202C"/>
+                </a:solidFill>
+                <a:effectLst/>
+                <a:latin typeface="JetBrainsMono"/>
+              </a:rPr>
+              <a:t> </a:t>
+            </a:r>
+            <a:r>
+              <a:rPr lang="en-US" sz="1200" b="0" i="0" dirty="0">
+                <a:solidFill>
+                  <a:srgbClr val="393A34"/>
+                </a:solidFill>
+                <a:effectLst/>
+                <a:latin typeface="JetBrainsMono"/>
+              </a:rPr>
+              <a:t>{</a:t>
+            </a:r>
+            <a:endParaRPr lang="en-US" sz="1200" b="0" i="0" dirty="0">
+              <a:solidFill>
+                <a:srgbClr val="1A202C"/>
+              </a:solidFill>
+              <a:effectLst/>
+              <a:latin typeface="JetBrainsMono"/>
+            </a:endParaRPr>
+          </a:p>
+          <a:p>
+            <a:pPr algn="l"/>
+            <a:r>
+              <a:rPr lang="en-US" sz="1200" b="0" i="0" dirty="0">
+                <a:solidFill>
+                  <a:srgbClr val="CBD5E0"/>
+                </a:solidFill>
+                <a:effectLst/>
+                <a:latin typeface="JetBrainsMono"/>
+              </a:rPr>
+              <a:t>14</a:t>
+            </a:r>
+            <a:r>
+              <a:rPr lang="en-US" sz="1200" b="0" i="0" dirty="0">
+                <a:solidFill>
+                  <a:srgbClr val="1A202C"/>
+                </a:solidFill>
+                <a:effectLst/>
+                <a:latin typeface="JetBrainsMono"/>
+              </a:rPr>
+              <a:t> </a:t>
+            </a:r>
+            <a:r>
+              <a:rPr lang="en-US" sz="1200" b="0" i="0" dirty="0" err="1">
+                <a:solidFill>
+                  <a:srgbClr val="1A202C"/>
+                </a:solidFill>
+                <a:effectLst/>
+                <a:latin typeface="JetBrainsMono"/>
+              </a:rPr>
+              <a:t>console</a:t>
+            </a:r>
+            <a:r>
+              <a:rPr lang="en-US" sz="1200" b="0" i="0" dirty="0" err="1">
+                <a:solidFill>
+                  <a:srgbClr val="393A34"/>
+                </a:solidFill>
+                <a:effectLst/>
+                <a:latin typeface="JetBrainsMono"/>
+              </a:rPr>
+              <a:t>.</a:t>
+            </a:r>
+            <a:r>
+              <a:rPr lang="en-US" sz="1200" b="0" i="0" dirty="0" err="1">
+                <a:solidFill>
+                  <a:srgbClr val="D73A49"/>
+                </a:solidFill>
+                <a:effectLst/>
+                <a:latin typeface="JetBrainsMono"/>
+              </a:rPr>
+              <a:t>error</a:t>
+            </a:r>
+            <a:r>
+              <a:rPr lang="en-US" sz="1200" b="0" i="0" dirty="0">
+                <a:solidFill>
+                  <a:srgbClr val="393A34"/>
+                </a:solidFill>
+                <a:effectLst/>
+                <a:latin typeface="JetBrainsMono"/>
+              </a:rPr>
+              <a:t>(</a:t>
+            </a:r>
+            <a:r>
+              <a:rPr lang="en-US" sz="1200" b="0" i="0" dirty="0">
+                <a:solidFill>
+                  <a:srgbClr val="1A202C"/>
+                </a:solidFill>
+                <a:effectLst/>
+                <a:latin typeface="JetBrainsMono"/>
+              </a:rPr>
+              <a:t>e</a:t>
+            </a:r>
+            <a:r>
+              <a:rPr lang="en-US" sz="1200" b="0" i="0" dirty="0">
+                <a:solidFill>
+                  <a:srgbClr val="393A34"/>
+                </a:solidFill>
+                <a:effectLst/>
+                <a:latin typeface="JetBrainsMono"/>
+              </a:rPr>
+              <a:t>)</a:t>
+            </a:r>
+            <a:endParaRPr lang="en-US" sz="1200" b="0" i="0" dirty="0">
+              <a:solidFill>
+                <a:srgbClr val="1A202C"/>
+              </a:solidFill>
+              <a:effectLst/>
+              <a:latin typeface="JetBrainsMono"/>
+            </a:endParaRPr>
+          </a:p>
+          <a:p>
+            <a:pPr algn="l"/>
+            <a:r>
+              <a:rPr lang="en-US" sz="1200" b="0" i="0" dirty="0">
+                <a:solidFill>
+                  <a:srgbClr val="CBD5E0"/>
+                </a:solidFill>
+                <a:effectLst/>
+                <a:latin typeface="JetBrainsMono"/>
+              </a:rPr>
+              <a:t>15</a:t>
+            </a:r>
+            <a:r>
+              <a:rPr lang="en-US" sz="1200" b="0" i="0" dirty="0">
+                <a:solidFill>
+                  <a:srgbClr val="1A202C"/>
+                </a:solidFill>
+                <a:effectLst/>
+                <a:latin typeface="JetBrainsMono"/>
+              </a:rPr>
+              <a:t> </a:t>
+            </a:r>
+            <a:r>
+              <a:rPr lang="en-US" sz="1200" b="0" i="0" dirty="0">
+                <a:solidFill>
+                  <a:srgbClr val="00009F"/>
+                </a:solidFill>
+                <a:effectLst/>
+                <a:latin typeface="JetBrainsMono"/>
+              </a:rPr>
+              <a:t>await</a:t>
+            </a:r>
+            <a:r>
+              <a:rPr lang="en-US" sz="1200" b="0" i="0" dirty="0">
+                <a:solidFill>
+                  <a:srgbClr val="1A202C"/>
+                </a:solidFill>
+                <a:effectLst/>
+                <a:latin typeface="JetBrainsMono"/>
+              </a:rPr>
+              <a:t> </a:t>
+            </a:r>
+            <a:r>
+              <a:rPr lang="en-US" sz="1200" b="0" i="0" dirty="0" err="1">
+                <a:solidFill>
+                  <a:srgbClr val="1A202C"/>
+                </a:solidFill>
+                <a:effectLst/>
+                <a:latin typeface="JetBrainsMono"/>
+              </a:rPr>
+              <a:t>prisma</a:t>
+            </a:r>
+            <a:r>
+              <a:rPr lang="en-US" sz="1200" b="0" i="0" dirty="0">
+                <a:solidFill>
+                  <a:srgbClr val="393A34"/>
+                </a:solidFill>
+                <a:effectLst/>
+                <a:latin typeface="JetBrainsMono"/>
+              </a:rPr>
+              <a:t>.</a:t>
+            </a:r>
+            <a:r>
+              <a:rPr lang="en-US" sz="1200" b="0" i="0" dirty="0">
+                <a:solidFill>
+                  <a:srgbClr val="D73A49"/>
+                </a:solidFill>
+                <a:effectLst/>
+                <a:latin typeface="JetBrainsMono"/>
+              </a:rPr>
+              <a:t>$disconnect</a:t>
+            </a:r>
+            <a:r>
+              <a:rPr lang="en-US" sz="1200" b="0" i="0" dirty="0">
+                <a:solidFill>
+                  <a:srgbClr val="393A34"/>
+                </a:solidFill>
+                <a:effectLst/>
+                <a:latin typeface="JetBrainsMono"/>
+              </a:rPr>
+              <a:t>()</a:t>
+            </a:r>
+            <a:endParaRPr lang="en-US" sz="1200" b="0" i="0" dirty="0">
+              <a:solidFill>
+                <a:srgbClr val="1A202C"/>
+              </a:solidFill>
+              <a:effectLst/>
+              <a:latin typeface="JetBrainsMono"/>
+            </a:endParaRPr>
+          </a:p>
+          <a:p>
+            <a:pPr algn="l"/>
+            <a:r>
+              <a:rPr lang="en-US" sz="1200" b="0" i="0" dirty="0">
+                <a:solidFill>
+                  <a:srgbClr val="CBD5E0"/>
+                </a:solidFill>
+                <a:effectLst/>
+                <a:latin typeface="JetBrainsMono"/>
+              </a:rPr>
+              <a:t>16</a:t>
+            </a:r>
+            <a:r>
+              <a:rPr lang="en-US" sz="1200" b="0" i="0" dirty="0">
+                <a:solidFill>
+                  <a:srgbClr val="1A202C"/>
+                </a:solidFill>
+                <a:effectLst/>
+                <a:latin typeface="JetBrainsMono"/>
+              </a:rPr>
+              <a:t> </a:t>
+            </a:r>
+            <a:r>
+              <a:rPr lang="en-US" sz="1200" b="0" i="0" dirty="0" err="1">
+                <a:solidFill>
+                  <a:srgbClr val="1A202C"/>
+                </a:solidFill>
+                <a:effectLst/>
+                <a:latin typeface="JetBrainsMono"/>
+              </a:rPr>
+              <a:t>process</a:t>
+            </a:r>
+            <a:r>
+              <a:rPr lang="en-US" sz="1200" b="0" i="0" dirty="0" err="1">
+                <a:solidFill>
+                  <a:srgbClr val="393A34"/>
+                </a:solidFill>
+                <a:effectLst/>
+                <a:latin typeface="JetBrainsMono"/>
+              </a:rPr>
+              <a:t>.</a:t>
+            </a:r>
+            <a:r>
+              <a:rPr lang="en-US" sz="1200" b="0" i="0" dirty="0" err="1">
+                <a:solidFill>
+                  <a:srgbClr val="D73A49"/>
+                </a:solidFill>
+                <a:effectLst/>
+                <a:latin typeface="JetBrainsMono"/>
+              </a:rPr>
+              <a:t>exit</a:t>
+            </a:r>
+            <a:r>
+              <a:rPr lang="en-US" sz="1200" b="0" i="0" dirty="0">
+                <a:solidFill>
+                  <a:srgbClr val="393A34"/>
+                </a:solidFill>
+                <a:effectLst/>
+                <a:latin typeface="JetBrainsMono"/>
+              </a:rPr>
+              <a:t>(</a:t>
+            </a:r>
+            <a:r>
+              <a:rPr lang="en-US" sz="1200" b="0" i="0" dirty="0">
+                <a:solidFill>
+                  <a:srgbClr val="36ACAA"/>
+                </a:solidFill>
+                <a:effectLst/>
+                <a:latin typeface="JetBrainsMono"/>
+              </a:rPr>
+              <a:t>1</a:t>
+            </a:r>
+            <a:r>
+              <a:rPr lang="en-US" sz="1200" b="0" i="0" dirty="0">
+                <a:solidFill>
+                  <a:srgbClr val="393A34"/>
+                </a:solidFill>
+                <a:effectLst/>
+                <a:latin typeface="JetBrainsMono"/>
+              </a:rPr>
+              <a:t>)</a:t>
+            </a:r>
+            <a:endParaRPr lang="en-US" sz="1200" b="0" i="0" dirty="0">
+              <a:solidFill>
+                <a:srgbClr val="1A202C"/>
+              </a:solidFill>
+              <a:effectLst/>
+              <a:latin typeface="JetBrainsMono"/>
+            </a:endParaRPr>
+          </a:p>
+          <a:p>
+            <a:pPr algn="l"/>
+            <a:r>
+              <a:rPr lang="en-US" sz="1200" b="0" i="0" dirty="0">
+                <a:solidFill>
+                  <a:srgbClr val="CBD5E0"/>
+                </a:solidFill>
+                <a:effectLst/>
+                <a:latin typeface="JetBrainsMono"/>
+              </a:rPr>
+              <a:t>17</a:t>
+            </a:r>
+            <a:r>
+              <a:rPr lang="en-US" sz="1200" b="0" i="0" dirty="0">
+                <a:solidFill>
+                  <a:srgbClr val="1A202C"/>
+                </a:solidFill>
+                <a:effectLst/>
+                <a:latin typeface="JetBrainsMono"/>
+              </a:rPr>
+              <a:t> </a:t>
+            </a:r>
+            <a:r>
+              <a:rPr lang="en-US" sz="1200" b="0" i="0" dirty="0">
+                <a:solidFill>
+                  <a:srgbClr val="393A34"/>
+                </a:solidFill>
+                <a:effectLst/>
+                <a:latin typeface="JetBrainsMono"/>
+              </a:rPr>
+              <a:t>})</a:t>
+            </a:r>
+            <a:endParaRPr lang="en-US" sz="1200" b="0" i="0" dirty="0">
+              <a:solidFill>
+                <a:srgbClr val="1A202C"/>
+              </a:solidFill>
+              <a:effectLst/>
+              <a:latin typeface="JetBrainsMono"/>
+            </a:endParaRPr>
+          </a:p>
+        </p:txBody>
+      </p:sp>
+      <p:sp>
+        <p:nvSpPr>
+          <p:cNvPr id="9" name="TextBox 8">
+            <a:extLst>
+              <a:ext uri="{FF2B5EF4-FFF2-40B4-BE49-F238E27FC236}">
+                <a16:creationId xmlns:a16="http://schemas.microsoft.com/office/drawing/2014/main" id="{5C84DA6A-148B-B149-3A32-9D6EADEFC1F4}"/>
+              </a:ext>
+            </a:extLst>
+          </p:cNvPr>
+          <p:cNvSpPr txBox="1"/>
+          <p:nvPr/>
+        </p:nvSpPr>
+        <p:spPr>
+          <a:xfrm>
+            <a:off x="228137" y="5143920"/>
+            <a:ext cx="4403257" cy="1200329"/>
+          </a:xfrm>
+          <a:prstGeom prst="rect">
+            <a:avLst/>
+          </a:prstGeom>
+          <a:noFill/>
+        </p:spPr>
+        <p:txBody>
+          <a:bodyPr wrap="none" rtlCol="0">
+            <a:spAutoFit/>
+          </a:bodyPr>
+          <a:lstStyle/>
+          <a:p>
+            <a:r>
+              <a:rPr lang="en-US" dirty="0"/>
+              <a:t>Test the connection by running seed in node:</a:t>
+            </a:r>
+          </a:p>
+          <a:p>
+            <a:endParaRPr lang="en-US" dirty="0"/>
+          </a:p>
+          <a:p>
+            <a:r>
+              <a:rPr lang="en-US" dirty="0">
+                <a:highlight>
+                  <a:srgbClr val="FFFF00"/>
+                </a:highlight>
+              </a:rPr>
+              <a:t>Node </a:t>
+            </a:r>
+            <a:r>
+              <a:rPr lang="en-US" dirty="0" err="1">
+                <a:highlight>
+                  <a:srgbClr val="FFFF00"/>
+                </a:highlight>
+              </a:rPr>
+              <a:t>prisma</a:t>
+            </a:r>
+            <a:r>
+              <a:rPr lang="en-US" dirty="0">
+                <a:highlight>
+                  <a:srgbClr val="FFFF00"/>
+                </a:highlight>
+              </a:rPr>
+              <a:t>/seed.js</a:t>
+            </a:r>
+          </a:p>
+          <a:p>
+            <a:endParaRPr lang="en-US" dirty="0"/>
+          </a:p>
+        </p:txBody>
+      </p:sp>
+      <p:sp>
+        <p:nvSpPr>
+          <p:cNvPr id="10" name="TextBox 9">
+            <a:extLst>
+              <a:ext uri="{FF2B5EF4-FFF2-40B4-BE49-F238E27FC236}">
+                <a16:creationId xmlns:a16="http://schemas.microsoft.com/office/drawing/2014/main" id="{B37BB0D9-A470-CCEA-BAB0-35E5976EE198}"/>
+              </a:ext>
+            </a:extLst>
+          </p:cNvPr>
+          <p:cNvSpPr txBox="1"/>
+          <p:nvPr/>
+        </p:nvSpPr>
+        <p:spPr>
+          <a:xfrm>
+            <a:off x="439271" y="304800"/>
+            <a:ext cx="2492188" cy="584775"/>
+          </a:xfrm>
+          <a:prstGeom prst="rect">
+            <a:avLst/>
+          </a:prstGeom>
+          <a:noFill/>
+        </p:spPr>
+        <p:txBody>
+          <a:bodyPr wrap="square" rtlCol="0">
+            <a:spAutoFit/>
+          </a:bodyPr>
+          <a:lstStyle/>
+          <a:p>
+            <a:r>
+              <a:rPr lang="en-US" sz="3200" dirty="0"/>
+              <a:t>Seed File</a:t>
+            </a:r>
+          </a:p>
+        </p:txBody>
+      </p:sp>
+    </p:spTree>
+    <p:extLst>
+      <p:ext uri="{BB962C8B-B14F-4D97-AF65-F5344CB8AC3E}">
+        <p14:creationId xmlns:p14="http://schemas.microsoft.com/office/powerpoint/2010/main" val="940378078"/>
+      </p:ext>
+    </p:extLst>
+  </p:cSld>
+  <p:clrMapOvr>
+    <a:masterClrMapping/>
+  </p:clrMapOvr>
+</p:sld>
+</file>
+
+<file path=ppt/slides/slide11.xml><?xml version="1.0" encoding="utf-8"?>
+<p:sld xmlns:a="http://schemas.openxmlformats.org/drawingml/2006/main" xmlns:r="http://schemas.openxmlformats.org/officeDocument/2006/relationships" xmlns:p="http://schemas.openxmlformats.org/presentationml/2006/main">
+  <p:cSld>
+    <p:spTree>
+      <p:nvGrpSpPr>
+        <p:cNvPr id="1" name=""/>
+        <p:cNvGrpSpPr/>
+        <p:nvPr/>
+      </p:nvGrpSpPr>
+      <p:grpSpPr>
+        <a:xfrm>
+          <a:off x="0" y="0"/>
+          <a:ext cx="0" cy="0"/>
+          <a:chOff x="0" y="0"/>
+          <a:chExt cx="0" cy="0"/>
+        </a:xfrm>
+      </p:grpSpPr>
       <p:sp>
         <p:nvSpPr>
           <p:cNvPr id="3" name="TextBox 2">
@@ -3642,7 +5170,7 @@
 </p:sld>
 </file>
 
-<file path=ppt/slides/slide11.xml><?xml version="1.0" encoding="utf-8"?>
+<file path=ppt/slides/slide12.xml><?xml version="1.0" encoding="utf-8"?>
 <p:sld xmlns:a="http://schemas.openxmlformats.org/drawingml/2006/main" xmlns:r="http://schemas.openxmlformats.org/officeDocument/2006/relationships" xmlns:p="http://schemas.openxmlformats.org/presentationml/2006/main">
   <p:cSld>
     <p:spTree>
@@ -3788,7 +5316,7 @@
 </p:sld>
 </file>
 
-<file path=ppt/slides/slide12.xml><?xml version="1.0" encoding="utf-8"?>
+<file path=ppt/slides/slide13.xml><?xml version="1.0" encoding="utf-8"?>
 <p:sld xmlns:a="http://schemas.openxmlformats.org/drawingml/2006/main" xmlns:r="http://schemas.openxmlformats.org/officeDocument/2006/relationships" xmlns:p="http://schemas.openxmlformats.org/presentationml/2006/main">
   <p:cSld>
     <p:spTree>
@@ -4060,136 +5588,6 @@
     <p:extLst>
       <p:ext uri="{BB962C8B-B14F-4D97-AF65-F5344CB8AC3E}">
         <p14:creationId xmlns:p14="http://schemas.microsoft.com/office/powerpoint/2010/main" val="1581534097"/>
-      </p:ext>
-    </p:extLst>
-  </p:cSld>
-  <p:clrMapOvr>
-    <a:masterClrMapping/>
-  </p:clrMapOvr>
-</p:sld>
-</file>
-
-<file path=ppt/slides/slide13.xml><?xml version="1.0" encoding="utf-8"?>
-<p:sld xmlns:a="http://schemas.openxmlformats.org/drawingml/2006/main" xmlns:r="http://schemas.openxmlformats.org/officeDocument/2006/relationships" xmlns:p="http://schemas.openxmlformats.org/presentationml/2006/main">
-  <p:cSld>
-    <p:spTree>
-      <p:nvGrpSpPr>
-        <p:cNvPr id="1" name=""/>
-        <p:cNvGrpSpPr/>
-        <p:nvPr/>
-      </p:nvGrpSpPr>
-      <p:grpSpPr>
-        <a:xfrm>
-          <a:off x="0" y="0"/>
-          <a:ext cx="0" cy="0"/>
-          <a:chOff x="0" y="0"/>
-          <a:chExt cx="0" cy="0"/>
-        </a:xfrm>
-      </p:grpSpPr>
-      <p:pic>
-        <p:nvPicPr>
-          <p:cNvPr id="3" name="Picture 2">
-            <a:extLst>
-              <a:ext uri="{FF2B5EF4-FFF2-40B4-BE49-F238E27FC236}">
-                <a16:creationId xmlns:a16="http://schemas.microsoft.com/office/drawing/2014/main" id="{C4979A83-06AE-B6FB-446E-B4DB210AA1A3}"/>
-              </a:ext>
-            </a:extLst>
-          </p:cNvPr>
-          <p:cNvPicPr>
-            <a:picLocks noChangeAspect="1"/>
-          </p:cNvPicPr>
-          <p:nvPr/>
-        </p:nvPicPr>
-        <p:blipFill>
-          <a:blip r:embed="rId2"/>
-          <a:stretch>
-            <a:fillRect/>
-          </a:stretch>
-        </p:blipFill>
-        <p:spPr>
-          <a:xfrm>
-            <a:off x="5801711" y="894568"/>
-            <a:ext cx="5801066" cy="4909462"/>
-          </a:xfrm>
-          <a:prstGeom prst="rect">
-            <a:avLst/>
-          </a:prstGeom>
-        </p:spPr>
-      </p:pic>
-      <p:sp>
-        <p:nvSpPr>
-          <p:cNvPr id="4" name="TextBox 3">
-            <a:extLst>
-              <a:ext uri="{FF2B5EF4-FFF2-40B4-BE49-F238E27FC236}">
-                <a16:creationId xmlns:a16="http://schemas.microsoft.com/office/drawing/2014/main" id="{5C722E5E-3DCF-57EB-54E2-62C19D8D8DA6}"/>
-              </a:ext>
-            </a:extLst>
-          </p:cNvPr>
-          <p:cNvSpPr txBox="1"/>
-          <p:nvPr/>
-        </p:nvSpPr>
-        <p:spPr>
-          <a:xfrm>
-            <a:off x="2596054" y="3059668"/>
-            <a:ext cx="2596055" cy="369332"/>
-          </a:xfrm>
-          <a:prstGeom prst="rect">
-            <a:avLst/>
-          </a:prstGeom>
-          <a:noFill/>
-        </p:spPr>
-        <p:txBody>
-          <a:bodyPr wrap="square" rtlCol="0">
-            <a:spAutoFit/>
-          </a:bodyPr>
-          <a:lstStyle/>
-          <a:p>
-            <a:r>
-              <a:rPr lang="en-US" dirty="0"/>
-              <a:t>Set up relational data</a:t>
-            </a:r>
-          </a:p>
-        </p:txBody>
-      </p:sp>
-      <p:sp>
-        <p:nvSpPr>
-          <p:cNvPr id="5" name="TextBox 4">
-            <a:extLst>
-              <a:ext uri="{FF2B5EF4-FFF2-40B4-BE49-F238E27FC236}">
-                <a16:creationId xmlns:a16="http://schemas.microsoft.com/office/drawing/2014/main" id="{24CB9488-B42D-FAFA-4B35-392B718985E2}"/>
-              </a:ext>
-            </a:extLst>
-          </p:cNvPr>
-          <p:cNvSpPr txBox="1"/>
-          <p:nvPr/>
-        </p:nvSpPr>
-        <p:spPr>
-          <a:xfrm>
-            <a:off x="283159" y="316468"/>
-            <a:ext cx="4521923" cy="646331"/>
-          </a:xfrm>
-          <a:prstGeom prst="rect">
-            <a:avLst/>
-          </a:prstGeom>
-          <a:noFill/>
-        </p:spPr>
-        <p:txBody>
-          <a:bodyPr wrap="square" rtlCol="0">
-            <a:spAutoFit/>
-          </a:bodyPr>
-          <a:lstStyle/>
-          <a:p>
-            <a:r>
-              <a:rPr lang="en-US" sz="3600" dirty="0"/>
-              <a:t>Set up relational data</a:t>
-            </a:r>
-          </a:p>
-        </p:txBody>
-      </p:sp>
-    </p:spTree>
-    <p:extLst>
-      <p:ext uri="{BB962C8B-B14F-4D97-AF65-F5344CB8AC3E}">
-        <p14:creationId xmlns:p14="http://schemas.microsoft.com/office/powerpoint/2010/main" val="2596458169"/>
       </p:ext>
     </p:extLst>
   </p:cSld>
@@ -4216,269 +5614,12 @@
           <a:chExt cx="0" cy="0"/>
         </a:xfrm>
       </p:grpSpPr>
-      <p:sp>
-        <p:nvSpPr>
-          <p:cNvPr id="3" name="TextBox 2">
-            <a:extLst>
-              <a:ext uri="{FF2B5EF4-FFF2-40B4-BE49-F238E27FC236}">
-                <a16:creationId xmlns:a16="http://schemas.microsoft.com/office/drawing/2014/main" id="{60AB6B82-1FE3-DCDC-719F-0A3ED8F5E1E2}"/>
-              </a:ext>
-            </a:extLst>
-          </p:cNvPr>
-          <p:cNvSpPr txBox="1"/>
-          <p:nvPr/>
-        </p:nvSpPr>
-        <p:spPr>
-          <a:xfrm>
-            <a:off x="421341" y="468809"/>
-            <a:ext cx="6096000" cy="1138773"/>
-          </a:xfrm>
-          <a:prstGeom prst="rect">
-            <a:avLst/>
-          </a:prstGeom>
-          <a:noFill/>
-        </p:spPr>
-        <p:txBody>
-          <a:bodyPr wrap="square">
-            <a:spAutoFit/>
-          </a:bodyPr>
-          <a:lstStyle/>
-          <a:p>
-            <a:r>
-              <a:rPr lang="en-US" dirty="0">
-                <a:highlight>
-                  <a:srgbClr val="FFFF00"/>
-                </a:highlight>
-              </a:rPr>
-              <a:t>Command </a:t>
-            </a:r>
-            <a:r>
-              <a:rPr lang="en-US" sz="3200" dirty="0">
-                <a:highlight>
-                  <a:srgbClr val="FFFF00"/>
-                </a:highlight>
-              </a:rPr>
-              <a:t>“</a:t>
-            </a:r>
-            <a:r>
-              <a:rPr lang="en-US" sz="3200" dirty="0" err="1">
-                <a:highlight>
-                  <a:srgbClr val="FFFF00"/>
-                </a:highlight>
-              </a:rPr>
-              <a:t>npx</a:t>
-            </a:r>
-            <a:r>
-              <a:rPr lang="en-US" sz="3200" dirty="0">
-                <a:highlight>
-                  <a:srgbClr val="FFFF00"/>
-                </a:highlight>
-              </a:rPr>
-              <a:t> </a:t>
-            </a:r>
-            <a:r>
-              <a:rPr lang="en-US" sz="3200" dirty="0" err="1">
-                <a:highlight>
-                  <a:srgbClr val="FFFF00"/>
-                </a:highlight>
-              </a:rPr>
-              <a:t>prisma</a:t>
-            </a:r>
-            <a:r>
-              <a:rPr lang="en-US" sz="3200" dirty="0">
-                <a:highlight>
-                  <a:srgbClr val="FFFF00"/>
-                </a:highlight>
-              </a:rPr>
-              <a:t> studio”  </a:t>
-            </a:r>
-          </a:p>
-          <a:p>
-            <a:r>
-              <a:rPr lang="en-US" dirty="0">
-                <a:highlight>
-                  <a:srgbClr val="FFFF00"/>
-                </a:highlight>
-              </a:rPr>
-              <a:t>will open a </a:t>
-            </a:r>
-            <a:r>
-              <a:rPr lang="en-US" dirty="0" err="1">
-                <a:highlight>
-                  <a:srgbClr val="FFFF00"/>
-                </a:highlight>
-              </a:rPr>
-              <a:t>gui</a:t>
-            </a:r>
-            <a:r>
-              <a:rPr lang="en-US" dirty="0">
-                <a:highlight>
-                  <a:srgbClr val="FFFF00"/>
-                </a:highlight>
-              </a:rPr>
-              <a:t> on the browser to view your </a:t>
-            </a:r>
-            <a:r>
-              <a:rPr lang="en-US" dirty="0" err="1">
-                <a:highlight>
-                  <a:srgbClr val="FFFF00"/>
-                </a:highlight>
-              </a:rPr>
-              <a:t>db</a:t>
-            </a:r>
-            <a:r>
-              <a:rPr lang="en-US" dirty="0">
-                <a:highlight>
-                  <a:srgbClr val="FFFF00"/>
-                </a:highlight>
-              </a:rPr>
-              <a:t> if you </a:t>
-            </a:r>
-            <a:r>
-              <a:rPr lang="en-US" dirty="0" err="1">
-                <a:highlight>
-                  <a:srgbClr val="FFFF00"/>
-                </a:highlight>
-              </a:rPr>
-              <a:t>dont</a:t>
-            </a:r>
-            <a:r>
-              <a:rPr lang="en-US" dirty="0">
-                <a:highlight>
-                  <a:srgbClr val="FFFF00"/>
-                </a:highlight>
-              </a:rPr>
-              <a:t> have </a:t>
-            </a:r>
-            <a:r>
-              <a:rPr lang="en-US" dirty="0" err="1">
-                <a:highlight>
-                  <a:srgbClr val="FFFF00"/>
-                </a:highlight>
-              </a:rPr>
-              <a:t>pgadmin</a:t>
-            </a:r>
-            <a:r>
-              <a:rPr lang="en-US" dirty="0">
-                <a:highlight>
-                  <a:srgbClr val="FFFF00"/>
-                </a:highlight>
-              </a:rPr>
-              <a:t> or </a:t>
-            </a:r>
-            <a:r>
-              <a:rPr lang="en-US" dirty="0" err="1">
-                <a:highlight>
-                  <a:srgbClr val="FFFF00"/>
-                </a:highlight>
-              </a:rPr>
-              <a:t>Postico</a:t>
-            </a:r>
-            <a:r>
-              <a:rPr lang="en-US" dirty="0">
-                <a:highlight>
-                  <a:srgbClr val="FFFF00"/>
-                </a:highlight>
-              </a:rPr>
-              <a:t> on your machine</a:t>
-            </a:r>
-          </a:p>
-        </p:txBody>
-      </p:sp>
-      <p:sp>
-        <p:nvSpPr>
-          <p:cNvPr id="5" name="TextBox 4">
-            <a:extLst>
-              <a:ext uri="{FF2B5EF4-FFF2-40B4-BE49-F238E27FC236}">
-                <a16:creationId xmlns:a16="http://schemas.microsoft.com/office/drawing/2014/main" id="{172F59EE-557A-FF68-7E66-729518EE1DB9}"/>
-              </a:ext>
-            </a:extLst>
-          </p:cNvPr>
-          <p:cNvSpPr txBox="1"/>
-          <p:nvPr/>
-        </p:nvSpPr>
-        <p:spPr>
-          <a:xfrm>
-            <a:off x="627529" y="2643699"/>
-            <a:ext cx="6096000" cy="923330"/>
-          </a:xfrm>
-          <a:prstGeom prst="rect">
-            <a:avLst/>
-          </a:prstGeom>
-          <a:noFill/>
-        </p:spPr>
-        <p:txBody>
-          <a:bodyPr wrap="square">
-            <a:spAutoFit/>
-          </a:bodyPr>
-          <a:lstStyle/>
-          <a:p>
-            <a:r>
-              <a:rPr lang="en-US" dirty="0"/>
-              <a:t>If it doesn’t populate, you can try:</a:t>
-            </a:r>
-          </a:p>
-          <a:p>
-            <a:endParaRPr lang="en-US" dirty="0"/>
-          </a:p>
-          <a:p>
-            <a:r>
-              <a:rPr lang="en-US" dirty="0" err="1">
-                <a:highlight>
-                  <a:srgbClr val="FFFF00"/>
-                </a:highlight>
-              </a:rPr>
-              <a:t>npx</a:t>
-            </a:r>
-            <a:r>
-              <a:rPr lang="en-US" dirty="0">
-                <a:highlight>
-                  <a:srgbClr val="FFFF00"/>
-                </a:highlight>
-              </a:rPr>
-              <a:t> </a:t>
-            </a:r>
-            <a:r>
-              <a:rPr lang="en-US" dirty="0" err="1">
-                <a:highlight>
-                  <a:srgbClr val="FFFF00"/>
-                </a:highlight>
-              </a:rPr>
-              <a:t>prisma</a:t>
-            </a:r>
-            <a:r>
-              <a:rPr lang="en-US" dirty="0">
-                <a:highlight>
-                  <a:srgbClr val="FFFF00"/>
-                </a:highlight>
-              </a:rPr>
-              <a:t> </a:t>
-            </a:r>
-            <a:r>
-              <a:rPr lang="en-US" dirty="0" err="1">
-                <a:highlight>
-                  <a:srgbClr val="FFFF00"/>
-                </a:highlight>
-              </a:rPr>
-              <a:t>db</a:t>
-            </a:r>
-            <a:r>
-              <a:rPr lang="en-US" dirty="0">
-                <a:highlight>
-                  <a:srgbClr val="FFFF00"/>
-                </a:highlight>
-              </a:rPr>
-              <a:t> pull</a:t>
-            </a:r>
-          </a:p>
-        </p:txBody>
-      </p:sp>
       <p:pic>
         <p:nvPicPr>
-          <p:cNvPr id="7" name="Picture 6">
-            <a:extLst>
-              <a:ext uri="{FF2B5EF4-FFF2-40B4-BE49-F238E27FC236}">
-                <a16:creationId xmlns:a16="http://schemas.microsoft.com/office/drawing/2014/main" id="{80BFA636-65B1-4C8D-A1ED-7B12F828F46A}"/>
+          <p:cNvPr id="3" name="Picture 2">
+            <a:extLst>
+              <a:ext uri="{FF2B5EF4-FFF2-40B4-BE49-F238E27FC236}">
+                <a16:creationId xmlns:a16="http://schemas.microsoft.com/office/drawing/2014/main" id="{C4979A83-06AE-B6FB-446E-B4DB210AA1A3}"/>
               </a:ext>
             </a:extLst>
           </p:cNvPr>
@@ -4495,18 +5636,88 @@
         </p:blipFill>
         <p:spPr>
           <a:xfrm>
-            <a:off x="5045269" y="2228618"/>
-            <a:ext cx="6601746" cy="3315163"/>
+            <a:off x="5801711" y="894568"/>
+            <a:ext cx="5801066" cy="4909462"/>
           </a:xfrm>
           <a:prstGeom prst="rect">
             <a:avLst/>
           </a:prstGeom>
         </p:spPr>
       </p:pic>
+      <p:sp>
+        <p:nvSpPr>
+          <p:cNvPr id="4" name="TextBox 3">
+            <a:extLst>
+              <a:ext uri="{FF2B5EF4-FFF2-40B4-BE49-F238E27FC236}">
+                <a16:creationId xmlns:a16="http://schemas.microsoft.com/office/drawing/2014/main" id="{5C722E5E-3DCF-57EB-54E2-62C19D8D8DA6}"/>
+              </a:ext>
+            </a:extLst>
+          </p:cNvPr>
+          <p:cNvSpPr txBox="1"/>
+          <p:nvPr/>
+        </p:nvSpPr>
+        <p:spPr>
+          <a:xfrm>
+            <a:off x="2596054" y="3059668"/>
+            <a:ext cx="2596055" cy="369332"/>
+          </a:xfrm>
+          <a:prstGeom prst="rect">
+            <a:avLst/>
+          </a:prstGeom>
+          <a:noFill/>
+        </p:spPr>
+        <p:txBody>
+          <a:bodyPr wrap="square" rtlCol="0">
+            <a:spAutoFit/>
+          </a:bodyPr>
+          <a:lstStyle/>
+          <a:p>
+            <a:r>
+              <a:rPr lang="en-US" dirty="0"/>
+              <a:t>Set up relational data</a:t>
+            </a:r>
+          </a:p>
+        </p:txBody>
+      </p:sp>
+      <p:sp>
+        <p:nvSpPr>
+          <p:cNvPr id="5" name="TextBox 4">
+            <a:extLst>
+              <a:ext uri="{FF2B5EF4-FFF2-40B4-BE49-F238E27FC236}">
+                <a16:creationId xmlns:a16="http://schemas.microsoft.com/office/drawing/2014/main" id="{24CB9488-B42D-FAFA-4B35-392B718985E2}"/>
+              </a:ext>
+            </a:extLst>
+          </p:cNvPr>
+          <p:cNvSpPr txBox="1"/>
+          <p:nvPr/>
+        </p:nvSpPr>
+        <p:spPr>
+          <a:xfrm>
+            <a:off x="283159" y="316468"/>
+            <a:ext cx="4521923" cy="646331"/>
+          </a:xfrm>
+          <a:prstGeom prst="rect">
+            <a:avLst/>
+          </a:prstGeom>
+          <a:noFill/>
+        </p:spPr>
+        <p:txBody>
+          <a:bodyPr wrap="square" rtlCol="0">
+            <a:spAutoFit/>
+          </a:bodyPr>
+          <a:lstStyle/>
+          <a:p>
+            <a:r>
+              <a:rPr lang="en-US" sz="3600" dirty="0"/>
+              <a:t>Set up relational data</a:t>
+            </a:r>
+          </a:p>
+        </p:txBody>
+      </p:sp>
     </p:spTree>
     <p:extLst>
       <p:ext uri="{BB962C8B-B14F-4D97-AF65-F5344CB8AC3E}">
-        <p14:creationId xmlns:p14="http://schemas.microsoft.com/office/powerpoint/2010/main" val="3166223774"/>
+        <p14:creationId xmlns:p14="http://schemas.microsoft.com/office/powerpoint/2010/main" val="2596458169"/>
       </p:ext>
     </p:extLst>
   </p:cSld>
@@ -4533,12 +5744,269 @@
           <a:chExt cx="0" cy="0"/>
         </a:xfrm>
       </p:grpSpPr>
+      <p:sp>
+        <p:nvSpPr>
+          <p:cNvPr id="3" name="TextBox 2">
+            <a:extLst>
+              <a:ext uri="{FF2B5EF4-FFF2-40B4-BE49-F238E27FC236}">
+                <a16:creationId xmlns:a16="http://schemas.microsoft.com/office/drawing/2014/main" id="{60AB6B82-1FE3-DCDC-719F-0A3ED8F5E1E2}"/>
+              </a:ext>
+            </a:extLst>
+          </p:cNvPr>
+          <p:cNvSpPr txBox="1"/>
+          <p:nvPr/>
+        </p:nvSpPr>
+        <p:spPr>
+          <a:xfrm>
+            <a:off x="421341" y="468809"/>
+            <a:ext cx="6096000" cy="1138773"/>
+          </a:xfrm>
+          <a:prstGeom prst="rect">
+            <a:avLst/>
+          </a:prstGeom>
+          <a:noFill/>
+        </p:spPr>
+        <p:txBody>
+          <a:bodyPr wrap="square">
+            <a:spAutoFit/>
+          </a:bodyPr>
+          <a:lstStyle/>
+          <a:p>
+            <a:r>
+              <a:rPr lang="en-US" dirty="0">
+                <a:highlight>
+                  <a:srgbClr val="FFFF00"/>
+                </a:highlight>
+              </a:rPr>
+              <a:t>Command </a:t>
+            </a:r>
+            <a:r>
+              <a:rPr lang="en-US" sz="3200" dirty="0">
+                <a:highlight>
+                  <a:srgbClr val="FFFF00"/>
+                </a:highlight>
+              </a:rPr>
+              <a:t>“</a:t>
+            </a:r>
+            <a:r>
+              <a:rPr lang="en-US" sz="3200" dirty="0" err="1">
+                <a:highlight>
+                  <a:srgbClr val="FFFF00"/>
+                </a:highlight>
+              </a:rPr>
+              <a:t>npx</a:t>
+            </a:r>
+            <a:r>
+              <a:rPr lang="en-US" sz="3200" dirty="0">
+                <a:highlight>
+                  <a:srgbClr val="FFFF00"/>
+                </a:highlight>
+              </a:rPr>
+              <a:t> </a:t>
+            </a:r>
+            <a:r>
+              <a:rPr lang="en-US" sz="3200" dirty="0" err="1">
+                <a:highlight>
+                  <a:srgbClr val="FFFF00"/>
+                </a:highlight>
+              </a:rPr>
+              <a:t>prisma</a:t>
+            </a:r>
+            <a:r>
+              <a:rPr lang="en-US" sz="3200" dirty="0">
+                <a:highlight>
+                  <a:srgbClr val="FFFF00"/>
+                </a:highlight>
+              </a:rPr>
+              <a:t> studio”  </a:t>
+            </a:r>
+          </a:p>
+          <a:p>
+            <a:r>
+              <a:rPr lang="en-US" dirty="0">
+                <a:highlight>
+                  <a:srgbClr val="FFFF00"/>
+                </a:highlight>
+              </a:rPr>
+              <a:t>will open a </a:t>
+            </a:r>
+            <a:r>
+              <a:rPr lang="en-US" dirty="0" err="1">
+                <a:highlight>
+                  <a:srgbClr val="FFFF00"/>
+                </a:highlight>
+              </a:rPr>
+              <a:t>gui</a:t>
+            </a:r>
+            <a:r>
+              <a:rPr lang="en-US" dirty="0">
+                <a:highlight>
+                  <a:srgbClr val="FFFF00"/>
+                </a:highlight>
+              </a:rPr>
+              <a:t> on the browser to view your </a:t>
+            </a:r>
+            <a:r>
+              <a:rPr lang="en-US" dirty="0" err="1">
+                <a:highlight>
+                  <a:srgbClr val="FFFF00"/>
+                </a:highlight>
+              </a:rPr>
+              <a:t>db</a:t>
+            </a:r>
+            <a:r>
+              <a:rPr lang="en-US" dirty="0">
+                <a:highlight>
+                  <a:srgbClr val="FFFF00"/>
+                </a:highlight>
+              </a:rPr>
+              <a:t> if you </a:t>
+            </a:r>
+            <a:r>
+              <a:rPr lang="en-US" dirty="0" err="1">
+                <a:highlight>
+                  <a:srgbClr val="FFFF00"/>
+                </a:highlight>
+              </a:rPr>
+              <a:t>dont</a:t>
+            </a:r>
+            <a:r>
+              <a:rPr lang="en-US" dirty="0">
+                <a:highlight>
+                  <a:srgbClr val="FFFF00"/>
+                </a:highlight>
+              </a:rPr>
+              <a:t> have </a:t>
+            </a:r>
+            <a:r>
+              <a:rPr lang="en-US" dirty="0" err="1">
+                <a:highlight>
+                  <a:srgbClr val="FFFF00"/>
+                </a:highlight>
+              </a:rPr>
+              <a:t>pgadmin</a:t>
+            </a:r>
+            <a:r>
+              <a:rPr lang="en-US" dirty="0">
+                <a:highlight>
+                  <a:srgbClr val="FFFF00"/>
+                </a:highlight>
+              </a:rPr>
+              <a:t> or </a:t>
+            </a:r>
+            <a:r>
+              <a:rPr lang="en-US" dirty="0" err="1">
+                <a:highlight>
+                  <a:srgbClr val="FFFF00"/>
+                </a:highlight>
+              </a:rPr>
+              <a:t>Postico</a:t>
+            </a:r>
+            <a:r>
+              <a:rPr lang="en-US" dirty="0">
+                <a:highlight>
+                  <a:srgbClr val="FFFF00"/>
+                </a:highlight>
+              </a:rPr>
+              <a:t> on your machine</a:t>
+            </a:r>
+          </a:p>
+        </p:txBody>
+      </p:sp>
+      <p:sp>
+        <p:nvSpPr>
+          <p:cNvPr id="5" name="TextBox 4">
+            <a:extLst>
+              <a:ext uri="{FF2B5EF4-FFF2-40B4-BE49-F238E27FC236}">
+                <a16:creationId xmlns:a16="http://schemas.microsoft.com/office/drawing/2014/main" id="{172F59EE-557A-FF68-7E66-729518EE1DB9}"/>
+              </a:ext>
+            </a:extLst>
+          </p:cNvPr>
+          <p:cNvSpPr txBox="1"/>
+          <p:nvPr/>
+        </p:nvSpPr>
+        <p:spPr>
+          <a:xfrm>
+            <a:off x="627529" y="2643699"/>
+            <a:ext cx="6096000" cy="923330"/>
+          </a:xfrm>
+          <a:prstGeom prst="rect">
+            <a:avLst/>
+          </a:prstGeom>
+          <a:noFill/>
+        </p:spPr>
+        <p:txBody>
+          <a:bodyPr wrap="square">
+            <a:spAutoFit/>
+          </a:bodyPr>
+          <a:lstStyle/>
+          <a:p>
+            <a:r>
+              <a:rPr lang="en-US" dirty="0"/>
+              <a:t>If it doesn’t populate, you can try:</a:t>
+            </a:r>
+          </a:p>
+          <a:p>
+            <a:endParaRPr lang="en-US" dirty="0"/>
+          </a:p>
+          <a:p>
+            <a:r>
+              <a:rPr lang="en-US" dirty="0" err="1">
+                <a:highlight>
+                  <a:srgbClr val="FFFF00"/>
+                </a:highlight>
+              </a:rPr>
+              <a:t>npx</a:t>
+            </a:r>
+            <a:r>
+              <a:rPr lang="en-US" dirty="0">
+                <a:highlight>
+                  <a:srgbClr val="FFFF00"/>
+                </a:highlight>
+              </a:rPr>
+              <a:t> </a:t>
+            </a:r>
+            <a:r>
+              <a:rPr lang="en-US" dirty="0" err="1">
+                <a:highlight>
+                  <a:srgbClr val="FFFF00"/>
+                </a:highlight>
+              </a:rPr>
+              <a:t>prisma</a:t>
+            </a:r>
+            <a:r>
+              <a:rPr lang="en-US" dirty="0">
+                <a:highlight>
+                  <a:srgbClr val="FFFF00"/>
+                </a:highlight>
+              </a:rPr>
+              <a:t> </a:t>
+            </a:r>
+            <a:r>
+              <a:rPr lang="en-US" dirty="0" err="1">
+                <a:highlight>
+                  <a:srgbClr val="FFFF00"/>
+                </a:highlight>
+              </a:rPr>
+              <a:t>db</a:t>
+            </a:r>
+            <a:r>
+              <a:rPr lang="en-US" dirty="0">
+                <a:highlight>
+                  <a:srgbClr val="FFFF00"/>
+                </a:highlight>
+              </a:rPr>
+              <a:t> pull</a:t>
+            </a:r>
+          </a:p>
+        </p:txBody>
+      </p:sp>
       <p:pic>
         <p:nvPicPr>
-          <p:cNvPr id="3" name="Picture 2">
-            <a:extLst>
-              <a:ext uri="{FF2B5EF4-FFF2-40B4-BE49-F238E27FC236}">
-                <a16:creationId xmlns:a16="http://schemas.microsoft.com/office/drawing/2014/main" id="{3A1DA0FF-BBFB-0B39-5262-19ACFED26754}"/>
+          <p:cNvPr id="7" name="Picture 6">
+            <a:extLst>
+              <a:ext uri="{FF2B5EF4-FFF2-40B4-BE49-F238E27FC236}">
+                <a16:creationId xmlns:a16="http://schemas.microsoft.com/office/drawing/2014/main" id="{80BFA636-65B1-4C8D-A1ED-7B12F828F46A}"/>
               </a:ext>
             </a:extLst>
           </p:cNvPr>
@@ -4547,324 +6015,26 @@
           </p:cNvPicPr>
           <p:nvPr/>
         </p:nvPicPr>
-        <p:blipFill rotWithShape="1">
+        <p:blipFill>
           <a:blip r:embed="rId2"/>
-          <a:srcRect t="47524" b="11863"/>
-          <a:stretch/>
-        </p:blipFill>
-        <p:spPr>
-          <a:xfrm>
-            <a:off x="2996616" y="1320184"/>
-            <a:ext cx="5696745" cy="367553"/>
-          </a:xfrm>
-          <a:prstGeom prst="rect">
-            <a:avLst/>
-          </a:prstGeom>
-        </p:spPr>
-      </p:pic>
-      <p:pic>
-        <p:nvPicPr>
-          <p:cNvPr id="7" name="Picture 6">
-            <a:extLst>
-              <a:ext uri="{FF2B5EF4-FFF2-40B4-BE49-F238E27FC236}">
-                <a16:creationId xmlns:a16="http://schemas.microsoft.com/office/drawing/2014/main" id="{19B799FA-DC15-0E77-D093-E2BB509C87EC}"/>
-              </a:ext>
-            </a:extLst>
-          </p:cNvPr>
-          <p:cNvPicPr>
-            <a:picLocks noChangeAspect="1"/>
-          </p:cNvPicPr>
-          <p:nvPr/>
-        </p:nvPicPr>
-        <p:blipFill>
-          <a:blip r:embed="rId3"/>
           <a:stretch>
             <a:fillRect/>
           </a:stretch>
         </p:blipFill>
         <p:spPr>
           <a:xfrm>
-            <a:off x="318552" y="2957446"/>
-            <a:ext cx="6001588" cy="2848373"/>
+            <a:off x="5045269" y="2228618"/>
+            <a:ext cx="6601746" cy="3315163"/>
           </a:xfrm>
           <a:prstGeom prst="rect">
             <a:avLst/>
           </a:prstGeom>
         </p:spPr>
       </p:pic>
-      <p:sp>
-        <p:nvSpPr>
-          <p:cNvPr id="8" name="TextBox 7">
-            <a:extLst>
-              <a:ext uri="{FF2B5EF4-FFF2-40B4-BE49-F238E27FC236}">
-                <a16:creationId xmlns:a16="http://schemas.microsoft.com/office/drawing/2014/main" id="{63C88650-7F4F-A941-04CB-BEE44F26F139}"/>
-              </a:ext>
-            </a:extLst>
-          </p:cNvPr>
-          <p:cNvSpPr txBox="1"/>
-          <p:nvPr/>
-        </p:nvSpPr>
-        <p:spPr>
-          <a:xfrm>
-            <a:off x="510989" y="1589127"/>
-            <a:ext cx="2003434" cy="369332"/>
-          </a:xfrm>
-          <a:prstGeom prst="rect">
-            <a:avLst/>
-          </a:prstGeom>
-          <a:noFill/>
-        </p:spPr>
-        <p:txBody>
-          <a:bodyPr wrap="none" rtlCol="0">
-            <a:spAutoFit/>
-          </a:bodyPr>
-          <a:lstStyle/>
-          <a:p>
-            <a:r>
-              <a:rPr lang="en-US" dirty="0" err="1">
-                <a:highlight>
-                  <a:srgbClr val="FFFF00"/>
-                </a:highlight>
-              </a:rPr>
-              <a:t>Npm</a:t>
-            </a:r>
-            <a:r>
-              <a:rPr lang="en-US" dirty="0">
-                <a:highlight>
-                  <a:srgbClr val="FFFF00"/>
-                </a:highlight>
-              </a:rPr>
-              <a:t> install express</a:t>
-            </a:r>
-          </a:p>
-        </p:txBody>
-      </p:sp>
-      <p:sp>
-        <p:nvSpPr>
-          <p:cNvPr id="9" name="TextBox 8">
-            <a:extLst>
-              <a:ext uri="{FF2B5EF4-FFF2-40B4-BE49-F238E27FC236}">
-                <a16:creationId xmlns:a16="http://schemas.microsoft.com/office/drawing/2014/main" id="{E0EFA096-AA60-E5F4-6D4C-986BF0D9FB04}"/>
-              </a:ext>
-            </a:extLst>
-          </p:cNvPr>
-          <p:cNvSpPr txBox="1"/>
-          <p:nvPr/>
-        </p:nvSpPr>
-        <p:spPr>
-          <a:xfrm>
-            <a:off x="417186" y="2470510"/>
-            <a:ext cx="3003176" cy="369332"/>
-          </a:xfrm>
-          <a:prstGeom prst="rect">
-            <a:avLst/>
-          </a:prstGeom>
-          <a:noFill/>
-        </p:spPr>
-        <p:txBody>
-          <a:bodyPr wrap="square" rtlCol="0">
-            <a:spAutoFit/>
-          </a:bodyPr>
-          <a:lstStyle/>
-          <a:p>
-            <a:r>
-              <a:rPr lang="en-US" dirty="0"/>
-              <a:t>Create server.js</a:t>
-            </a:r>
-          </a:p>
-        </p:txBody>
-      </p:sp>
-      <p:pic>
-        <p:nvPicPr>
-          <p:cNvPr id="11" name="Picture 10">
-            <a:extLst>
-              <a:ext uri="{FF2B5EF4-FFF2-40B4-BE49-F238E27FC236}">
-                <a16:creationId xmlns:a16="http://schemas.microsoft.com/office/drawing/2014/main" id="{82D091CE-37F7-B3FE-7901-8863B2C97D46}"/>
-              </a:ext>
-            </a:extLst>
-          </p:cNvPr>
-          <p:cNvPicPr>
-            <a:picLocks noChangeAspect="1"/>
-          </p:cNvPicPr>
-          <p:nvPr/>
-        </p:nvPicPr>
-        <p:blipFill>
-          <a:blip r:embed="rId4"/>
-          <a:stretch>
-            <a:fillRect/>
-          </a:stretch>
-        </p:blipFill>
-        <p:spPr>
-          <a:xfrm>
-            <a:off x="6722628" y="2957446"/>
-            <a:ext cx="4896533" cy="943107"/>
-          </a:xfrm>
-          <a:prstGeom prst="rect">
-            <a:avLst/>
-          </a:prstGeom>
-        </p:spPr>
-      </p:pic>
-      <p:sp>
-        <p:nvSpPr>
-          <p:cNvPr id="12" name="TextBox 11">
-            <a:extLst>
-              <a:ext uri="{FF2B5EF4-FFF2-40B4-BE49-F238E27FC236}">
-                <a16:creationId xmlns:a16="http://schemas.microsoft.com/office/drawing/2014/main" id="{E03D1B38-E3E3-B301-D1AC-5841A279B897}"/>
-              </a:ext>
-            </a:extLst>
-          </p:cNvPr>
-          <p:cNvSpPr txBox="1"/>
-          <p:nvPr/>
-        </p:nvSpPr>
-        <p:spPr>
-          <a:xfrm>
-            <a:off x="7404847" y="2470510"/>
-            <a:ext cx="1523430" cy="369332"/>
-          </a:xfrm>
-          <a:prstGeom prst="rect">
-            <a:avLst/>
-          </a:prstGeom>
-          <a:noFill/>
-        </p:spPr>
-        <p:txBody>
-          <a:bodyPr wrap="none" rtlCol="0">
-            <a:spAutoFit/>
-          </a:bodyPr>
-          <a:lstStyle/>
-          <a:p>
-            <a:r>
-              <a:rPr lang="en-US" dirty="0"/>
-              <a:t>Helpful scripts</a:t>
-            </a:r>
-          </a:p>
-        </p:txBody>
-      </p:sp>
-      <p:sp>
-        <p:nvSpPr>
-          <p:cNvPr id="13" name="TextBox 12">
-            <a:extLst>
-              <a:ext uri="{FF2B5EF4-FFF2-40B4-BE49-F238E27FC236}">
-                <a16:creationId xmlns:a16="http://schemas.microsoft.com/office/drawing/2014/main" id="{A66A25A6-86D2-242A-F1ED-80A6CC22D4DD}"/>
-              </a:ext>
-            </a:extLst>
-          </p:cNvPr>
-          <p:cNvSpPr txBox="1"/>
-          <p:nvPr/>
-        </p:nvSpPr>
-        <p:spPr>
-          <a:xfrm>
-            <a:off x="505590" y="135912"/>
-            <a:ext cx="2914772" cy="707886"/>
-          </a:xfrm>
-          <a:prstGeom prst="rect">
-            <a:avLst/>
-          </a:prstGeom>
-          <a:noFill/>
-        </p:spPr>
-        <p:txBody>
-          <a:bodyPr wrap="none" rtlCol="0">
-            <a:spAutoFit/>
-          </a:bodyPr>
-          <a:lstStyle/>
-          <a:p>
-            <a:r>
-              <a:rPr lang="en-US" sz="4000" dirty="0"/>
-              <a:t>Set up server</a:t>
-            </a:r>
-          </a:p>
-        </p:txBody>
-      </p:sp>
-      <p:sp>
-        <p:nvSpPr>
-          <p:cNvPr id="15" name="TextBox 14">
-            <a:extLst>
-              <a:ext uri="{FF2B5EF4-FFF2-40B4-BE49-F238E27FC236}">
-                <a16:creationId xmlns:a16="http://schemas.microsoft.com/office/drawing/2014/main" id="{BB1B3355-AB38-F62A-6801-FE07910ACC7F}"/>
-              </a:ext>
-            </a:extLst>
-          </p:cNvPr>
-          <p:cNvSpPr txBox="1"/>
-          <p:nvPr/>
-        </p:nvSpPr>
-        <p:spPr>
-          <a:xfrm>
-            <a:off x="7100047" y="4874430"/>
-            <a:ext cx="4641314" cy="1200329"/>
-          </a:xfrm>
-          <a:prstGeom prst="rect">
-            <a:avLst/>
-          </a:prstGeom>
-          <a:noFill/>
-        </p:spPr>
-        <p:txBody>
-          <a:bodyPr wrap="square">
-            <a:spAutoFit/>
-          </a:bodyPr>
-          <a:lstStyle/>
-          <a:p>
-            <a:r>
-              <a:rPr lang="en-US" dirty="0">
-                <a:highlight>
-                  <a:srgbClr val="00FFFF"/>
-                </a:highlight>
-              </a:rPr>
-              <a:t>If anyone runs into that issue of a port in use and </a:t>
-            </a:r>
-            <a:r>
-              <a:rPr lang="en-US" dirty="0" err="1">
-                <a:highlight>
-                  <a:srgbClr val="00FFFF"/>
-                </a:highlight>
-              </a:rPr>
-              <a:t>youre</a:t>
-            </a:r>
-            <a:r>
-              <a:rPr lang="en-US" dirty="0">
-                <a:highlight>
-                  <a:srgbClr val="00FFFF"/>
-                </a:highlight>
-              </a:rPr>
-              <a:t> not sure where it’s running you can run the command “</a:t>
-            </a:r>
-            <a:r>
-              <a:rPr lang="en-US" dirty="0" err="1">
-                <a:highlight>
-                  <a:srgbClr val="00FFFF"/>
-                </a:highlight>
-              </a:rPr>
-              <a:t>killall</a:t>
-            </a:r>
-            <a:r>
-              <a:rPr lang="en-US" dirty="0">
-                <a:highlight>
-                  <a:srgbClr val="00FFFF"/>
-                </a:highlight>
-              </a:rPr>
-              <a:t> node”. </a:t>
-            </a:r>
-            <a:r>
-              <a:rPr lang="en-US" dirty="0" err="1">
-                <a:highlight>
-                  <a:srgbClr val="00FFFF"/>
-                </a:highlight>
-              </a:rPr>
-              <a:t>Wsl</a:t>
-            </a:r>
-            <a:r>
-              <a:rPr lang="en-US" dirty="0">
-                <a:highlight>
-                  <a:srgbClr val="00FFFF"/>
-                </a:highlight>
-              </a:rPr>
-              <a:t> users may have to wait a few seconds to reconnect</a:t>
-            </a:r>
-          </a:p>
-        </p:txBody>
-      </p:sp>
     </p:spTree>
     <p:extLst>
       <p:ext uri="{BB962C8B-B14F-4D97-AF65-F5344CB8AC3E}">
-        <p14:creationId xmlns:p14="http://schemas.microsoft.com/office/powerpoint/2010/main" val="2895099902"/>
+        <p14:creationId xmlns:p14="http://schemas.microsoft.com/office/powerpoint/2010/main" val="3166223774"/>
       </p:ext>
     </p:extLst>
   </p:cSld>
@@ -4891,55 +6061,12 @@
           <a:chExt cx="0" cy="0"/>
         </a:xfrm>
       </p:grpSpPr>
-      <p:sp>
-        <p:nvSpPr>
-          <p:cNvPr id="2" name="TextBox 1">
-            <a:extLst>
-              <a:ext uri="{FF2B5EF4-FFF2-40B4-BE49-F238E27FC236}">
-                <a16:creationId xmlns:a16="http://schemas.microsoft.com/office/drawing/2014/main" id="{58540FB3-9FAD-CFDF-18F0-C52D5B37AAEA}"/>
-              </a:ext>
-            </a:extLst>
-          </p:cNvPr>
-          <p:cNvSpPr txBox="1"/>
-          <p:nvPr/>
-        </p:nvSpPr>
-        <p:spPr>
-          <a:xfrm>
-            <a:off x="308433" y="1871845"/>
-            <a:ext cx="1748684" cy="369332"/>
-          </a:xfrm>
-          <a:prstGeom prst="rect">
-            <a:avLst/>
-          </a:prstGeom>
-          <a:noFill/>
-        </p:spPr>
-        <p:txBody>
-          <a:bodyPr wrap="none" rtlCol="0">
-            <a:spAutoFit/>
-          </a:bodyPr>
-          <a:lstStyle/>
-          <a:p>
-            <a:r>
-              <a:rPr lang="en-US" dirty="0"/>
-              <a:t>Rest </a:t>
-            </a:r>
-            <a:r>
-              <a:rPr lang="en-US" dirty="0" err="1"/>
-              <a:t>api</a:t>
-            </a:r>
-            <a:r>
-              <a:rPr lang="en-US" dirty="0"/>
-              <a:t> creation</a:t>
-            </a:r>
-          </a:p>
-        </p:txBody>
-      </p:sp>
       <p:pic>
         <p:nvPicPr>
-          <p:cNvPr id="4" name="Picture 3">
-            <a:extLst>
-              <a:ext uri="{FF2B5EF4-FFF2-40B4-BE49-F238E27FC236}">
-                <a16:creationId xmlns:a16="http://schemas.microsoft.com/office/drawing/2014/main" id="{3B5E7700-4C91-2C83-9388-0A2E964E56E9}"/>
+          <p:cNvPr id="3" name="Picture 2">
+            <a:extLst>
+              <a:ext uri="{FF2B5EF4-FFF2-40B4-BE49-F238E27FC236}">
+                <a16:creationId xmlns:a16="http://schemas.microsoft.com/office/drawing/2014/main" id="{3A1DA0FF-BBFB-0B39-5262-19ACFED26754}"/>
               </a:ext>
             </a:extLst>
           </p:cNvPr>
@@ -4948,16 +6075,45 @@
           </p:cNvPicPr>
           <p:nvPr/>
         </p:nvPicPr>
+        <p:blipFill rotWithShape="1">
+          <a:blip r:embed="rId2"/>
+          <a:srcRect t="47524" b="11863"/>
+          <a:stretch/>
+        </p:blipFill>
+        <p:spPr>
+          <a:xfrm>
+            <a:off x="2996616" y="1320184"/>
+            <a:ext cx="5696745" cy="367553"/>
+          </a:xfrm>
+          <a:prstGeom prst="rect">
+            <a:avLst/>
+          </a:prstGeom>
+        </p:spPr>
+      </p:pic>
+      <p:pic>
+        <p:nvPicPr>
+          <p:cNvPr id="7" name="Picture 6">
+            <a:extLst>
+              <a:ext uri="{FF2B5EF4-FFF2-40B4-BE49-F238E27FC236}">
+                <a16:creationId xmlns:a16="http://schemas.microsoft.com/office/drawing/2014/main" id="{19B799FA-DC15-0E77-D093-E2BB509C87EC}"/>
+              </a:ext>
+            </a:extLst>
+          </p:cNvPr>
+          <p:cNvPicPr>
+            <a:picLocks noChangeAspect="1"/>
+          </p:cNvPicPr>
+          <p:nvPr/>
+        </p:nvPicPr>
         <p:blipFill>
-          <a:blip r:embed="rId2"/>
+          <a:blip r:embed="rId3"/>
           <a:stretch>
             <a:fillRect/>
           </a:stretch>
         </p:blipFill>
         <p:spPr>
           <a:xfrm>
-            <a:off x="3162579" y="851647"/>
-            <a:ext cx="4020111" cy="3124636"/>
+            <a:off x="318552" y="2957446"/>
+            <a:ext cx="6001588" cy="2848373"/>
           </a:xfrm>
           <a:prstGeom prst="rect">
             <a:avLst/>
@@ -4966,56 +6122,10 @@
       </p:pic>
       <p:sp>
         <p:nvSpPr>
-          <p:cNvPr id="5" name="Arrow: Right 4">
-            <a:extLst>
-              <a:ext uri="{FF2B5EF4-FFF2-40B4-BE49-F238E27FC236}">
-                <a16:creationId xmlns:a16="http://schemas.microsoft.com/office/drawing/2014/main" id="{EE378632-FE8E-2C6B-810E-DAC1864EAFC9}"/>
-              </a:ext>
-            </a:extLst>
-          </p:cNvPr>
-          <p:cNvSpPr/>
-          <p:nvPr/>
-        </p:nvSpPr>
-        <p:spPr>
-          <a:xfrm>
-            <a:off x="1298335" y="2241177"/>
-            <a:ext cx="1748684" cy="815788"/>
-          </a:xfrm>
-          <a:prstGeom prst="rightArrow">
-            <a:avLst/>
-          </a:prstGeom>
-        </p:spPr>
-        <p:style>
-          <a:lnRef idx="2">
-            <a:schemeClr val="accent1">
-              <a:shade val="15000"/>
-            </a:schemeClr>
-          </a:lnRef>
-          <a:fillRef idx="1">
-            <a:schemeClr val="accent1"/>
-          </a:fillRef>
-          <a:effectRef idx="0">
-            <a:schemeClr val="accent1"/>
-          </a:effectRef>
-          <a:fontRef idx="minor">
-            <a:schemeClr val="lt1"/>
-          </a:fontRef>
-        </p:style>
-        <p:txBody>
-          <a:bodyPr rtlCol="0" anchor="ctr"/>
-          <a:lstStyle/>
-          <a:p>
-            <a:pPr algn="ctr"/>
-            <a:endParaRPr lang="en-US"/>
-          </a:p>
-        </p:txBody>
-      </p:sp>
-      <p:sp>
-        <p:nvSpPr>
-          <p:cNvPr id="6" name="TextBox 5">
-            <a:extLst>
-              <a:ext uri="{FF2B5EF4-FFF2-40B4-BE49-F238E27FC236}">
-                <a16:creationId xmlns:a16="http://schemas.microsoft.com/office/drawing/2014/main" id="{0F74497D-9013-E32F-B130-033B90EC604D}"/>
+          <p:cNvPr id="8" name="TextBox 7">
+            <a:extLst>
+              <a:ext uri="{FF2B5EF4-FFF2-40B4-BE49-F238E27FC236}">
+                <a16:creationId xmlns:a16="http://schemas.microsoft.com/office/drawing/2014/main" id="{63C88650-7F4F-A941-04CB-BEE44F26F139}"/>
               </a:ext>
             </a:extLst>
           </p:cNvPr>
@@ -5024,8 +6134,8 @@
         </p:nvSpPr>
         <p:spPr>
           <a:xfrm>
-            <a:off x="505590" y="135912"/>
-            <a:ext cx="2914772" cy="707886"/>
+            <a:off x="510989" y="1589127"/>
+            <a:ext cx="2003434" cy="369332"/>
           </a:xfrm>
           <a:prstGeom prst="rect">
             <a:avLst/>
@@ -5039,8 +6149,242 @@
           <a:lstStyle/>
           <a:p>
             <a:r>
+              <a:rPr lang="en-US" dirty="0" err="1">
+                <a:highlight>
+                  <a:srgbClr val="FFFF00"/>
+                </a:highlight>
+              </a:rPr>
+              <a:t>Npm</a:t>
+            </a:r>
+            <a:r>
+              <a:rPr lang="en-US" dirty="0">
+                <a:highlight>
+                  <a:srgbClr val="FFFF00"/>
+                </a:highlight>
+              </a:rPr>
+              <a:t> install express</a:t>
+            </a:r>
+          </a:p>
+        </p:txBody>
+      </p:sp>
+      <p:sp>
+        <p:nvSpPr>
+          <p:cNvPr id="9" name="TextBox 8">
+            <a:extLst>
+              <a:ext uri="{FF2B5EF4-FFF2-40B4-BE49-F238E27FC236}">
+                <a16:creationId xmlns:a16="http://schemas.microsoft.com/office/drawing/2014/main" id="{E0EFA096-AA60-E5F4-6D4C-986BF0D9FB04}"/>
+              </a:ext>
+            </a:extLst>
+          </p:cNvPr>
+          <p:cNvSpPr txBox="1"/>
+          <p:nvPr/>
+        </p:nvSpPr>
+        <p:spPr>
+          <a:xfrm>
+            <a:off x="417186" y="2470510"/>
+            <a:ext cx="3003176" cy="369332"/>
+          </a:xfrm>
+          <a:prstGeom prst="rect">
+            <a:avLst/>
+          </a:prstGeom>
+          <a:noFill/>
+        </p:spPr>
+        <p:txBody>
+          <a:bodyPr wrap="square" rtlCol="0">
+            <a:spAutoFit/>
+          </a:bodyPr>
+          <a:lstStyle/>
+          <a:p>
+            <a:r>
+              <a:rPr lang="en-US" dirty="0"/>
+              <a:t>Create server.js</a:t>
+            </a:r>
+          </a:p>
+        </p:txBody>
+      </p:sp>
+      <p:pic>
+        <p:nvPicPr>
+          <p:cNvPr id="11" name="Picture 10">
+            <a:extLst>
+              <a:ext uri="{FF2B5EF4-FFF2-40B4-BE49-F238E27FC236}">
+                <a16:creationId xmlns:a16="http://schemas.microsoft.com/office/drawing/2014/main" id="{82D091CE-37F7-B3FE-7901-8863B2C97D46}"/>
+              </a:ext>
+            </a:extLst>
+          </p:cNvPr>
+          <p:cNvPicPr>
+            <a:picLocks noChangeAspect="1"/>
+          </p:cNvPicPr>
+          <p:nvPr/>
+        </p:nvPicPr>
+        <p:blipFill>
+          <a:blip r:embed="rId4"/>
+          <a:stretch>
+            <a:fillRect/>
+          </a:stretch>
+        </p:blipFill>
+        <p:spPr>
+          <a:xfrm>
+            <a:off x="6722628" y="2957446"/>
+            <a:ext cx="4896533" cy="943107"/>
+          </a:xfrm>
+          <a:prstGeom prst="rect">
+            <a:avLst/>
+          </a:prstGeom>
+        </p:spPr>
+      </p:pic>
+      <p:sp>
+        <p:nvSpPr>
+          <p:cNvPr id="12" name="TextBox 11">
+            <a:extLst>
+              <a:ext uri="{FF2B5EF4-FFF2-40B4-BE49-F238E27FC236}">
+                <a16:creationId xmlns:a16="http://schemas.microsoft.com/office/drawing/2014/main" id="{E03D1B38-E3E3-B301-D1AC-5841A279B897}"/>
+              </a:ext>
+            </a:extLst>
+          </p:cNvPr>
+          <p:cNvSpPr txBox="1"/>
+          <p:nvPr/>
+        </p:nvSpPr>
+        <p:spPr>
+          <a:xfrm>
+            <a:off x="7404847" y="2470510"/>
+            <a:ext cx="1523430" cy="369332"/>
+          </a:xfrm>
+          <a:prstGeom prst="rect">
+            <a:avLst/>
+          </a:prstGeom>
+          <a:noFill/>
+        </p:spPr>
+        <p:txBody>
+          <a:bodyPr wrap="none" rtlCol="0">
+            <a:spAutoFit/>
+          </a:bodyPr>
+          <a:lstStyle/>
+          <a:p>
+            <a:r>
+              <a:rPr lang="en-US" dirty="0"/>
+              <a:t>Helpful scripts</a:t>
+            </a:r>
+          </a:p>
+        </p:txBody>
+      </p:sp>
+      <p:sp>
+        <p:nvSpPr>
+          <p:cNvPr id="13" name="TextBox 12">
+            <a:extLst>
+              <a:ext uri="{FF2B5EF4-FFF2-40B4-BE49-F238E27FC236}">
+                <a16:creationId xmlns:a16="http://schemas.microsoft.com/office/drawing/2014/main" id="{A66A25A6-86D2-242A-F1ED-80A6CC22D4DD}"/>
+              </a:ext>
+            </a:extLst>
+          </p:cNvPr>
+          <p:cNvSpPr txBox="1"/>
+          <p:nvPr/>
+        </p:nvSpPr>
+        <p:spPr>
+          <a:xfrm>
+            <a:off x="505590" y="135912"/>
+            <a:ext cx="2914772" cy="707886"/>
+          </a:xfrm>
+          <a:prstGeom prst="rect">
+            <a:avLst/>
+          </a:prstGeom>
+          <a:noFill/>
+        </p:spPr>
+        <p:txBody>
+          <a:bodyPr wrap="none" rtlCol="0">
+            <a:spAutoFit/>
+          </a:bodyPr>
+          <a:lstStyle/>
+          <a:p>
+            <a:r>
               <a:rPr lang="en-US" sz="4000" dirty="0"/>
               <a:t>Set up server</a:t>
+            </a:r>
+          </a:p>
+        </p:txBody>
+      </p:sp>
+      <p:sp>
+        <p:nvSpPr>
+          <p:cNvPr id="15" name="TextBox 14">
+            <a:extLst>
+              <a:ext uri="{FF2B5EF4-FFF2-40B4-BE49-F238E27FC236}">
+                <a16:creationId xmlns:a16="http://schemas.microsoft.com/office/drawing/2014/main" id="{BB1B3355-AB38-F62A-6801-FE07910ACC7F}"/>
+              </a:ext>
+            </a:extLst>
+          </p:cNvPr>
+          <p:cNvSpPr txBox="1"/>
+          <p:nvPr/>
+        </p:nvSpPr>
+        <p:spPr>
+          <a:xfrm>
+            <a:off x="7100047" y="4874430"/>
+            <a:ext cx="4641314" cy="1200329"/>
+          </a:xfrm>
+          <a:prstGeom prst="rect">
+            <a:avLst/>
+          </a:prstGeom>
+          <a:noFill/>
+        </p:spPr>
+        <p:txBody>
+          <a:bodyPr wrap="square">
+            <a:spAutoFit/>
+          </a:bodyPr>
+          <a:lstStyle/>
+          <a:p>
+            <a:r>
+              <a:rPr lang="en-US" dirty="0">
+                <a:highlight>
+                  <a:srgbClr val="00FFFF"/>
+                </a:highlight>
+              </a:rPr>
+              <a:t>If anyone runs into that issue of a port in use and </a:t>
+            </a:r>
+            <a:r>
+              <a:rPr lang="en-US" dirty="0" err="1">
+                <a:highlight>
+                  <a:srgbClr val="00FFFF"/>
+                </a:highlight>
+              </a:rPr>
+              <a:t>youre</a:t>
+            </a:r>
+            <a:r>
+              <a:rPr lang="en-US" dirty="0">
+                <a:highlight>
+                  <a:srgbClr val="00FFFF"/>
+                </a:highlight>
+              </a:rPr>
+              <a:t> not sure where it’s running you can run the command “</a:t>
+            </a:r>
+            <a:r>
+              <a:rPr lang="en-US" dirty="0" err="1">
+                <a:highlight>
+                  <a:srgbClr val="00FFFF"/>
+                </a:highlight>
+              </a:rPr>
+              <a:t>killall</a:t>
+            </a:r>
+            <a:r>
+              <a:rPr lang="en-US" dirty="0">
+                <a:highlight>
+                  <a:srgbClr val="00FFFF"/>
+                </a:highlight>
+              </a:rPr>
+              <a:t> node”. </a:t>
+            </a:r>
+            <a:r>
+              <a:rPr lang="en-US" dirty="0" err="1">
+                <a:highlight>
+                  <a:srgbClr val="00FFFF"/>
+                </a:highlight>
+              </a:rPr>
+              <a:t>Wsl</a:t>
+            </a:r>
+            <a:r>
+              <a:rPr lang="en-US" dirty="0">
+                <a:highlight>
+                  <a:srgbClr val="00FFFF"/>
+                </a:highlight>
+              </a:rPr>
+              <a:t> users may have to wait a few seconds to reconnect</a:t>
             </a:r>
           </a:p>
         </p:txBody>
@@ -5048,7 +6392,7 @@
     </p:spTree>
     <p:extLst>
       <p:ext uri="{BB962C8B-B14F-4D97-AF65-F5344CB8AC3E}">
-        <p14:creationId xmlns:p14="http://schemas.microsoft.com/office/powerpoint/2010/main" val="2764477157"/>
+        <p14:creationId xmlns:p14="http://schemas.microsoft.com/office/powerpoint/2010/main" val="2895099902"/>
       </p:ext>
     </p:extLst>
   </p:cSld>
@@ -5075,12 +6419,55 @@
           <a:chExt cx="0" cy="0"/>
         </a:xfrm>
       </p:grpSpPr>
+      <p:sp>
+        <p:nvSpPr>
+          <p:cNvPr id="2" name="TextBox 1">
+            <a:extLst>
+              <a:ext uri="{FF2B5EF4-FFF2-40B4-BE49-F238E27FC236}">
+                <a16:creationId xmlns:a16="http://schemas.microsoft.com/office/drawing/2014/main" id="{58540FB3-9FAD-CFDF-18F0-C52D5B37AAEA}"/>
+              </a:ext>
+            </a:extLst>
+          </p:cNvPr>
+          <p:cNvSpPr txBox="1"/>
+          <p:nvPr/>
+        </p:nvSpPr>
+        <p:spPr>
+          <a:xfrm>
+            <a:off x="308433" y="1871845"/>
+            <a:ext cx="1748684" cy="369332"/>
+          </a:xfrm>
+          <a:prstGeom prst="rect">
+            <a:avLst/>
+          </a:prstGeom>
+          <a:noFill/>
+        </p:spPr>
+        <p:txBody>
+          <a:bodyPr wrap="none" rtlCol="0">
+            <a:spAutoFit/>
+          </a:bodyPr>
+          <a:lstStyle/>
+          <a:p>
+            <a:r>
+              <a:rPr lang="en-US" dirty="0"/>
+              <a:t>Rest </a:t>
+            </a:r>
+            <a:r>
+              <a:rPr lang="en-US" dirty="0" err="1"/>
+              <a:t>api</a:t>
+            </a:r>
+            <a:r>
+              <a:rPr lang="en-US" dirty="0"/>
+              <a:t> creation</a:t>
+            </a:r>
+          </a:p>
+        </p:txBody>
+      </p:sp>
       <p:pic>
         <p:nvPicPr>
-          <p:cNvPr id="3" name="Picture 2">
-            <a:extLst>
-              <a:ext uri="{FF2B5EF4-FFF2-40B4-BE49-F238E27FC236}">
-                <a16:creationId xmlns:a16="http://schemas.microsoft.com/office/drawing/2014/main" id="{EDF34A5D-AE5E-4C4B-2B19-6BCC4D4A05DA}"/>
+          <p:cNvPr id="4" name="Picture 3">
+            <a:extLst>
+              <a:ext uri="{FF2B5EF4-FFF2-40B4-BE49-F238E27FC236}">
+                <a16:creationId xmlns:a16="http://schemas.microsoft.com/office/drawing/2014/main" id="{3B5E7700-4C91-2C83-9388-0A2E964E56E9}"/>
               </a:ext>
             </a:extLst>
           </p:cNvPr>
@@ -5097,8 +6484,8 @@
         </p:blipFill>
         <p:spPr>
           <a:xfrm>
-            <a:off x="5128489" y="1158924"/>
-            <a:ext cx="6363588" cy="3839111"/>
+            <a:off x="3162579" y="851647"/>
+            <a:ext cx="4020111" cy="3124636"/>
           </a:xfrm>
           <a:prstGeom prst="rect">
             <a:avLst/>
@@ -5107,53 +6494,10 @@
       </p:pic>
       <p:sp>
         <p:nvSpPr>
-          <p:cNvPr id="4" name="TextBox 3">
-            <a:extLst>
-              <a:ext uri="{FF2B5EF4-FFF2-40B4-BE49-F238E27FC236}">
-                <a16:creationId xmlns:a16="http://schemas.microsoft.com/office/drawing/2014/main" id="{AF03E483-F826-7B47-E15D-C2AA982AF945}"/>
-              </a:ext>
-            </a:extLst>
-          </p:cNvPr>
-          <p:cNvSpPr txBox="1"/>
-          <p:nvPr/>
-        </p:nvSpPr>
-        <p:spPr>
-          <a:xfrm>
-            <a:off x="833718" y="1756186"/>
-            <a:ext cx="3039035" cy="646331"/>
-          </a:xfrm>
-          <a:prstGeom prst="rect">
-            <a:avLst/>
-          </a:prstGeom>
-          <a:noFill/>
-        </p:spPr>
-        <p:txBody>
-          <a:bodyPr wrap="square" rtlCol="0">
-            <a:spAutoFit/>
-          </a:bodyPr>
-          <a:lstStyle/>
-          <a:p>
-            <a:r>
-              <a:rPr lang="en-US" dirty="0"/>
-              <a:t>Include </a:t>
-            </a:r>
-            <a:r>
-              <a:rPr lang="en-US" dirty="0" err="1"/>
-              <a:t>prisma</a:t>
-            </a:r>
-            <a:r>
-              <a:rPr lang="en-US" dirty="0"/>
-              <a:t> code into server.js</a:t>
-            </a:r>
-          </a:p>
-        </p:txBody>
-      </p:sp>
-      <p:sp>
-        <p:nvSpPr>
           <p:cNvPr id="5" name="Arrow: Right 4">
             <a:extLst>
               <a:ext uri="{FF2B5EF4-FFF2-40B4-BE49-F238E27FC236}">
-                <a16:creationId xmlns:a16="http://schemas.microsoft.com/office/drawing/2014/main" id="{1251C10B-251A-5EAF-2952-B55298B8CDE9}"/>
+                <a16:creationId xmlns:a16="http://schemas.microsoft.com/office/drawing/2014/main" id="{EE378632-FE8E-2C6B-810E-DAC1864EAFC9}"/>
               </a:ext>
             </a:extLst>
           </p:cNvPr>
@@ -5162,8 +6506,8 @@
         </p:nvSpPr>
         <p:spPr>
           <a:xfrm>
-            <a:off x="3465197" y="1675939"/>
-            <a:ext cx="3326583" cy="806824"/>
+            <a:off x="1298335" y="2241177"/>
+            <a:ext cx="1748684" cy="815788"/>
           </a:xfrm>
           <a:prstGeom prst="rightArrow">
             <a:avLst/>
@@ -5194,42 +6538,12 @@
           </a:p>
         </p:txBody>
       </p:sp>
-      <p:pic>
-        <p:nvPicPr>
-          <p:cNvPr id="7" name="Picture 6">
-            <a:extLst>
-              <a:ext uri="{FF2B5EF4-FFF2-40B4-BE49-F238E27FC236}">
-                <a16:creationId xmlns:a16="http://schemas.microsoft.com/office/drawing/2014/main" id="{1DC96EBD-4440-6D4B-258E-F911F6462A87}"/>
-              </a:ext>
-            </a:extLst>
-          </p:cNvPr>
-          <p:cNvPicPr>
-            <a:picLocks noChangeAspect="1"/>
-          </p:cNvPicPr>
-          <p:nvPr/>
-        </p:nvPicPr>
-        <p:blipFill>
-          <a:blip r:embed="rId3"/>
-          <a:stretch>
-            <a:fillRect/>
-          </a:stretch>
-        </p:blipFill>
-        <p:spPr>
-          <a:xfrm>
-            <a:off x="468551" y="4905062"/>
-            <a:ext cx="3696216" cy="1076475"/>
-          </a:xfrm>
-          <a:prstGeom prst="rect">
-            <a:avLst/>
-          </a:prstGeom>
-        </p:spPr>
-      </p:pic>
-      <p:sp>
-        <p:nvSpPr>
-          <p:cNvPr id="8" name="TextBox 7">
-            <a:extLst>
-              <a:ext uri="{FF2B5EF4-FFF2-40B4-BE49-F238E27FC236}">
-                <a16:creationId xmlns:a16="http://schemas.microsoft.com/office/drawing/2014/main" id="{CF27E91A-A022-EAB5-5D71-C1359A96D162}"/>
+      <p:sp>
+        <p:nvSpPr>
+          <p:cNvPr id="6" name="TextBox 5">
+            <a:extLst>
+              <a:ext uri="{FF2B5EF4-FFF2-40B4-BE49-F238E27FC236}">
+                <a16:creationId xmlns:a16="http://schemas.microsoft.com/office/drawing/2014/main" id="{0F74497D-9013-E32F-B130-033B90EC604D}"/>
               </a:ext>
             </a:extLst>
           </p:cNvPr>
@@ -5238,8 +6552,8 @@
         </p:nvSpPr>
         <p:spPr>
           <a:xfrm>
-            <a:off x="1164695" y="4455484"/>
-            <a:ext cx="1613711" cy="369332"/>
+            <a:off x="505590" y="135912"/>
+            <a:ext cx="2914772" cy="707886"/>
           </a:xfrm>
           <a:prstGeom prst="rect">
             <a:avLst/>
@@ -5253,43 +6567,8 @@
           <a:lstStyle/>
           <a:p>
             <a:r>
-              <a:rPr lang="en-US" dirty="0"/>
-              <a:t>Get all the pets</a:t>
-            </a:r>
-          </a:p>
-        </p:txBody>
-      </p:sp>
-      <p:sp>
-        <p:nvSpPr>
-          <p:cNvPr id="9" name="TextBox 8">
-            <a:extLst>
-              <a:ext uri="{FF2B5EF4-FFF2-40B4-BE49-F238E27FC236}">
-                <a16:creationId xmlns:a16="http://schemas.microsoft.com/office/drawing/2014/main" id="{794304A3-494D-5F7A-2DDB-0B957A8F02A0}"/>
-              </a:ext>
-            </a:extLst>
-          </p:cNvPr>
-          <p:cNvSpPr txBox="1"/>
-          <p:nvPr/>
-        </p:nvSpPr>
-        <p:spPr>
-          <a:xfrm>
-            <a:off x="347472" y="320040"/>
-            <a:ext cx="3364992" cy="707886"/>
-          </a:xfrm>
-          <a:prstGeom prst="rect">
-            <a:avLst/>
-          </a:prstGeom>
-          <a:noFill/>
-        </p:spPr>
-        <p:txBody>
-          <a:bodyPr wrap="square" rtlCol="0">
-            <a:spAutoFit/>
-          </a:bodyPr>
-          <a:lstStyle/>
-          <a:p>
-            <a:r>
               <a:rPr lang="en-US" sz="4000" dirty="0"/>
-              <a:t>GET</a:t>
+              <a:t>Set up server</a:t>
             </a:r>
           </a:p>
         </p:txBody>
@@ -5297,7 +6576,7 @@
     </p:spTree>
     <p:extLst>
       <p:ext uri="{BB962C8B-B14F-4D97-AF65-F5344CB8AC3E}">
-        <p14:creationId xmlns:p14="http://schemas.microsoft.com/office/powerpoint/2010/main" val="2200131795"/>
+        <p14:creationId xmlns:p14="http://schemas.microsoft.com/office/powerpoint/2010/main" val="2764477157"/>
       </p:ext>
     </p:extLst>
   </p:cSld>
@@ -5329,7 +6608,7 @@
           <p:cNvPr id="3" name="Picture 2">
             <a:extLst>
               <a:ext uri="{FF2B5EF4-FFF2-40B4-BE49-F238E27FC236}">
-                <a16:creationId xmlns:a16="http://schemas.microsoft.com/office/drawing/2014/main" id="{2F6B1FBC-0A6C-DD7D-687E-037231B61E78}"/>
+                <a16:creationId xmlns:a16="http://schemas.microsoft.com/office/drawing/2014/main" id="{EDF34A5D-AE5E-4C4B-2B19-6BCC4D4A05DA}"/>
               </a:ext>
             </a:extLst>
           </p:cNvPr>
@@ -5346,8 +6625,8 @@
         </p:blipFill>
         <p:spPr>
           <a:xfrm>
-            <a:off x="6598222" y="367870"/>
-            <a:ext cx="5163271" cy="3486637"/>
+            <a:off x="5128489" y="1158924"/>
+            <a:ext cx="6363588" cy="3839111"/>
           </a:xfrm>
           <a:prstGeom prst="rect">
             <a:avLst/>
@@ -5356,10 +6635,10 @@
       </p:pic>
       <p:sp>
         <p:nvSpPr>
-          <p:cNvPr id="6" name="TextBox 5">
-            <a:extLst>
-              <a:ext uri="{FF2B5EF4-FFF2-40B4-BE49-F238E27FC236}">
-                <a16:creationId xmlns:a16="http://schemas.microsoft.com/office/drawing/2014/main" id="{24CAF103-FBD9-6B01-2528-A7804F4E95D4}"/>
+          <p:cNvPr id="4" name="TextBox 3">
+            <a:extLst>
+              <a:ext uri="{FF2B5EF4-FFF2-40B4-BE49-F238E27FC236}">
+                <a16:creationId xmlns:a16="http://schemas.microsoft.com/office/drawing/2014/main" id="{AF03E483-F826-7B47-E15D-C2AA982AF945}"/>
               </a:ext>
             </a:extLst>
           </p:cNvPr>
@@ -5368,8 +6647,8 @@
         </p:nvSpPr>
         <p:spPr>
           <a:xfrm>
-            <a:off x="557136" y="1169356"/>
-            <a:ext cx="1948803" cy="369332"/>
+            <a:off x="833718" y="1756186"/>
+            <a:ext cx="3039035" cy="646331"/>
           </a:xfrm>
           <a:prstGeom prst="rect">
             <a:avLst/>
@@ -5377,24 +6656,78 @@
           <a:noFill/>
         </p:spPr>
         <p:txBody>
-          <a:bodyPr wrap="none" rtlCol="0">
+          <a:bodyPr wrap="square" rtlCol="0">
             <a:spAutoFit/>
           </a:bodyPr>
           <a:lstStyle/>
           <a:p>
             <a:r>
               <a:rPr lang="en-US" dirty="0"/>
-              <a:t>Find one pet  by ID</a:t>
-            </a:r>
+              <a:t>Include </a:t>
+            </a:r>
+            <a:r>
+              <a:rPr lang="en-US" dirty="0" err="1"/>
+              <a:t>prisma</a:t>
+            </a:r>
+            <a:r>
+              <a:rPr lang="en-US" dirty="0"/>
+              <a:t> code into server.js</a:t>
+            </a:r>
+          </a:p>
+        </p:txBody>
+      </p:sp>
+      <p:sp>
+        <p:nvSpPr>
+          <p:cNvPr id="5" name="Arrow: Right 4">
+            <a:extLst>
+              <a:ext uri="{FF2B5EF4-FFF2-40B4-BE49-F238E27FC236}">
+                <a16:creationId xmlns:a16="http://schemas.microsoft.com/office/drawing/2014/main" id="{1251C10B-251A-5EAF-2952-B55298B8CDE9}"/>
+              </a:ext>
+            </a:extLst>
+          </p:cNvPr>
+          <p:cNvSpPr/>
+          <p:nvPr/>
+        </p:nvSpPr>
+        <p:spPr>
+          <a:xfrm>
+            <a:off x="3465197" y="1675939"/>
+            <a:ext cx="3326583" cy="806824"/>
+          </a:xfrm>
+          <a:prstGeom prst="rightArrow">
+            <a:avLst/>
+          </a:prstGeom>
+        </p:spPr>
+        <p:style>
+          <a:lnRef idx="2">
+            <a:schemeClr val="accent1">
+              <a:shade val="15000"/>
+            </a:schemeClr>
+          </a:lnRef>
+          <a:fillRef idx="1">
+            <a:schemeClr val="accent1"/>
+          </a:fillRef>
+          <a:effectRef idx="0">
+            <a:schemeClr val="accent1"/>
+          </a:effectRef>
+          <a:fontRef idx="minor">
+            <a:schemeClr val="lt1"/>
+          </a:fontRef>
+        </p:style>
+        <p:txBody>
+          <a:bodyPr rtlCol="0" anchor="ctr"/>
+          <a:lstStyle/>
+          <a:p>
+            <a:pPr algn="ctr"/>
+            <a:endParaRPr lang="en-US"/>
           </a:p>
         </p:txBody>
       </p:sp>
       <p:pic>
         <p:nvPicPr>
-          <p:cNvPr id="8" name="Picture 7">
-            <a:extLst>
-              <a:ext uri="{FF2B5EF4-FFF2-40B4-BE49-F238E27FC236}">
-                <a16:creationId xmlns:a16="http://schemas.microsoft.com/office/drawing/2014/main" id="{03A962D7-C0B4-98BA-258F-FABDD891CFF4}"/>
+          <p:cNvPr id="7" name="Picture 6">
+            <a:extLst>
+              <a:ext uri="{FF2B5EF4-FFF2-40B4-BE49-F238E27FC236}">
+                <a16:creationId xmlns:a16="http://schemas.microsoft.com/office/drawing/2014/main" id="{1DC96EBD-4440-6D4B-258E-F911F6462A87}"/>
               </a:ext>
             </a:extLst>
           </p:cNvPr>
@@ -5411,8 +6744,8 @@
         </p:blipFill>
         <p:spPr>
           <a:xfrm>
-            <a:off x="130708" y="2855301"/>
-            <a:ext cx="4789638" cy="3796510"/>
+            <a:off x="468551" y="4905062"/>
+            <a:ext cx="3696216" cy="1076475"/>
           </a:xfrm>
           <a:prstGeom prst="rect">
             <a:avLst/>
@@ -5421,10 +6754,45 @@
       </p:pic>
       <p:sp>
         <p:nvSpPr>
+          <p:cNvPr id="8" name="TextBox 7">
+            <a:extLst>
+              <a:ext uri="{FF2B5EF4-FFF2-40B4-BE49-F238E27FC236}">
+                <a16:creationId xmlns:a16="http://schemas.microsoft.com/office/drawing/2014/main" id="{CF27E91A-A022-EAB5-5D71-C1359A96D162}"/>
+              </a:ext>
+            </a:extLst>
+          </p:cNvPr>
+          <p:cNvSpPr txBox="1"/>
+          <p:nvPr/>
+        </p:nvSpPr>
+        <p:spPr>
+          <a:xfrm>
+            <a:off x="1164695" y="4455484"/>
+            <a:ext cx="1613711" cy="369332"/>
+          </a:xfrm>
+          <a:prstGeom prst="rect">
+            <a:avLst/>
+          </a:prstGeom>
+          <a:noFill/>
+        </p:spPr>
+        <p:txBody>
+          <a:bodyPr wrap="none" rtlCol="0">
+            <a:spAutoFit/>
+          </a:bodyPr>
+          <a:lstStyle/>
+          <a:p>
+            <a:r>
+              <a:rPr lang="en-US" dirty="0"/>
+              <a:t>Get all the pets</a:t>
+            </a:r>
+          </a:p>
+        </p:txBody>
+      </p:sp>
+      <p:sp>
+        <p:nvSpPr>
           <p:cNvPr id="9" name="TextBox 8">
             <a:extLst>
               <a:ext uri="{FF2B5EF4-FFF2-40B4-BE49-F238E27FC236}">
-                <a16:creationId xmlns:a16="http://schemas.microsoft.com/office/drawing/2014/main" id="{A94C18F7-8C41-DE41-356C-8FAD04755F27}"/>
+                <a16:creationId xmlns:a16="http://schemas.microsoft.com/office/drawing/2014/main" id="{794304A3-494D-5F7A-2DDB-0B957A8F02A0}"/>
               </a:ext>
             </a:extLst>
           </p:cNvPr>
@@ -5433,8 +6801,8 @@
         </p:nvSpPr>
         <p:spPr>
           <a:xfrm>
-            <a:off x="130708" y="1858728"/>
-            <a:ext cx="4422110" cy="923330"/>
+            <a:off x="347472" y="320040"/>
+            <a:ext cx="3364992" cy="707886"/>
           </a:xfrm>
           <a:prstGeom prst="rect">
             <a:avLst/>
@@ -5448,126 +6816,6 @@
           <a:lstStyle/>
           <a:p>
             <a:r>
-              <a:rPr lang="en-US" dirty="0">
-                <a:highlight>
-                  <a:srgbClr val="FFFF00"/>
-                </a:highlight>
-              </a:rPr>
-              <a:t>The </a:t>
-            </a:r>
-            <a:r>
-              <a:rPr lang="en-US" dirty="0" err="1">
-                <a:highlight>
-                  <a:srgbClr val="FFFF00"/>
-                </a:highlight>
-              </a:rPr>
-              <a:t>parseInt</a:t>
-            </a:r>
-            <a:r>
-              <a:rPr lang="en-US" dirty="0">
-                <a:highlight>
-                  <a:srgbClr val="FFFF00"/>
-                </a:highlight>
-              </a:rPr>
-              <a:t>()  this converts a string to an integer.. Because the param came in as a string</a:t>
-            </a:r>
-          </a:p>
-        </p:txBody>
-      </p:sp>
-      <p:pic>
-        <p:nvPicPr>
-          <p:cNvPr id="11" name="Picture 10">
-            <a:extLst>
-              <a:ext uri="{FF2B5EF4-FFF2-40B4-BE49-F238E27FC236}">
-                <a16:creationId xmlns:a16="http://schemas.microsoft.com/office/drawing/2014/main" id="{AEF52D9B-1C2A-3CD6-CAD3-5DD3B061A3F9}"/>
-              </a:ext>
-            </a:extLst>
-          </p:cNvPr>
-          <p:cNvPicPr>
-            <a:picLocks noChangeAspect="1"/>
-          </p:cNvPicPr>
-          <p:nvPr/>
-        </p:nvPicPr>
-        <p:blipFill>
-          <a:blip r:embed="rId4"/>
-          <a:stretch>
-            <a:fillRect/>
-          </a:stretch>
-        </p:blipFill>
-        <p:spPr>
-          <a:xfrm>
-            <a:off x="7765066" y="3972088"/>
-            <a:ext cx="4086795" cy="2819794"/>
-          </a:xfrm>
-          <a:prstGeom prst="rect">
-            <a:avLst/>
-          </a:prstGeom>
-        </p:spPr>
-      </p:pic>
-      <p:sp>
-        <p:nvSpPr>
-          <p:cNvPr id="12" name="TextBox 11">
-            <a:extLst>
-              <a:ext uri="{FF2B5EF4-FFF2-40B4-BE49-F238E27FC236}">
-                <a16:creationId xmlns:a16="http://schemas.microsoft.com/office/drawing/2014/main" id="{5E2702B8-2981-8D29-0DB2-66E323C65C84}"/>
-              </a:ext>
-            </a:extLst>
-          </p:cNvPr>
-          <p:cNvSpPr txBox="1"/>
-          <p:nvPr/>
-        </p:nvSpPr>
-        <p:spPr>
-          <a:xfrm>
-            <a:off x="5285232" y="5888736"/>
-            <a:ext cx="2405082" cy="369332"/>
-          </a:xfrm>
-          <a:prstGeom prst="rect">
-            <a:avLst/>
-          </a:prstGeom>
-          <a:noFill/>
-        </p:spPr>
-        <p:txBody>
-          <a:bodyPr wrap="none" rtlCol="0">
-            <a:spAutoFit/>
-          </a:bodyPr>
-          <a:lstStyle/>
-          <a:p>
-            <a:r>
-              <a:rPr lang="en-US" dirty="0"/>
-              <a:t>If else for pet not found</a:t>
-            </a:r>
-          </a:p>
-        </p:txBody>
-      </p:sp>
-      <p:sp>
-        <p:nvSpPr>
-          <p:cNvPr id="13" name="TextBox 12">
-            <a:extLst>
-              <a:ext uri="{FF2B5EF4-FFF2-40B4-BE49-F238E27FC236}">
-                <a16:creationId xmlns:a16="http://schemas.microsoft.com/office/drawing/2014/main" id="{AD1B57C5-F5E1-95AE-A207-2D34B3EBD952}"/>
-              </a:ext>
-            </a:extLst>
-          </p:cNvPr>
-          <p:cNvSpPr txBox="1"/>
-          <p:nvPr/>
-        </p:nvSpPr>
-        <p:spPr>
-          <a:xfrm>
-            <a:off x="347472" y="320040"/>
-            <a:ext cx="3364992" cy="707886"/>
-          </a:xfrm>
-          <a:prstGeom prst="rect">
-            <a:avLst/>
-          </a:prstGeom>
-          <a:noFill/>
-        </p:spPr>
-        <p:txBody>
-          <a:bodyPr wrap="square" rtlCol="0">
-            <a:spAutoFit/>
-          </a:bodyPr>
-          <a:lstStyle/>
-          <a:p>
-            <a:r>
               <a:rPr lang="en-US" sz="4000" dirty="0"/>
               <a:t>GET</a:t>
             </a:r>
@@ -5577,7 +6825,7 @@
     </p:spTree>
     <p:extLst>
       <p:ext uri="{BB962C8B-B14F-4D97-AF65-F5344CB8AC3E}">
-        <p14:creationId xmlns:p14="http://schemas.microsoft.com/office/powerpoint/2010/main" val="1493539930"/>
+        <p14:creationId xmlns:p14="http://schemas.microsoft.com/office/powerpoint/2010/main" val="2200131795"/>
       </p:ext>
     </p:extLst>
   </p:cSld>
@@ -5604,47 +6852,12 @@
           <a:chExt cx="0" cy="0"/>
         </a:xfrm>
       </p:grpSpPr>
-      <p:sp>
-        <p:nvSpPr>
-          <p:cNvPr id="4" name="TextBox 3">
-            <a:extLst>
-              <a:ext uri="{FF2B5EF4-FFF2-40B4-BE49-F238E27FC236}">
-                <a16:creationId xmlns:a16="http://schemas.microsoft.com/office/drawing/2014/main" id="{91A7E5B4-DA1D-8314-413F-2D2C8F3CC988}"/>
-              </a:ext>
-            </a:extLst>
-          </p:cNvPr>
-          <p:cNvSpPr txBox="1"/>
-          <p:nvPr/>
-        </p:nvSpPr>
-        <p:spPr>
-          <a:xfrm>
-            <a:off x="347472" y="320040"/>
-            <a:ext cx="3364992" cy="707886"/>
-          </a:xfrm>
-          <a:prstGeom prst="rect">
-            <a:avLst/>
-          </a:prstGeom>
-          <a:noFill/>
-        </p:spPr>
-        <p:txBody>
-          <a:bodyPr wrap="square" rtlCol="0">
-            <a:spAutoFit/>
-          </a:bodyPr>
-          <a:lstStyle/>
-          <a:p>
-            <a:r>
-              <a:rPr lang="en-US" sz="4000" dirty="0"/>
-              <a:t>delete</a:t>
-            </a:r>
-          </a:p>
-        </p:txBody>
-      </p:sp>
       <p:pic>
         <p:nvPicPr>
-          <p:cNvPr id="6" name="Picture 5">
-            <a:extLst>
-              <a:ext uri="{FF2B5EF4-FFF2-40B4-BE49-F238E27FC236}">
-                <a16:creationId xmlns:a16="http://schemas.microsoft.com/office/drawing/2014/main" id="{73EB8217-C5CD-E99B-928B-2968683157CB}"/>
+          <p:cNvPr id="3" name="Picture 2">
+            <a:extLst>
+              <a:ext uri="{FF2B5EF4-FFF2-40B4-BE49-F238E27FC236}">
+                <a16:creationId xmlns:a16="http://schemas.microsoft.com/office/drawing/2014/main" id="{2F6B1FBC-0A6C-DD7D-687E-037231B61E78}"/>
               </a:ext>
             </a:extLst>
           </p:cNvPr>
@@ -5661,20 +6874,55 @@
         </p:blipFill>
         <p:spPr>
           <a:xfrm>
-            <a:off x="6681257" y="320040"/>
-            <a:ext cx="5163271" cy="5239481"/>
+            <a:off x="6598222" y="367870"/>
+            <a:ext cx="5163271" cy="3486637"/>
           </a:xfrm>
           <a:prstGeom prst="rect">
             <a:avLst/>
           </a:prstGeom>
         </p:spPr>
       </p:pic>
+      <p:sp>
+        <p:nvSpPr>
+          <p:cNvPr id="6" name="TextBox 5">
+            <a:extLst>
+              <a:ext uri="{FF2B5EF4-FFF2-40B4-BE49-F238E27FC236}">
+                <a16:creationId xmlns:a16="http://schemas.microsoft.com/office/drawing/2014/main" id="{24CAF103-FBD9-6B01-2528-A7804F4E95D4}"/>
+              </a:ext>
+            </a:extLst>
+          </p:cNvPr>
+          <p:cNvSpPr txBox="1"/>
+          <p:nvPr/>
+        </p:nvSpPr>
+        <p:spPr>
+          <a:xfrm>
+            <a:off x="557136" y="1169356"/>
+            <a:ext cx="1948803" cy="369332"/>
+          </a:xfrm>
+          <a:prstGeom prst="rect">
+            <a:avLst/>
+          </a:prstGeom>
+          <a:noFill/>
+        </p:spPr>
+        <p:txBody>
+          <a:bodyPr wrap="none" rtlCol="0">
+            <a:spAutoFit/>
+          </a:bodyPr>
+          <a:lstStyle/>
+          <a:p>
+            <a:r>
+              <a:rPr lang="en-US" dirty="0"/>
+              <a:t>Find one pet  by ID</a:t>
+            </a:r>
+          </a:p>
+        </p:txBody>
+      </p:sp>
       <p:pic>
         <p:nvPicPr>
           <p:cNvPr id="8" name="Picture 7">
             <a:extLst>
               <a:ext uri="{FF2B5EF4-FFF2-40B4-BE49-F238E27FC236}">
-                <a16:creationId xmlns:a16="http://schemas.microsoft.com/office/drawing/2014/main" id="{3E721CEC-4637-0664-CC22-5AE8526E3AA2}"/>
+                <a16:creationId xmlns:a16="http://schemas.microsoft.com/office/drawing/2014/main" id="{03A962D7-C0B4-98BA-258F-FABDD891CFF4}"/>
               </a:ext>
             </a:extLst>
           </p:cNvPr>
@@ -5691,18 +6939,173 @@
         </p:blipFill>
         <p:spPr>
           <a:xfrm>
-            <a:off x="347472" y="1363514"/>
-            <a:ext cx="3962953" cy="3467584"/>
+            <a:off x="130708" y="2855301"/>
+            <a:ext cx="4789638" cy="3796510"/>
           </a:xfrm>
           <a:prstGeom prst="rect">
             <a:avLst/>
           </a:prstGeom>
         </p:spPr>
       </p:pic>
+      <p:sp>
+        <p:nvSpPr>
+          <p:cNvPr id="9" name="TextBox 8">
+            <a:extLst>
+              <a:ext uri="{FF2B5EF4-FFF2-40B4-BE49-F238E27FC236}">
+                <a16:creationId xmlns:a16="http://schemas.microsoft.com/office/drawing/2014/main" id="{A94C18F7-8C41-DE41-356C-8FAD04755F27}"/>
+              </a:ext>
+            </a:extLst>
+          </p:cNvPr>
+          <p:cNvSpPr txBox="1"/>
+          <p:nvPr/>
+        </p:nvSpPr>
+        <p:spPr>
+          <a:xfrm>
+            <a:off x="130708" y="1858728"/>
+            <a:ext cx="4422110" cy="923330"/>
+          </a:xfrm>
+          <a:prstGeom prst="rect">
+            <a:avLst/>
+          </a:prstGeom>
+          <a:noFill/>
+        </p:spPr>
+        <p:txBody>
+          <a:bodyPr wrap="square" rtlCol="0">
+            <a:spAutoFit/>
+          </a:bodyPr>
+          <a:lstStyle/>
+          <a:p>
+            <a:r>
+              <a:rPr lang="en-US" dirty="0">
+                <a:highlight>
+                  <a:srgbClr val="FFFF00"/>
+                </a:highlight>
+              </a:rPr>
+              <a:t>The </a:t>
+            </a:r>
+            <a:r>
+              <a:rPr lang="en-US" dirty="0" err="1">
+                <a:highlight>
+                  <a:srgbClr val="FFFF00"/>
+                </a:highlight>
+              </a:rPr>
+              <a:t>parseInt</a:t>
+            </a:r>
+            <a:r>
+              <a:rPr lang="en-US" dirty="0">
+                <a:highlight>
+                  <a:srgbClr val="FFFF00"/>
+                </a:highlight>
+              </a:rPr>
+              <a:t>()  this converts a string to an integer.. Because the param came in as a string</a:t>
+            </a:r>
+          </a:p>
+        </p:txBody>
+      </p:sp>
+      <p:pic>
+        <p:nvPicPr>
+          <p:cNvPr id="11" name="Picture 10">
+            <a:extLst>
+              <a:ext uri="{FF2B5EF4-FFF2-40B4-BE49-F238E27FC236}">
+                <a16:creationId xmlns:a16="http://schemas.microsoft.com/office/drawing/2014/main" id="{AEF52D9B-1C2A-3CD6-CAD3-5DD3B061A3F9}"/>
+              </a:ext>
+            </a:extLst>
+          </p:cNvPr>
+          <p:cNvPicPr>
+            <a:picLocks noChangeAspect="1"/>
+          </p:cNvPicPr>
+          <p:nvPr/>
+        </p:nvPicPr>
+        <p:blipFill>
+          <a:blip r:embed="rId4"/>
+          <a:stretch>
+            <a:fillRect/>
+          </a:stretch>
+        </p:blipFill>
+        <p:spPr>
+          <a:xfrm>
+            <a:off x="7765066" y="3972088"/>
+            <a:ext cx="4086795" cy="2819794"/>
+          </a:xfrm>
+          <a:prstGeom prst="rect">
+            <a:avLst/>
+          </a:prstGeom>
+        </p:spPr>
+      </p:pic>
+      <p:sp>
+        <p:nvSpPr>
+          <p:cNvPr id="12" name="TextBox 11">
+            <a:extLst>
+              <a:ext uri="{FF2B5EF4-FFF2-40B4-BE49-F238E27FC236}">
+                <a16:creationId xmlns:a16="http://schemas.microsoft.com/office/drawing/2014/main" id="{5E2702B8-2981-8D29-0DB2-66E323C65C84}"/>
+              </a:ext>
+            </a:extLst>
+          </p:cNvPr>
+          <p:cNvSpPr txBox="1"/>
+          <p:nvPr/>
+        </p:nvSpPr>
+        <p:spPr>
+          <a:xfrm>
+            <a:off x="5285232" y="5888736"/>
+            <a:ext cx="2405082" cy="369332"/>
+          </a:xfrm>
+          <a:prstGeom prst="rect">
+            <a:avLst/>
+          </a:prstGeom>
+          <a:noFill/>
+        </p:spPr>
+        <p:txBody>
+          <a:bodyPr wrap="none" rtlCol="0">
+            <a:spAutoFit/>
+          </a:bodyPr>
+          <a:lstStyle/>
+          <a:p>
+            <a:r>
+              <a:rPr lang="en-US" dirty="0"/>
+              <a:t>If else for pet not found</a:t>
+            </a:r>
+          </a:p>
+        </p:txBody>
+      </p:sp>
+      <p:sp>
+        <p:nvSpPr>
+          <p:cNvPr id="13" name="TextBox 12">
+            <a:extLst>
+              <a:ext uri="{FF2B5EF4-FFF2-40B4-BE49-F238E27FC236}">
+                <a16:creationId xmlns:a16="http://schemas.microsoft.com/office/drawing/2014/main" id="{AD1B57C5-F5E1-95AE-A207-2D34B3EBD952}"/>
+              </a:ext>
+            </a:extLst>
+          </p:cNvPr>
+          <p:cNvSpPr txBox="1"/>
+          <p:nvPr/>
+        </p:nvSpPr>
+        <p:spPr>
+          <a:xfrm>
+            <a:off x="347472" y="320040"/>
+            <a:ext cx="3364992" cy="707886"/>
+          </a:xfrm>
+          <a:prstGeom prst="rect">
+            <a:avLst/>
+          </a:prstGeom>
+          <a:noFill/>
+        </p:spPr>
+        <p:txBody>
+          <a:bodyPr wrap="square" rtlCol="0">
+            <a:spAutoFit/>
+          </a:bodyPr>
+          <a:lstStyle/>
+          <a:p>
+            <a:r>
+              <a:rPr lang="en-US" sz="4000" dirty="0"/>
+              <a:t>GET</a:t>
+            </a:r>
+          </a:p>
+        </p:txBody>
+      </p:sp>
     </p:spTree>
     <p:extLst>
       <p:ext uri="{BB962C8B-B14F-4D97-AF65-F5344CB8AC3E}">
-        <p14:creationId xmlns:p14="http://schemas.microsoft.com/office/powerpoint/2010/main" val="1356558569"/>
+        <p14:creationId xmlns:p14="http://schemas.microsoft.com/office/powerpoint/2010/main" val="1493539930"/>
       </p:ext>
     </p:extLst>
   </p:cSld>
@@ -5744,7 +7147,7 @@
         <p:spPr>
           <a:xfrm>
             <a:off x="1658471" y="932329"/>
-            <a:ext cx="1937775" cy="923330"/>
+            <a:ext cx="3044616" cy="1477328"/>
           </a:xfrm>
           <a:prstGeom prst="rect">
             <a:avLst/>
@@ -5772,6 +7175,43 @@
                 </a:highlight>
               </a:rPr>
               <a:t> install </a:t>
+            </a:r>
+            <a:r>
+              <a:rPr lang="en-US" dirty="0" err="1">
+                <a:highlight>
+                  <a:srgbClr val="FFFF00"/>
+                </a:highlight>
+              </a:rPr>
+              <a:t>prisma</a:t>
+            </a:r>
+            <a:r>
+              <a:rPr lang="en-US" dirty="0">
+                <a:highlight>
+                  <a:srgbClr val="FFFF00"/>
+                </a:highlight>
+              </a:rPr>
+              <a:t> - - save dev</a:t>
+            </a:r>
+          </a:p>
+          <a:p>
+            <a:endParaRPr lang="en-US" dirty="0"/>
+          </a:p>
+          <a:p>
+            <a:r>
+              <a:rPr lang="en-US" dirty="0" err="1">
+                <a:highlight>
+                  <a:srgbClr val="FFFF00"/>
+                </a:highlight>
+              </a:rPr>
+              <a:t>Npx</a:t>
+            </a:r>
+            <a:r>
+              <a:rPr lang="en-US" dirty="0">
+                <a:highlight>
+                  <a:srgbClr val="FFFF00"/>
+                </a:highlight>
+              </a:rPr>
+              <a:t> </a:t>
             </a:r>
             <a:r>
               <a:rPr lang="en-US" dirty="0" err="1">
@@ -5788,7 +7228,11 @@
             </a:endParaRPr>
           </a:p>
           <a:p>
-            <a:endParaRPr lang="en-US" dirty="0"/>
+            <a:endParaRPr lang="en-US" dirty="0">
+              <a:highlight>
+                <a:srgbClr val="FFFF00"/>
+              </a:highlight>
+            </a:endParaRPr>
           </a:p>
           <a:p>
             <a:r>
@@ -5814,6 +7258,22 @@
                 </a:highlight>
               </a:rPr>
               <a:t>prisma</a:t>
+            </a:r>
+            <a:r>
+              <a:rPr lang="en-US" dirty="0">
+                <a:highlight>
+                  <a:srgbClr val="FFFF00"/>
+                </a:highlight>
+              </a:rPr>
+              <a:t> </a:t>
+            </a:r>
+            <a:r>
+              <a:rPr lang="en-US" dirty="0" err="1">
+                <a:highlight>
+                  <a:srgbClr val="FFFF00"/>
+                </a:highlight>
+              </a:rPr>
+              <a:t>init</a:t>
             </a:r>
             <a:endParaRPr lang="en-US" dirty="0">
               <a:highlight>
@@ -5897,7 +7357,7 @@
         </p:nvSpPr>
         <p:spPr>
           <a:xfrm>
-            <a:off x="1658471" y="2421898"/>
+            <a:off x="1511482" y="3427442"/>
             <a:ext cx="6096000" cy="646331"/>
           </a:xfrm>
           <a:prstGeom prst="rect">
@@ -6014,12 +7474,47 @@
           <a:chExt cx="0" cy="0"/>
         </a:xfrm>
       </p:grpSpPr>
+      <p:sp>
+        <p:nvSpPr>
+          <p:cNvPr id="4" name="TextBox 3">
+            <a:extLst>
+              <a:ext uri="{FF2B5EF4-FFF2-40B4-BE49-F238E27FC236}">
+                <a16:creationId xmlns:a16="http://schemas.microsoft.com/office/drawing/2014/main" id="{91A7E5B4-DA1D-8314-413F-2D2C8F3CC988}"/>
+              </a:ext>
+            </a:extLst>
+          </p:cNvPr>
+          <p:cNvSpPr txBox="1"/>
+          <p:nvPr/>
+        </p:nvSpPr>
+        <p:spPr>
+          <a:xfrm>
+            <a:off x="347472" y="320040"/>
+            <a:ext cx="3364992" cy="707886"/>
+          </a:xfrm>
+          <a:prstGeom prst="rect">
+            <a:avLst/>
+          </a:prstGeom>
+          <a:noFill/>
+        </p:spPr>
+        <p:txBody>
+          <a:bodyPr wrap="square" rtlCol="0">
+            <a:spAutoFit/>
+          </a:bodyPr>
+          <a:lstStyle/>
+          <a:p>
+            <a:r>
+              <a:rPr lang="en-US" sz="4000" dirty="0"/>
+              <a:t>delete</a:t>
+            </a:r>
+          </a:p>
+        </p:txBody>
+      </p:sp>
       <p:pic>
         <p:nvPicPr>
-          <p:cNvPr id="3" name="Picture 2">
-            <a:extLst>
-              <a:ext uri="{FF2B5EF4-FFF2-40B4-BE49-F238E27FC236}">
-                <a16:creationId xmlns:a16="http://schemas.microsoft.com/office/drawing/2014/main" id="{17DF6703-802A-3A7F-F498-D4864C6AB1D8}"/>
+          <p:cNvPr id="6" name="Picture 5">
+            <a:extLst>
+              <a:ext uri="{FF2B5EF4-FFF2-40B4-BE49-F238E27FC236}">
+                <a16:creationId xmlns:a16="http://schemas.microsoft.com/office/drawing/2014/main" id="{73EB8217-C5CD-E99B-928B-2968683157CB}"/>
               </a:ext>
             </a:extLst>
           </p:cNvPr>
@@ -6036,8 +7531,8 @@
         </p:blipFill>
         <p:spPr>
           <a:xfrm>
-            <a:off x="4011747" y="625912"/>
-            <a:ext cx="7449590" cy="3096057"/>
+            <a:off x="6681257" y="320040"/>
+            <a:ext cx="5163271" cy="5239481"/>
           </a:xfrm>
           <a:prstGeom prst="rect">
             <a:avLst/>
@@ -6046,10 +7541,10 @@
       </p:pic>
       <p:pic>
         <p:nvPicPr>
-          <p:cNvPr id="5" name="Picture 4">
-            <a:extLst>
-              <a:ext uri="{FF2B5EF4-FFF2-40B4-BE49-F238E27FC236}">
-                <a16:creationId xmlns:a16="http://schemas.microsoft.com/office/drawing/2014/main" id="{0DBA3491-3200-5BA8-D8AF-560F3A7149D4}"/>
+          <p:cNvPr id="8" name="Picture 7">
+            <a:extLst>
+              <a:ext uri="{FF2B5EF4-FFF2-40B4-BE49-F238E27FC236}">
+                <a16:creationId xmlns:a16="http://schemas.microsoft.com/office/drawing/2014/main" id="{3E721CEC-4637-0664-CC22-5AE8526E3AA2}"/>
               </a:ext>
             </a:extLst>
           </p:cNvPr>
@@ -6066,131 +7561,18 @@
         </p:blipFill>
         <p:spPr>
           <a:xfrm>
-            <a:off x="4429362" y="3775048"/>
-            <a:ext cx="6955815" cy="3082952"/>
+            <a:off x="347472" y="1363514"/>
+            <a:ext cx="3962953" cy="3467584"/>
           </a:xfrm>
           <a:prstGeom prst="rect">
             <a:avLst/>
           </a:prstGeom>
         </p:spPr>
       </p:pic>
-      <p:sp>
-        <p:nvSpPr>
-          <p:cNvPr id="6" name="TextBox 5">
-            <a:extLst>
-              <a:ext uri="{FF2B5EF4-FFF2-40B4-BE49-F238E27FC236}">
-                <a16:creationId xmlns:a16="http://schemas.microsoft.com/office/drawing/2014/main" id="{96970CDC-393B-5B52-A2B1-31043ABAB0B8}"/>
-              </a:ext>
-            </a:extLst>
-          </p:cNvPr>
-          <p:cNvSpPr txBox="1"/>
-          <p:nvPr/>
-        </p:nvSpPr>
-        <p:spPr>
-          <a:xfrm>
-            <a:off x="347472" y="320040"/>
-            <a:ext cx="3364992" cy="707886"/>
-          </a:xfrm>
-          <a:prstGeom prst="rect">
-            <a:avLst/>
-          </a:prstGeom>
-          <a:noFill/>
-        </p:spPr>
-        <p:txBody>
-          <a:bodyPr wrap="square" rtlCol="0">
-            <a:spAutoFit/>
-          </a:bodyPr>
-          <a:lstStyle/>
-          <a:p>
-            <a:r>
-              <a:rPr lang="en-US" sz="4000" dirty="0"/>
-              <a:t>delete</a:t>
-            </a:r>
-          </a:p>
-        </p:txBody>
-      </p:sp>
-      <p:sp>
-        <p:nvSpPr>
-          <p:cNvPr id="7" name="TextBox 6">
-            <a:extLst>
-              <a:ext uri="{FF2B5EF4-FFF2-40B4-BE49-F238E27FC236}">
-                <a16:creationId xmlns:a16="http://schemas.microsoft.com/office/drawing/2014/main" id="{A18C26D3-383F-9D3E-7020-3B91EA0D5D56}"/>
-              </a:ext>
-            </a:extLst>
-          </p:cNvPr>
-          <p:cNvSpPr txBox="1"/>
-          <p:nvPr/>
-        </p:nvSpPr>
-        <p:spPr>
-          <a:xfrm>
-            <a:off x="636494" y="2115671"/>
-            <a:ext cx="2071144" cy="369332"/>
-          </a:xfrm>
-          <a:prstGeom prst="rect">
-            <a:avLst/>
-          </a:prstGeom>
-          <a:noFill/>
-        </p:spPr>
-        <p:txBody>
-          <a:bodyPr wrap="none" rtlCol="0">
-            <a:spAutoFit/>
-          </a:bodyPr>
-          <a:lstStyle/>
-          <a:p>
-            <a:r>
-              <a:rPr lang="en-US" dirty="0"/>
-              <a:t>Use postman to test</a:t>
-            </a:r>
-          </a:p>
-        </p:txBody>
-      </p:sp>
-      <p:sp>
-        <p:nvSpPr>
-          <p:cNvPr id="8" name="TextBox 7">
-            <a:extLst>
-              <a:ext uri="{FF2B5EF4-FFF2-40B4-BE49-F238E27FC236}">
-                <a16:creationId xmlns:a16="http://schemas.microsoft.com/office/drawing/2014/main" id="{8F5BC59A-E7D3-CCE1-70BB-3A04046550D2}"/>
-              </a:ext>
-            </a:extLst>
-          </p:cNvPr>
-          <p:cNvSpPr txBox="1"/>
-          <p:nvPr/>
-        </p:nvSpPr>
-        <p:spPr>
-          <a:xfrm>
-            <a:off x="730663" y="4715435"/>
-            <a:ext cx="2704587" cy="369332"/>
-          </a:xfrm>
-          <a:prstGeom prst="rect">
-            <a:avLst/>
-          </a:prstGeom>
-          <a:noFill/>
-        </p:spPr>
-        <p:txBody>
-          <a:bodyPr wrap="none" rtlCol="0">
-            <a:spAutoFit/>
-          </a:bodyPr>
-          <a:lstStyle/>
-          <a:p>
-            <a:r>
-              <a:rPr lang="en-US" dirty="0"/>
-              <a:t>Use </a:t>
-            </a:r>
-            <a:r>
-              <a:rPr lang="en-US" dirty="0" err="1"/>
-              <a:t>prisma</a:t>
-            </a:r>
-            <a:r>
-              <a:rPr lang="en-US" dirty="0"/>
-              <a:t> studio to check</a:t>
-            </a:r>
-          </a:p>
-        </p:txBody>
-      </p:sp>
     </p:spTree>
     <p:extLst>
       <p:ext uri="{BB962C8B-B14F-4D97-AF65-F5344CB8AC3E}">
-        <p14:creationId xmlns:p14="http://schemas.microsoft.com/office/powerpoint/2010/main" val="4213114350"/>
+        <p14:creationId xmlns:p14="http://schemas.microsoft.com/office/powerpoint/2010/main" val="1356558569"/>
       </p:ext>
     </p:extLst>
   </p:cSld>
@@ -6217,47 +7599,12 @@
           <a:chExt cx="0" cy="0"/>
         </a:xfrm>
       </p:grpSpPr>
-      <p:sp>
-        <p:nvSpPr>
-          <p:cNvPr id="2" name="TextBox 1">
-            <a:extLst>
-              <a:ext uri="{FF2B5EF4-FFF2-40B4-BE49-F238E27FC236}">
-                <a16:creationId xmlns:a16="http://schemas.microsoft.com/office/drawing/2014/main" id="{0908E608-B2D7-930E-2B1A-910D2201AA0F}"/>
-              </a:ext>
-            </a:extLst>
-          </p:cNvPr>
-          <p:cNvSpPr txBox="1"/>
-          <p:nvPr/>
-        </p:nvSpPr>
-        <p:spPr>
-          <a:xfrm>
-            <a:off x="347472" y="320040"/>
-            <a:ext cx="3364992" cy="707886"/>
-          </a:xfrm>
-          <a:prstGeom prst="rect">
-            <a:avLst/>
-          </a:prstGeom>
-          <a:noFill/>
-        </p:spPr>
-        <p:txBody>
-          <a:bodyPr wrap="square" rtlCol="0">
-            <a:spAutoFit/>
-          </a:bodyPr>
-          <a:lstStyle/>
-          <a:p>
-            <a:r>
-              <a:rPr lang="en-US" sz="4000" dirty="0"/>
-              <a:t>Update (put)</a:t>
-            </a:r>
-          </a:p>
-        </p:txBody>
-      </p:sp>
       <p:pic>
         <p:nvPicPr>
-          <p:cNvPr id="4" name="Picture 3">
-            <a:extLst>
-              <a:ext uri="{FF2B5EF4-FFF2-40B4-BE49-F238E27FC236}">
-                <a16:creationId xmlns:a16="http://schemas.microsoft.com/office/drawing/2014/main" id="{8000F985-6DF0-CBAF-F35D-08E19E6BCBFB}"/>
+          <p:cNvPr id="3" name="Picture 2">
+            <a:extLst>
+              <a:ext uri="{FF2B5EF4-FFF2-40B4-BE49-F238E27FC236}">
+                <a16:creationId xmlns:a16="http://schemas.microsoft.com/office/drawing/2014/main" id="{17DF6703-802A-3A7F-F498-D4864C6AB1D8}"/>
               </a:ext>
             </a:extLst>
           </p:cNvPr>
@@ -6274,8 +7621,8 @@
         </p:blipFill>
         <p:spPr>
           <a:xfrm>
-            <a:off x="6635205" y="320040"/>
-            <a:ext cx="5125165" cy="5601482"/>
+            <a:off x="4011747" y="625912"/>
+            <a:ext cx="7449590" cy="3096057"/>
           </a:xfrm>
           <a:prstGeom prst="rect">
             <a:avLst/>
@@ -6284,10 +7631,10 @@
       </p:pic>
       <p:pic>
         <p:nvPicPr>
-          <p:cNvPr id="6" name="Picture 5">
-            <a:extLst>
-              <a:ext uri="{FF2B5EF4-FFF2-40B4-BE49-F238E27FC236}">
-                <a16:creationId xmlns:a16="http://schemas.microsoft.com/office/drawing/2014/main" id="{799BF088-AA7B-8230-C701-908C145DBBCF}"/>
+          <p:cNvPr id="5" name="Picture 4">
+            <a:extLst>
+              <a:ext uri="{FF2B5EF4-FFF2-40B4-BE49-F238E27FC236}">
+                <a16:creationId xmlns:a16="http://schemas.microsoft.com/office/drawing/2014/main" id="{0DBA3491-3200-5BA8-D8AF-560F3A7149D4}"/>
               </a:ext>
             </a:extLst>
           </p:cNvPr>
@@ -6304,8 +7651,8 @@
         </p:blipFill>
         <p:spPr>
           <a:xfrm>
-            <a:off x="2533153" y="1118786"/>
-            <a:ext cx="3562847" cy="1733792"/>
+            <a:off x="4429362" y="3775048"/>
+            <a:ext cx="6955815" cy="3082952"/>
           </a:xfrm>
           <a:prstGeom prst="rect">
             <a:avLst/>
@@ -6314,10 +7661,45 @@
       </p:pic>
       <p:sp>
         <p:nvSpPr>
+          <p:cNvPr id="6" name="TextBox 5">
+            <a:extLst>
+              <a:ext uri="{FF2B5EF4-FFF2-40B4-BE49-F238E27FC236}">
+                <a16:creationId xmlns:a16="http://schemas.microsoft.com/office/drawing/2014/main" id="{96970CDC-393B-5B52-A2B1-31043ABAB0B8}"/>
+              </a:ext>
+            </a:extLst>
+          </p:cNvPr>
+          <p:cNvSpPr txBox="1"/>
+          <p:nvPr/>
+        </p:nvSpPr>
+        <p:spPr>
+          <a:xfrm>
+            <a:off x="347472" y="320040"/>
+            <a:ext cx="3364992" cy="707886"/>
+          </a:xfrm>
+          <a:prstGeom prst="rect">
+            <a:avLst/>
+          </a:prstGeom>
+          <a:noFill/>
+        </p:spPr>
+        <p:txBody>
+          <a:bodyPr wrap="square" rtlCol="0">
+            <a:spAutoFit/>
+          </a:bodyPr>
+          <a:lstStyle/>
+          <a:p>
+            <a:r>
+              <a:rPr lang="en-US" sz="4000" dirty="0"/>
+              <a:t>delete</a:t>
+            </a:r>
+          </a:p>
+        </p:txBody>
+      </p:sp>
+      <p:sp>
+        <p:nvSpPr>
           <p:cNvPr id="7" name="TextBox 6">
             <a:extLst>
               <a:ext uri="{FF2B5EF4-FFF2-40B4-BE49-F238E27FC236}">
-                <a16:creationId xmlns:a16="http://schemas.microsoft.com/office/drawing/2014/main" id="{7C35D7D5-57D6-2817-D327-CBD938E55F17}"/>
+                <a16:creationId xmlns:a16="http://schemas.microsoft.com/office/drawing/2014/main" id="{A18C26D3-383F-9D3E-7020-3B91EA0D5D56}"/>
               </a:ext>
             </a:extLst>
           </p:cNvPr>
@@ -6326,8 +7708,8 @@
         </p:nvSpPr>
         <p:spPr>
           <a:xfrm>
-            <a:off x="923365" y="3429000"/>
-            <a:ext cx="4689874" cy="923330"/>
+            <a:off x="636494" y="2115671"/>
+            <a:ext cx="2071144" cy="369332"/>
           </a:xfrm>
           <a:prstGeom prst="rect">
             <a:avLst/>
@@ -6342,56 +7724,17 @@
           <a:p>
             <a:r>
               <a:rPr lang="en-US" dirty="0"/>
-              <a:t>Normally would include information in the body</a:t>
-            </a:r>
-          </a:p>
-          <a:p>
-            <a:endParaRPr lang="en-US" dirty="0"/>
-          </a:p>
-          <a:p>
-            <a:r>
-              <a:rPr lang="en-US" dirty="0"/>
-              <a:t>This is for a Boolean so don’t need middleware</a:t>
-            </a:r>
-          </a:p>
-        </p:txBody>
-      </p:sp>
-      <p:pic>
-        <p:nvPicPr>
-          <p:cNvPr id="9" name="Picture 8">
-            <a:extLst>
-              <a:ext uri="{FF2B5EF4-FFF2-40B4-BE49-F238E27FC236}">
-                <a16:creationId xmlns:a16="http://schemas.microsoft.com/office/drawing/2014/main" id="{6D23CF32-BD86-003C-6A9E-E79A453068E1}"/>
-              </a:ext>
-            </a:extLst>
-          </p:cNvPr>
-          <p:cNvPicPr>
-            <a:picLocks noChangeAspect="1"/>
-          </p:cNvPicPr>
-          <p:nvPr/>
-        </p:nvPicPr>
-        <p:blipFill>
-          <a:blip r:embed="rId4"/>
-          <a:stretch>
-            <a:fillRect/>
-          </a:stretch>
-        </p:blipFill>
-        <p:spPr>
-          <a:xfrm>
-            <a:off x="1940566" y="4352330"/>
-            <a:ext cx="3543795" cy="2410161"/>
-          </a:xfrm>
-          <a:prstGeom prst="rect">
-            <a:avLst/>
-          </a:prstGeom>
-        </p:spPr>
-      </p:pic>
-      <p:sp>
-        <p:nvSpPr>
-          <p:cNvPr id="10" name="TextBox 9">
-            <a:extLst>
-              <a:ext uri="{FF2B5EF4-FFF2-40B4-BE49-F238E27FC236}">
-                <a16:creationId xmlns:a16="http://schemas.microsoft.com/office/drawing/2014/main" id="{81E2CA89-5EB8-E622-68FB-63BACBF38A02}"/>
+              <a:t>Use postman to test</a:t>
+            </a:r>
+          </a:p>
+        </p:txBody>
+      </p:sp>
+      <p:sp>
+        <p:nvSpPr>
+          <p:cNvPr id="8" name="TextBox 7">
+            <a:extLst>
+              <a:ext uri="{FF2B5EF4-FFF2-40B4-BE49-F238E27FC236}">
+                <a16:creationId xmlns:a16="http://schemas.microsoft.com/office/drawing/2014/main" id="{8F5BC59A-E7D3-CCE1-70BB-3A04046550D2}"/>
               </a:ext>
             </a:extLst>
           </p:cNvPr>
@@ -6400,8 +7743,8 @@
         </p:nvSpPr>
         <p:spPr>
           <a:xfrm>
-            <a:off x="347473" y="4824248"/>
-            <a:ext cx="1239590" cy="923330"/>
+            <a:off x="730663" y="4715435"/>
+            <a:ext cx="2704587" cy="369332"/>
           </a:xfrm>
           <a:prstGeom prst="rect">
             <a:avLst/>
@@ -6409,72 +7752,30 @@
           <a:noFill/>
         </p:spPr>
         <p:txBody>
-          <a:bodyPr wrap="square" rtlCol="0">
+          <a:bodyPr wrap="none" rtlCol="0">
             <a:spAutoFit/>
           </a:bodyPr>
           <a:lstStyle/>
           <a:p>
             <a:r>
-              <a:rPr lang="en-US" dirty="0">
-                <a:highlight>
-                  <a:srgbClr val="FFFF00"/>
-                </a:highlight>
-              </a:rPr>
-              <a:t>Don’t forget to add await</a:t>
-            </a:r>
-          </a:p>
-        </p:txBody>
-      </p:sp>
-      <p:sp>
-        <p:nvSpPr>
-          <p:cNvPr id="11" name="Arrow: Right 10">
-            <a:extLst>
-              <a:ext uri="{FF2B5EF4-FFF2-40B4-BE49-F238E27FC236}">
-                <a16:creationId xmlns:a16="http://schemas.microsoft.com/office/drawing/2014/main" id="{BE63FF7D-24D4-A71D-F318-D2CB9D89D8F0}"/>
-              </a:ext>
-            </a:extLst>
-          </p:cNvPr>
-          <p:cNvSpPr/>
-          <p:nvPr/>
-        </p:nvSpPr>
-        <p:spPr>
-          <a:xfrm>
-            <a:off x="1344707" y="4905073"/>
-            <a:ext cx="1125088" cy="349624"/>
-          </a:xfrm>
-          <a:prstGeom prst="rightArrow">
-            <a:avLst/>
-          </a:prstGeom>
-        </p:spPr>
-        <p:style>
-          <a:lnRef idx="2">
-            <a:schemeClr val="accent1">
-              <a:shade val="15000"/>
-            </a:schemeClr>
-          </a:lnRef>
-          <a:fillRef idx="1">
-            <a:schemeClr val="accent1"/>
-          </a:fillRef>
-          <a:effectRef idx="0">
-            <a:schemeClr val="accent1"/>
-          </a:effectRef>
-          <a:fontRef idx="minor">
-            <a:schemeClr val="lt1"/>
-          </a:fontRef>
-        </p:style>
-        <p:txBody>
-          <a:bodyPr rtlCol="0" anchor="ctr"/>
-          <a:lstStyle/>
-          <a:p>
-            <a:pPr algn="ctr"/>
-            <a:endParaRPr lang="en-US"/>
+              <a:rPr lang="en-US" dirty="0"/>
+              <a:t>Use </a:t>
+            </a:r>
+            <a:r>
+              <a:rPr lang="en-US" dirty="0" err="1"/>
+              <a:t>prisma</a:t>
+            </a:r>
+            <a:r>
+              <a:rPr lang="en-US" dirty="0"/>
+              <a:t> studio to check</a:t>
+            </a:r>
           </a:p>
         </p:txBody>
       </p:sp>
     </p:spTree>
     <p:extLst>
       <p:ext uri="{BB962C8B-B14F-4D97-AF65-F5344CB8AC3E}">
-        <p14:creationId xmlns:p14="http://schemas.microsoft.com/office/powerpoint/2010/main" val="2522066319"/>
+        <p14:creationId xmlns:p14="http://schemas.microsoft.com/office/powerpoint/2010/main" val="4213114350"/>
       </p:ext>
     </p:extLst>
   </p:cSld>
@@ -6503,10 +7804,10 @@
       </p:grpSpPr>
       <p:sp>
         <p:nvSpPr>
-          <p:cNvPr id="3" name="TextBox 2">
-            <a:extLst>
-              <a:ext uri="{FF2B5EF4-FFF2-40B4-BE49-F238E27FC236}">
-                <a16:creationId xmlns:a16="http://schemas.microsoft.com/office/drawing/2014/main" id="{5E520CB2-2983-3B14-2AA6-0325855C0A8B}"/>
+          <p:cNvPr id="2" name="TextBox 1">
+            <a:extLst>
+              <a:ext uri="{FF2B5EF4-FFF2-40B4-BE49-F238E27FC236}">
+                <a16:creationId xmlns:a16="http://schemas.microsoft.com/office/drawing/2014/main" id="{0908E608-B2D7-930E-2B1A-910D2201AA0F}"/>
               </a:ext>
             </a:extLst>
           </p:cNvPr>
@@ -6538,10 +7839,10 @@
       </p:sp>
       <p:pic>
         <p:nvPicPr>
-          <p:cNvPr id="5" name="Picture 4">
-            <a:extLst>
-              <a:ext uri="{FF2B5EF4-FFF2-40B4-BE49-F238E27FC236}">
-                <a16:creationId xmlns:a16="http://schemas.microsoft.com/office/drawing/2014/main" id="{18666698-EAFC-1FED-5D2F-EFDA9DD8C812}"/>
+          <p:cNvPr id="4" name="Picture 3">
+            <a:extLst>
+              <a:ext uri="{FF2B5EF4-FFF2-40B4-BE49-F238E27FC236}">
+                <a16:creationId xmlns:a16="http://schemas.microsoft.com/office/drawing/2014/main" id="{8000F985-6DF0-CBAF-F35D-08E19E6BCBFB}"/>
               </a:ext>
             </a:extLst>
           </p:cNvPr>
@@ -6558,8 +7859,8 @@
         </p:blipFill>
         <p:spPr>
           <a:xfrm>
-            <a:off x="4358801" y="906461"/>
-            <a:ext cx="7573432" cy="3153215"/>
+            <a:off x="6635205" y="320040"/>
+            <a:ext cx="5125165" cy="5601482"/>
           </a:xfrm>
           <a:prstGeom prst="rect">
             <a:avLst/>
@@ -6568,10 +7869,10 @@
       </p:pic>
       <p:pic>
         <p:nvPicPr>
-          <p:cNvPr id="7" name="Picture 6">
-            <a:extLst>
-              <a:ext uri="{FF2B5EF4-FFF2-40B4-BE49-F238E27FC236}">
-                <a16:creationId xmlns:a16="http://schemas.microsoft.com/office/drawing/2014/main" id="{790B41AC-0204-C3A9-90A6-698A9D3FF8B0}"/>
+          <p:cNvPr id="6" name="Picture 5">
+            <a:extLst>
+              <a:ext uri="{FF2B5EF4-FFF2-40B4-BE49-F238E27FC236}">
+                <a16:creationId xmlns:a16="http://schemas.microsoft.com/office/drawing/2014/main" id="{799BF088-AA7B-8230-C701-908C145DBBCF}"/>
               </a:ext>
             </a:extLst>
           </p:cNvPr>
@@ -6588,8 +7889,8 @@
         </p:blipFill>
         <p:spPr>
           <a:xfrm>
-            <a:off x="705553" y="4358860"/>
-            <a:ext cx="11117226" cy="2029108"/>
+            <a:off x="2533153" y="1118786"/>
+            <a:ext cx="3562847" cy="1733792"/>
           </a:xfrm>
           <a:prstGeom prst="rect">
             <a:avLst/>
@@ -6598,10 +7899,10 @@
       </p:pic>
       <p:sp>
         <p:nvSpPr>
-          <p:cNvPr id="8" name="TextBox 7">
-            <a:extLst>
-              <a:ext uri="{FF2B5EF4-FFF2-40B4-BE49-F238E27FC236}">
-                <a16:creationId xmlns:a16="http://schemas.microsoft.com/office/drawing/2014/main" id="{2BFD5007-06AD-2F00-CC6C-645964485EDB}"/>
+          <p:cNvPr id="7" name="TextBox 6">
+            <a:extLst>
+              <a:ext uri="{FF2B5EF4-FFF2-40B4-BE49-F238E27FC236}">
+                <a16:creationId xmlns:a16="http://schemas.microsoft.com/office/drawing/2014/main" id="{7C35D7D5-57D6-2817-D327-CBD938E55F17}"/>
               </a:ext>
             </a:extLst>
           </p:cNvPr>
@@ -6610,8 +7911,8 @@
         </p:nvSpPr>
         <p:spPr>
           <a:xfrm>
-            <a:off x="2029968" y="1416424"/>
-            <a:ext cx="2071144" cy="369332"/>
+            <a:off x="923365" y="3429000"/>
+            <a:ext cx="4689874" cy="923330"/>
           </a:xfrm>
           <a:prstGeom prst="rect">
             <a:avLst/>
@@ -6626,17 +7927,56 @@
           <a:p>
             <a:r>
               <a:rPr lang="en-US" dirty="0"/>
-              <a:t>Use postman to test</a:t>
-            </a:r>
-          </a:p>
-        </p:txBody>
-      </p:sp>
-      <p:sp>
-        <p:nvSpPr>
-          <p:cNvPr id="9" name="TextBox 8">
-            <a:extLst>
-              <a:ext uri="{FF2B5EF4-FFF2-40B4-BE49-F238E27FC236}">
-                <a16:creationId xmlns:a16="http://schemas.microsoft.com/office/drawing/2014/main" id="{B928DFCB-AD51-4424-F22D-09C0081ABDCC}"/>
+              <a:t>Normally would include information in the body</a:t>
+            </a:r>
+          </a:p>
+          <a:p>
+            <a:endParaRPr lang="en-US" dirty="0"/>
+          </a:p>
+          <a:p>
+            <a:r>
+              <a:rPr lang="en-US" dirty="0"/>
+              <a:t>This is for a Boolean so don’t need middleware</a:t>
+            </a:r>
+          </a:p>
+        </p:txBody>
+      </p:sp>
+      <p:pic>
+        <p:nvPicPr>
+          <p:cNvPr id="9" name="Picture 8">
+            <a:extLst>
+              <a:ext uri="{FF2B5EF4-FFF2-40B4-BE49-F238E27FC236}">
+                <a16:creationId xmlns:a16="http://schemas.microsoft.com/office/drawing/2014/main" id="{6D23CF32-BD86-003C-6A9E-E79A453068E1}"/>
+              </a:ext>
+            </a:extLst>
+          </p:cNvPr>
+          <p:cNvPicPr>
+            <a:picLocks noChangeAspect="1"/>
+          </p:cNvPicPr>
+          <p:nvPr/>
+        </p:nvPicPr>
+        <p:blipFill>
+          <a:blip r:embed="rId4"/>
+          <a:stretch>
+            <a:fillRect/>
+          </a:stretch>
+        </p:blipFill>
+        <p:spPr>
+          <a:xfrm>
+            <a:off x="1940566" y="4352330"/>
+            <a:ext cx="3543795" cy="2410161"/>
+          </a:xfrm>
+          <a:prstGeom prst="rect">
+            <a:avLst/>
+          </a:prstGeom>
+        </p:spPr>
+      </p:pic>
+      <p:sp>
+        <p:nvSpPr>
+          <p:cNvPr id="10" name="TextBox 9">
+            <a:extLst>
+              <a:ext uri="{FF2B5EF4-FFF2-40B4-BE49-F238E27FC236}">
+                <a16:creationId xmlns:a16="http://schemas.microsoft.com/office/drawing/2014/main" id="{81E2CA89-5EB8-E622-68FB-63BACBF38A02}"/>
               </a:ext>
             </a:extLst>
           </p:cNvPr>
@@ -6645,8 +7985,8 @@
         </p:nvSpPr>
         <p:spPr>
           <a:xfrm>
-            <a:off x="85204" y="3839936"/>
-            <a:ext cx="2704587" cy="369332"/>
+            <a:off x="347473" y="4824248"/>
+            <a:ext cx="1239590" cy="923330"/>
           </a:xfrm>
           <a:prstGeom prst="rect">
             <a:avLst/>
@@ -6654,30 +7994,72 @@
           <a:noFill/>
         </p:spPr>
         <p:txBody>
-          <a:bodyPr wrap="none" rtlCol="0">
+          <a:bodyPr wrap="square" rtlCol="0">
             <a:spAutoFit/>
           </a:bodyPr>
           <a:lstStyle/>
           <a:p>
             <a:r>
-              <a:rPr lang="en-US" dirty="0"/>
-              <a:t>Use </a:t>
-            </a:r>
-            <a:r>
-              <a:rPr lang="en-US" dirty="0" err="1"/>
-              <a:t>prisma</a:t>
-            </a:r>
-            <a:r>
-              <a:rPr lang="en-US" dirty="0"/>
-              <a:t> studio to check</a:t>
-            </a:r>
+              <a:rPr lang="en-US" dirty="0">
+                <a:highlight>
+                  <a:srgbClr val="FFFF00"/>
+                </a:highlight>
+              </a:rPr>
+              <a:t>Don’t forget to add await</a:t>
+            </a:r>
+          </a:p>
+        </p:txBody>
+      </p:sp>
+      <p:sp>
+        <p:nvSpPr>
+          <p:cNvPr id="11" name="Arrow: Right 10">
+            <a:extLst>
+              <a:ext uri="{FF2B5EF4-FFF2-40B4-BE49-F238E27FC236}">
+                <a16:creationId xmlns:a16="http://schemas.microsoft.com/office/drawing/2014/main" id="{BE63FF7D-24D4-A71D-F318-D2CB9D89D8F0}"/>
+              </a:ext>
+            </a:extLst>
+          </p:cNvPr>
+          <p:cNvSpPr/>
+          <p:nvPr/>
+        </p:nvSpPr>
+        <p:spPr>
+          <a:xfrm>
+            <a:off x="1344707" y="4905073"/>
+            <a:ext cx="1125088" cy="349624"/>
+          </a:xfrm>
+          <a:prstGeom prst="rightArrow">
+            <a:avLst/>
+          </a:prstGeom>
+        </p:spPr>
+        <p:style>
+          <a:lnRef idx="2">
+            <a:schemeClr val="accent1">
+              <a:shade val="15000"/>
+            </a:schemeClr>
+          </a:lnRef>
+          <a:fillRef idx="1">
+            <a:schemeClr val="accent1"/>
+          </a:fillRef>
+          <a:effectRef idx="0">
+            <a:schemeClr val="accent1"/>
+          </a:effectRef>
+          <a:fontRef idx="minor">
+            <a:schemeClr val="lt1"/>
+          </a:fontRef>
+        </p:style>
+        <p:txBody>
+          <a:bodyPr rtlCol="0" anchor="ctr"/>
+          <a:lstStyle/>
+          <a:p>
+            <a:pPr algn="ctr"/>
+            <a:endParaRPr lang="en-US"/>
           </a:p>
         </p:txBody>
       </p:sp>
     </p:spTree>
     <p:extLst>
       <p:ext uri="{BB962C8B-B14F-4D97-AF65-F5344CB8AC3E}">
-        <p14:creationId xmlns:p14="http://schemas.microsoft.com/office/powerpoint/2010/main" val="3946876478"/>
+        <p14:creationId xmlns:p14="http://schemas.microsoft.com/office/powerpoint/2010/main" val="2522066319"/>
       </p:ext>
     </p:extLst>
   </p:cSld>
@@ -6704,6 +8086,244 @@
           <a:chExt cx="0" cy="0"/>
         </a:xfrm>
       </p:grpSpPr>
+      <p:sp>
+        <p:nvSpPr>
+          <p:cNvPr id="3" name="TextBox 2">
+            <a:extLst>
+              <a:ext uri="{FF2B5EF4-FFF2-40B4-BE49-F238E27FC236}">
+                <a16:creationId xmlns:a16="http://schemas.microsoft.com/office/drawing/2014/main" id="{5E520CB2-2983-3B14-2AA6-0325855C0A8B}"/>
+              </a:ext>
+            </a:extLst>
+          </p:cNvPr>
+          <p:cNvSpPr txBox="1"/>
+          <p:nvPr/>
+        </p:nvSpPr>
+        <p:spPr>
+          <a:xfrm>
+            <a:off x="347472" y="320040"/>
+            <a:ext cx="3364992" cy="707886"/>
+          </a:xfrm>
+          <a:prstGeom prst="rect">
+            <a:avLst/>
+          </a:prstGeom>
+          <a:noFill/>
+        </p:spPr>
+        <p:txBody>
+          <a:bodyPr wrap="square" rtlCol="0">
+            <a:spAutoFit/>
+          </a:bodyPr>
+          <a:lstStyle/>
+          <a:p>
+            <a:r>
+              <a:rPr lang="en-US" sz="4000" dirty="0"/>
+              <a:t>Update (put)</a:t>
+            </a:r>
+          </a:p>
+        </p:txBody>
+      </p:sp>
+      <p:pic>
+        <p:nvPicPr>
+          <p:cNvPr id="5" name="Picture 4">
+            <a:extLst>
+              <a:ext uri="{FF2B5EF4-FFF2-40B4-BE49-F238E27FC236}">
+                <a16:creationId xmlns:a16="http://schemas.microsoft.com/office/drawing/2014/main" id="{18666698-EAFC-1FED-5D2F-EFDA9DD8C812}"/>
+              </a:ext>
+            </a:extLst>
+          </p:cNvPr>
+          <p:cNvPicPr>
+            <a:picLocks noChangeAspect="1"/>
+          </p:cNvPicPr>
+          <p:nvPr/>
+        </p:nvPicPr>
+        <p:blipFill>
+          <a:blip r:embed="rId2"/>
+          <a:stretch>
+            <a:fillRect/>
+          </a:stretch>
+        </p:blipFill>
+        <p:spPr>
+          <a:xfrm>
+            <a:off x="4358801" y="906461"/>
+            <a:ext cx="7573432" cy="3153215"/>
+          </a:xfrm>
+          <a:prstGeom prst="rect">
+            <a:avLst/>
+          </a:prstGeom>
+        </p:spPr>
+      </p:pic>
+      <p:pic>
+        <p:nvPicPr>
+          <p:cNvPr id="7" name="Picture 6">
+            <a:extLst>
+              <a:ext uri="{FF2B5EF4-FFF2-40B4-BE49-F238E27FC236}">
+                <a16:creationId xmlns:a16="http://schemas.microsoft.com/office/drawing/2014/main" id="{790B41AC-0204-C3A9-90A6-698A9D3FF8B0}"/>
+              </a:ext>
+            </a:extLst>
+          </p:cNvPr>
+          <p:cNvPicPr>
+            <a:picLocks noChangeAspect="1"/>
+          </p:cNvPicPr>
+          <p:nvPr/>
+        </p:nvPicPr>
+        <p:blipFill>
+          <a:blip r:embed="rId3"/>
+          <a:stretch>
+            <a:fillRect/>
+          </a:stretch>
+        </p:blipFill>
+        <p:spPr>
+          <a:xfrm>
+            <a:off x="705553" y="4358860"/>
+            <a:ext cx="11117226" cy="2029108"/>
+          </a:xfrm>
+          <a:prstGeom prst="rect">
+            <a:avLst/>
+          </a:prstGeom>
+        </p:spPr>
+      </p:pic>
+      <p:sp>
+        <p:nvSpPr>
+          <p:cNvPr id="8" name="TextBox 7">
+            <a:extLst>
+              <a:ext uri="{FF2B5EF4-FFF2-40B4-BE49-F238E27FC236}">
+                <a16:creationId xmlns:a16="http://schemas.microsoft.com/office/drawing/2014/main" id="{2BFD5007-06AD-2F00-CC6C-645964485EDB}"/>
+              </a:ext>
+            </a:extLst>
+          </p:cNvPr>
+          <p:cNvSpPr txBox="1"/>
+          <p:nvPr/>
+        </p:nvSpPr>
+        <p:spPr>
+          <a:xfrm>
+            <a:off x="2029968" y="1416424"/>
+            <a:ext cx="2071144" cy="369332"/>
+          </a:xfrm>
+          <a:prstGeom prst="rect">
+            <a:avLst/>
+          </a:prstGeom>
+          <a:noFill/>
+        </p:spPr>
+        <p:txBody>
+          <a:bodyPr wrap="none" rtlCol="0">
+            <a:spAutoFit/>
+          </a:bodyPr>
+          <a:lstStyle/>
+          <a:p>
+            <a:r>
+              <a:rPr lang="en-US" dirty="0"/>
+              <a:t>Use postman to test</a:t>
+            </a:r>
+          </a:p>
+        </p:txBody>
+      </p:sp>
+      <p:sp>
+        <p:nvSpPr>
+          <p:cNvPr id="9" name="TextBox 8">
+            <a:extLst>
+              <a:ext uri="{FF2B5EF4-FFF2-40B4-BE49-F238E27FC236}">
+                <a16:creationId xmlns:a16="http://schemas.microsoft.com/office/drawing/2014/main" id="{B928DFCB-AD51-4424-F22D-09C0081ABDCC}"/>
+              </a:ext>
+            </a:extLst>
+          </p:cNvPr>
+          <p:cNvSpPr txBox="1"/>
+          <p:nvPr/>
+        </p:nvSpPr>
+        <p:spPr>
+          <a:xfrm>
+            <a:off x="85204" y="3839936"/>
+            <a:ext cx="2704587" cy="369332"/>
+          </a:xfrm>
+          <a:prstGeom prst="rect">
+            <a:avLst/>
+          </a:prstGeom>
+          <a:noFill/>
+        </p:spPr>
+        <p:txBody>
+          <a:bodyPr wrap="none" rtlCol="0">
+            <a:spAutoFit/>
+          </a:bodyPr>
+          <a:lstStyle/>
+          <a:p>
+            <a:r>
+              <a:rPr lang="en-US" dirty="0"/>
+              <a:t>Use </a:t>
+            </a:r>
+            <a:r>
+              <a:rPr lang="en-US" dirty="0" err="1"/>
+              <a:t>prisma</a:t>
+            </a:r>
+            <a:r>
+              <a:rPr lang="en-US" dirty="0"/>
+              <a:t> studio to check</a:t>
+            </a:r>
+          </a:p>
+        </p:txBody>
+      </p:sp>
+    </p:spTree>
+    <p:extLst>
+      <p:ext uri="{BB962C8B-B14F-4D97-AF65-F5344CB8AC3E}">
+        <p14:creationId xmlns:p14="http://schemas.microsoft.com/office/powerpoint/2010/main" val="3946876478"/>
+      </p:ext>
+    </p:extLst>
+  </p:cSld>
+  <p:clrMapOvr>
+    <a:masterClrMapping/>
+  </p:clrMapOvr>
+</p:sld>
+</file>
+
+<file path=ppt/slides/slide24.xml><?xml version="1.0" encoding="utf-8"?>
+<p:sld xmlns:a="http://schemas.openxmlformats.org/drawingml/2006/main" xmlns:r="http://schemas.openxmlformats.org/officeDocument/2006/relationships" xmlns:p="http://schemas.openxmlformats.org/presentationml/2006/main">
+  <p:cSld>
+    <p:spTree>
+      <p:nvGrpSpPr>
+        <p:cNvPr id="1" name=""/>
+        <p:cNvGrpSpPr/>
+        <p:nvPr/>
+      </p:nvGrpSpPr>
+      <p:grpSpPr>
+        <a:xfrm>
+          <a:off x="0" y="0"/>
+          <a:ext cx="0" cy="0"/>
+          <a:chOff x="0" y="0"/>
+          <a:chExt cx="0" cy="0"/>
+        </a:xfrm>
+      </p:grpSpPr>
+      <p:sp>
+        <p:nvSpPr>
+          <p:cNvPr id="4" name="TextBox 3">
+            <a:extLst>
+              <a:ext uri="{FF2B5EF4-FFF2-40B4-BE49-F238E27FC236}">
+                <a16:creationId xmlns:a16="http://schemas.microsoft.com/office/drawing/2014/main" id="{46A03C2E-42EC-5A2E-3E5B-D6704751899B}"/>
+              </a:ext>
+            </a:extLst>
+          </p:cNvPr>
+          <p:cNvSpPr txBox="1"/>
+          <p:nvPr/>
+        </p:nvSpPr>
+        <p:spPr>
+          <a:xfrm>
+            <a:off x="347472" y="320040"/>
+            <a:ext cx="5013422" cy="707886"/>
+          </a:xfrm>
+          <a:prstGeom prst="rect">
+            <a:avLst/>
+          </a:prstGeom>
+          <a:noFill/>
+        </p:spPr>
+        <p:txBody>
+          <a:bodyPr wrap="square" rtlCol="0">
+            <a:spAutoFit/>
+          </a:bodyPr>
+          <a:lstStyle/>
+          <a:p>
+            <a:r>
+              <a:rPr lang="en-US" sz="4000" dirty="0"/>
+              <a:t>Add to existing project</a:t>
+            </a:r>
+          </a:p>
+        </p:txBody>
+      </p:sp>
     </p:spTree>
     <p:extLst>
       <p:ext uri="{BB962C8B-B14F-4D97-AF65-F5344CB8AC3E}">
@@ -6717,7 +8337,7 @@
 </p:sld>
 </file>
 
-<file path=ppt/slides/slide24.xml><?xml version="1.0" encoding="utf-8"?>
+<file path=ppt/slides/slide25.xml><?xml version="1.0" encoding="utf-8"?>
 <p:sld xmlns:a="http://schemas.openxmlformats.org/drawingml/2006/main" xmlns:r="http://schemas.openxmlformats.org/officeDocument/2006/relationships" xmlns:p="http://schemas.openxmlformats.org/presentationml/2006/main">
   <p:cSld>
     <p:spTree>
@@ -6998,42 +8618,12 @@
           <a:chExt cx="0" cy="0"/>
         </a:xfrm>
       </p:grpSpPr>
-      <p:pic>
-        <p:nvPicPr>
-          <p:cNvPr id="5" name="Picture 4">
-            <a:extLst>
-              <a:ext uri="{FF2B5EF4-FFF2-40B4-BE49-F238E27FC236}">
-                <a16:creationId xmlns:a16="http://schemas.microsoft.com/office/drawing/2014/main" id="{A7E292B8-5114-DAB4-24B5-25FF5AB84240}"/>
-              </a:ext>
-            </a:extLst>
-          </p:cNvPr>
-          <p:cNvPicPr>
-            <a:picLocks noChangeAspect="1"/>
-          </p:cNvPicPr>
-          <p:nvPr/>
-        </p:nvPicPr>
-        <p:blipFill>
-          <a:blip r:embed="rId2"/>
-          <a:stretch>
-            <a:fillRect/>
-          </a:stretch>
-        </p:blipFill>
-        <p:spPr>
-          <a:xfrm>
-            <a:off x="5244662" y="295435"/>
-            <a:ext cx="6414446" cy="6191119"/>
-          </a:xfrm>
-          <a:prstGeom prst="rect">
-            <a:avLst/>
-          </a:prstGeom>
-        </p:spPr>
-      </p:pic>
-      <p:sp>
-        <p:nvSpPr>
-          <p:cNvPr id="6" name="TextBox 5">
-            <a:extLst>
-              <a:ext uri="{FF2B5EF4-FFF2-40B4-BE49-F238E27FC236}">
-                <a16:creationId xmlns:a16="http://schemas.microsoft.com/office/drawing/2014/main" id="{A936DD9E-2F06-C7F4-962D-59844F31588B}"/>
+      <p:sp>
+        <p:nvSpPr>
+          <p:cNvPr id="2" name="TextBox 1">
+            <a:extLst>
+              <a:ext uri="{FF2B5EF4-FFF2-40B4-BE49-F238E27FC236}">
+                <a16:creationId xmlns:a16="http://schemas.microsoft.com/office/drawing/2014/main" id="{029F1A52-8597-9BFD-2236-3292352A083B}"/>
               </a:ext>
             </a:extLst>
           </p:cNvPr>
@@ -7042,8 +8632,8 @@
         </p:nvSpPr>
         <p:spPr>
           <a:xfrm>
-            <a:off x="325821" y="1376855"/>
-            <a:ext cx="3320461" cy="923330"/>
+            <a:off x="394446" y="484094"/>
+            <a:ext cx="7297271" cy="584775"/>
           </a:xfrm>
           <a:prstGeom prst="rect">
             <a:avLst/>
@@ -7051,79 +8641,24 @@
           <a:noFill/>
         </p:spPr>
         <p:txBody>
-          <a:bodyPr wrap="none" rtlCol="0">
+          <a:bodyPr wrap="square" rtlCol="0">
             <a:spAutoFit/>
           </a:bodyPr>
           <a:lstStyle/>
           <a:p>
             <a:r>
-              <a:rPr lang="en-US" dirty="0"/>
-              <a:t>Set up the tables</a:t>
-            </a:r>
-          </a:p>
-          <a:p>
-            <a:endParaRPr lang="en-US" dirty="0"/>
-          </a:p>
-          <a:p>
-            <a:r>
-              <a:rPr lang="en-US" dirty="0"/>
-              <a:t>Data types (from documentation)</a:t>
-            </a:r>
-          </a:p>
-        </p:txBody>
-      </p:sp>
-      <p:sp>
-        <p:nvSpPr>
-          <p:cNvPr id="7" name="Arrow: Right 6">
-            <a:extLst>
-              <a:ext uri="{FF2B5EF4-FFF2-40B4-BE49-F238E27FC236}">
-                <a16:creationId xmlns:a16="http://schemas.microsoft.com/office/drawing/2014/main" id="{2EA20B98-BDE7-2637-F73F-34C1F3D4313D}"/>
-              </a:ext>
-            </a:extLst>
-          </p:cNvPr>
-          <p:cNvSpPr/>
-          <p:nvPr/>
-        </p:nvSpPr>
-        <p:spPr>
-          <a:xfrm>
-            <a:off x="3639672" y="1632504"/>
-            <a:ext cx="1431570" cy="923330"/>
-          </a:xfrm>
-          <a:prstGeom prst="rightArrow">
-            <a:avLst/>
-          </a:prstGeom>
-        </p:spPr>
-        <p:style>
-          <a:lnRef idx="2">
-            <a:schemeClr val="accent1">
-              <a:shade val="15000"/>
-            </a:schemeClr>
-          </a:lnRef>
-          <a:fillRef idx="1">
-            <a:schemeClr val="accent1"/>
-          </a:fillRef>
-          <a:effectRef idx="0">
-            <a:schemeClr val="accent1"/>
-          </a:effectRef>
-          <a:fontRef idx="minor">
-            <a:schemeClr val="lt1"/>
-          </a:fontRef>
-        </p:style>
-        <p:txBody>
-          <a:bodyPr rtlCol="0" anchor="ctr"/>
-          <a:lstStyle/>
-          <a:p>
-            <a:pPr algn="ctr"/>
-            <a:endParaRPr lang="en-US"/>
-          </a:p>
-        </p:txBody>
-      </p:sp>
-      <p:sp>
-        <p:nvSpPr>
-          <p:cNvPr id="9" name="TextBox 8">
-            <a:extLst>
-              <a:ext uri="{FF2B5EF4-FFF2-40B4-BE49-F238E27FC236}">
-                <a16:creationId xmlns:a16="http://schemas.microsoft.com/office/drawing/2014/main" id="{CCB42F55-1A9A-11BC-A11E-BCC69C2D3E45}"/>
+              <a:rPr lang="en-US" sz="3200" dirty="0"/>
+              <a:t>If you are working on an existing database</a:t>
+            </a:r>
+          </a:p>
+        </p:txBody>
+      </p:sp>
+      <p:sp>
+        <p:nvSpPr>
+          <p:cNvPr id="3" name="TextBox 2">
+            <a:extLst>
+              <a:ext uri="{FF2B5EF4-FFF2-40B4-BE49-F238E27FC236}">
+                <a16:creationId xmlns:a16="http://schemas.microsoft.com/office/drawing/2014/main" id="{B67CC71C-CA73-7809-677E-A2476A0523A3}"/>
               </a:ext>
             </a:extLst>
           </p:cNvPr>
@@ -7132,8 +8667,8 @@
         </p:nvSpPr>
         <p:spPr>
           <a:xfrm>
-            <a:off x="179293" y="186780"/>
-            <a:ext cx="3320461" cy="646331"/>
+            <a:off x="1527591" y="2622177"/>
+            <a:ext cx="4442903" cy="2308324"/>
           </a:xfrm>
           <a:prstGeom prst="rect">
             <a:avLst/>
@@ -7141,22 +8676,142 @@
           <a:noFill/>
         </p:spPr>
         <p:txBody>
-          <a:bodyPr wrap="square">
+          <a:bodyPr wrap="square" rtlCol="0">
             <a:spAutoFit/>
           </a:bodyPr>
           <a:lstStyle/>
           <a:p>
             <a:r>
-              <a:rPr lang="en-US" sz="3600" dirty="0"/>
-              <a:t>Set up the tables</a:t>
-            </a:r>
+              <a:rPr lang="en-US" dirty="0"/>
+              <a:t>This command will look at existing database and create a schema based on it:</a:t>
+            </a:r>
+          </a:p>
+          <a:p>
+            <a:endParaRPr lang="en-US" dirty="0"/>
+          </a:p>
+          <a:p>
+            <a:r>
+              <a:rPr lang="en-US" dirty="0" err="1">
+                <a:highlight>
+                  <a:srgbClr val="FFFF00"/>
+                </a:highlight>
+              </a:rPr>
+              <a:t>Npx</a:t>
+            </a:r>
+            <a:r>
+              <a:rPr lang="en-US" dirty="0">
+                <a:highlight>
+                  <a:srgbClr val="FFFF00"/>
+                </a:highlight>
+              </a:rPr>
+              <a:t> </a:t>
+            </a:r>
+            <a:r>
+              <a:rPr lang="en-US" dirty="0" err="1">
+                <a:highlight>
+                  <a:srgbClr val="FFFF00"/>
+                </a:highlight>
+              </a:rPr>
+              <a:t>prisma</a:t>
+            </a:r>
+            <a:r>
+              <a:rPr lang="en-US" dirty="0">
+                <a:highlight>
+                  <a:srgbClr val="FFFF00"/>
+                </a:highlight>
+              </a:rPr>
+              <a:t> </a:t>
+            </a:r>
+            <a:r>
+              <a:rPr lang="en-US" dirty="0" err="1">
+                <a:highlight>
+                  <a:srgbClr val="FFFF00"/>
+                </a:highlight>
+              </a:rPr>
+              <a:t>db</a:t>
+            </a:r>
+            <a:r>
+              <a:rPr lang="en-US" dirty="0">
+                <a:highlight>
+                  <a:srgbClr val="FFFF00"/>
+                </a:highlight>
+              </a:rPr>
+              <a:t> pull</a:t>
+            </a:r>
+          </a:p>
+          <a:p>
+            <a:endParaRPr lang="en-US" dirty="0">
+              <a:highlight>
+                <a:srgbClr val="FFFF00"/>
+              </a:highlight>
+            </a:endParaRPr>
+          </a:p>
+          <a:p>
+            <a:r>
+              <a:rPr lang="en-US" dirty="0"/>
+              <a:t>Baseline database</a:t>
+            </a:r>
+          </a:p>
+          <a:p>
+            <a:endParaRPr lang="en-US" dirty="0">
+              <a:highlight>
+                <a:srgbClr val="00FFFF"/>
+              </a:highlight>
+            </a:endParaRPr>
+          </a:p>
+          <a:p>
+            <a:r>
+              <a:rPr lang="en-US" dirty="0" err="1">
+                <a:highlight>
+                  <a:srgbClr val="FFFF00"/>
+                </a:highlight>
+              </a:rPr>
+              <a:t>Npx</a:t>
+            </a:r>
+            <a:r>
+              <a:rPr lang="en-US" dirty="0">
+                <a:highlight>
+                  <a:srgbClr val="FFFF00"/>
+                </a:highlight>
+              </a:rPr>
+              <a:t> </a:t>
+            </a:r>
+            <a:r>
+              <a:rPr lang="en-US" dirty="0" err="1">
+                <a:highlight>
+                  <a:srgbClr val="FFFF00"/>
+                </a:highlight>
+              </a:rPr>
+              <a:t>prisma</a:t>
+            </a:r>
+            <a:r>
+              <a:rPr lang="en-US" dirty="0">
+                <a:highlight>
+                  <a:srgbClr val="FFFF00"/>
+                </a:highlight>
+              </a:rPr>
+              <a:t> migrate dev – name </a:t>
+            </a:r>
+            <a:r>
+              <a:rPr lang="en-US" dirty="0" err="1">
+                <a:highlight>
+                  <a:srgbClr val="FFFF00"/>
+                </a:highlight>
+              </a:rPr>
+              <a:t>init</a:t>
+            </a:r>
+            <a:endParaRPr lang="en-US" dirty="0">
+              <a:highlight>
+                <a:srgbClr val="FFFF00"/>
+              </a:highlight>
+            </a:endParaRPr>
           </a:p>
         </p:txBody>
       </p:sp>
     </p:spTree>
     <p:extLst>
       <p:ext uri="{BB962C8B-B14F-4D97-AF65-F5344CB8AC3E}">
-        <p14:creationId xmlns:p14="http://schemas.microsoft.com/office/powerpoint/2010/main" val="2228156920"/>
+        <p14:creationId xmlns:p14="http://schemas.microsoft.com/office/powerpoint/2010/main" val="3980755716"/>
       </p:ext>
     </p:extLst>
   </p:cSld>
@@ -7185,10 +8840,10 @@
       </p:grpSpPr>
       <p:pic>
         <p:nvPicPr>
-          <p:cNvPr id="3" name="Picture 2">
-            <a:extLst>
-              <a:ext uri="{FF2B5EF4-FFF2-40B4-BE49-F238E27FC236}">
-                <a16:creationId xmlns:a16="http://schemas.microsoft.com/office/drawing/2014/main" id="{FE46633F-E2C6-B39D-B12E-74E258CB2547}"/>
+          <p:cNvPr id="5" name="Picture 4">
+            <a:extLst>
+              <a:ext uri="{FF2B5EF4-FFF2-40B4-BE49-F238E27FC236}">
+                <a16:creationId xmlns:a16="http://schemas.microsoft.com/office/drawing/2014/main" id="{A7E292B8-5114-DAB4-24B5-25FF5AB84240}"/>
               </a:ext>
             </a:extLst>
           </p:cNvPr>
@@ -7205,8 +8860,8 @@
         </p:blipFill>
         <p:spPr>
           <a:xfrm>
-            <a:off x="577944" y="1683820"/>
-            <a:ext cx="8687895" cy="3219989"/>
+            <a:off x="5244662" y="295435"/>
+            <a:ext cx="6414446" cy="6191119"/>
           </a:xfrm>
           <a:prstGeom prst="rect">
             <a:avLst/>
@@ -7215,10 +8870,10 @@
       </p:pic>
       <p:sp>
         <p:nvSpPr>
-          <p:cNvPr id="4" name="TextBox 3">
-            <a:extLst>
-              <a:ext uri="{FF2B5EF4-FFF2-40B4-BE49-F238E27FC236}">
-                <a16:creationId xmlns:a16="http://schemas.microsoft.com/office/drawing/2014/main" id="{F9C7C33C-0582-8704-BA82-F9AE13694CB3}"/>
+          <p:cNvPr id="6" name="TextBox 5">
+            <a:extLst>
+              <a:ext uri="{FF2B5EF4-FFF2-40B4-BE49-F238E27FC236}">
+                <a16:creationId xmlns:a16="http://schemas.microsoft.com/office/drawing/2014/main" id="{A936DD9E-2F06-C7F4-962D-59844F31588B}"/>
               </a:ext>
             </a:extLst>
           </p:cNvPr>
@@ -7227,43 +8882,8 @@
         </p:nvSpPr>
         <p:spPr>
           <a:xfrm>
-            <a:off x="201425" y="143435"/>
-            <a:ext cx="4294094" cy="584775"/>
-          </a:xfrm>
-          <a:prstGeom prst="rect">
-            <a:avLst/>
-          </a:prstGeom>
-          <a:noFill/>
-        </p:spPr>
-        <p:txBody>
-          <a:bodyPr wrap="square" rtlCol="0">
-            <a:spAutoFit/>
-          </a:bodyPr>
-          <a:lstStyle/>
-          <a:p>
-            <a:r>
-              <a:rPr lang="en-US" sz="3200" dirty="0"/>
-              <a:t>Creating a table</a:t>
-            </a:r>
-          </a:p>
-        </p:txBody>
-      </p:sp>
-      <p:sp>
-        <p:nvSpPr>
-          <p:cNvPr id="5" name="TextBox 4">
-            <a:extLst>
-              <a:ext uri="{FF2B5EF4-FFF2-40B4-BE49-F238E27FC236}">
-                <a16:creationId xmlns:a16="http://schemas.microsoft.com/office/drawing/2014/main" id="{0F3DD525-6A04-97B8-B3AF-71E22930FF83}"/>
-              </a:ext>
-            </a:extLst>
-          </p:cNvPr>
-          <p:cNvSpPr txBox="1"/>
-          <p:nvPr/>
-        </p:nvSpPr>
-        <p:spPr>
-          <a:xfrm>
-            <a:off x="2061882" y="1219200"/>
-            <a:ext cx="3332900" cy="369332"/>
+            <a:off x="325821" y="1376855"/>
+            <a:ext cx="3320461" cy="923330"/>
           </a:xfrm>
           <a:prstGeom prst="rect">
             <a:avLst/>
@@ -7278,30 +8898,26 @@
           <a:p>
             <a:r>
               <a:rPr lang="en-US" dirty="0"/>
-              <a:t>In </a:t>
-            </a:r>
-            <a:r>
-              <a:rPr lang="en-US" dirty="0" err="1"/>
-              <a:t>prisma</a:t>
-            </a:r>
+              <a:t>Set up the tables</a:t>
+            </a:r>
+          </a:p>
+          <a:p>
+            <a:endParaRPr lang="en-US" dirty="0"/>
+          </a:p>
+          <a:p>
             <a:r>
               <a:rPr lang="en-US" dirty="0"/>
-              <a:t> folder /  </a:t>
-            </a:r>
-            <a:r>
-              <a:rPr lang="en-US" dirty="0" err="1"/>
-              <a:t>schema.prisma</a:t>
-            </a:r>
-            <a:endParaRPr lang="en-US" dirty="0"/>
-          </a:p>
-        </p:txBody>
-      </p:sp>
-      <p:sp>
-        <p:nvSpPr>
-          <p:cNvPr id="6" name="Right Brace 5">
-            <a:extLst>
-              <a:ext uri="{FF2B5EF4-FFF2-40B4-BE49-F238E27FC236}">
-                <a16:creationId xmlns:a16="http://schemas.microsoft.com/office/drawing/2014/main" id="{6DF5E927-B4D3-8D46-A9FA-9C3F91156AF4}"/>
+              <a:t>Data types (from documentation)</a:t>
+            </a:r>
+          </a:p>
+        </p:txBody>
+      </p:sp>
+      <p:sp>
+        <p:nvSpPr>
+          <p:cNvPr id="7" name="Arrow: Right 6">
+            <a:extLst>
+              <a:ext uri="{FF2B5EF4-FFF2-40B4-BE49-F238E27FC236}">
+                <a16:creationId xmlns:a16="http://schemas.microsoft.com/office/drawing/2014/main" id="{2EA20B98-BDE7-2637-F73F-34C1F3D4313D}"/>
               </a:ext>
             </a:extLst>
           </p:cNvPr>
@@ -7310,30 +8926,27 @@
         </p:nvSpPr>
         <p:spPr>
           <a:xfrm>
-            <a:off x="7046259" y="3627382"/>
-            <a:ext cx="1201270" cy="1210235"/>
-          </a:xfrm>
-          <a:prstGeom prst="rightBrace">
-            <a:avLst/>
-          </a:prstGeom>
-          <a:ln w="76200">
-            <a:solidFill>
-              <a:srgbClr val="FFFF00"/>
-            </a:solidFill>
-          </a:ln>
+            <a:off x="3639672" y="1632504"/>
+            <a:ext cx="1431570" cy="923330"/>
+          </a:xfrm>
+          <a:prstGeom prst="rightArrow">
+            <a:avLst/>
+          </a:prstGeom>
         </p:spPr>
         <p:style>
-          <a:lnRef idx="1">
-            <a:schemeClr val="accent1"/>
+          <a:lnRef idx="2">
+            <a:schemeClr val="accent1">
+              <a:shade val="15000"/>
+            </a:schemeClr>
           </a:lnRef>
-          <a:fillRef idx="0">
+          <a:fillRef idx="1">
             <a:schemeClr val="accent1"/>
           </a:fillRef>
           <a:effectRef idx="0">
             <a:schemeClr val="accent1"/>
           </a:effectRef>
           <a:fontRef idx="minor">
-            <a:schemeClr val="tx1"/>
+            <a:schemeClr val="lt1"/>
           </a:fontRef>
         </p:style>
         <p:txBody>
@@ -7347,10 +8960,10 @@
       </p:sp>
       <p:sp>
         <p:nvSpPr>
-          <p:cNvPr id="8" name="TextBox 7">
-            <a:extLst>
-              <a:ext uri="{FF2B5EF4-FFF2-40B4-BE49-F238E27FC236}">
-                <a16:creationId xmlns:a16="http://schemas.microsoft.com/office/drawing/2014/main" id="{65541627-31C7-2862-F195-CBC0DAA2F11C}"/>
+          <p:cNvPr id="9" name="TextBox 8">
+            <a:extLst>
+              <a:ext uri="{FF2B5EF4-FFF2-40B4-BE49-F238E27FC236}">
+                <a16:creationId xmlns:a16="http://schemas.microsoft.com/office/drawing/2014/main" id="{CCB42F55-1A9A-11BC-A11E-BCC69C2D3E45}"/>
               </a:ext>
             </a:extLst>
           </p:cNvPr>
@@ -7359,8 +8972,8 @@
         </p:nvSpPr>
         <p:spPr>
           <a:xfrm>
-            <a:off x="1447519" y="5148831"/>
-            <a:ext cx="6096000" cy="923330"/>
+            <a:off x="179293" y="186780"/>
+            <a:ext cx="3320461" cy="646331"/>
           </a:xfrm>
           <a:prstGeom prst="rect">
             <a:avLst/>
@@ -7374,81 +8987,16 @@
           <a:lstStyle/>
           <a:p>
             <a:r>
-              <a:rPr lang="en-US" b="0" i="0" dirty="0">
-                <a:effectLst/>
-                <a:latin typeface="JetBrainsMono"/>
-              </a:rPr>
-              <a:t>To execute this code:</a:t>
-            </a:r>
-          </a:p>
-          <a:p>
-            <a:endParaRPr lang="en-US" dirty="0">
-              <a:latin typeface="JetBrainsMono"/>
-            </a:endParaRPr>
-          </a:p>
-          <a:p>
-            <a:r>
-              <a:rPr lang="en-US" b="0" i="0" dirty="0" err="1">
-                <a:effectLst/>
-                <a:highlight>
-                  <a:srgbClr val="FFFF00"/>
-                </a:highlight>
-                <a:latin typeface="JetBrainsMono"/>
-              </a:rPr>
-              <a:t>npx</a:t>
-            </a:r>
-            <a:r>
-              <a:rPr lang="en-US" b="0" i="0" dirty="0">
-                <a:effectLst/>
-                <a:highlight>
-                  <a:srgbClr val="FFFF00"/>
-                </a:highlight>
-                <a:latin typeface="JetBrainsMono"/>
-              </a:rPr>
-              <a:t> </a:t>
-            </a:r>
-            <a:r>
-              <a:rPr lang="en-US" b="0" i="0" dirty="0" err="1">
-                <a:effectLst/>
-                <a:highlight>
-                  <a:srgbClr val="FFFF00"/>
-                </a:highlight>
-                <a:latin typeface="JetBrainsMono"/>
-              </a:rPr>
-              <a:t>prisma</a:t>
-            </a:r>
-            <a:r>
-              <a:rPr lang="en-US" b="0" i="0" dirty="0">
-                <a:effectLst/>
-                <a:highlight>
-                  <a:srgbClr val="FFFF00"/>
-                </a:highlight>
-                <a:latin typeface="JetBrainsMono"/>
-              </a:rPr>
-              <a:t> migrate dev --name </a:t>
-            </a:r>
-            <a:r>
-              <a:rPr lang="en-US" b="0" i="0" dirty="0" err="1">
-                <a:effectLst/>
-                <a:highlight>
-                  <a:srgbClr val="FFFF00"/>
-                </a:highlight>
-                <a:latin typeface="JetBrainsMono"/>
-              </a:rPr>
-              <a:t>init</a:t>
-            </a:r>
-            <a:endParaRPr lang="en-US" dirty="0">
-              <a:highlight>
-                <a:srgbClr val="FFFF00"/>
-              </a:highlight>
-            </a:endParaRPr>
+              <a:rPr lang="en-US" sz="3600" dirty="0"/>
+              <a:t>Set up the tables</a:t>
+            </a:r>
           </a:p>
         </p:txBody>
       </p:sp>
     </p:spTree>
     <p:extLst>
       <p:ext uri="{BB962C8B-B14F-4D97-AF65-F5344CB8AC3E}">
-        <p14:creationId xmlns:p14="http://schemas.microsoft.com/office/powerpoint/2010/main" val="66431947"/>
+        <p14:creationId xmlns:p14="http://schemas.microsoft.com/office/powerpoint/2010/main" val="2228156920"/>
       </p:ext>
     </p:extLst>
   </p:cSld>
@@ -7480,7 +9028,7 @@
           <p:cNvPr id="3" name="Picture 2">
             <a:extLst>
               <a:ext uri="{FF2B5EF4-FFF2-40B4-BE49-F238E27FC236}">
-                <a16:creationId xmlns:a16="http://schemas.microsoft.com/office/drawing/2014/main" id="{257A44B9-730C-058A-DE42-68F89F97004E}"/>
+                <a16:creationId xmlns:a16="http://schemas.microsoft.com/office/drawing/2014/main" id="{FE46633F-E2C6-B39D-B12E-74E258CB2547}"/>
               </a:ext>
             </a:extLst>
           </p:cNvPr>
@@ -7497,8 +9045,8 @@
         </p:blipFill>
         <p:spPr>
           <a:xfrm>
-            <a:off x="998247" y="2261605"/>
-            <a:ext cx="10840963" cy="4324954"/>
+            <a:off x="577944" y="1683820"/>
+            <a:ext cx="8687895" cy="3219989"/>
           </a:xfrm>
           <a:prstGeom prst="rect">
             <a:avLst/>
@@ -7510,7 +9058,7 @@
           <p:cNvPr id="4" name="TextBox 3">
             <a:extLst>
               <a:ext uri="{FF2B5EF4-FFF2-40B4-BE49-F238E27FC236}">
-                <a16:creationId xmlns:a16="http://schemas.microsoft.com/office/drawing/2014/main" id="{CE2E6EF0-E2E6-6686-EC41-8E3333593252}"/>
+                <a16:creationId xmlns:a16="http://schemas.microsoft.com/office/drawing/2014/main" id="{F9C7C33C-0582-8704-BA82-F9AE13694CB3}"/>
               </a:ext>
             </a:extLst>
           </p:cNvPr>
@@ -7519,8 +9067,43 @@
         </p:nvSpPr>
         <p:spPr>
           <a:xfrm>
-            <a:off x="914400" y="451945"/>
-            <a:ext cx="4759380" cy="1015663"/>
+            <a:off x="201425" y="143435"/>
+            <a:ext cx="4294094" cy="584775"/>
+          </a:xfrm>
+          <a:prstGeom prst="rect">
+            <a:avLst/>
+          </a:prstGeom>
+          <a:noFill/>
+        </p:spPr>
+        <p:txBody>
+          <a:bodyPr wrap="square" rtlCol="0">
+            <a:spAutoFit/>
+          </a:bodyPr>
+          <a:lstStyle/>
+          <a:p>
+            <a:r>
+              <a:rPr lang="en-US" sz="3200" dirty="0"/>
+              <a:t>Creating a table</a:t>
+            </a:r>
+          </a:p>
+        </p:txBody>
+      </p:sp>
+      <p:sp>
+        <p:nvSpPr>
+          <p:cNvPr id="5" name="TextBox 4">
+            <a:extLst>
+              <a:ext uri="{FF2B5EF4-FFF2-40B4-BE49-F238E27FC236}">
+                <a16:creationId xmlns:a16="http://schemas.microsoft.com/office/drawing/2014/main" id="{0F3DD525-6A04-97B8-B3AF-71E22930FF83}"/>
+              </a:ext>
+            </a:extLst>
+          </p:cNvPr>
+          <p:cNvSpPr txBox="1"/>
+          <p:nvPr/>
+        </p:nvSpPr>
+        <p:spPr>
+          <a:xfrm>
+            <a:off x="2061882" y="1219200"/>
+            <a:ext cx="3332900" cy="369332"/>
           </a:xfrm>
           <a:prstGeom prst="rect">
             <a:avLst/>
@@ -7534,53 +9117,178 @@
           <a:lstStyle/>
           <a:p>
             <a:r>
-              <a:rPr lang="en-US" sz="2400" dirty="0"/>
-              <a:t>To clear all data and reset the tables:</a:t>
-            </a:r>
-          </a:p>
-          <a:p>
+              <a:rPr lang="en-US" dirty="0"/>
+              <a:t>In </a:t>
+            </a:r>
+            <a:r>
+              <a:rPr lang="en-US" dirty="0" err="1"/>
+              <a:t>prisma</a:t>
+            </a:r>
+            <a:r>
+              <a:rPr lang="en-US" dirty="0"/>
+              <a:t> folder /  </a:t>
+            </a:r>
+            <a:r>
+              <a:rPr lang="en-US" dirty="0" err="1"/>
+              <a:t>schema.prisma</a:t>
+            </a:r>
             <a:endParaRPr lang="en-US" dirty="0"/>
           </a:p>
-          <a:p>
-            <a:r>
-              <a:rPr lang="en-US" dirty="0" err="1">
+        </p:txBody>
+      </p:sp>
+      <p:sp>
+        <p:nvSpPr>
+          <p:cNvPr id="6" name="Right Brace 5">
+            <a:extLst>
+              <a:ext uri="{FF2B5EF4-FFF2-40B4-BE49-F238E27FC236}">
+                <a16:creationId xmlns:a16="http://schemas.microsoft.com/office/drawing/2014/main" id="{6DF5E927-B4D3-8D46-A9FA-9C3F91156AF4}"/>
+              </a:ext>
+            </a:extLst>
+          </p:cNvPr>
+          <p:cNvSpPr/>
+          <p:nvPr/>
+        </p:nvSpPr>
+        <p:spPr>
+          <a:xfrm>
+            <a:off x="7046259" y="3627382"/>
+            <a:ext cx="1201270" cy="1210235"/>
+          </a:xfrm>
+          <a:prstGeom prst="rightBrace">
+            <a:avLst/>
+          </a:prstGeom>
+          <a:ln w="76200">
+            <a:solidFill>
+              <a:srgbClr val="FFFF00"/>
+            </a:solidFill>
+          </a:ln>
+        </p:spPr>
+        <p:style>
+          <a:lnRef idx="1">
+            <a:schemeClr val="accent1"/>
+          </a:lnRef>
+          <a:fillRef idx="0">
+            <a:schemeClr val="accent1"/>
+          </a:fillRef>
+          <a:effectRef idx="0">
+            <a:schemeClr val="accent1"/>
+          </a:effectRef>
+          <a:fontRef idx="minor">
+            <a:schemeClr val="tx1"/>
+          </a:fontRef>
+        </p:style>
+        <p:txBody>
+          <a:bodyPr rtlCol="0" anchor="ctr"/>
+          <a:lstStyle/>
+          <a:p>
+            <a:pPr algn="ctr"/>
+            <a:endParaRPr lang="en-US"/>
+          </a:p>
+        </p:txBody>
+      </p:sp>
+      <p:sp>
+        <p:nvSpPr>
+          <p:cNvPr id="8" name="TextBox 7">
+            <a:extLst>
+              <a:ext uri="{FF2B5EF4-FFF2-40B4-BE49-F238E27FC236}">
+                <a16:creationId xmlns:a16="http://schemas.microsoft.com/office/drawing/2014/main" id="{65541627-31C7-2862-F195-CBC0DAA2F11C}"/>
+              </a:ext>
+            </a:extLst>
+          </p:cNvPr>
+          <p:cNvSpPr txBox="1"/>
+          <p:nvPr/>
+        </p:nvSpPr>
+        <p:spPr>
+          <a:xfrm>
+            <a:off x="1447519" y="5148831"/>
+            <a:ext cx="6096000" cy="923330"/>
+          </a:xfrm>
+          <a:prstGeom prst="rect">
+            <a:avLst/>
+          </a:prstGeom>
+          <a:noFill/>
+        </p:spPr>
+        <p:txBody>
+          <a:bodyPr wrap="square">
+            <a:spAutoFit/>
+          </a:bodyPr>
+          <a:lstStyle/>
+          <a:p>
+            <a:r>
+              <a:rPr lang="en-US" b="0" i="0" dirty="0">
+                <a:effectLst/>
+                <a:latin typeface="JetBrainsMono"/>
+              </a:rPr>
+              <a:t>To execute this code:</a:t>
+            </a:r>
+          </a:p>
+          <a:p>
+            <a:endParaRPr lang="en-US" dirty="0">
+              <a:latin typeface="JetBrainsMono"/>
+            </a:endParaRPr>
+          </a:p>
+          <a:p>
+            <a:r>
+              <a:rPr lang="en-US" b="0" i="0" dirty="0" err="1">
+                <a:effectLst/>
                 <a:highlight>
                   <a:srgbClr val="FFFF00"/>
                 </a:highlight>
-              </a:rPr>
-              <a:t>Npx</a:t>
-            </a:r>
-            <a:r>
-              <a:rPr lang="en-US" dirty="0">
+                <a:latin typeface="JetBrainsMono"/>
+              </a:rPr>
+              <a:t>npx</a:t>
+            </a:r>
+            <a:r>
+              <a:rPr lang="en-US" b="0" i="0" dirty="0">
+                <a:effectLst/>
                 <a:highlight>
                   <a:srgbClr val="FFFF00"/>
                 </a:highlight>
+                <a:latin typeface="JetBrainsMono"/>
               </a:rPr>
               <a:t> </a:t>
             </a:r>
             <a:r>
-              <a:rPr lang="en-US" dirty="0" err="1">
+              <a:rPr lang="en-US" b="0" i="0" dirty="0" err="1">
+                <a:effectLst/>
                 <a:highlight>
                   <a:srgbClr val="FFFF00"/>
                 </a:highlight>
+                <a:latin typeface="JetBrainsMono"/>
               </a:rPr>
               <a:t>prisma</a:t>
             </a:r>
             <a:r>
-              <a:rPr lang="en-US" dirty="0">
+              <a:rPr lang="en-US" b="0" i="0" dirty="0">
+                <a:effectLst/>
                 <a:highlight>
                   <a:srgbClr val="FFFF00"/>
                 </a:highlight>
-              </a:rPr>
-              <a:t> migrate reset</a:t>
-            </a:r>
+                <a:latin typeface="JetBrainsMono"/>
+              </a:rPr>
+              <a:t> migrate dev --name </a:t>
+            </a:r>
+            <a:r>
+              <a:rPr lang="en-US" b="0" i="0" dirty="0" err="1">
+                <a:effectLst/>
+                <a:highlight>
+                  <a:srgbClr val="FFFF00"/>
+                </a:highlight>
+                <a:latin typeface="JetBrainsMono"/>
+              </a:rPr>
+              <a:t>init</a:t>
+            </a:r>
+            <a:endParaRPr lang="en-US" dirty="0">
+              <a:highlight>
+                <a:srgbClr val="FFFF00"/>
+              </a:highlight>
+            </a:endParaRPr>
           </a:p>
         </p:txBody>
       </p:sp>
     </p:spTree>
     <p:extLst>
       <p:ext uri="{BB962C8B-B14F-4D97-AF65-F5344CB8AC3E}">
-        <p14:creationId xmlns:p14="http://schemas.microsoft.com/office/powerpoint/2010/main" val="3347416455"/>
+        <p14:creationId xmlns:p14="http://schemas.microsoft.com/office/powerpoint/2010/main" val="66431947"/>
       </p:ext>
     </p:extLst>
   </p:cSld>
@@ -7607,137 +9315,12 @@
           <a:chExt cx="0" cy="0"/>
         </a:xfrm>
       </p:grpSpPr>
-      <p:sp>
-        <p:nvSpPr>
-          <p:cNvPr id="2" name="TextBox 1">
-            <a:extLst>
-              <a:ext uri="{FF2B5EF4-FFF2-40B4-BE49-F238E27FC236}">
-                <a16:creationId xmlns:a16="http://schemas.microsoft.com/office/drawing/2014/main" id="{B51B59CB-FD9F-1C39-F7B0-CDFFE96038A4}"/>
-              </a:ext>
-            </a:extLst>
-          </p:cNvPr>
-          <p:cNvSpPr txBox="1"/>
-          <p:nvPr/>
-        </p:nvSpPr>
-        <p:spPr>
-          <a:xfrm>
-            <a:off x="170329" y="1089177"/>
-            <a:ext cx="5531224" cy="369332"/>
-          </a:xfrm>
-          <a:prstGeom prst="rect">
-            <a:avLst/>
-          </a:prstGeom>
-          <a:noFill/>
-        </p:spPr>
-        <p:txBody>
-          <a:bodyPr wrap="square" rtlCol="0">
-            <a:spAutoFit/>
-          </a:bodyPr>
-          <a:lstStyle/>
-          <a:p>
-            <a:r>
-              <a:rPr lang="en-US" dirty="0" err="1">
-                <a:highlight>
-                  <a:srgbClr val="FFFF00"/>
-                </a:highlight>
-              </a:rPr>
-              <a:t>Npx</a:t>
-            </a:r>
-            <a:r>
-              <a:rPr lang="en-US" dirty="0">
-                <a:highlight>
-                  <a:srgbClr val="FFFF00"/>
-                </a:highlight>
-              </a:rPr>
-              <a:t> </a:t>
-            </a:r>
-            <a:r>
-              <a:rPr lang="en-US" dirty="0" err="1">
-                <a:highlight>
-                  <a:srgbClr val="FFFF00"/>
-                </a:highlight>
-              </a:rPr>
-              <a:t>prisma</a:t>
-            </a:r>
-            <a:r>
-              <a:rPr lang="en-US" dirty="0">
-                <a:highlight>
-                  <a:srgbClr val="FFFF00"/>
-                </a:highlight>
-              </a:rPr>
-              <a:t> migrate dev - -name </a:t>
-            </a:r>
-            <a:r>
-              <a:rPr lang="en-US" dirty="0" err="1">
-                <a:highlight>
-                  <a:srgbClr val="FFFF00"/>
-                </a:highlight>
-              </a:rPr>
-              <a:t>init</a:t>
-            </a:r>
-            <a:endParaRPr lang="en-US" dirty="0">
-              <a:highlight>
-                <a:srgbClr val="FFFF00"/>
-              </a:highlight>
-            </a:endParaRPr>
-          </a:p>
-        </p:txBody>
-      </p:sp>
-      <p:sp>
-        <p:nvSpPr>
-          <p:cNvPr id="3" name="TextBox 2">
-            <a:extLst>
-              <a:ext uri="{FF2B5EF4-FFF2-40B4-BE49-F238E27FC236}">
-                <a16:creationId xmlns:a16="http://schemas.microsoft.com/office/drawing/2014/main" id="{4FC69C37-43F8-6C75-1CDE-E5F79A501BCA}"/>
-              </a:ext>
-            </a:extLst>
-          </p:cNvPr>
-          <p:cNvSpPr txBox="1"/>
-          <p:nvPr/>
-        </p:nvSpPr>
-        <p:spPr>
-          <a:xfrm>
-            <a:off x="5701553" y="394446"/>
-            <a:ext cx="2508892" cy="646331"/>
-          </a:xfrm>
-          <a:prstGeom prst="rect">
-            <a:avLst/>
-          </a:prstGeom>
-          <a:noFill/>
-        </p:spPr>
-        <p:txBody>
-          <a:bodyPr wrap="none" rtlCol="0">
-            <a:spAutoFit/>
-          </a:bodyPr>
-          <a:lstStyle/>
-          <a:p>
-            <a:r>
-              <a:rPr lang="en-US" dirty="0"/>
-              <a:t>Creates migration folder </a:t>
-            </a:r>
-          </a:p>
-          <a:p>
-            <a:r>
-              <a:rPr lang="en-US" dirty="0"/>
-              <a:t>Then creates a </a:t>
-            </a:r>
-            <a:r>
-              <a:rPr lang="en-US" dirty="0" err="1"/>
-              <a:t>sql</a:t>
-            </a:r>
-            <a:r>
-              <a:rPr lang="en-US" dirty="0"/>
-              <a:t> file</a:t>
-            </a:r>
-          </a:p>
-        </p:txBody>
-      </p:sp>
       <p:pic>
         <p:nvPicPr>
-          <p:cNvPr id="5" name="Picture 4">
-            <a:extLst>
-              <a:ext uri="{FF2B5EF4-FFF2-40B4-BE49-F238E27FC236}">
-                <a16:creationId xmlns:a16="http://schemas.microsoft.com/office/drawing/2014/main" id="{2C6ADCC7-7010-70E2-8AE5-0153E4E73DF1}"/>
+          <p:cNvPr id="3" name="Picture 2">
+            <a:extLst>
+              <a:ext uri="{FF2B5EF4-FFF2-40B4-BE49-F238E27FC236}">
+                <a16:creationId xmlns:a16="http://schemas.microsoft.com/office/drawing/2014/main" id="{257A44B9-730C-058A-DE42-68F89F97004E}"/>
               </a:ext>
             </a:extLst>
           </p:cNvPr>
@@ -7754,8 +9337,8 @@
         </p:blipFill>
         <p:spPr>
           <a:xfrm>
-            <a:off x="4552621" y="2029553"/>
-            <a:ext cx="7567661" cy="4945860"/>
+            <a:off x="998247" y="2261605"/>
+            <a:ext cx="10840963" cy="4324954"/>
           </a:xfrm>
           <a:prstGeom prst="rect">
             <a:avLst/>
@@ -7764,10 +9347,10 @@
       </p:pic>
       <p:sp>
         <p:nvSpPr>
-          <p:cNvPr id="6" name="TextBox 5">
-            <a:extLst>
-              <a:ext uri="{FF2B5EF4-FFF2-40B4-BE49-F238E27FC236}">
-                <a16:creationId xmlns:a16="http://schemas.microsoft.com/office/drawing/2014/main" id="{29F7C7DE-45DC-7387-DAE4-F28AAF1792B6}"/>
+          <p:cNvPr id="4" name="TextBox 3">
+            <a:extLst>
+              <a:ext uri="{FF2B5EF4-FFF2-40B4-BE49-F238E27FC236}">
+                <a16:creationId xmlns:a16="http://schemas.microsoft.com/office/drawing/2014/main" id="{CE2E6EF0-E2E6-6686-EC41-8E3333593252}"/>
               </a:ext>
             </a:extLst>
           </p:cNvPr>
@@ -7776,8 +9359,8 @@
         </p:nvSpPr>
         <p:spPr>
           <a:xfrm>
-            <a:off x="5701553" y="1089177"/>
-            <a:ext cx="4859985" cy="369332"/>
+            <a:off x="914400" y="451945"/>
+            <a:ext cx="4759380" cy="1015663"/>
           </a:xfrm>
           <a:prstGeom prst="rect">
             <a:avLst/>
@@ -7791,132 +9374,53 @@
           <a:lstStyle/>
           <a:p>
             <a:r>
-              <a:rPr lang="en-US" dirty="0"/>
-              <a:t>The name is “</a:t>
-            </a:r>
-            <a:r>
-              <a:rPr lang="en-US" dirty="0" err="1"/>
-              <a:t>init</a:t>
-            </a:r>
-            <a:r>
-              <a:rPr lang="en-US" dirty="0"/>
-              <a:t>”  usually done for first migration</a:t>
-            </a:r>
-          </a:p>
-        </p:txBody>
-      </p:sp>
-      <p:sp>
-        <p:nvSpPr>
-          <p:cNvPr id="7" name="TextBox 6">
-            <a:extLst>
-              <a:ext uri="{FF2B5EF4-FFF2-40B4-BE49-F238E27FC236}">
-                <a16:creationId xmlns:a16="http://schemas.microsoft.com/office/drawing/2014/main" id="{84E0503B-3565-26F0-ED24-92CD0DA1C8CA}"/>
-              </a:ext>
-            </a:extLst>
-          </p:cNvPr>
-          <p:cNvSpPr txBox="1"/>
-          <p:nvPr/>
-        </p:nvSpPr>
-        <p:spPr>
-          <a:xfrm>
-            <a:off x="5809129" y="1541929"/>
-            <a:ext cx="4676921" cy="369332"/>
-          </a:xfrm>
-          <a:prstGeom prst="rect">
-            <a:avLst/>
-          </a:prstGeom>
-          <a:noFill/>
-        </p:spPr>
-        <p:txBody>
-          <a:bodyPr wrap="none" rtlCol="0">
-            <a:spAutoFit/>
-          </a:bodyPr>
-          <a:lstStyle/>
-          <a:p>
+              <a:rPr lang="en-US" sz="2400" dirty="0"/>
+              <a:t>To clear all data and reset the tables:</a:t>
+            </a:r>
+          </a:p>
+          <a:p>
+            <a:endParaRPr lang="en-US" dirty="0"/>
+          </a:p>
+          <a:p>
+            <a:r>
+              <a:rPr lang="en-US" dirty="0" err="1">
+                <a:highlight>
+                  <a:srgbClr val="FFFF00"/>
+                </a:highlight>
+              </a:rPr>
+              <a:t>Npx</a:t>
+            </a:r>
             <a:r>
               <a:rPr lang="en-US" dirty="0">
                 <a:highlight>
-                  <a:srgbClr val="FF0000"/>
+                  <a:srgbClr val="FFFF00"/>
                 </a:highlight>
               </a:rPr>
-              <a:t>Name in lower case use underscores not dashes</a:t>
-            </a:r>
-          </a:p>
-        </p:txBody>
-      </p:sp>
-      <p:cxnSp>
-        <p:nvCxnSpPr>
-          <p:cNvPr id="9" name="Straight Arrow Connector 8">
-            <a:extLst>
-              <a:ext uri="{FF2B5EF4-FFF2-40B4-BE49-F238E27FC236}">
-                <a16:creationId xmlns:a16="http://schemas.microsoft.com/office/drawing/2014/main" id="{BF39A90B-32F0-DECC-3B89-D4673817B98F}"/>
-              </a:ext>
-            </a:extLst>
-          </p:cNvPr>
-          <p:cNvCxnSpPr/>
-          <p:nvPr/>
-        </p:nvCxnSpPr>
-        <p:spPr>
-          <a:xfrm flipV="1">
-            <a:off x="3998259" y="815788"/>
-            <a:ext cx="1524000" cy="448236"/>
-          </a:xfrm>
-          <a:prstGeom prst="straightConnector1">
-            <a:avLst/>
-          </a:prstGeom>
-          <a:ln>
-            <a:tailEnd type="triangle"/>
-          </a:ln>
-        </p:spPr>
-        <p:style>
-          <a:lnRef idx="1">
-            <a:schemeClr val="accent1"/>
-          </a:lnRef>
-          <a:fillRef idx="0">
-            <a:schemeClr val="accent1"/>
-          </a:fillRef>
-          <a:effectRef idx="0">
-            <a:schemeClr val="accent1"/>
-          </a:effectRef>
-          <a:fontRef idx="minor">
-            <a:schemeClr val="tx1"/>
-          </a:fontRef>
-        </p:style>
-      </p:cxnSp>
-      <p:pic>
-        <p:nvPicPr>
-          <p:cNvPr id="11" name="Picture 10">
-            <a:extLst>
-              <a:ext uri="{FF2B5EF4-FFF2-40B4-BE49-F238E27FC236}">
-                <a16:creationId xmlns:a16="http://schemas.microsoft.com/office/drawing/2014/main" id="{CD013B45-919C-A058-4152-6FF345059A95}"/>
-              </a:ext>
-            </a:extLst>
-          </p:cNvPr>
-          <p:cNvPicPr>
-            <a:picLocks noChangeAspect="1"/>
-          </p:cNvPicPr>
-          <p:nvPr/>
-        </p:nvPicPr>
-        <p:blipFill>
-          <a:blip r:embed="rId3"/>
-          <a:stretch>
-            <a:fillRect/>
-          </a:stretch>
-        </p:blipFill>
-        <p:spPr>
-          <a:xfrm>
-            <a:off x="71718" y="3097385"/>
-            <a:ext cx="4643718" cy="2027445"/>
-          </a:xfrm>
-          <a:prstGeom prst="rect">
-            <a:avLst/>
-          </a:prstGeom>
-        </p:spPr>
-      </p:pic>
+              <a:t> </a:t>
+            </a:r>
+            <a:r>
+              <a:rPr lang="en-US" dirty="0" err="1">
+                <a:highlight>
+                  <a:srgbClr val="FFFF00"/>
+                </a:highlight>
+              </a:rPr>
+              <a:t>prisma</a:t>
+            </a:r>
+            <a:r>
+              <a:rPr lang="en-US" dirty="0">
+                <a:highlight>
+                  <a:srgbClr val="FFFF00"/>
+                </a:highlight>
+              </a:rPr>
+              <a:t> migrate reset</a:t>
+            </a:r>
+          </a:p>
+        </p:txBody>
+      </p:sp>
     </p:spTree>
     <p:extLst>
       <p:ext uri="{BB962C8B-B14F-4D97-AF65-F5344CB8AC3E}">
-        <p14:creationId xmlns:p14="http://schemas.microsoft.com/office/powerpoint/2010/main" val="786126133"/>
+        <p14:creationId xmlns:p14="http://schemas.microsoft.com/office/powerpoint/2010/main" val="3347416455"/>
       </p:ext>
     </p:extLst>
   </p:cSld>
@@ -7948,7 +9452,7 @@
           <p:cNvPr id="2" name="TextBox 1">
             <a:extLst>
               <a:ext uri="{FF2B5EF4-FFF2-40B4-BE49-F238E27FC236}">
-                <a16:creationId xmlns:a16="http://schemas.microsoft.com/office/drawing/2014/main" id="{3B42E801-1198-B72B-42D6-30F36ED0DD8F}"/>
+                <a16:creationId xmlns:a16="http://schemas.microsoft.com/office/drawing/2014/main" id="{B51B59CB-FD9F-1C39-F7B0-CDFFE96038A4}"/>
               </a:ext>
             </a:extLst>
           </p:cNvPr>
@@ -7957,8 +9461,8 @@
         </p:nvSpPr>
         <p:spPr>
           <a:xfrm>
-            <a:off x="160747" y="1364501"/>
-            <a:ext cx="4796736" cy="2308324"/>
+            <a:off x="170329" y="1089177"/>
+            <a:ext cx="5531224" cy="369332"/>
           </a:xfrm>
           <a:prstGeom prst="rect">
             <a:avLst/>
@@ -7970,23 +9474,6 @@
             <a:spAutoFit/>
           </a:bodyPr>
           <a:lstStyle/>
-          <a:p>
-            <a:r>
-              <a:rPr lang="en-US" dirty="0"/>
-              <a:t>Next:   install </a:t>
-            </a:r>
-            <a:r>
-              <a:rPr lang="en-US" dirty="0" err="1"/>
-              <a:t>prisma</a:t>
-            </a:r>
-            <a:r>
-              <a:rPr lang="en-US" dirty="0"/>
-              <a:t> client (may have been done automatically in last step, but run to be sure</a:t>
-            </a:r>
-          </a:p>
-          <a:p>
-            <a:endParaRPr lang="en-US" dirty="0"/>
-          </a:p>
           <a:p>
             <a:r>
               <a:rPr lang="en-US" dirty="0" err="1">
@@ -7994,7 +9481,7 @@
                   <a:srgbClr val="FFFF00"/>
                 </a:highlight>
               </a:rPr>
-              <a:t>Npm</a:t>
+              <a:t>Npx</a:t>
             </a:r>
             <a:r>
               <a:rPr lang="en-US" dirty="0">
@@ -8002,32 +9489,95 @@
                   <a:srgbClr val="FFFF00"/>
                 </a:highlight>
               </a:rPr>
-              <a:t> install @prisma/client</a:t>
-            </a:r>
-          </a:p>
-          <a:p>
-            <a:endParaRPr lang="en-US" dirty="0"/>
-          </a:p>
+              <a:t> </a:t>
+            </a:r>
+            <a:r>
+              <a:rPr lang="en-US" dirty="0" err="1">
+                <a:highlight>
+                  <a:srgbClr val="FFFF00"/>
+                </a:highlight>
+              </a:rPr>
+              <a:t>prisma</a:t>
+            </a:r>
+            <a:r>
+              <a:rPr lang="en-US" dirty="0">
+                <a:highlight>
+                  <a:srgbClr val="FFFF00"/>
+                </a:highlight>
+              </a:rPr>
+              <a:t> migrate dev - -name </a:t>
+            </a:r>
+            <a:r>
+              <a:rPr lang="en-US" dirty="0" err="1">
+                <a:highlight>
+                  <a:srgbClr val="FFFF00"/>
+                </a:highlight>
+              </a:rPr>
+              <a:t>init</a:t>
+            </a:r>
+            <a:endParaRPr lang="en-US" dirty="0">
+              <a:highlight>
+                <a:srgbClr val="FFFF00"/>
+              </a:highlight>
+            </a:endParaRPr>
+          </a:p>
+        </p:txBody>
+      </p:sp>
+      <p:sp>
+        <p:nvSpPr>
+          <p:cNvPr id="3" name="TextBox 2">
+            <a:extLst>
+              <a:ext uri="{FF2B5EF4-FFF2-40B4-BE49-F238E27FC236}">
+                <a16:creationId xmlns:a16="http://schemas.microsoft.com/office/drawing/2014/main" id="{4FC69C37-43F8-6C75-1CDE-E5F79A501BCA}"/>
+              </a:ext>
+            </a:extLst>
+          </p:cNvPr>
+          <p:cNvSpPr txBox="1"/>
+          <p:nvPr/>
+        </p:nvSpPr>
+        <p:spPr>
+          <a:xfrm>
+            <a:off x="5701553" y="394446"/>
+            <a:ext cx="2508892" cy="646331"/>
+          </a:xfrm>
+          <a:prstGeom prst="rect">
+            <a:avLst/>
+          </a:prstGeom>
+          <a:noFill/>
+        </p:spPr>
+        <p:txBody>
+          <a:bodyPr wrap="none" rtlCol="0">
+            <a:spAutoFit/>
+          </a:bodyPr>
+          <a:lstStyle/>
           <a:p>
             <a:r>
               <a:rPr lang="en-US" dirty="0"/>
-              <a:t>Next: Create a seed file</a:t>
-            </a:r>
-          </a:p>
-          <a:p>
-            <a:endParaRPr lang="en-US" dirty="0"/>
-          </a:p>
-          <a:p>
-            <a:endParaRPr lang="en-US" dirty="0"/>
+              <a:t>Creates migration folder </a:t>
+            </a:r>
+          </a:p>
+          <a:p>
+            <a:r>
+              <a:rPr lang="en-US" dirty="0"/>
+              <a:t>Then creates a </a:t>
+            </a:r>
+            <a:r>
+              <a:rPr lang="en-US" dirty="0" err="1"/>
+              <a:t>sql</a:t>
+            </a:r>
+            <a:r>
+              <a:rPr lang="en-US" dirty="0"/>
+              <a:t> file</a:t>
+            </a:r>
           </a:p>
         </p:txBody>
       </p:sp>
       <p:pic>
         <p:nvPicPr>
-          <p:cNvPr id="4" name="Picture 3">
-            <a:extLst>
-              <a:ext uri="{FF2B5EF4-FFF2-40B4-BE49-F238E27FC236}">
-                <a16:creationId xmlns:a16="http://schemas.microsoft.com/office/drawing/2014/main" id="{2CA8C8A8-AAE7-48D9-E64C-167D05798398}"/>
+          <p:cNvPr id="5" name="Picture 4">
+            <a:extLst>
+              <a:ext uri="{FF2B5EF4-FFF2-40B4-BE49-F238E27FC236}">
+                <a16:creationId xmlns:a16="http://schemas.microsoft.com/office/drawing/2014/main" id="{2C6ADCC7-7010-70E2-8AE5-0153E4E73DF1}"/>
               </a:ext>
             </a:extLst>
           </p:cNvPr>
@@ -8044,20 +9594,141 @@
         </p:blipFill>
         <p:spPr>
           <a:xfrm>
-            <a:off x="5143129" y="1364501"/>
-            <a:ext cx="3905795" cy="2638793"/>
+            <a:off x="4552621" y="2029553"/>
+            <a:ext cx="7567661" cy="4945860"/>
           </a:xfrm>
           <a:prstGeom prst="rect">
             <a:avLst/>
           </a:prstGeom>
         </p:spPr>
       </p:pic>
+      <p:sp>
+        <p:nvSpPr>
+          <p:cNvPr id="6" name="TextBox 5">
+            <a:extLst>
+              <a:ext uri="{FF2B5EF4-FFF2-40B4-BE49-F238E27FC236}">
+                <a16:creationId xmlns:a16="http://schemas.microsoft.com/office/drawing/2014/main" id="{29F7C7DE-45DC-7387-DAE4-F28AAF1792B6}"/>
+              </a:ext>
+            </a:extLst>
+          </p:cNvPr>
+          <p:cNvSpPr txBox="1"/>
+          <p:nvPr/>
+        </p:nvSpPr>
+        <p:spPr>
+          <a:xfrm>
+            <a:off x="5701553" y="1089177"/>
+            <a:ext cx="4859985" cy="369332"/>
+          </a:xfrm>
+          <a:prstGeom prst="rect">
+            <a:avLst/>
+          </a:prstGeom>
+          <a:noFill/>
+        </p:spPr>
+        <p:txBody>
+          <a:bodyPr wrap="none" rtlCol="0">
+            <a:spAutoFit/>
+          </a:bodyPr>
+          <a:lstStyle/>
+          <a:p>
+            <a:r>
+              <a:rPr lang="en-US" dirty="0"/>
+              <a:t>The name is “</a:t>
+            </a:r>
+            <a:r>
+              <a:rPr lang="en-US" dirty="0" err="1"/>
+              <a:t>init</a:t>
+            </a:r>
+            <a:r>
+              <a:rPr lang="en-US" dirty="0"/>
+              <a:t>”  usually done for first migration</a:t>
+            </a:r>
+          </a:p>
+        </p:txBody>
+      </p:sp>
+      <p:sp>
+        <p:nvSpPr>
+          <p:cNvPr id="7" name="TextBox 6">
+            <a:extLst>
+              <a:ext uri="{FF2B5EF4-FFF2-40B4-BE49-F238E27FC236}">
+                <a16:creationId xmlns:a16="http://schemas.microsoft.com/office/drawing/2014/main" id="{84E0503B-3565-26F0-ED24-92CD0DA1C8CA}"/>
+              </a:ext>
+            </a:extLst>
+          </p:cNvPr>
+          <p:cNvSpPr txBox="1"/>
+          <p:nvPr/>
+        </p:nvSpPr>
+        <p:spPr>
+          <a:xfrm>
+            <a:off x="5809129" y="1541929"/>
+            <a:ext cx="4676921" cy="369332"/>
+          </a:xfrm>
+          <a:prstGeom prst="rect">
+            <a:avLst/>
+          </a:prstGeom>
+          <a:noFill/>
+        </p:spPr>
+        <p:txBody>
+          <a:bodyPr wrap="none" rtlCol="0">
+            <a:spAutoFit/>
+          </a:bodyPr>
+          <a:lstStyle/>
+          <a:p>
+            <a:r>
+              <a:rPr lang="en-US" dirty="0">
+                <a:highlight>
+                  <a:srgbClr val="FF0000"/>
+                </a:highlight>
+              </a:rPr>
+              <a:t>Name in lower case use underscores not dashes</a:t>
+            </a:r>
+          </a:p>
+        </p:txBody>
+      </p:sp>
+      <p:cxnSp>
+        <p:nvCxnSpPr>
+          <p:cNvPr id="9" name="Straight Arrow Connector 8">
+            <a:extLst>
+              <a:ext uri="{FF2B5EF4-FFF2-40B4-BE49-F238E27FC236}">
+                <a16:creationId xmlns:a16="http://schemas.microsoft.com/office/drawing/2014/main" id="{BF39A90B-32F0-DECC-3B89-D4673817B98F}"/>
+              </a:ext>
+            </a:extLst>
+          </p:cNvPr>
+          <p:cNvCxnSpPr/>
+          <p:nvPr/>
+        </p:nvCxnSpPr>
+        <p:spPr>
+          <a:xfrm flipV="1">
+            <a:off x="3998259" y="815788"/>
+            <a:ext cx="1524000" cy="448236"/>
+          </a:xfrm>
+          <a:prstGeom prst="straightConnector1">
+            <a:avLst/>
+          </a:prstGeom>
+          <a:ln>
+            <a:tailEnd type="triangle"/>
+          </a:ln>
+        </p:spPr>
+        <p:style>
+          <a:lnRef idx="1">
+            <a:schemeClr val="accent1"/>
+          </a:lnRef>
+          <a:fillRef idx="0">
+            <a:schemeClr val="accent1"/>
+          </a:fillRef>
+          <a:effectRef idx="0">
+            <a:schemeClr val="accent1"/>
+          </a:effectRef>
+          <a:fontRef idx="minor">
+            <a:schemeClr val="tx1"/>
+          </a:fontRef>
+        </p:style>
+      </p:cxnSp>
       <p:pic>
         <p:nvPicPr>
-          <p:cNvPr id="6" name="Picture 5">
-            <a:extLst>
-              <a:ext uri="{FF2B5EF4-FFF2-40B4-BE49-F238E27FC236}">
-                <a16:creationId xmlns:a16="http://schemas.microsoft.com/office/drawing/2014/main" id="{65D76A7D-1D6E-1DCC-17E5-C2C6B3324A93}"/>
+          <p:cNvPr id="11" name="Picture 10">
+            <a:extLst>
+              <a:ext uri="{FF2B5EF4-FFF2-40B4-BE49-F238E27FC236}">
+                <a16:creationId xmlns:a16="http://schemas.microsoft.com/office/drawing/2014/main" id="{CD013B45-919C-A058-4152-6FF345059A95}"/>
               </a:ext>
             </a:extLst>
           </p:cNvPr>
@@ -8074,97 +9745,18 @@
         </p:blipFill>
         <p:spPr>
           <a:xfrm>
-            <a:off x="4353495" y="4087179"/>
-            <a:ext cx="5944430" cy="2581635"/>
+            <a:off x="71718" y="3097385"/>
+            <a:ext cx="4643718" cy="2027445"/>
           </a:xfrm>
           <a:prstGeom prst="rect">
             <a:avLst/>
           </a:prstGeom>
         </p:spPr>
       </p:pic>
-      <p:sp>
-        <p:nvSpPr>
-          <p:cNvPr id="7" name="TextBox 6">
-            <a:extLst>
-              <a:ext uri="{FF2B5EF4-FFF2-40B4-BE49-F238E27FC236}">
-                <a16:creationId xmlns:a16="http://schemas.microsoft.com/office/drawing/2014/main" id="{F468E2CC-1C8C-72A2-1224-06EA7335EAB8}"/>
-              </a:ext>
-            </a:extLst>
-          </p:cNvPr>
-          <p:cNvSpPr txBox="1"/>
-          <p:nvPr/>
-        </p:nvSpPr>
-        <p:spPr>
-          <a:xfrm>
-            <a:off x="977463" y="4813739"/>
-            <a:ext cx="2852127" cy="923330"/>
-          </a:xfrm>
-          <a:prstGeom prst="rect">
-            <a:avLst/>
-          </a:prstGeom>
-          <a:noFill/>
-        </p:spPr>
-        <p:txBody>
-          <a:bodyPr wrap="none" rtlCol="0">
-            <a:spAutoFit/>
-          </a:bodyPr>
-          <a:lstStyle/>
-          <a:p>
-            <a:r>
-              <a:rPr lang="en-US" dirty="0"/>
-              <a:t>Inside seed file:</a:t>
-            </a:r>
-          </a:p>
-          <a:p>
-            <a:endParaRPr lang="en-US" dirty="0"/>
-          </a:p>
-          <a:p>
-            <a:r>
-              <a:rPr lang="en-US" dirty="0"/>
-              <a:t>These two lines are required</a:t>
-            </a:r>
-          </a:p>
-        </p:txBody>
-      </p:sp>
-      <p:sp>
-        <p:nvSpPr>
-          <p:cNvPr id="8" name="TextBox 7">
-            <a:extLst>
-              <a:ext uri="{FF2B5EF4-FFF2-40B4-BE49-F238E27FC236}">
-                <a16:creationId xmlns:a16="http://schemas.microsoft.com/office/drawing/2014/main" id="{5E855B27-87CC-4D50-1CAE-D85572496FE5}"/>
-              </a:ext>
-            </a:extLst>
-          </p:cNvPr>
-          <p:cNvSpPr txBox="1"/>
-          <p:nvPr/>
-        </p:nvSpPr>
-        <p:spPr>
-          <a:xfrm>
-            <a:off x="439271" y="304800"/>
-            <a:ext cx="2492188" cy="584775"/>
-          </a:xfrm>
-          <a:prstGeom prst="rect">
-            <a:avLst/>
-          </a:prstGeom>
-          <a:noFill/>
-        </p:spPr>
-        <p:txBody>
-          <a:bodyPr wrap="square" rtlCol="0">
-            <a:spAutoFit/>
-          </a:bodyPr>
-          <a:lstStyle/>
-          <a:p>
-            <a:r>
-              <a:rPr lang="en-US" sz="3200" dirty="0"/>
-              <a:t>Seed File</a:t>
-            </a:r>
-          </a:p>
-        </p:txBody>
-      </p:sp>
     </p:spTree>
     <p:extLst>
       <p:ext uri="{BB962C8B-B14F-4D97-AF65-F5344CB8AC3E}">
-        <p14:creationId xmlns:p14="http://schemas.microsoft.com/office/powerpoint/2010/main" val="4010879654"/>
+        <p14:creationId xmlns:p14="http://schemas.microsoft.com/office/powerpoint/2010/main" val="786126133"/>
       </p:ext>
     </p:extLst>
   </p:cSld>
@@ -8191,12 +9783,91 @@
           <a:chExt cx="0" cy="0"/>
         </a:xfrm>
       </p:grpSpPr>
+      <p:sp>
+        <p:nvSpPr>
+          <p:cNvPr id="2" name="TextBox 1">
+            <a:extLst>
+              <a:ext uri="{FF2B5EF4-FFF2-40B4-BE49-F238E27FC236}">
+                <a16:creationId xmlns:a16="http://schemas.microsoft.com/office/drawing/2014/main" id="{3B42E801-1198-B72B-42D6-30F36ED0DD8F}"/>
+              </a:ext>
+            </a:extLst>
+          </p:cNvPr>
+          <p:cNvSpPr txBox="1"/>
+          <p:nvPr/>
+        </p:nvSpPr>
+        <p:spPr>
+          <a:xfrm>
+            <a:off x="160747" y="1364501"/>
+            <a:ext cx="4796736" cy="2308324"/>
+          </a:xfrm>
+          <a:prstGeom prst="rect">
+            <a:avLst/>
+          </a:prstGeom>
+          <a:noFill/>
+        </p:spPr>
+        <p:txBody>
+          <a:bodyPr wrap="square" rtlCol="0">
+            <a:spAutoFit/>
+          </a:bodyPr>
+          <a:lstStyle/>
+          <a:p>
+            <a:r>
+              <a:rPr lang="en-US" dirty="0"/>
+              <a:t>Next:   install </a:t>
+            </a:r>
+            <a:r>
+              <a:rPr lang="en-US" dirty="0" err="1"/>
+              <a:t>prisma</a:t>
+            </a:r>
+            <a:r>
+              <a:rPr lang="en-US" dirty="0"/>
+              <a:t> client (may have been done automatically in last step, but run to be sure</a:t>
+            </a:r>
+          </a:p>
+          <a:p>
+            <a:endParaRPr lang="en-US" dirty="0"/>
+          </a:p>
+          <a:p>
+            <a:r>
+              <a:rPr lang="en-US" dirty="0" err="1">
+                <a:highlight>
+                  <a:srgbClr val="FFFF00"/>
+                </a:highlight>
+              </a:rPr>
+              <a:t>Npm</a:t>
+            </a:r>
+            <a:r>
+              <a:rPr lang="en-US" dirty="0">
+                <a:highlight>
+                  <a:srgbClr val="FFFF00"/>
+                </a:highlight>
+              </a:rPr>
+              <a:t> install @prisma/client</a:t>
+            </a:r>
+          </a:p>
+          <a:p>
+            <a:endParaRPr lang="en-US" dirty="0"/>
+          </a:p>
+          <a:p>
+            <a:r>
+              <a:rPr lang="en-US" dirty="0"/>
+              <a:t>Next: Create a seed file</a:t>
+            </a:r>
+          </a:p>
+          <a:p>
+            <a:endParaRPr lang="en-US" dirty="0"/>
+          </a:p>
+          <a:p>
+            <a:endParaRPr lang="en-US" dirty="0"/>
+          </a:p>
+        </p:txBody>
+      </p:sp>
       <p:pic>
         <p:nvPicPr>
-          <p:cNvPr id="3" name="Picture 2">
-            <a:extLst>
-              <a:ext uri="{FF2B5EF4-FFF2-40B4-BE49-F238E27FC236}">
-                <a16:creationId xmlns:a16="http://schemas.microsoft.com/office/drawing/2014/main" id="{9C5FA235-D176-8AE4-377E-9B65468F5EFD}"/>
+          <p:cNvPr id="4" name="Picture 3">
+            <a:extLst>
+              <a:ext uri="{FF2B5EF4-FFF2-40B4-BE49-F238E27FC236}">
+                <a16:creationId xmlns:a16="http://schemas.microsoft.com/office/drawing/2014/main" id="{2CA8C8A8-AAE7-48D9-E64C-167D05798398}"/>
               </a:ext>
             </a:extLst>
           </p:cNvPr>
@@ -8213,20 +9884,50 @@
         </p:blipFill>
         <p:spPr>
           <a:xfrm>
-            <a:off x="375237" y="1591625"/>
-            <a:ext cx="4925112" cy="3258005"/>
+            <a:off x="5143129" y="1364501"/>
+            <a:ext cx="3905795" cy="2638793"/>
           </a:xfrm>
           <a:prstGeom prst="rect">
             <a:avLst/>
           </a:prstGeom>
         </p:spPr>
       </p:pic>
-      <p:sp>
-        <p:nvSpPr>
-          <p:cNvPr id="4" name="TextBox 3">
-            <a:extLst>
-              <a:ext uri="{FF2B5EF4-FFF2-40B4-BE49-F238E27FC236}">
-                <a16:creationId xmlns:a16="http://schemas.microsoft.com/office/drawing/2014/main" id="{2AD32517-CB6E-FC1F-8819-B9F4B4EAC851}"/>
+      <p:pic>
+        <p:nvPicPr>
+          <p:cNvPr id="6" name="Picture 5">
+            <a:extLst>
+              <a:ext uri="{FF2B5EF4-FFF2-40B4-BE49-F238E27FC236}">
+                <a16:creationId xmlns:a16="http://schemas.microsoft.com/office/drawing/2014/main" id="{65D76A7D-1D6E-1DCC-17E5-C2C6B3324A93}"/>
+              </a:ext>
+            </a:extLst>
+          </p:cNvPr>
+          <p:cNvPicPr>
+            <a:picLocks noChangeAspect="1"/>
+          </p:cNvPicPr>
+          <p:nvPr/>
+        </p:nvPicPr>
+        <p:blipFill>
+          <a:blip r:embed="rId3"/>
+          <a:stretch>
+            <a:fillRect/>
+          </a:stretch>
+        </p:blipFill>
+        <p:spPr>
+          <a:xfrm>
+            <a:off x="4353495" y="4087179"/>
+            <a:ext cx="5944430" cy="2581635"/>
+          </a:xfrm>
+          <a:prstGeom prst="rect">
+            <a:avLst/>
+          </a:prstGeom>
+        </p:spPr>
+      </p:pic>
+      <p:sp>
+        <p:nvSpPr>
+          <p:cNvPr id="7" name="TextBox 6">
+            <a:extLst>
+              <a:ext uri="{FF2B5EF4-FFF2-40B4-BE49-F238E27FC236}">
+                <a16:creationId xmlns:a16="http://schemas.microsoft.com/office/drawing/2014/main" id="{F468E2CC-1C8C-72A2-1224-06EA7335EAB8}"/>
               </a:ext>
             </a:extLst>
           </p:cNvPr>
@@ -8235,8 +9936,8 @@
         </p:nvSpPr>
         <p:spPr>
           <a:xfrm>
-            <a:off x="2429765" y="1138926"/>
-            <a:ext cx="1266693" cy="369332"/>
+            <a:off x="977463" y="4813739"/>
+            <a:ext cx="2852127" cy="923330"/>
           </a:xfrm>
           <a:prstGeom prst="rect">
             <a:avLst/>
@@ -8251,1414 +9952,26 @@
           <a:p>
             <a:r>
               <a:rPr lang="en-US" dirty="0"/>
-              <a:t>In seed file:</a:t>
-            </a:r>
-          </a:p>
-        </p:txBody>
-      </p:sp>
-      <p:sp>
-        <p:nvSpPr>
-          <p:cNvPr id="6" name="TextBox 5">
-            <a:extLst>
-              <a:ext uri="{FF2B5EF4-FFF2-40B4-BE49-F238E27FC236}">
-                <a16:creationId xmlns:a16="http://schemas.microsoft.com/office/drawing/2014/main" id="{5D661ECF-69EA-9971-A531-9CD7C6BA6353}"/>
-              </a:ext>
-            </a:extLst>
-          </p:cNvPr>
-          <p:cNvSpPr txBox="1"/>
-          <p:nvPr/>
-        </p:nvSpPr>
-        <p:spPr>
-          <a:xfrm>
-            <a:off x="7391332" y="827149"/>
-            <a:ext cx="3760761" cy="3416320"/>
-          </a:xfrm>
-          <a:prstGeom prst="rect">
-            <a:avLst/>
-          </a:prstGeom>
-          <a:noFill/>
-        </p:spPr>
-        <p:txBody>
-          <a:bodyPr wrap="square">
-            <a:spAutoFit/>
-          </a:bodyPr>
-          <a:lstStyle/>
-          <a:p>
-            <a:pPr algn="l"/>
-            <a:r>
-              <a:rPr lang="en-US" sz="1200" b="0" i="0" dirty="0">
-                <a:solidFill>
-                  <a:srgbClr val="00009F"/>
-                </a:solidFill>
-                <a:effectLst/>
-                <a:latin typeface="JetBrainsMono"/>
-              </a:rPr>
-              <a:t>const</a:t>
-            </a:r>
-            <a:r>
-              <a:rPr lang="en-US" sz="1200" b="0" i="0" dirty="0">
-                <a:solidFill>
-                  <a:srgbClr val="1A202C"/>
-                </a:solidFill>
-                <a:effectLst/>
-                <a:latin typeface="JetBrainsMono"/>
-              </a:rPr>
-              <a:t> </a:t>
-            </a:r>
-            <a:r>
-              <a:rPr lang="en-US" sz="1200" b="0" i="0" dirty="0">
-                <a:solidFill>
-                  <a:srgbClr val="393A34"/>
-                </a:solidFill>
-                <a:effectLst/>
-                <a:latin typeface="JetBrainsMono"/>
-              </a:rPr>
-              <a:t>{</a:t>
-            </a:r>
-            <a:r>
-              <a:rPr lang="en-US" sz="1200" b="0" i="0" dirty="0">
-                <a:solidFill>
-                  <a:srgbClr val="1A202C"/>
-                </a:solidFill>
-                <a:effectLst/>
-                <a:latin typeface="JetBrainsMono"/>
-              </a:rPr>
-              <a:t> </a:t>
-            </a:r>
-            <a:r>
-              <a:rPr lang="en-US" sz="1200" b="0" i="0" dirty="0" err="1">
-                <a:solidFill>
-                  <a:srgbClr val="1A202C"/>
-                </a:solidFill>
-                <a:effectLst/>
-                <a:latin typeface="JetBrainsMono"/>
-              </a:rPr>
-              <a:t>PrismaClient</a:t>
-            </a:r>
-            <a:r>
-              <a:rPr lang="en-US" sz="1200" b="0" i="0" dirty="0">
-                <a:solidFill>
-                  <a:srgbClr val="1A202C"/>
-                </a:solidFill>
-                <a:effectLst/>
-                <a:latin typeface="JetBrainsMono"/>
-              </a:rPr>
-              <a:t> </a:t>
-            </a:r>
-            <a:r>
-              <a:rPr lang="en-US" sz="1200" b="0" i="0" dirty="0">
-                <a:solidFill>
-                  <a:srgbClr val="393A34"/>
-                </a:solidFill>
-                <a:effectLst/>
-                <a:latin typeface="JetBrainsMono"/>
-              </a:rPr>
-              <a:t>}</a:t>
-            </a:r>
-            <a:r>
-              <a:rPr lang="en-US" sz="1200" b="0" i="0" dirty="0">
-                <a:solidFill>
-                  <a:srgbClr val="1A202C"/>
-                </a:solidFill>
-                <a:effectLst/>
-                <a:latin typeface="JetBrainsMono"/>
-              </a:rPr>
-              <a:t> </a:t>
-            </a:r>
-            <a:r>
-              <a:rPr lang="en-US" sz="1200" b="0" i="0" dirty="0">
-                <a:solidFill>
-                  <a:srgbClr val="393A34"/>
-                </a:solidFill>
-                <a:effectLst/>
-                <a:latin typeface="JetBrainsMono"/>
-              </a:rPr>
-              <a:t>=</a:t>
-            </a:r>
-            <a:r>
-              <a:rPr lang="en-US" sz="1200" b="0" i="0" dirty="0">
-                <a:solidFill>
-                  <a:srgbClr val="1A202C"/>
-                </a:solidFill>
-                <a:effectLst/>
-                <a:latin typeface="JetBrainsMono"/>
-              </a:rPr>
-              <a:t> </a:t>
-            </a:r>
-            <a:r>
-              <a:rPr lang="en-US" sz="1200" b="0" i="0" dirty="0">
-                <a:solidFill>
-                  <a:srgbClr val="D73A49"/>
-                </a:solidFill>
-                <a:effectLst/>
-                <a:latin typeface="JetBrainsMono"/>
-              </a:rPr>
-              <a:t>require</a:t>
-            </a:r>
-            <a:r>
-              <a:rPr lang="en-US" sz="1200" b="0" i="0" dirty="0">
-                <a:solidFill>
-                  <a:srgbClr val="393A34"/>
-                </a:solidFill>
-                <a:effectLst/>
-                <a:latin typeface="JetBrainsMono"/>
-              </a:rPr>
-              <a:t>(</a:t>
-            </a:r>
-            <a:r>
-              <a:rPr lang="en-US" sz="1200" b="0" i="0" dirty="0">
-                <a:solidFill>
-                  <a:srgbClr val="E3116C"/>
-                </a:solidFill>
-                <a:effectLst/>
-                <a:latin typeface="JetBrainsMono"/>
-              </a:rPr>
-              <a:t>'@</a:t>
-            </a:r>
-            <a:r>
-              <a:rPr lang="en-US" sz="1200" b="0" i="0" dirty="0" err="1">
-                <a:solidFill>
-                  <a:srgbClr val="E3116C"/>
-                </a:solidFill>
-                <a:effectLst/>
-                <a:latin typeface="JetBrainsMono"/>
-              </a:rPr>
-              <a:t>prisma</a:t>
-            </a:r>
-            <a:r>
-              <a:rPr lang="en-US" sz="1200" b="0" i="0" dirty="0">
-                <a:solidFill>
-                  <a:srgbClr val="E3116C"/>
-                </a:solidFill>
-                <a:effectLst/>
-                <a:latin typeface="JetBrainsMono"/>
-              </a:rPr>
-              <a:t>/client'</a:t>
-            </a:r>
-            <a:r>
-              <a:rPr lang="en-US" sz="1200" b="0" i="0" dirty="0">
-                <a:solidFill>
-                  <a:srgbClr val="393A34"/>
-                </a:solidFill>
-                <a:effectLst/>
-                <a:latin typeface="JetBrainsMono"/>
-              </a:rPr>
-              <a:t>)</a:t>
-            </a:r>
-            <a:endParaRPr lang="en-US" sz="1200" b="0" i="0" dirty="0">
-              <a:solidFill>
-                <a:srgbClr val="1A202C"/>
-              </a:solidFill>
-              <a:effectLst/>
-              <a:latin typeface="JetBrainsMono"/>
-            </a:endParaRPr>
-          </a:p>
-          <a:p>
-            <a:pPr algn="l"/>
-            <a:r>
-              <a:rPr lang="en-US" sz="1200" b="0" i="0" dirty="0">
-                <a:solidFill>
-                  <a:srgbClr val="CBD5E0"/>
-                </a:solidFill>
-                <a:effectLst/>
-                <a:latin typeface="JetBrainsMono"/>
-              </a:rPr>
-              <a:t>2</a:t>
-            </a:r>
-            <a:r>
-              <a:rPr lang="en-US" sz="1200" b="0" i="0" dirty="0">
-                <a:solidFill>
-                  <a:srgbClr val="1A202C"/>
-                </a:solidFill>
-                <a:effectLst/>
-                <a:latin typeface="JetBrainsMono"/>
-              </a:rPr>
-              <a:t> </a:t>
-            </a:r>
-          </a:p>
-          <a:p>
-            <a:pPr algn="l"/>
-            <a:r>
-              <a:rPr lang="en-US" sz="1200" b="0" i="0" dirty="0">
-                <a:solidFill>
-                  <a:srgbClr val="CBD5E0"/>
-                </a:solidFill>
-                <a:effectLst/>
-                <a:latin typeface="JetBrainsMono"/>
-              </a:rPr>
-              <a:t>3</a:t>
-            </a:r>
-            <a:r>
-              <a:rPr lang="en-US" sz="1200" b="0" i="0" dirty="0">
-                <a:solidFill>
-                  <a:srgbClr val="00009F"/>
-                </a:solidFill>
-                <a:effectLst/>
-                <a:latin typeface="JetBrainsMono"/>
-              </a:rPr>
-              <a:t>const</a:t>
-            </a:r>
-            <a:r>
-              <a:rPr lang="en-US" sz="1200" b="0" i="0" dirty="0">
-                <a:solidFill>
-                  <a:srgbClr val="1A202C"/>
-                </a:solidFill>
-                <a:effectLst/>
-                <a:latin typeface="JetBrainsMono"/>
-              </a:rPr>
-              <a:t> </a:t>
-            </a:r>
-            <a:r>
-              <a:rPr lang="en-US" sz="1200" b="0" i="0" dirty="0" err="1">
-                <a:solidFill>
-                  <a:srgbClr val="1A202C"/>
-                </a:solidFill>
-                <a:effectLst/>
-                <a:latin typeface="JetBrainsMono"/>
-              </a:rPr>
-              <a:t>prisma</a:t>
-            </a:r>
-            <a:r>
-              <a:rPr lang="en-US" sz="1200" b="0" i="0" dirty="0">
-                <a:solidFill>
-                  <a:srgbClr val="1A202C"/>
-                </a:solidFill>
-                <a:effectLst/>
-                <a:latin typeface="JetBrainsMono"/>
-              </a:rPr>
-              <a:t> </a:t>
-            </a:r>
-            <a:r>
-              <a:rPr lang="en-US" sz="1200" b="0" i="0" dirty="0">
-                <a:solidFill>
-                  <a:srgbClr val="393A34"/>
-                </a:solidFill>
-                <a:effectLst/>
-                <a:latin typeface="JetBrainsMono"/>
-              </a:rPr>
-              <a:t>=</a:t>
-            </a:r>
-            <a:r>
-              <a:rPr lang="en-US" sz="1200" b="0" i="0" dirty="0">
-                <a:solidFill>
-                  <a:srgbClr val="1A202C"/>
-                </a:solidFill>
-                <a:effectLst/>
-                <a:latin typeface="JetBrainsMono"/>
-              </a:rPr>
-              <a:t> </a:t>
-            </a:r>
-            <a:r>
-              <a:rPr lang="en-US" sz="1200" b="0" i="0" dirty="0">
-                <a:solidFill>
-                  <a:srgbClr val="00009F"/>
-                </a:solidFill>
-                <a:effectLst/>
-                <a:latin typeface="JetBrainsMono"/>
-              </a:rPr>
-              <a:t>new</a:t>
-            </a:r>
-            <a:r>
-              <a:rPr lang="en-US" sz="1200" b="0" i="0" dirty="0">
-                <a:solidFill>
-                  <a:srgbClr val="1A202C"/>
-                </a:solidFill>
-                <a:effectLst/>
-                <a:latin typeface="JetBrainsMono"/>
-              </a:rPr>
-              <a:t> </a:t>
-            </a:r>
-            <a:r>
-              <a:rPr lang="en-US" sz="1200" b="0" i="0" dirty="0" err="1">
-                <a:solidFill>
-                  <a:srgbClr val="D73A49"/>
-                </a:solidFill>
-                <a:effectLst/>
-                <a:latin typeface="JetBrainsMono"/>
-              </a:rPr>
-              <a:t>PrismaClient</a:t>
-            </a:r>
-            <a:r>
-              <a:rPr lang="en-US" sz="1200" b="0" i="0" dirty="0">
-                <a:solidFill>
-                  <a:srgbClr val="393A34"/>
-                </a:solidFill>
-                <a:effectLst/>
-                <a:latin typeface="JetBrainsMono"/>
-              </a:rPr>
-              <a:t>()</a:t>
-            </a:r>
-            <a:endParaRPr lang="en-US" sz="1200" b="0" i="0" dirty="0">
-              <a:solidFill>
-                <a:srgbClr val="1A202C"/>
-              </a:solidFill>
-              <a:effectLst/>
-              <a:latin typeface="JetBrainsMono"/>
-            </a:endParaRPr>
-          </a:p>
-          <a:p>
-            <a:pPr algn="l"/>
-            <a:r>
-              <a:rPr lang="en-US" sz="1200" b="0" i="0" dirty="0">
-                <a:solidFill>
-                  <a:srgbClr val="CBD5E0"/>
-                </a:solidFill>
-                <a:effectLst/>
-                <a:latin typeface="JetBrainsMono"/>
-              </a:rPr>
-              <a:t>4</a:t>
-            </a:r>
-            <a:r>
-              <a:rPr lang="en-US" sz="1200" b="0" i="0" dirty="0">
-                <a:solidFill>
-                  <a:srgbClr val="1A202C"/>
-                </a:solidFill>
-                <a:effectLst/>
-                <a:latin typeface="JetBrainsMono"/>
-              </a:rPr>
-              <a:t> </a:t>
-            </a:r>
-          </a:p>
-          <a:p>
-            <a:pPr algn="l"/>
-            <a:r>
-              <a:rPr lang="en-US" sz="1200" b="0" i="0" dirty="0">
-                <a:solidFill>
-                  <a:srgbClr val="CBD5E0"/>
-                </a:solidFill>
-                <a:effectLst/>
-                <a:latin typeface="JetBrainsMono"/>
-              </a:rPr>
-              <a:t>5</a:t>
-            </a:r>
-            <a:r>
-              <a:rPr lang="en-US" sz="1200" b="0" i="0" dirty="0">
-                <a:solidFill>
-                  <a:srgbClr val="00009F"/>
-                </a:solidFill>
-                <a:effectLst/>
-                <a:latin typeface="JetBrainsMono"/>
-              </a:rPr>
-              <a:t>async</a:t>
-            </a:r>
-            <a:r>
-              <a:rPr lang="en-US" sz="1200" b="0" i="0" dirty="0">
-                <a:solidFill>
-                  <a:srgbClr val="1A202C"/>
-                </a:solidFill>
-                <a:effectLst/>
-                <a:latin typeface="JetBrainsMono"/>
-              </a:rPr>
-              <a:t> </a:t>
-            </a:r>
-            <a:r>
-              <a:rPr lang="en-US" sz="1200" b="0" i="0" dirty="0">
-                <a:solidFill>
-                  <a:srgbClr val="00009F"/>
-                </a:solidFill>
-                <a:effectLst/>
-                <a:latin typeface="JetBrainsMono"/>
-              </a:rPr>
-              <a:t>function</a:t>
-            </a:r>
-            <a:r>
-              <a:rPr lang="en-US" sz="1200" b="0" i="0" dirty="0">
-                <a:solidFill>
-                  <a:srgbClr val="1A202C"/>
-                </a:solidFill>
-                <a:effectLst/>
-                <a:latin typeface="JetBrainsMono"/>
-              </a:rPr>
-              <a:t> </a:t>
-            </a:r>
-            <a:r>
-              <a:rPr lang="en-US" sz="1200" b="0" i="0" dirty="0">
-                <a:solidFill>
-                  <a:srgbClr val="D73A49"/>
-                </a:solidFill>
-                <a:effectLst/>
-                <a:latin typeface="JetBrainsMono"/>
-              </a:rPr>
-              <a:t>main</a:t>
-            </a:r>
-            <a:r>
-              <a:rPr lang="en-US" sz="1200" b="0" i="0" dirty="0">
-                <a:solidFill>
-                  <a:srgbClr val="393A34"/>
-                </a:solidFill>
-                <a:effectLst/>
-                <a:latin typeface="JetBrainsMono"/>
-              </a:rPr>
-              <a:t>()</a:t>
-            </a:r>
-            <a:r>
-              <a:rPr lang="en-US" sz="1200" b="0" i="0" dirty="0">
-                <a:solidFill>
-                  <a:srgbClr val="1A202C"/>
-                </a:solidFill>
-                <a:effectLst/>
-                <a:latin typeface="JetBrainsMono"/>
-              </a:rPr>
-              <a:t> </a:t>
-            </a:r>
-            <a:r>
-              <a:rPr lang="en-US" sz="1200" b="0" i="0" dirty="0">
-                <a:solidFill>
-                  <a:srgbClr val="393A34"/>
-                </a:solidFill>
-                <a:effectLst/>
-                <a:latin typeface="JetBrainsMono"/>
-              </a:rPr>
-              <a:t>{</a:t>
-            </a:r>
-            <a:endParaRPr lang="en-US" sz="1200" b="0" i="0" dirty="0">
-              <a:solidFill>
-                <a:srgbClr val="1A202C"/>
-              </a:solidFill>
-              <a:effectLst/>
-              <a:latin typeface="JetBrainsMono"/>
-            </a:endParaRPr>
-          </a:p>
-          <a:p>
-            <a:pPr algn="l"/>
-            <a:r>
-              <a:rPr lang="en-US" sz="1200" b="0" i="0" dirty="0">
-                <a:solidFill>
-                  <a:srgbClr val="CBD5E0"/>
-                </a:solidFill>
-                <a:effectLst/>
-                <a:latin typeface="JetBrainsMono"/>
-              </a:rPr>
-              <a:t>6</a:t>
-            </a:r>
-            <a:r>
-              <a:rPr lang="en-US" sz="1200" b="0" i="0" dirty="0">
-                <a:solidFill>
-                  <a:srgbClr val="1A202C"/>
-                </a:solidFill>
-                <a:effectLst/>
-                <a:latin typeface="JetBrainsMono"/>
-              </a:rPr>
-              <a:t> </a:t>
-            </a:r>
-            <a:r>
-              <a:rPr lang="en-US" sz="1200" b="0" i="1" dirty="0">
-                <a:solidFill>
-                  <a:srgbClr val="999988"/>
-                </a:solidFill>
-                <a:effectLst/>
-                <a:latin typeface="JetBrainsMono"/>
-              </a:rPr>
-              <a:t>// ... you will write your Prisma Client queries here</a:t>
-            </a:r>
-          </a:p>
-          <a:p>
-            <a:pPr algn="l"/>
-            <a:r>
-              <a:rPr lang="en-US" sz="1200" i="1" dirty="0">
-                <a:solidFill>
-                  <a:srgbClr val="999988"/>
-                </a:solidFill>
-                <a:latin typeface="JetBrainsMono"/>
-              </a:rPr>
-              <a:t>Console.log(`seeding the database`)</a:t>
-            </a:r>
-            <a:endParaRPr lang="en-US" sz="1200" b="0" i="0" dirty="0">
-              <a:solidFill>
-                <a:srgbClr val="1A202C"/>
-              </a:solidFill>
-              <a:effectLst/>
-              <a:latin typeface="JetBrainsMono"/>
-            </a:endParaRPr>
-          </a:p>
-          <a:p>
-            <a:pPr algn="l"/>
-            <a:r>
-              <a:rPr lang="en-US" sz="1200" b="0" i="0" dirty="0">
-                <a:solidFill>
-                  <a:srgbClr val="CBD5E0"/>
-                </a:solidFill>
-                <a:effectLst/>
-                <a:latin typeface="JetBrainsMono"/>
-              </a:rPr>
-              <a:t>7</a:t>
-            </a:r>
-            <a:r>
-              <a:rPr lang="en-US" sz="1200" b="0" i="0" dirty="0">
-                <a:solidFill>
-                  <a:srgbClr val="393A34"/>
-                </a:solidFill>
-                <a:effectLst/>
-                <a:latin typeface="JetBrainsMono"/>
-              </a:rPr>
-              <a:t>}</a:t>
-            </a:r>
-            <a:endParaRPr lang="en-US" sz="1200" b="0" i="0" dirty="0">
-              <a:solidFill>
-                <a:srgbClr val="1A202C"/>
-              </a:solidFill>
-              <a:effectLst/>
-              <a:latin typeface="JetBrainsMono"/>
-            </a:endParaRPr>
-          </a:p>
-          <a:p>
-            <a:pPr algn="l"/>
-            <a:r>
-              <a:rPr lang="en-US" sz="1200" b="0" i="0" dirty="0">
-                <a:solidFill>
-                  <a:srgbClr val="CBD5E0"/>
-                </a:solidFill>
-                <a:effectLst/>
-                <a:latin typeface="JetBrainsMono"/>
-              </a:rPr>
-              <a:t>8</a:t>
-            </a:r>
-            <a:r>
-              <a:rPr lang="en-US" sz="1200" b="0" i="0" dirty="0">
-                <a:solidFill>
-                  <a:srgbClr val="1A202C"/>
-                </a:solidFill>
-                <a:effectLst/>
-                <a:latin typeface="JetBrainsMono"/>
-              </a:rPr>
-              <a:t> </a:t>
-            </a:r>
-          </a:p>
-          <a:p>
-            <a:pPr algn="l"/>
-            <a:r>
-              <a:rPr lang="en-US" sz="1200" b="0" i="0" dirty="0">
-                <a:solidFill>
-                  <a:srgbClr val="CBD5E0"/>
-                </a:solidFill>
-                <a:effectLst/>
-                <a:latin typeface="JetBrainsMono"/>
-              </a:rPr>
-              <a:t>9</a:t>
-            </a:r>
-            <a:r>
-              <a:rPr lang="en-US" sz="1200" b="0" i="0" dirty="0">
-                <a:solidFill>
-                  <a:srgbClr val="D73A49"/>
-                </a:solidFill>
-                <a:effectLst/>
-                <a:latin typeface="JetBrainsMono"/>
-              </a:rPr>
-              <a:t>main</a:t>
-            </a:r>
-            <a:r>
-              <a:rPr lang="en-US" sz="1200" b="0" i="0" dirty="0">
-                <a:solidFill>
-                  <a:srgbClr val="393A34"/>
-                </a:solidFill>
-                <a:effectLst/>
-                <a:latin typeface="JetBrainsMono"/>
-              </a:rPr>
-              <a:t>()</a:t>
-            </a:r>
-            <a:endParaRPr lang="en-US" sz="1200" b="0" i="0" dirty="0">
-              <a:solidFill>
-                <a:srgbClr val="1A202C"/>
-              </a:solidFill>
-              <a:effectLst/>
-              <a:latin typeface="JetBrainsMono"/>
-            </a:endParaRPr>
-          </a:p>
-          <a:p>
-            <a:pPr algn="l"/>
-            <a:r>
-              <a:rPr lang="en-US" sz="1200" b="0" i="0" dirty="0">
-                <a:solidFill>
-                  <a:srgbClr val="CBD5E0"/>
-                </a:solidFill>
-                <a:effectLst/>
-                <a:latin typeface="JetBrainsMono"/>
-              </a:rPr>
-              <a:t>10</a:t>
-            </a:r>
-            <a:r>
-              <a:rPr lang="en-US" sz="1200" b="0" i="0" dirty="0">
-                <a:solidFill>
-                  <a:srgbClr val="1A202C"/>
-                </a:solidFill>
-                <a:effectLst/>
-                <a:latin typeface="JetBrainsMono"/>
-              </a:rPr>
-              <a:t> </a:t>
-            </a:r>
-            <a:r>
-              <a:rPr lang="en-US" sz="1200" b="0" i="0" dirty="0">
-                <a:solidFill>
-                  <a:srgbClr val="393A34"/>
-                </a:solidFill>
-                <a:effectLst/>
-                <a:latin typeface="JetBrainsMono"/>
-              </a:rPr>
-              <a:t>.</a:t>
-            </a:r>
-            <a:r>
-              <a:rPr lang="en-US" sz="1200" b="0" i="0" dirty="0">
-                <a:solidFill>
-                  <a:srgbClr val="D73A49"/>
-                </a:solidFill>
-                <a:effectLst/>
-                <a:latin typeface="JetBrainsMono"/>
-              </a:rPr>
-              <a:t>then</a:t>
-            </a:r>
-            <a:r>
-              <a:rPr lang="en-US" sz="1200" b="0" i="0" dirty="0">
-                <a:solidFill>
-                  <a:srgbClr val="393A34"/>
-                </a:solidFill>
-                <a:effectLst/>
-                <a:latin typeface="JetBrainsMono"/>
-              </a:rPr>
-              <a:t>(</a:t>
-            </a:r>
-            <a:r>
-              <a:rPr lang="en-US" sz="1200" b="0" i="0" dirty="0">
-                <a:solidFill>
-                  <a:srgbClr val="00009F"/>
-                </a:solidFill>
-                <a:effectLst/>
-                <a:latin typeface="JetBrainsMono"/>
-              </a:rPr>
-              <a:t>async</a:t>
-            </a:r>
-            <a:r>
-              <a:rPr lang="en-US" sz="1200" b="0" i="0" dirty="0">
-                <a:solidFill>
-                  <a:srgbClr val="1A202C"/>
-                </a:solidFill>
-                <a:effectLst/>
-                <a:latin typeface="JetBrainsMono"/>
-              </a:rPr>
-              <a:t> </a:t>
-            </a:r>
-            <a:r>
-              <a:rPr lang="en-US" sz="1200" b="0" i="0" dirty="0">
-                <a:solidFill>
-                  <a:srgbClr val="393A34"/>
-                </a:solidFill>
-                <a:effectLst/>
-                <a:latin typeface="JetBrainsMono"/>
-              </a:rPr>
-              <a:t>()</a:t>
-            </a:r>
-            <a:r>
-              <a:rPr lang="en-US" sz="1200" b="0" i="0" dirty="0">
-                <a:solidFill>
-                  <a:srgbClr val="1A202C"/>
-                </a:solidFill>
-                <a:effectLst/>
-                <a:latin typeface="JetBrainsMono"/>
-              </a:rPr>
-              <a:t> </a:t>
-            </a:r>
-            <a:r>
-              <a:rPr lang="en-US" sz="1200" b="0" i="0" dirty="0">
-                <a:solidFill>
-                  <a:srgbClr val="393A34"/>
-                </a:solidFill>
-                <a:effectLst/>
-                <a:latin typeface="JetBrainsMono"/>
-              </a:rPr>
-              <a:t>=&gt;</a:t>
-            </a:r>
-            <a:r>
-              <a:rPr lang="en-US" sz="1200" b="0" i="0" dirty="0">
-                <a:solidFill>
-                  <a:srgbClr val="1A202C"/>
-                </a:solidFill>
-                <a:effectLst/>
-                <a:latin typeface="JetBrainsMono"/>
-              </a:rPr>
-              <a:t> </a:t>
-            </a:r>
-            <a:r>
-              <a:rPr lang="en-US" sz="1200" b="0" i="0" dirty="0">
-                <a:solidFill>
-                  <a:srgbClr val="393A34"/>
-                </a:solidFill>
-                <a:effectLst/>
-                <a:latin typeface="JetBrainsMono"/>
-              </a:rPr>
-              <a:t>{</a:t>
-            </a:r>
-            <a:endParaRPr lang="en-US" sz="1200" b="0" i="0" dirty="0">
-              <a:solidFill>
-                <a:srgbClr val="1A202C"/>
-              </a:solidFill>
-              <a:effectLst/>
-              <a:latin typeface="JetBrainsMono"/>
-            </a:endParaRPr>
-          </a:p>
-          <a:p>
-            <a:pPr algn="l"/>
-            <a:r>
-              <a:rPr lang="en-US" sz="1200" b="0" i="0" dirty="0">
-                <a:solidFill>
-                  <a:srgbClr val="CBD5E0"/>
-                </a:solidFill>
-                <a:effectLst/>
-                <a:latin typeface="JetBrainsMono"/>
-              </a:rPr>
-              <a:t>11</a:t>
-            </a:r>
-            <a:r>
-              <a:rPr lang="en-US" sz="1200" b="0" i="0" dirty="0">
-                <a:solidFill>
-                  <a:srgbClr val="1A202C"/>
-                </a:solidFill>
-                <a:effectLst/>
-                <a:latin typeface="JetBrainsMono"/>
-              </a:rPr>
-              <a:t> </a:t>
-            </a:r>
-            <a:r>
-              <a:rPr lang="en-US" sz="1200" b="0" i="0" dirty="0">
-                <a:solidFill>
-                  <a:srgbClr val="00009F"/>
-                </a:solidFill>
-                <a:effectLst/>
-                <a:latin typeface="JetBrainsMono"/>
-              </a:rPr>
-              <a:t>await</a:t>
-            </a:r>
-            <a:r>
-              <a:rPr lang="en-US" sz="1200" b="0" i="0" dirty="0">
-                <a:solidFill>
-                  <a:srgbClr val="1A202C"/>
-                </a:solidFill>
-                <a:effectLst/>
-                <a:latin typeface="JetBrainsMono"/>
-              </a:rPr>
-              <a:t> </a:t>
-            </a:r>
-            <a:r>
-              <a:rPr lang="en-US" sz="1200" b="0" i="0" dirty="0" err="1">
-                <a:solidFill>
-                  <a:srgbClr val="1A202C"/>
-                </a:solidFill>
-                <a:effectLst/>
-                <a:latin typeface="JetBrainsMono"/>
-              </a:rPr>
-              <a:t>prisma</a:t>
-            </a:r>
-            <a:r>
-              <a:rPr lang="en-US" sz="1200" b="0" i="0" dirty="0">
-                <a:solidFill>
-                  <a:srgbClr val="393A34"/>
-                </a:solidFill>
-                <a:effectLst/>
-                <a:latin typeface="JetBrainsMono"/>
-              </a:rPr>
-              <a:t>.</a:t>
-            </a:r>
-            <a:r>
-              <a:rPr lang="en-US" sz="1200" b="0" i="0" dirty="0">
-                <a:solidFill>
-                  <a:srgbClr val="D73A49"/>
-                </a:solidFill>
-                <a:effectLst/>
-                <a:latin typeface="JetBrainsMono"/>
-              </a:rPr>
-              <a:t>$disconnect</a:t>
-            </a:r>
-            <a:r>
-              <a:rPr lang="en-US" sz="1200" b="0" i="0" dirty="0">
-                <a:solidFill>
-                  <a:srgbClr val="393A34"/>
-                </a:solidFill>
-                <a:effectLst/>
-                <a:latin typeface="JetBrainsMono"/>
-              </a:rPr>
-              <a:t>()</a:t>
-            </a:r>
-            <a:endParaRPr lang="en-US" sz="1200" b="0" i="0" dirty="0">
-              <a:solidFill>
-                <a:srgbClr val="1A202C"/>
-              </a:solidFill>
-              <a:effectLst/>
-              <a:latin typeface="JetBrainsMono"/>
-            </a:endParaRPr>
-          </a:p>
-          <a:p>
-            <a:pPr algn="l"/>
-            <a:r>
-              <a:rPr lang="en-US" sz="1200" b="0" i="0" dirty="0">
-                <a:solidFill>
-                  <a:srgbClr val="CBD5E0"/>
-                </a:solidFill>
-                <a:effectLst/>
-                <a:latin typeface="JetBrainsMono"/>
-              </a:rPr>
-              <a:t>12</a:t>
-            </a:r>
-            <a:r>
-              <a:rPr lang="en-US" sz="1200" b="0" i="0" dirty="0">
-                <a:solidFill>
-                  <a:srgbClr val="1A202C"/>
-                </a:solidFill>
-                <a:effectLst/>
-                <a:latin typeface="JetBrainsMono"/>
-              </a:rPr>
-              <a:t> </a:t>
-            </a:r>
-            <a:r>
-              <a:rPr lang="en-US" sz="1200" b="0" i="0" dirty="0">
-                <a:solidFill>
-                  <a:srgbClr val="393A34"/>
-                </a:solidFill>
-                <a:effectLst/>
-                <a:latin typeface="JetBrainsMono"/>
-              </a:rPr>
-              <a:t>})</a:t>
-            </a:r>
-            <a:endParaRPr lang="en-US" sz="1200" b="0" i="0" dirty="0">
-              <a:solidFill>
-                <a:srgbClr val="1A202C"/>
-              </a:solidFill>
-              <a:effectLst/>
-              <a:latin typeface="JetBrainsMono"/>
-            </a:endParaRPr>
-          </a:p>
-          <a:p>
-            <a:pPr algn="l"/>
-            <a:r>
-              <a:rPr lang="en-US" sz="1200" b="0" i="0" dirty="0">
-                <a:solidFill>
-                  <a:srgbClr val="CBD5E0"/>
-                </a:solidFill>
-                <a:effectLst/>
-                <a:latin typeface="JetBrainsMono"/>
-              </a:rPr>
-              <a:t>13</a:t>
-            </a:r>
-            <a:r>
-              <a:rPr lang="en-US" sz="1200" b="0" i="0" dirty="0">
-                <a:solidFill>
-                  <a:srgbClr val="1A202C"/>
-                </a:solidFill>
-                <a:effectLst/>
-                <a:latin typeface="JetBrainsMono"/>
-              </a:rPr>
-              <a:t> </a:t>
-            </a:r>
-            <a:r>
-              <a:rPr lang="en-US" sz="1200" b="0" i="0" dirty="0">
-                <a:solidFill>
-                  <a:srgbClr val="393A34"/>
-                </a:solidFill>
-                <a:effectLst/>
-                <a:latin typeface="JetBrainsMono"/>
-              </a:rPr>
-              <a:t>.</a:t>
-            </a:r>
-            <a:r>
-              <a:rPr lang="en-US" sz="1200" b="0" i="0" dirty="0">
-                <a:solidFill>
-                  <a:srgbClr val="00009F"/>
-                </a:solidFill>
-                <a:effectLst/>
-                <a:latin typeface="JetBrainsMono"/>
-              </a:rPr>
-              <a:t>catch</a:t>
-            </a:r>
-            <a:r>
-              <a:rPr lang="en-US" sz="1200" b="0" i="0" dirty="0">
-                <a:solidFill>
-                  <a:srgbClr val="393A34"/>
-                </a:solidFill>
-                <a:effectLst/>
-                <a:latin typeface="JetBrainsMono"/>
-              </a:rPr>
-              <a:t>(</a:t>
-            </a:r>
-            <a:r>
-              <a:rPr lang="en-US" sz="1200" b="0" i="0" dirty="0">
-                <a:solidFill>
-                  <a:srgbClr val="00009F"/>
-                </a:solidFill>
-                <a:effectLst/>
-                <a:latin typeface="JetBrainsMono"/>
-              </a:rPr>
-              <a:t>async</a:t>
-            </a:r>
-            <a:r>
-              <a:rPr lang="en-US" sz="1200" b="0" i="0" dirty="0">
-                <a:solidFill>
-                  <a:srgbClr val="1A202C"/>
-                </a:solidFill>
-                <a:effectLst/>
-                <a:latin typeface="JetBrainsMono"/>
-              </a:rPr>
-              <a:t> </a:t>
-            </a:r>
-            <a:r>
-              <a:rPr lang="en-US" sz="1200" b="0" i="0" dirty="0">
-                <a:solidFill>
-                  <a:srgbClr val="393A34"/>
-                </a:solidFill>
-                <a:effectLst/>
-                <a:latin typeface="JetBrainsMono"/>
-              </a:rPr>
-              <a:t>(</a:t>
-            </a:r>
-            <a:r>
-              <a:rPr lang="en-US" sz="1200" b="0" i="0" dirty="0">
-                <a:solidFill>
-                  <a:srgbClr val="1A202C"/>
-                </a:solidFill>
-                <a:effectLst/>
-                <a:latin typeface="JetBrainsMono"/>
-              </a:rPr>
-              <a:t>e</a:t>
-            </a:r>
-            <a:r>
-              <a:rPr lang="en-US" sz="1200" b="0" i="0" dirty="0">
-                <a:solidFill>
-                  <a:srgbClr val="393A34"/>
-                </a:solidFill>
-                <a:effectLst/>
-                <a:latin typeface="JetBrainsMono"/>
-              </a:rPr>
-              <a:t>)</a:t>
-            </a:r>
-            <a:r>
-              <a:rPr lang="en-US" sz="1200" b="0" i="0" dirty="0">
-                <a:solidFill>
-                  <a:srgbClr val="1A202C"/>
-                </a:solidFill>
-                <a:effectLst/>
-                <a:latin typeface="JetBrainsMono"/>
-              </a:rPr>
-              <a:t> </a:t>
-            </a:r>
-            <a:r>
-              <a:rPr lang="en-US" sz="1200" b="0" i="0" dirty="0">
-                <a:solidFill>
-                  <a:srgbClr val="393A34"/>
-                </a:solidFill>
-                <a:effectLst/>
-                <a:latin typeface="JetBrainsMono"/>
-              </a:rPr>
-              <a:t>=&gt;</a:t>
-            </a:r>
-            <a:r>
-              <a:rPr lang="en-US" sz="1200" b="0" i="0" dirty="0">
-                <a:solidFill>
-                  <a:srgbClr val="1A202C"/>
-                </a:solidFill>
-                <a:effectLst/>
-                <a:latin typeface="JetBrainsMono"/>
-              </a:rPr>
-              <a:t> </a:t>
-            </a:r>
-            <a:r>
-              <a:rPr lang="en-US" sz="1200" b="0" i="0" dirty="0">
-                <a:solidFill>
-                  <a:srgbClr val="393A34"/>
-                </a:solidFill>
-                <a:effectLst/>
-                <a:latin typeface="JetBrainsMono"/>
-              </a:rPr>
-              <a:t>{</a:t>
-            </a:r>
-            <a:endParaRPr lang="en-US" sz="1200" b="0" i="0" dirty="0">
-              <a:solidFill>
-                <a:srgbClr val="1A202C"/>
-              </a:solidFill>
-              <a:effectLst/>
-              <a:latin typeface="JetBrainsMono"/>
-            </a:endParaRPr>
-          </a:p>
-          <a:p>
-            <a:pPr algn="l"/>
-            <a:r>
-              <a:rPr lang="en-US" sz="1200" b="0" i="0" dirty="0">
-                <a:solidFill>
-                  <a:srgbClr val="CBD5E0"/>
-                </a:solidFill>
-                <a:effectLst/>
-                <a:latin typeface="JetBrainsMono"/>
-              </a:rPr>
-              <a:t>14</a:t>
-            </a:r>
-            <a:r>
-              <a:rPr lang="en-US" sz="1200" b="0" i="0" dirty="0">
-                <a:solidFill>
-                  <a:srgbClr val="1A202C"/>
-                </a:solidFill>
-                <a:effectLst/>
-                <a:latin typeface="JetBrainsMono"/>
-              </a:rPr>
-              <a:t> </a:t>
-            </a:r>
-            <a:r>
-              <a:rPr lang="en-US" sz="1200" b="0" i="0" dirty="0" err="1">
-                <a:solidFill>
-                  <a:srgbClr val="1A202C"/>
-                </a:solidFill>
-                <a:effectLst/>
-                <a:latin typeface="JetBrainsMono"/>
-              </a:rPr>
-              <a:t>console</a:t>
-            </a:r>
-            <a:r>
-              <a:rPr lang="en-US" sz="1200" b="0" i="0" dirty="0" err="1">
-                <a:solidFill>
-                  <a:srgbClr val="393A34"/>
-                </a:solidFill>
-                <a:effectLst/>
-                <a:latin typeface="JetBrainsMono"/>
-              </a:rPr>
-              <a:t>.</a:t>
-            </a:r>
-            <a:r>
-              <a:rPr lang="en-US" sz="1200" b="0" i="0" dirty="0" err="1">
-                <a:solidFill>
-                  <a:srgbClr val="D73A49"/>
-                </a:solidFill>
-                <a:effectLst/>
-                <a:latin typeface="JetBrainsMono"/>
-              </a:rPr>
-              <a:t>error</a:t>
-            </a:r>
-            <a:r>
-              <a:rPr lang="en-US" sz="1200" b="0" i="0" dirty="0">
-                <a:solidFill>
-                  <a:srgbClr val="393A34"/>
-                </a:solidFill>
-                <a:effectLst/>
-                <a:latin typeface="JetBrainsMono"/>
-              </a:rPr>
-              <a:t>(</a:t>
-            </a:r>
-            <a:r>
-              <a:rPr lang="en-US" sz="1200" b="0" i="0" dirty="0">
-                <a:solidFill>
-                  <a:srgbClr val="1A202C"/>
-                </a:solidFill>
-                <a:effectLst/>
-                <a:latin typeface="JetBrainsMono"/>
-              </a:rPr>
-              <a:t>e</a:t>
-            </a:r>
-            <a:r>
-              <a:rPr lang="en-US" sz="1200" b="0" i="0" dirty="0">
-                <a:solidFill>
-                  <a:srgbClr val="393A34"/>
-                </a:solidFill>
-                <a:effectLst/>
-                <a:latin typeface="JetBrainsMono"/>
-              </a:rPr>
-              <a:t>)</a:t>
-            </a:r>
-            <a:endParaRPr lang="en-US" sz="1200" b="0" i="0" dirty="0">
-              <a:solidFill>
-                <a:srgbClr val="1A202C"/>
-              </a:solidFill>
-              <a:effectLst/>
-              <a:latin typeface="JetBrainsMono"/>
-            </a:endParaRPr>
-          </a:p>
-          <a:p>
-            <a:pPr algn="l"/>
-            <a:r>
-              <a:rPr lang="en-US" sz="1200" b="0" i="0" dirty="0">
-                <a:solidFill>
-                  <a:srgbClr val="CBD5E0"/>
-                </a:solidFill>
-                <a:effectLst/>
-                <a:latin typeface="JetBrainsMono"/>
-              </a:rPr>
-              <a:t>15</a:t>
-            </a:r>
-            <a:r>
-              <a:rPr lang="en-US" sz="1200" b="0" i="0" dirty="0">
-                <a:solidFill>
-                  <a:srgbClr val="1A202C"/>
-                </a:solidFill>
-                <a:effectLst/>
-                <a:latin typeface="JetBrainsMono"/>
-              </a:rPr>
-              <a:t> </a:t>
-            </a:r>
-            <a:r>
-              <a:rPr lang="en-US" sz="1200" b="0" i="0" dirty="0">
-                <a:solidFill>
-                  <a:srgbClr val="00009F"/>
-                </a:solidFill>
-                <a:effectLst/>
-                <a:latin typeface="JetBrainsMono"/>
-              </a:rPr>
-              <a:t>await</a:t>
-            </a:r>
-            <a:r>
-              <a:rPr lang="en-US" sz="1200" b="0" i="0" dirty="0">
-                <a:solidFill>
-                  <a:srgbClr val="1A202C"/>
-                </a:solidFill>
-                <a:effectLst/>
-                <a:latin typeface="JetBrainsMono"/>
-              </a:rPr>
-              <a:t> </a:t>
-            </a:r>
-            <a:r>
-              <a:rPr lang="en-US" sz="1200" b="0" i="0" dirty="0" err="1">
-                <a:solidFill>
-                  <a:srgbClr val="1A202C"/>
-                </a:solidFill>
-                <a:effectLst/>
-                <a:latin typeface="JetBrainsMono"/>
-              </a:rPr>
-              <a:t>prisma</a:t>
-            </a:r>
-            <a:r>
-              <a:rPr lang="en-US" sz="1200" b="0" i="0" dirty="0">
-                <a:solidFill>
-                  <a:srgbClr val="393A34"/>
-                </a:solidFill>
-                <a:effectLst/>
-                <a:latin typeface="JetBrainsMono"/>
-              </a:rPr>
-              <a:t>.</a:t>
-            </a:r>
-            <a:r>
-              <a:rPr lang="en-US" sz="1200" b="0" i="0" dirty="0">
-                <a:solidFill>
-                  <a:srgbClr val="D73A49"/>
-                </a:solidFill>
-                <a:effectLst/>
-                <a:latin typeface="JetBrainsMono"/>
-              </a:rPr>
-              <a:t>$disconnect</a:t>
-            </a:r>
-            <a:r>
-              <a:rPr lang="en-US" sz="1200" b="0" i="0" dirty="0">
-                <a:solidFill>
-                  <a:srgbClr val="393A34"/>
-                </a:solidFill>
-                <a:effectLst/>
-                <a:latin typeface="JetBrainsMono"/>
-              </a:rPr>
-              <a:t>()</a:t>
-            </a:r>
-            <a:endParaRPr lang="en-US" sz="1200" b="0" i="0" dirty="0">
-              <a:solidFill>
-                <a:srgbClr val="1A202C"/>
-              </a:solidFill>
-              <a:effectLst/>
-              <a:latin typeface="JetBrainsMono"/>
-            </a:endParaRPr>
-          </a:p>
-          <a:p>
-            <a:pPr algn="l"/>
-            <a:r>
-              <a:rPr lang="en-US" sz="1200" b="0" i="0" dirty="0">
-                <a:solidFill>
-                  <a:srgbClr val="CBD5E0"/>
-                </a:solidFill>
-                <a:effectLst/>
-                <a:latin typeface="JetBrainsMono"/>
-              </a:rPr>
-              <a:t>16</a:t>
-            </a:r>
-            <a:r>
-              <a:rPr lang="en-US" sz="1200" b="0" i="0" dirty="0">
-                <a:solidFill>
-                  <a:srgbClr val="1A202C"/>
-                </a:solidFill>
-                <a:effectLst/>
-                <a:latin typeface="JetBrainsMono"/>
-              </a:rPr>
-              <a:t> </a:t>
-            </a:r>
-            <a:r>
-              <a:rPr lang="en-US" sz="1200" b="0" i="0" dirty="0" err="1">
-                <a:solidFill>
-                  <a:srgbClr val="1A202C"/>
-                </a:solidFill>
-                <a:effectLst/>
-                <a:latin typeface="JetBrainsMono"/>
-              </a:rPr>
-              <a:t>process</a:t>
-            </a:r>
-            <a:r>
-              <a:rPr lang="en-US" sz="1200" b="0" i="0" dirty="0" err="1">
-                <a:solidFill>
-                  <a:srgbClr val="393A34"/>
-                </a:solidFill>
-                <a:effectLst/>
-                <a:latin typeface="JetBrainsMono"/>
-              </a:rPr>
-              <a:t>.</a:t>
-            </a:r>
-            <a:r>
-              <a:rPr lang="en-US" sz="1200" b="0" i="0" dirty="0" err="1">
-                <a:solidFill>
-                  <a:srgbClr val="D73A49"/>
-                </a:solidFill>
-                <a:effectLst/>
-                <a:latin typeface="JetBrainsMono"/>
-              </a:rPr>
-              <a:t>exit</a:t>
-            </a:r>
-            <a:r>
-              <a:rPr lang="en-US" sz="1200" b="0" i="0" dirty="0">
-                <a:solidFill>
-                  <a:srgbClr val="393A34"/>
-                </a:solidFill>
-                <a:effectLst/>
-                <a:latin typeface="JetBrainsMono"/>
-              </a:rPr>
-              <a:t>(</a:t>
-            </a:r>
-            <a:r>
-              <a:rPr lang="en-US" sz="1200" b="0" i="0" dirty="0">
-                <a:solidFill>
-                  <a:srgbClr val="36ACAA"/>
-                </a:solidFill>
-                <a:effectLst/>
-                <a:latin typeface="JetBrainsMono"/>
-              </a:rPr>
-              <a:t>1</a:t>
-            </a:r>
-            <a:r>
-              <a:rPr lang="en-US" sz="1200" b="0" i="0" dirty="0">
-                <a:solidFill>
-                  <a:srgbClr val="393A34"/>
-                </a:solidFill>
-                <a:effectLst/>
-                <a:latin typeface="JetBrainsMono"/>
-              </a:rPr>
-              <a:t>)</a:t>
-            </a:r>
-            <a:endParaRPr lang="en-US" sz="1200" b="0" i="0" dirty="0">
-              <a:solidFill>
-                <a:srgbClr val="1A202C"/>
-              </a:solidFill>
-              <a:effectLst/>
-              <a:latin typeface="JetBrainsMono"/>
-            </a:endParaRPr>
-          </a:p>
-          <a:p>
-            <a:pPr algn="l"/>
-            <a:r>
-              <a:rPr lang="en-US" sz="1200" b="0" i="0" dirty="0">
-                <a:solidFill>
-                  <a:srgbClr val="CBD5E0"/>
-                </a:solidFill>
-                <a:effectLst/>
-                <a:latin typeface="JetBrainsMono"/>
-              </a:rPr>
-              <a:t>17</a:t>
-            </a:r>
-            <a:r>
-              <a:rPr lang="en-US" sz="1200" b="0" i="0" dirty="0">
-                <a:solidFill>
-                  <a:srgbClr val="1A202C"/>
-                </a:solidFill>
-                <a:effectLst/>
-                <a:latin typeface="JetBrainsMono"/>
-              </a:rPr>
-              <a:t> </a:t>
-            </a:r>
-            <a:r>
-              <a:rPr lang="en-US" sz="1200" b="0" i="0" dirty="0">
-                <a:solidFill>
-                  <a:srgbClr val="393A34"/>
-                </a:solidFill>
-                <a:effectLst/>
-                <a:latin typeface="JetBrainsMono"/>
-              </a:rPr>
-              <a:t>})</a:t>
-            </a:r>
-            <a:endParaRPr lang="en-US" sz="1200" b="0" i="0" dirty="0">
-              <a:solidFill>
-                <a:srgbClr val="1A202C"/>
-              </a:solidFill>
-              <a:effectLst/>
-              <a:latin typeface="JetBrainsMono"/>
-            </a:endParaRPr>
-          </a:p>
-        </p:txBody>
-      </p:sp>
-      <p:sp>
-        <p:nvSpPr>
-          <p:cNvPr id="9" name="TextBox 8">
-            <a:extLst>
-              <a:ext uri="{FF2B5EF4-FFF2-40B4-BE49-F238E27FC236}">
-                <a16:creationId xmlns:a16="http://schemas.microsoft.com/office/drawing/2014/main" id="{5C84DA6A-148B-B149-3A32-9D6EADEFC1F4}"/>
-              </a:ext>
-            </a:extLst>
-          </p:cNvPr>
-          <p:cNvSpPr txBox="1"/>
-          <p:nvPr/>
-        </p:nvSpPr>
-        <p:spPr>
-          <a:xfrm>
-            <a:off x="228137" y="5143920"/>
-            <a:ext cx="4403257" cy="1200329"/>
-          </a:xfrm>
-          <a:prstGeom prst="rect">
-            <a:avLst/>
-          </a:prstGeom>
-          <a:noFill/>
-        </p:spPr>
-        <p:txBody>
-          <a:bodyPr wrap="none" rtlCol="0">
-            <a:spAutoFit/>
-          </a:bodyPr>
-          <a:lstStyle/>
+              <a:t>Inside seed file:</a:t>
+            </a:r>
+          </a:p>
+          <a:p>
+            <a:endParaRPr lang="en-US" dirty="0"/>
+          </a:p>
           <a:p>
             <a:r>
               <a:rPr lang="en-US" dirty="0"/>
-              <a:t>Test the connection by running seed in node:</a:t>
-            </a:r>
-          </a:p>
-          <a:p>
-            <a:endParaRPr lang="en-US" dirty="0"/>
-          </a:p>
-          <a:p>
-            <a:r>
-              <a:rPr lang="en-US" dirty="0">
-                <a:highlight>
-                  <a:srgbClr val="FFFF00"/>
-                </a:highlight>
-              </a:rPr>
-              <a:t>Node </a:t>
-            </a:r>
-            <a:r>
-              <a:rPr lang="en-US" dirty="0" err="1">
-                <a:highlight>
-                  <a:srgbClr val="FFFF00"/>
-                </a:highlight>
-              </a:rPr>
-              <a:t>prisma</a:t>
-            </a:r>
-            <a:r>
-              <a:rPr lang="en-US" dirty="0">
-                <a:highlight>
-                  <a:srgbClr val="FFFF00"/>
-                </a:highlight>
-              </a:rPr>
-              <a:t>/seed.js</a:t>
-            </a:r>
-          </a:p>
-          <a:p>
-            <a:endParaRPr lang="en-US" dirty="0"/>
-          </a:p>
-        </p:txBody>
-      </p:sp>
-      <p:sp>
-        <p:nvSpPr>
-          <p:cNvPr id="10" name="TextBox 9">
-            <a:extLst>
-              <a:ext uri="{FF2B5EF4-FFF2-40B4-BE49-F238E27FC236}">
-                <a16:creationId xmlns:a16="http://schemas.microsoft.com/office/drawing/2014/main" id="{B37BB0D9-A470-CCEA-BAB0-35E5976EE198}"/>
+              <a:t>These two lines are required</a:t>
+            </a:r>
+          </a:p>
+        </p:txBody>
+      </p:sp>
+      <p:sp>
+        <p:nvSpPr>
+          <p:cNvPr id="8" name="TextBox 7">
+            <a:extLst>
+              <a:ext uri="{FF2B5EF4-FFF2-40B4-BE49-F238E27FC236}">
+                <a16:creationId xmlns:a16="http://schemas.microsoft.com/office/drawing/2014/main" id="{5E855B27-87CC-4D50-1CAE-D85572496FE5}"/>
               </a:ext>
             </a:extLst>
           </p:cNvPr>
@@ -9691,7 +10004,7 @@
     </p:spTree>
     <p:extLst>
       <p:ext uri="{BB962C8B-B14F-4D97-AF65-F5344CB8AC3E}">
-        <p14:creationId xmlns:p14="http://schemas.microsoft.com/office/powerpoint/2010/main" val="940378078"/>
+        <p14:creationId xmlns:p14="http://schemas.microsoft.com/office/powerpoint/2010/main" val="4010879654"/>
       </p:ext>
     </p:extLst>
   </p:cSld>

--- a/PRISMA.pptx
+++ b/PRISMA.pptx
@@ -28,8 +28,7 @@
     <p:sldId id="273" r:id="rId22"/>
     <p:sldId id="274" r:id="rId23"/>
     <p:sldId id="275" r:id="rId24"/>
-    <p:sldId id="276" r:id="rId25"/>
-    <p:sldId id="277" r:id="rId26"/>
+    <p:sldId id="277" r:id="rId25"/>
   </p:sldIdLst>
   <p:sldSz cx="12192000" cy="6858000"/>
   <p:notesSz cx="6858000" cy="9144000"/>
@@ -128,6 +127,11 @@
       </a:defRPr>
     </a:lvl9pPr>
   </p:defaultTextStyle>
+  <p:extLst>
+    <p:ext uri="{EFAFB233-063F-42B5-8137-9DF3F51BA10A}">
+      <p15:sldGuideLst xmlns:p15="http://schemas.microsoft.com/office/powerpoint/2012/main"/>
+    </p:ext>
+  </p:extLst>
 </p:presentation>
 </file>
 
@@ -278,7 +282,7 @@
           <a:p>
             <a:fld id="{6D2D3CA5-BE76-4AE9-8A94-7AD60915E480}" type="datetimeFigureOut">
               <a:rPr lang="en-US" smtClean="0"/>
-              <a:t>12/7/2023</a:t>
+              <a:t>12/12/2023</a:t>
             </a:fld>
             <a:endParaRPr lang="en-US"/>
           </a:p>
@@ -476,7 +480,7 @@
           <a:p>
             <a:fld id="{6D2D3CA5-BE76-4AE9-8A94-7AD60915E480}" type="datetimeFigureOut">
               <a:rPr lang="en-US" smtClean="0"/>
-              <a:t>12/7/2023</a:t>
+              <a:t>12/12/2023</a:t>
             </a:fld>
             <a:endParaRPr lang="en-US"/>
           </a:p>
@@ -684,7 +688,7 @@
           <a:p>
             <a:fld id="{6D2D3CA5-BE76-4AE9-8A94-7AD60915E480}" type="datetimeFigureOut">
               <a:rPr lang="en-US" smtClean="0"/>
-              <a:t>12/7/2023</a:t>
+              <a:t>12/12/2023</a:t>
             </a:fld>
             <a:endParaRPr lang="en-US"/>
           </a:p>
@@ -882,7 +886,7 @@
           <a:p>
             <a:fld id="{6D2D3CA5-BE76-4AE9-8A94-7AD60915E480}" type="datetimeFigureOut">
               <a:rPr lang="en-US" smtClean="0"/>
-              <a:t>12/7/2023</a:t>
+              <a:t>12/12/2023</a:t>
             </a:fld>
             <a:endParaRPr lang="en-US"/>
           </a:p>
@@ -1157,7 +1161,7 @@
           <a:p>
             <a:fld id="{6D2D3CA5-BE76-4AE9-8A94-7AD60915E480}" type="datetimeFigureOut">
               <a:rPr lang="en-US" smtClean="0"/>
-              <a:t>12/7/2023</a:t>
+              <a:t>12/12/2023</a:t>
             </a:fld>
             <a:endParaRPr lang="en-US"/>
           </a:p>
@@ -1422,7 +1426,7 @@
           <a:p>
             <a:fld id="{6D2D3CA5-BE76-4AE9-8A94-7AD60915E480}" type="datetimeFigureOut">
               <a:rPr lang="en-US" smtClean="0"/>
-              <a:t>12/7/2023</a:t>
+              <a:t>12/12/2023</a:t>
             </a:fld>
             <a:endParaRPr lang="en-US"/>
           </a:p>
@@ -1834,7 +1838,7 @@
           <a:p>
             <a:fld id="{6D2D3CA5-BE76-4AE9-8A94-7AD60915E480}" type="datetimeFigureOut">
               <a:rPr lang="en-US" smtClean="0"/>
-              <a:t>12/7/2023</a:t>
+              <a:t>12/12/2023</a:t>
             </a:fld>
             <a:endParaRPr lang="en-US"/>
           </a:p>
@@ -1975,7 +1979,7 @@
           <a:p>
             <a:fld id="{6D2D3CA5-BE76-4AE9-8A94-7AD60915E480}" type="datetimeFigureOut">
               <a:rPr lang="en-US" smtClean="0"/>
-              <a:t>12/7/2023</a:t>
+              <a:t>12/12/2023</a:t>
             </a:fld>
             <a:endParaRPr lang="en-US"/>
           </a:p>
@@ -2088,7 +2092,7 @@
           <a:p>
             <a:fld id="{6D2D3CA5-BE76-4AE9-8A94-7AD60915E480}" type="datetimeFigureOut">
               <a:rPr lang="en-US" smtClean="0"/>
-              <a:t>12/7/2023</a:t>
+              <a:t>12/12/2023</a:t>
             </a:fld>
             <a:endParaRPr lang="en-US"/>
           </a:p>
@@ -2399,7 +2403,7 @@
           <a:p>
             <a:fld id="{6D2D3CA5-BE76-4AE9-8A94-7AD60915E480}" type="datetimeFigureOut">
               <a:rPr lang="en-US" smtClean="0"/>
-              <a:t>12/7/2023</a:t>
+              <a:t>12/12/2023</a:t>
             </a:fld>
             <a:endParaRPr lang="en-US"/>
           </a:p>
@@ -2687,7 +2691,7 @@
           <a:p>
             <a:fld id="{6D2D3CA5-BE76-4AE9-8A94-7AD60915E480}" type="datetimeFigureOut">
               <a:rPr lang="en-US" smtClean="0"/>
-              <a:t>12/7/2023</a:t>
+              <a:t>12/12/2023</a:t>
             </a:fld>
             <a:endParaRPr lang="en-US"/>
           </a:p>
@@ -2928,7 +2932,7 @@
           <a:p>
             <a:fld id="{6D2D3CA5-BE76-4AE9-8A94-7AD60915E480}" type="datetimeFigureOut">
               <a:rPr lang="en-US" smtClean="0"/>
-              <a:t>12/7/2023</a:t>
+              <a:t>12/12/2023</a:t>
             </a:fld>
             <a:endParaRPr lang="en-US"/>
           </a:p>
@@ -3381,6 +3385,147 @@
           </a:p>
         </p:txBody>
       </p:sp>
+      <p:sp>
+        <p:nvSpPr>
+          <p:cNvPr id="4" name="TextBox 3">
+            <a:extLst>
+              <a:ext uri="{FF2B5EF4-FFF2-40B4-BE49-F238E27FC236}">
+                <a16:creationId xmlns:a16="http://schemas.microsoft.com/office/drawing/2014/main" id="{A3244D1A-50B1-DC8C-17C8-7D517B4295B7}"/>
+              </a:ext>
+            </a:extLst>
+          </p:cNvPr>
+          <p:cNvSpPr txBox="1"/>
+          <p:nvPr/>
+        </p:nvSpPr>
+        <p:spPr>
+          <a:xfrm>
+            <a:off x="1111623" y="4578674"/>
+            <a:ext cx="7996518" cy="1200329"/>
+          </a:xfrm>
+          <a:prstGeom prst="rect">
+            <a:avLst/>
+          </a:prstGeom>
+          <a:noFill/>
+        </p:spPr>
+        <p:txBody>
+          <a:bodyPr wrap="square">
+            <a:spAutoFit/>
+          </a:bodyPr>
+          <a:lstStyle/>
+          <a:p>
+            <a:r>
+              <a:rPr lang="en-US" dirty="0">
+                <a:highlight>
+                  <a:srgbClr val="808080"/>
+                </a:highlight>
+              </a:rPr>
+              <a:t>Not necessary, but once per machine could do this:</a:t>
+            </a:r>
+          </a:p>
+          <a:p>
+            <a:r>
+              <a:rPr lang="en-US" dirty="0">
+                <a:highlight>
+                  <a:srgbClr val="808080"/>
+                </a:highlight>
+              </a:rPr>
+              <a:t>To create a new </a:t>
+            </a:r>
+            <a:r>
+              <a:rPr lang="en-US" dirty="0" err="1">
+                <a:highlight>
+                  <a:srgbClr val="808080"/>
+                </a:highlight>
+              </a:rPr>
+              <a:t>prisma</a:t>
+            </a:r>
+            <a:r>
+              <a:rPr lang="en-US" dirty="0">
+                <a:highlight>
+                  <a:srgbClr val="808080"/>
+                </a:highlight>
+              </a:rPr>
+              <a:t> database host: </a:t>
+            </a:r>
+          </a:p>
+          <a:p>
+            <a:r>
+              <a:rPr lang="en-US" dirty="0">
+                <a:highlight>
+                  <a:srgbClr val="808080"/>
+                </a:highlight>
+              </a:rPr>
+              <a:t>CREATE USER </a:t>
+            </a:r>
+            <a:r>
+              <a:rPr lang="en-US" dirty="0" err="1">
+                <a:highlight>
+                  <a:srgbClr val="808080"/>
+                </a:highlight>
+              </a:rPr>
+              <a:t>prisma_user</a:t>
+            </a:r>
+            <a:r>
+              <a:rPr lang="en-US" dirty="0">
+                <a:highlight>
+                  <a:srgbClr val="808080"/>
+                </a:highlight>
+              </a:rPr>
+              <a:t> WITH PASSWORD ‘</a:t>
+            </a:r>
+            <a:r>
+              <a:rPr lang="en-US" dirty="0" err="1">
+                <a:highlight>
+                  <a:srgbClr val="808080"/>
+                </a:highlight>
+              </a:rPr>
+              <a:t>prisma_user</a:t>
+            </a:r>
+            <a:r>
+              <a:rPr lang="en-US" dirty="0">
+                <a:highlight>
+                  <a:srgbClr val="808080"/>
+                </a:highlight>
+              </a:rPr>
+              <a:t>’ SUPERUSER;</a:t>
+            </a:r>
+          </a:p>
+          <a:p>
+            <a:r>
+              <a:rPr lang="en-US" dirty="0" err="1">
+                <a:highlight>
+                  <a:srgbClr val="808080"/>
+                </a:highlight>
+              </a:rPr>
+              <a:t>createdb</a:t>
+            </a:r>
+            <a:r>
+              <a:rPr lang="en-US" dirty="0">
+                <a:highlight>
+                  <a:srgbClr val="808080"/>
+                </a:highlight>
+              </a:rPr>
+              <a:t> </a:t>
+            </a:r>
+            <a:r>
+              <a:rPr lang="en-US" dirty="0" err="1">
+                <a:highlight>
+                  <a:srgbClr val="808080"/>
+                </a:highlight>
+              </a:rPr>
+              <a:t>prisma_user</a:t>
+            </a:r>
+            <a:r>
+              <a:rPr lang="en-US" dirty="0">
+                <a:highlight>
+                  <a:srgbClr val="808080"/>
+                </a:highlight>
+              </a:rPr>
+              <a:t>;</a:t>
+            </a:r>
+          </a:p>
+        </p:txBody>
+      </p:sp>
     </p:spTree>
     <p:extLst>
       <p:ext uri="{BB962C8B-B14F-4D97-AF65-F5344CB8AC3E}">
@@ -3478,1336 +3623,6 @@
       </p:sp>
       <p:sp>
         <p:nvSpPr>
-          <p:cNvPr id="6" name="TextBox 5">
-            <a:extLst>
-              <a:ext uri="{FF2B5EF4-FFF2-40B4-BE49-F238E27FC236}">
-                <a16:creationId xmlns:a16="http://schemas.microsoft.com/office/drawing/2014/main" id="{5D661ECF-69EA-9971-A531-9CD7C6BA6353}"/>
-              </a:ext>
-            </a:extLst>
-          </p:cNvPr>
-          <p:cNvSpPr txBox="1"/>
-          <p:nvPr/>
-        </p:nvSpPr>
-        <p:spPr>
-          <a:xfrm>
-            <a:off x="7391332" y="827149"/>
-            <a:ext cx="3760761" cy="3416320"/>
-          </a:xfrm>
-          <a:prstGeom prst="rect">
-            <a:avLst/>
-          </a:prstGeom>
-          <a:noFill/>
-        </p:spPr>
-        <p:txBody>
-          <a:bodyPr wrap="square">
-            <a:spAutoFit/>
-          </a:bodyPr>
-          <a:lstStyle/>
-          <a:p>
-            <a:pPr algn="l"/>
-            <a:r>
-              <a:rPr lang="en-US" sz="1200" b="0" i="0" dirty="0">
-                <a:solidFill>
-                  <a:srgbClr val="00009F"/>
-                </a:solidFill>
-                <a:effectLst/>
-                <a:latin typeface="JetBrainsMono"/>
-              </a:rPr>
-              <a:t>const</a:t>
-            </a:r>
-            <a:r>
-              <a:rPr lang="en-US" sz="1200" b="0" i="0" dirty="0">
-                <a:solidFill>
-                  <a:srgbClr val="1A202C"/>
-                </a:solidFill>
-                <a:effectLst/>
-                <a:latin typeface="JetBrainsMono"/>
-              </a:rPr>
-              <a:t> </a:t>
-            </a:r>
-            <a:r>
-              <a:rPr lang="en-US" sz="1200" b="0" i="0" dirty="0">
-                <a:solidFill>
-                  <a:srgbClr val="393A34"/>
-                </a:solidFill>
-                <a:effectLst/>
-                <a:latin typeface="JetBrainsMono"/>
-              </a:rPr>
-              <a:t>{</a:t>
-            </a:r>
-            <a:r>
-              <a:rPr lang="en-US" sz="1200" b="0" i="0" dirty="0">
-                <a:solidFill>
-                  <a:srgbClr val="1A202C"/>
-                </a:solidFill>
-                <a:effectLst/>
-                <a:latin typeface="JetBrainsMono"/>
-              </a:rPr>
-              <a:t> </a:t>
-            </a:r>
-            <a:r>
-              <a:rPr lang="en-US" sz="1200" b="0" i="0" dirty="0" err="1">
-                <a:solidFill>
-                  <a:srgbClr val="1A202C"/>
-                </a:solidFill>
-                <a:effectLst/>
-                <a:latin typeface="JetBrainsMono"/>
-              </a:rPr>
-              <a:t>PrismaClient</a:t>
-            </a:r>
-            <a:r>
-              <a:rPr lang="en-US" sz="1200" b="0" i="0" dirty="0">
-                <a:solidFill>
-                  <a:srgbClr val="1A202C"/>
-                </a:solidFill>
-                <a:effectLst/>
-                <a:latin typeface="JetBrainsMono"/>
-              </a:rPr>
-              <a:t> </a:t>
-            </a:r>
-            <a:r>
-              <a:rPr lang="en-US" sz="1200" b="0" i="0" dirty="0">
-                <a:solidFill>
-                  <a:srgbClr val="393A34"/>
-                </a:solidFill>
-                <a:effectLst/>
-                <a:latin typeface="JetBrainsMono"/>
-              </a:rPr>
-              <a:t>}</a:t>
-            </a:r>
-            <a:r>
-              <a:rPr lang="en-US" sz="1200" b="0" i="0" dirty="0">
-                <a:solidFill>
-                  <a:srgbClr val="1A202C"/>
-                </a:solidFill>
-                <a:effectLst/>
-                <a:latin typeface="JetBrainsMono"/>
-              </a:rPr>
-              <a:t> </a:t>
-            </a:r>
-            <a:r>
-              <a:rPr lang="en-US" sz="1200" b="0" i="0" dirty="0">
-                <a:solidFill>
-                  <a:srgbClr val="393A34"/>
-                </a:solidFill>
-                <a:effectLst/>
-                <a:latin typeface="JetBrainsMono"/>
-              </a:rPr>
-              <a:t>=</a:t>
-            </a:r>
-            <a:r>
-              <a:rPr lang="en-US" sz="1200" b="0" i="0" dirty="0">
-                <a:solidFill>
-                  <a:srgbClr val="1A202C"/>
-                </a:solidFill>
-                <a:effectLst/>
-                <a:latin typeface="JetBrainsMono"/>
-              </a:rPr>
-              <a:t> </a:t>
-            </a:r>
-            <a:r>
-              <a:rPr lang="en-US" sz="1200" b="0" i="0" dirty="0">
-                <a:solidFill>
-                  <a:srgbClr val="D73A49"/>
-                </a:solidFill>
-                <a:effectLst/>
-                <a:latin typeface="JetBrainsMono"/>
-              </a:rPr>
-              <a:t>require</a:t>
-            </a:r>
-            <a:r>
-              <a:rPr lang="en-US" sz="1200" b="0" i="0" dirty="0">
-                <a:solidFill>
-                  <a:srgbClr val="393A34"/>
-                </a:solidFill>
-                <a:effectLst/>
-                <a:latin typeface="JetBrainsMono"/>
-              </a:rPr>
-              <a:t>(</a:t>
-            </a:r>
-            <a:r>
-              <a:rPr lang="en-US" sz="1200" b="0" i="0" dirty="0">
-                <a:solidFill>
-                  <a:srgbClr val="E3116C"/>
-                </a:solidFill>
-                <a:effectLst/>
-                <a:latin typeface="JetBrainsMono"/>
-              </a:rPr>
-              <a:t>'@</a:t>
-            </a:r>
-            <a:r>
-              <a:rPr lang="en-US" sz="1200" b="0" i="0" dirty="0" err="1">
-                <a:solidFill>
-                  <a:srgbClr val="E3116C"/>
-                </a:solidFill>
-                <a:effectLst/>
-                <a:latin typeface="JetBrainsMono"/>
-              </a:rPr>
-              <a:t>prisma</a:t>
-            </a:r>
-            <a:r>
-              <a:rPr lang="en-US" sz="1200" b="0" i="0" dirty="0">
-                <a:solidFill>
-                  <a:srgbClr val="E3116C"/>
-                </a:solidFill>
-                <a:effectLst/>
-                <a:latin typeface="JetBrainsMono"/>
-              </a:rPr>
-              <a:t>/client'</a:t>
-            </a:r>
-            <a:r>
-              <a:rPr lang="en-US" sz="1200" b="0" i="0" dirty="0">
-                <a:solidFill>
-                  <a:srgbClr val="393A34"/>
-                </a:solidFill>
-                <a:effectLst/>
-                <a:latin typeface="JetBrainsMono"/>
-              </a:rPr>
-              <a:t>)</a:t>
-            </a:r>
-            <a:endParaRPr lang="en-US" sz="1200" b="0" i="0" dirty="0">
-              <a:solidFill>
-                <a:srgbClr val="1A202C"/>
-              </a:solidFill>
-              <a:effectLst/>
-              <a:latin typeface="JetBrainsMono"/>
-            </a:endParaRPr>
-          </a:p>
-          <a:p>
-            <a:pPr algn="l"/>
-            <a:r>
-              <a:rPr lang="en-US" sz="1200" b="0" i="0" dirty="0">
-                <a:solidFill>
-                  <a:srgbClr val="CBD5E0"/>
-                </a:solidFill>
-                <a:effectLst/>
-                <a:latin typeface="JetBrainsMono"/>
-              </a:rPr>
-              <a:t>2</a:t>
-            </a:r>
-            <a:r>
-              <a:rPr lang="en-US" sz="1200" b="0" i="0" dirty="0">
-                <a:solidFill>
-                  <a:srgbClr val="1A202C"/>
-                </a:solidFill>
-                <a:effectLst/>
-                <a:latin typeface="JetBrainsMono"/>
-              </a:rPr>
-              <a:t> </a:t>
-            </a:r>
-          </a:p>
-          <a:p>
-            <a:pPr algn="l"/>
-            <a:r>
-              <a:rPr lang="en-US" sz="1200" b="0" i="0" dirty="0">
-                <a:solidFill>
-                  <a:srgbClr val="CBD5E0"/>
-                </a:solidFill>
-                <a:effectLst/>
-                <a:latin typeface="JetBrainsMono"/>
-              </a:rPr>
-              <a:t>3</a:t>
-            </a:r>
-            <a:r>
-              <a:rPr lang="en-US" sz="1200" b="0" i="0" dirty="0">
-                <a:solidFill>
-                  <a:srgbClr val="00009F"/>
-                </a:solidFill>
-                <a:effectLst/>
-                <a:latin typeface="JetBrainsMono"/>
-              </a:rPr>
-              <a:t>const</a:t>
-            </a:r>
-            <a:r>
-              <a:rPr lang="en-US" sz="1200" b="0" i="0" dirty="0">
-                <a:solidFill>
-                  <a:srgbClr val="1A202C"/>
-                </a:solidFill>
-                <a:effectLst/>
-                <a:latin typeface="JetBrainsMono"/>
-              </a:rPr>
-              <a:t> </a:t>
-            </a:r>
-            <a:r>
-              <a:rPr lang="en-US" sz="1200" b="0" i="0" dirty="0" err="1">
-                <a:solidFill>
-                  <a:srgbClr val="1A202C"/>
-                </a:solidFill>
-                <a:effectLst/>
-                <a:latin typeface="JetBrainsMono"/>
-              </a:rPr>
-              <a:t>prisma</a:t>
-            </a:r>
-            <a:r>
-              <a:rPr lang="en-US" sz="1200" b="0" i="0" dirty="0">
-                <a:solidFill>
-                  <a:srgbClr val="1A202C"/>
-                </a:solidFill>
-                <a:effectLst/>
-                <a:latin typeface="JetBrainsMono"/>
-              </a:rPr>
-              <a:t> </a:t>
-            </a:r>
-            <a:r>
-              <a:rPr lang="en-US" sz="1200" b="0" i="0" dirty="0">
-                <a:solidFill>
-                  <a:srgbClr val="393A34"/>
-                </a:solidFill>
-                <a:effectLst/>
-                <a:latin typeface="JetBrainsMono"/>
-              </a:rPr>
-              <a:t>=</a:t>
-            </a:r>
-            <a:r>
-              <a:rPr lang="en-US" sz="1200" b="0" i="0" dirty="0">
-                <a:solidFill>
-                  <a:srgbClr val="1A202C"/>
-                </a:solidFill>
-                <a:effectLst/>
-                <a:latin typeface="JetBrainsMono"/>
-              </a:rPr>
-              <a:t> </a:t>
-            </a:r>
-            <a:r>
-              <a:rPr lang="en-US" sz="1200" b="0" i="0" dirty="0">
-                <a:solidFill>
-                  <a:srgbClr val="00009F"/>
-                </a:solidFill>
-                <a:effectLst/>
-                <a:latin typeface="JetBrainsMono"/>
-              </a:rPr>
-              <a:t>new</a:t>
-            </a:r>
-            <a:r>
-              <a:rPr lang="en-US" sz="1200" b="0" i="0" dirty="0">
-                <a:solidFill>
-                  <a:srgbClr val="1A202C"/>
-                </a:solidFill>
-                <a:effectLst/>
-                <a:latin typeface="JetBrainsMono"/>
-              </a:rPr>
-              <a:t> </a:t>
-            </a:r>
-            <a:r>
-              <a:rPr lang="en-US" sz="1200" b="0" i="0" dirty="0" err="1">
-                <a:solidFill>
-                  <a:srgbClr val="D73A49"/>
-                </a:solidFill>
-                <a:effectLst/>
-                <a:latin typeface="JetBrainsMono"/>
-              </a:rPr>
-              <a:t>PrismaClient</a:t>
-            </a:r>
-            <a:r>
-              <a:rPr lang="en-US" sz="1200" b="0" i="0" dirty="0">
-                <a:solidFill>
-                  <a:srgbClr val="393A34"/>
-                </a:solidFill>
-                <a:effectLst/>
-                <a:latin typeface="JetBrainsMono"/>
-              </a:rPr>
-              <a:t>()</a:t>
-            </a:r>
-            <a:endParaRPr lang="en-US" sz="1200" b="0" i="0" dirty="0">
-              <a:solidFill>
-                <a:srgbClr val="1A202C"/>
-              </a:solidFill>
-              <a:effectLst/>
-              <a:latin typeface="JetBrainsMono"/>
-            </a:endParaRPr>
-          </a:p>
-          <a:p>
-            <a:pPr algn="l"/>
-            <a:r>
-              <a:rPr lang="en-US" sz="1200" b="0" i="0" dirty="0">
-                <a:solidFill>
-                  <a:srgbClr val="CBD5E0"/>
-                </a:solidFill>
-                <a:effectLst/>
-                <a:latin typeface="JetBrainsMono"/>
-              </a:rPr>
-              <a:t>4</a:t>
-            </a:r>
-            <a:r>
-              <a:rPr lang="en-US" sz="1200" b="0" i="0" dirty="0">
-                <a:solidFill>
-                  <a:srgbClr val="1A202C"/>
-                </a:solidFill>
-                <a:effectLst/>
-                <a:latin typeface="JetBrainsMono"/>
-              </a:rPr>
-              <a:t> </a:t>
-            </a:r>
-          </a:p>
-          <a:p>
-            <a:pPr algn="l"/>
-            <a:r>
-              <a:rPr lang="en-US" sz="1200" b="0" i="0" dirty="0">
-                <a:solidFill>
-                  <a:srgbClr val="CBD5E0"/>
-                </a:solidFill>
-                <a:effectLst/>
-                <a:latin typeface="JetBrainsMono"/>
-              </a:rPr>
-              <a:t>5</a:t>
-            </a:r>
-            <a:r>
-              <a:rPr lang="en-US" sz="1200" b="0" i="0" dirty="0">
-                <a:solidFill>
-                  <a:srgbClr val="00009F"/>
-                </a:solidFill>
-                <a:effectLst/>
-                <a:latin typeface="JetBrainsMono"/>
-              </a:rPr>
-              <a:t>async</a:t>
-            </a:r>
-            <a:r>
-              <a:rPr lang="en-US" sz="1200" b="0" i="0" dirty="0">
-                <a:solidFill>
-                  <a:srgbClr val="1A202C"/>
-                </a:solidFill>
-                <a:effectLst/>
-                <a:latin typeface="JetBrainsMono"/>
-              </a:rPr>
-              <a:t> </a:t>
-            </a:r>
-            <a:r>
-              <a:rPr lang="en-US" sz="1200" b="0" i="0" dirty="0">
-                <a:solidFill>
-                  <a:srgbClr val="00009F"/>
-                </a:solidFill>
-                <a:effectLst/>
-                <a:latin typeface="JetBrainsMono"/>
-              </a:rPr>
-              <a:t>function</a:t>
-            </a:r>
-            <a:r>
-              <a:rPr lang="en-US" sz="1200" b="0" i="0" dirty="0">
-                <a:solidFill>
-                  <a:srgbClr val="1A202C"/>
-                </a:solidFill>
-                <a:effectLst/>
-                <a:latin typeface="JetBrainsMono"/>
-              </a:rPr>
-              <a:t> </a:t>
-            </a:r>
-            <a:r>
-              <a:rPr lang="en-US" sz="1200" b="0" i="0" dirty="0">
-                <a:solidFill>
-                  <a:srgbClr val="D73A49"/>
-                </a:solidFill>
-                <a:effectLst/>
-                <a:latin typeface="JetBrainsMono"/>
-              </a:rPr>
-              <a:t>main</a:t>
-            </a:r>
-            <a:r>
-              <a:rPr lang="en-US" sz="1200" b="0" i="0" dirty="0">
-                <a:solidFill>
-                  <a:srgbClr val="393A34"/>
-                </a:solidFill>
-                <a:effectLst/>
-                <a:latin typeface="JetBrainsMono"/>
-              </a:rPr>
-              <a:t>()</a:t>
-            </a:r>
-            <a:r>
-              <a:rPr lang="en-US" sz="1200" b="0" i="0" dirty="0">
-                <a:solidFill>
-                  <a:srgbClr val="1A202C"/>
-                </a:solidFill>
-                <a:effectLst/>
-                <a:latin typeface="JetBrainsMono"/>
-              </a:rPr>
-              <a:t> </a:t>
-            </a:r>
-            <a:r>
-              <a:rPr lang="en-US" sz="1200" b="0" i="0" dirty="0">
-                <a:solidFill>
-                  <a:srgbClr val="393A34"/>
-                </a:solidFill>
-                <a:effectLst/>
-                <a:latin typeface="JetBrainsMono"/>
-              </a:rPr>
-              <a:t>{</a:t>
-            </a:r>
-            <a:endParaRPr lang="en-US" sz="1200" b="0" i="0" dirty="0">
-              <a:solidFill>
-                <a:srgbClr val="1A202C"/>
-              </a:solidFill>
-              <a:effectLst/>
-              <a:latin typeface="JetBrainsMono"/>
-            </a:endParaRPr>
-          </a:p>
-          <a:p>
-            <a:pPr algn="l"/>
-            <a:r>
-              <a:rPr lang="en-US" sz="1200" b="0" i="0" dirty="0">
-                <a:solidFill>
-                  <a:srgbClr val="CBD5E0"/>
-                </a:solidFill>
-                <a:effectLst/>
-                <a:latin typeface="JetBrainsMono"/>
-              </a:rPr>
-              <a:t>6</a:t>
-            </a:r>
-            <a:r>
-              <a:rPr lang="en-US" sz="1200" b="0" i="0" dirty="0">
-                <a:solidFill>
-                  <a:srgbClr val="1A202C"/>
-                </a:solidFill>
-                <a:effectLst/>
-                <a:latin typeface="JetBrainsMono"/>
-              </a:rPr>
-              <a:t> </a:t>
-            </a:r>
-            <a:r>
-              <a:rPr lang="en-US" sz="1200" b="0" i="1" dirty="0">
-                <a:solidFill>
-                  <a:srgbClr val="999988"/>
-                </a:solidFill>
-                <a:effectLst/>
-                <a:latin typeface="JetBrainsMono"/>
-              </a:rPr>
-              <a:t>// ... you will write your Prisma Client queries here</a:t>
-            </a:r>
-          </a:p>
-          <a:p>
-            <a:pPr algn="l"/>
-            <a:r>
-              <a:rPr lang="en-US" sz="1200" i="1" dirty="0">
-                <a:solidFill>
-                  <a:srgbClr val="999988"/>
-                </a:solidFill>
-                <a:latin typeface="JetBrainsMono"/>
-              </a:rPr>
-              <a:t>Console.log(`seeding the database`)</a:t>
-            </a:r>
-            <a:endParaRPr lang="en-US" sz="1200" b="0" i="0" dirty="0">
-              <a:solidFill>
-                <a:srgbClr val="1A202C"/>
-              </a:solidFill>
-              <a:effectLst/>
-              <a:latin typeface="JetBrainsMono"/>
-            </a:endParaRPr>
-          </a:p>
-          <a:p>
-            <a:pPr algn="l"/>
-            <a:r>
-              <a:rPr lang="en-US" sz="1200" b="0" i="0" dirty="0">
-                <a:solidFill>
-                  <a:srgbClr val="CBD5E0"/>
-                </a:solidFill>
-                <a:effectLst/>
-                <a:latin typeface="JetBrainsMono"/>
-              </a:rPr>
-              <a:t>7</a:t>
-            </a:r>
-            <a:r>
-              <a:rPr lang="en-US" sz="1200" b="0" i="0" dirty="0">
-                <a:solidFill>
-                  <a:srgbClr val="393A34"/>
-                </a:solidFill>
-                <a:effectLst/>
-                <a:latin typeface="JetBrainsMono"/>
-              </a:rPr>
-              <a:t>}</a:t>
-            </a:r>
-            <a:endParaRPr lang="en-US" sz="1200" b="0" i="0" dirty="0">
-              <a:solidFill>
-                <a:srgbClr val="1A202C"/>
-              </a:solidFill>
-              <a:effectLst/>
-              <a:latin typeface="JetBrainsMono"/>
-            </a:endParaRPr>
-          </a:p>
-          <a:p>
-            <a:pPr algn="l"/>
-            <a:r>
-              <a:rPr lang="en-US" sz="1200" b="0" i="0" dirty="0">
-                <a:solidFill>
-                  <a:srgbClr val="CBD5E0"/>
-                </a:solidFill>
-                <a:effectLst/>
-                <a:latin typeface="JetBrainsMono"/>
-              </a:rPr>
-              <a:t>8</a:t>
-            </a:r>
-            <a:r>
-              <a:rPr lang="en-US" sz="1200" b="0" i="0" dirty="0">
-                <a:solidFill>
-                  <a:srgbClr val="1A202C"/>
-                </a:solidFill>
-                <a:effectLst/>
-                <a:latin typeface="JetBrainsMono"/>
-              </a:rPr>
-              <a:t> </a:t>
-            </a:r>
-          </a:p>
-          <a:p>
-            <a:pPr algn="l"/>
-            <a:r>
-              <a:rPr lang="en-US" sz="1200" b="0" i="0" dirty="0">
-                <a:solidFill>
-                  <a:srgbClr val="CBD5E0"/>
-                </a:solidFill>
-                <a:effectLst/>
-                <a:latin typeface="JetBrainsMono"/>
-              </a:rPr>
-              <a:t>9</a:t>
-            </a:r>
-            <a:r>
-              <a:rPr lang="en-US" sz="1200" b="0" i="0" dirty="0">
-                <a:solidFill>
-                  <a:srgbClr val="D73A49"/>
-                </a:solidFill>
-                <a:effectLst/>
-                <a:latin typeface="JetBrainsMono"/>
-              </a:rPr>
-              <a:t>main</a:t>
-            </a:r>
-            <a:r>
-              <a:rPr lang="en-US" sz="1200" b="0" i="0" dirty="0">
-                <a:solidFill>
-                  <a:srgbClr val="393A34"/>
-                </a:solidFill>
-                <a:effectLst/>
-                <a:latin typeface="JetBrainsMono"/>
-              </a:rPr>
-              <a:t>()</a:t>
-            </a:r>
-            <a:endParaRPr lang="en-US" sz="1200" b="0" i="0" dirty="0">
-              <a:solidFill>
-                <a:srgbClr val="1A202C"/>
-              </a:solidFill>
-              <a:effectLst/>
-              <a:latin typeface="JetBrainsMono"/>
-            </a:endParaRPr>
-          </a:p>
-          <a:p>
-            <a:pPr algn="l"/>
-            <a:r>
-              <a:rPr lang="en-US" sz="1200" b="0" i="0" dirty="0">
-                <a:solidFill>
-                  <a:srgbClr val="CBD5E0"/>
-                </a:solidFill>
-                <a:effectLst/>
-                <a:latin typeface="JetBrainsMono"/>
-              </a:rPr>
-              <a:t>10</a:t>
-            </a:r>
-            <a:r>
-              <a:rPr lang="en-US" sz="1200" b="0" i="0" dirty="0">
-                <a:solidFill>
-                  <a:srgbClr val="1A202C"/>
-                </a:solidFill>
-                <a:effectLst/>
-                <a:latin typeface="JetBrainsMono"/>
-              </a:rPr>
-              <a:t> </a:t>
-            </a:r>
-            <a:r>
-              <a:rPr lang="en-US" sz="1200" b="0" i="0" dirty="0">
-                <a:solidFill>
-                  <a:srgbClr val="393A34"/>
-                </a:solidFill>
-                <a:effectLst/>
-                <a:latin typeface="JetBrainsMono"/>
-              </a:rPr>
-              <a:t>.</a:t>
-            </a:r>
-            <a:r>
-              <a:rPr lang="en-US" sz="1200" b="0" i="0" dirty="0">
-                <a:solidFill>
-                  <a:srgbClr val="D73A49"/>
-                </a:solidFill>
-                <a:effectLst/>
-                <a:latin typeface="JetBrainsMono"/>
-              </a:rPr>
-              <a:t>then</a:t>
-            </a:r>
-            <a:r>
-              <a:rPr lang="en-US" sz="1200" b="0" i="0" dirty="0">
-                <a:solidFill>
-                  <a:srgbClr val="393A34"/>
-                </a:solidFill>
-                <a:effectLst/>
-                <a:latin typeface="JetBrainsMono"/>
-              </a:rPr>
-              <a:t>(</a:t>
-            </a:r>
-            <a:r>
-              <a:rPr lang="en-US" sz="1200" b="0" i="0" dirty="0">
-                <a:solidFill>
-                  <a:srgbClr val="00009F"/>
-                </a:solidFill>
-                <a:effectLst/>
-                <a:latin typeface="JetBrainsMono"/>
-              </a:rPr>
-              <a:t>async</a:t>
-            </a:r>
-            <a:r>
-              <a:rPr lang="en-US" sz="1200" b="0" i="0" dirty="0">
-                <a:solidFill>
-                  <a:srgbClr val="1A202C"/>
-                </a:solidFill>
-                <a:effectLst/>
-                <a:latin typeface="JetBrainsMono"/>
-              </a:rPr>
-              <a:t> </a:t>
-            </a:r>
-            <a:r>
-              <a:rPr lang="en-US" sz="1200" b="0" i="0" dirty="0">
-                <a:solidFill>
-                  <a:srgbClr val="393A34"/>
-                </a:solidFill>
-                <a:effectLst/>
-                <a:latin typeface="JetBrainsMono"/>
-              </a:rPr>
-              <a:t>()</a:t>
-            </a:r>
-            <a:r>
-              <a:rPr lang="en-US" sz="1200" b="0" i="0" dirty="0">
-                <a:solidFill>
-                  <a:srgbClr val="1A202C"/>
-                </a:solidFill>
-                <a:effectLst/>
-                <a:latin typeface="JetBrainsMono"/>
-              </a:rPr>
-              <a:t> </a:t>
-            </a:r>
-            <a:r>
-              <a:rPr lang="en-US" sz="1200" b="0" i="0" dirty="0">
-                <a:solidFill>
-                  <a:srgbClr val="393A34"/>
-                </a:solidFill>
-                <a:effectLst/>
-                <a:latin typeface="JetBrainsMono"/>
-              </a:rPr>
-              <a:t>=&gt;</a:t>
-            </a:r>
-            <a:r>
-              <a:rPr lang="en-US" sz="1200" b="0" i="0" dirty="0">
-                <a:solidFill>
-                  <a:srgbClr val="1A202C"/>
-                </a:solidFill>
-                <a:effectLst/>
-                <a:latin typeface="JetBrainsMono"/>
-              </a:rPr>
-              <a:t> </a:t>
-            </a:r>
-            <a:r>
-              <a:rPr lang="en-US" sz="1200" b="0" i="0" dirty="0">
-                <a:solidFill>
-                  <a:srgbClr val="393A34"/>
-                </a:solidFill>
-                <a:effectLst/>
-                <a:latin typeface="JetBrainsMono"/>
-              </a:rPr>
-              <a:t>{</a:t>
-            </a:r>
-            <a:endParaRPr lang="en-US" sz="1200" b="0" i="0" dirty="0">
-              <a:solidFill>
-                <a:srgbClr val="1A202C"/>
-              </a:solidFill>
-              <a:effectLst/>
-              <a:latin typeface="JetBrainsMono"/>
-            </a:endParaRPr>
-          </a:p>
-          <a:p>
-            <a:pPr algn="l"/>
-            <a:r>
-              <a:rPr lang="en-US" sz="1200" b="0" i="0" dirty="0">
-                <a:solidFill>
-                  <a:srgbClr val="CBD5E0"/>
-                </a:solidFill>
-                <a:effectLst/>
-                <a:latin typeface="JetBrainsMono"/>
-              </a:rPr>
-              <a:t>11</a:t>
-            </a:r>
-            <a:r>
-              <a:rPr lang="en-US" sz="1200" b="0" i="0" dirty="0">
-                <a:solidFill>
-                  <a:srgbClr val="1A202C"/>
-                </a:solidFill>
-                <a:effectLst/>
-                <a:latin typeface="JetBrainsMono"/>
-              </a:rPr>
-              <a:t> </a:t>
-            </a:r>
-            <a:r>
-              <a:rPr lang="en-US" sz="1200" b="0" i="0" dirty="0">
-                <a:solidFill>
-                  <a:srgbClr val="00009F"/>
-                </a:solidFill>
-                <a:effectLst/>
-                <a:latin typeface="JetBrainsMono"/>
-              </a:rPr>
-              <a:t>await</a:t>
-            </a:r>
-            <a:r>
-              <a:rPr lang="en-US" sz="1200" b="0" i="0" dirty="0">
-                <a:solidFill>
-                  <a:srgbClr val="1A202C"/>
-                </a:solidFill>
-                <a:effectLst/>
-                <a:latin typeface="JetBrainsMono"/>
-              </a:rPr>
-              <a:t> </a:t>
-            </a:r>
-            <a:r>
-              <a:rPr lang="en-US" sz="1200" b="0" i="0" dirty="0" err="1">
-                <a:solidFill>
-                  <a:srgbClr val="1A202C"/>
-                </a:solidFill>
-                <a:effectLst/>
-                <a:latin typeface="JetBrainsMono"/>
-              </a:rPr>
-              <a:t>prisma</a:t>
-            </a:r>
-            <a:r>
-              <a:rPr lang="en-US" sz="1200" b="0" i="0" dirty="0">
-                <a:solidFill>
-                  <a:srgbClr val="393A34"/>
-                </a:solidFill>
-                <a:effectLst/>
-                <a:latin typeface="JetBrainsMono"/>
-              </a:rPr>
-              <a:t>.</a:t>
-            </a:r>
-            <a:r>
-              <a:rPr lang="en-US" sz="1200" b="0" i="0" dirty="0">
-                <a:solidFill>
-                  <a:srgbClr val="D73A49"/>
-                </a:solidFill>
-                <a:effectLst/>
-                <a:latin typeface="JetBrainsMono"/>
-              </a:rPr>
-              <a:t>$disconnect</a:t>
-            </a:r>
-            <a:r>
-              <a:rPr lang="en-US" sz="1200" b="0" i="0" dirty="0">
-                <a:solidFill>
-                  <a:srgbClr val="393A34"/>
-                </a:solidFill>
-                <a:effectLst/>
-                <a:latin typeface="JetBrainsMono"/>
-              </a:rPr>
-              <a:t>()</a:t>
-            </a:r>
-            <a:endParaRPr lang="en-US" sz="1200" b="0" i="0" dirty="0">
-              <a:solidFill>
-                <a:srgbClr val="1A202C"/>
-              </a:solidFill>
-              <a:effectLst/>
-              <a:latin typeface="JetBrainsMono"/>
-            </a:endParaRPr>
-          </a:p>
-          <a:p>
-            <a:pPr algn="l"/>
-            <a:r>
-              <a:rPr lang="en-US" sz="1200" b="0" i="0" dirty="0">
-                <a:solidFill>
-                  <a:srgbClr val="CBD5E0"/>
-                </a:solidFill>
-                <a:effectLst/>
-                <a:latin typeface="JetBrainsMono"/>
-              </a:rPr>
-              <a:t>12</a:t>
-            </a:r>
-            <a:r>
-              <a:rPr lang="en-US" sz="1200" b="0" i="0" dirty="0">
-                <a:solidFill>
-                  <a:srgbClr val="1A202C"/>
-                </a:solidFill>
-                <a:effectLst/>
-                <a:latin typeface="JetBrainsMono"/>
-              </a:rPr>
-              <a:t> </a:t>
-            </a:r>
-            <a:r>
-              <a:rPr lang="en-US" sz="1200" b="0" i="0" dirty="0">
-                <a:solidFill>
-                  <a:srgbClr val="393A34"/>
-                </a:solidFill>
-                <a:effectLst/>
-                <a:latin typeface="JetBrainsMono"/>
-              </a:rPr>
-              <a:t>})</a:t>
-            </a:r>
-            <a:endParaRPr lang="en-US" sz="1200" b="0" i="0" dirty="0">
-              <a:solidFill>
-                <a:srgbClr val="1A202C"/>
-              </a:solidFill>
-              <a:effectLst/>
-              <a:latin typeface="JetBrainsMono"/>
-            </a:endParaRPr>
-          </a:p>
-          <a:p>
-            <a:pPr algn="l"/>
-            <a:r>
-              <a:rPr lang="en-US" sz="1200" b="0" i="0" dirty="0">
-                <a:solidFill>
-                  <a:srgbClr val="CBD5E0"/>
-                </a:solidFill>
-                <a:effectLst/>
-                <a:latin typeface="JetBrainsMono"/>
-              </a:rPr>
-              <a:t>13</a:t>
-            </a:r>
-            <a:r>
-              <a:rPr lang="en-US" sz="1200" b="0" i="0" dirty="0">
-                <a:solidFill>
-                  <a:srgbClr val="1A202C"/>
-                </a:solidFill>
-                <a:effectLst/>
-                <a:latin typeface="JetBrainsMono"/>
-              </a:rPr>
-              <a:t> </a:t>
-            </a:r>
-            <a:r>
-              <a:rPr lang="en-US" sz="1200" b="0" i="0" dirty="0">
-                <a:solidFill>
-                  <a:srgbClr val="393A34"/>
-                </a:solidFill>
-                <a:effectLst/>
-                <a:latin typeface="JetBrainsMono"/>
-              </a:rPr>
-              <a:t>.</a:t>
-            </a:r>
-            <a:r>
-              <a:rPr lang="en-US" sz="1200" b="0" i="0" dirty="0">
-                <a:solidFill>
-                  <a:srgbClr val="00009F"/>
-                </a:solidFill>
-                <a:effectLst/>
-                <a:latin typeface="JetBrainsMono"/>
-              </a:rPr>
-              <a:t>catch</a:t>
-            </a:r>
-            <a:r>
-              <a:rPr lang="en-US" sz="1200" b="0" i="0" dirty="0">
-                <a:solidFill>
-                  <a:srgbClr val="393A34"/>
-                </a:solidFill>
-                <a:effectLst/>
-                <a:latin typeface="JetBrainsMono"/>
-              </a:rPr>
-              <a:t>(</a:t>
-            </a:r>
-            <a:r>
-              <a:rPr lang="en-US" sz="1200" b="0" i="0" dirty="0">
-                <a:solidFill>
-                  <a:srgbClr val="00009F"/>
-                </a:solidFill>
-                <a:effectLst/>
-                <a:latin typeface="JetBrainsMono"/>
-              </a:rPr>
-              <a:t>async</a:t>
-            </a:r>
-            <a:r>
-              <a:rPr lang="en-US" sz="1200" b="0" i="0" dirty="0">
-                <a:solidFill>
-                  <a:srgbClr val="1A202C"/>
-                </a:solidFill>
-                <a:effectLst/>
-                <a:latin typeface="JetBrainsMono"/>
-              </a:rPr>
-              <a:t> </a:t>
-            </a:r>
-            <a:r>
-              <a:rPr lang="en-US" sz="1200" b="0" i="0" dirty="0">
-                <a:solidFill>
-                  <a:srgbClr val="393A34"/>
-                </a:solidFill>
-                <a:effectLst/>
-                <a:latin typeface="JetBrainsMono"/>
-              </a:rPr>
-              <a:t>(</a:t>
-            </a:r>
-            <a:r>
-              <a:rPr lang="en-US" sz="1200" b="0" i="0" dirty="0">
-                <a:solidFill>
-                  <a:srgbClr val="1A202C"/>
-                </a:solidFill>
-                <a:effectLst/>
-                <a:latin typeface="JetBrainsMono"/>
-              </a:rPr>
-              <a:t>e</a:t>
-            </a:r>
-            <a:r>
-              <a:rPr lang="en-US" sz="1200" b="0" i="0" dirty="0">
-                <a:solidFill>
-                  <a:srgbClr val="393A34"/>
-                </a:solidFill>
-                <a:effectLst/>
-                <a:latin typeface="JetBrainsMono"/>
-              </a:rPr>
-              <a:t>)</a:t>
-            </a:r>
-            <a:r>
-              <a:rPr lang="en-US" sz="1200" b="0" i="0" dirty="0">
-                <a:solidFill>
-                  <a:srgbClr val="1A202C"/>
-                </a:solidFill>
-                <a:effectLst/>
-                <a:latin typeface="JetBrainsMono"/>
-              </a:rPr>
-              <a:t> </a:t>
-            </a:r>
-            <a:r>
-              <a:rPr lang="en-US" sz="1200" b="0" i="0" dirty="0">
-                <a:solidFill>
-                  <a:srgbClr val="393A34"/>
-                </a:solidFill>
-                <a:effectLst/>
-                <a:latin typeface="JetBrainsMono"/>
-              </a:rPr>
-              <a:t>=&gt;</a:t>
-            </a:r>
-            <a:r>
-              <a:rPr lang="en-US" sz="1200" b="0" i="0" dirty="0">
-                <a:solidFill>
-                  <a:srgbClr val="1A202C"/>
-                </a:solidFill>
-                <a:effectLst/>
-                <a:latin typeface="JetBrainsMono"/>
-              </a:rPr>
-              <a:t> </a:t>
-            </a:r>
-            <a:r>
-              <a:rPr lang="en-US" sz="1200" b="0" i="0" dirty="0">
-                <a:solidFill>
-                  <a:srgbClr val="393A34"/>
-                </a:solidFill>
-                <a:effectLst/>
-                <a:latin typeface="JetBrainsMono"/>
-              </a:rPr>
-              <a:t>{</a:t>
-            </a:r>
-            <a:endParaRPr lang="en-US" sz="1200" b="0" i="0" dirty="0">
-              <a:solidFill>
-                <a:srgbClr val="1A202C"/>
-              </a:solidFill>
-              <a:effectLst/>
-              <a:latin typeface="JetBrainsMono"/>
-            </a:endParaRPr>
-          </a:p>
-          <a:p>
-            <a:pPr algn="l"/>
-            <a:r>
-              <a:rPr lang="en-US" sz="1200" b="0" i="0" dirty="0">
-                <a:solidFill>
-                  <a:srgbClr val="CBD5E0"/>
-                </a:solidFill>
-                <a:effectLst/>
-                <a:latin typeface="JetBrainsMono"/>
-              </a:rPr>
-              <a:t>14</a:t>
-            </a:r>
-            <a:r>
-              <a:rPr lang="en-US" sz="1200" b="0" i="0" dirty="0">
-                <a:solidFill>
-                  <a:srgbClr val="1A202C"/>
-                </a:solidFill>
-                <a:effectLst/>
-                <a:latin typeface="JetBrainsMono"/>
-              </a:rPr>
-              <a:t> </a:t>
-            </a:r>
-            <a:r>
-              <a:rPr lang="en-US" sz="1200" b="0" i="0" dirty="0" err="1">
-                <a:solidFill>
-                  <a:srgbClr val="1A202C"/>
-                </a:solidFill>
-                <a:effectLst/>
-                <a:latin typeface="JetBrainsMono"/>
-              </a:rPr>
-              <a:t>console</a:t>
-            </a:r>
-            <a:r>
-              <a:rPr lang="en-US" sz="1200" b="0" i="0" dirty="0" err="1">
-                <a:solidFill>
-                  <a:srgbClr val="393A34"/>
-                </a:solidFill>
-                <a:effectLst/>
-                <a:latin typeface="JetBrainsMono"/>
-              </a:rPr>
-              <a:t>.</a:t>
-            </a:r>
-            <a:r>
-              <a:rPr lang="en-US" sz="1200" b="0" i="0" dirty="0" err="1">
-                <a:solidFill>
-                  <a:srgbClr val="D73A49"/>
-                </a:solidFill>
-                <a:effectLst/>
-                <a:latin typeface="JetBrainsMono"/>
-              </a:rPr>
-              <a:t>error</a:t>
-            </a:r>
-            <a:r>
-              <a:rPr lang="en-US" sz="1200" b="0" i="0" dirty="0">
-                <a:solidFill>
-                  <a:srgbClr val="393A34"/>
-                </a:solidFill>
-                <a:effectLst/>
-                <a:latin typeface="JetBrainsMono"/>
-              </a:rPr>
-              <a:t>(</a:t>
-            </a:r>
-            <a:r>
-              <a:rPr lang="en-US" sz="1200" b="0" i="0" dirty="0">
-                <a:solidFill>
-                  <a:srgbClr val="1A202C"/>
-                </a:solidFill>
-                <a:effectLst/>
-                <a:latin typeface="JetBrainsMono"/>
-              </a:rPr>
-              <a:t>e</a:t>
-            </a:r>
-            <a:r>
-              <a:rPr lang="en-US" sz="1200" b="0" i="0" dirty="0">
-                <a:solidFill>
-                  <a:srgbClr val="393A34"/>
-                </a:solidFill>
-                <a:effectLst/>
-                <a:latin typeface="JetBrainsMono"/>
-              </a:rPr>
-              <a:t>)</a:t>
-            </a:r>
-            <a:endParaRPr lang="en-US" sz="1200" b="0" i="0" dirty="0">
-              <a:solidFill>
-                <a:srgbClr val="1A202C"/>
-              </a:solidFill>
-              <a:effectLst/>
-              <a:latin typeface="JetBrainsMono"/>
-            </a:endParaRPr>
-          </a:p>
-          <a:p>
-            <a:pPr algn="l"/>
-            <a:r>
-              <a:rPr lang="en-US" sz="1200" b="0" i="0" dirty="0">
-                <a:solidFill>
-                  <a:srgbClr val="CBD5E0"/>
-                </a:solidFill>
-                <a:effectLst/>
-                <a:latin typeface="JetBrainsMono"/>
-              </a:rPr>
-              <a:t>15</a:t>
-            </a:r>
-            <a:r>
-              <a:rPr lang="en-US" sz="1200" b="0" i="0" dirty="0">
-                <a:solidFill>
-                  <a:srgbClr val="1A202C"/>
-                </a:solidFill>
-                <a:effectLst/>
-                <a:latin typeface="JetBrainsMono"/>
-              </a:rPr>
-              <a:t> </a:t>
-            </a:r>
-            <a:r>
-              <a:rPr lang="en-US" sz="1200" b="0" i="0" dirty="0">
-                <a:solidFill>
-                  <a:srgbClr val="00009F"/>
-                </a:solidFill>
-                <a:effectLst/>
-                <a:latin typeface="JetBrainsMono"/>
-              </a:rPr>
-              <a:t>await</a:t>
-            </a:r>
-            <a:r>
-              <a:rPr lang="en-US" sz="1200" b="0" i="0" dirty="0">
-                <a:solidFill>
-                  <a:srgbClr val="1A202C"/>
-                </a:solidFill>
-                <a:effectLst/>
-                <a:latin typeface="JetBrainsMono"/>
-              </a:rPr>
-              <a:t> </a:t>
-            </a:r>
-            <a:r>
-              <a:rPr lang="en-US" sz="1200" b="0" i="0" dirty="0" err="1">
-                <a:solidFill>
-                  <a:srgbClr val="1A202C"/>
-                </a:solidFill>
-                <a:effectLst/>
-                <a:latin typeface="JetBrainsMono"/>
-              </a:rPr>
-              <a:t>prisma</a:t>
-            </a:r>
-            <a:r>
-              <a:rPr lang="en-US" sz="1200" b="0" i="0" dirty="0">
-                <a:solidFill>
-                  <a:srgbClr val="393A34"/>
-                </a:solidFill>
-                <a:effectLst/>
-                <a:latin typeface="JetBrainsMono"/>
-              </a:rPr>
-              <a:t>.</a:t>
-            </a:r>
-            <a:r>
-              <a:rPr lang="en-US" sz="1200" b="0" i="0" dirty="0">
-                <a:solidFill>
-                  <a:srgbClr val="D73A49"/>
-                </a:solidFill>
-                <a:effectLst/>
-                <a:latin typeface="JetBrainsMono"/>
-              </a:rPr>
-              <a:t>$disconnect</a:t>
-            </a:r>
-            <a:r>
-              <a:rPr lang="en-US" sz="1200" b="0" i="0" dirty="0">
-                <a:solidFill>
-                  <a:srgbClr val="393A34"/>
-                </a:solidFill>
-                <a:effectLst/>
-                <a:latin typeface="JetBrainsMono"/>
-              </a:rPr>
-              <a:t>()</a:t>
-            </a:r>
-            <a:endParaRPr lang="en-US" sz="1200" b="0" i="0" dirty="0">
-              <a:solidFill>
-                <a:srgbClr val="1A202C"/>
-              </a:solidFill>
-              <a:effectLst/>
-              <a:latin typeface="JetBrainsMono"/>
-            </a:endParaRPr>
-          </a:p>
-          <a:p>
-            <a:pPr algn="l"/>
-            <a:r>
-              <a:rPr lang="en-US" sz="1200" b="0" i="0" dirty="0">
-                <a:solidFill>
-                  <a:srgbClr val="CBD5E0"/>
-                </a:solidFill>
-                <a:effectLst/>
-                <a:latin typeface="JetBrainsMono"/>
-              </a:rPr>
-              <a:t>16</a:t>
-            </a:r>
-            <a:r>
-              <a:rPr lang="en-US" sz="1200" b="0" i="0" dirty="0">
-                <a:solidFill>
-                  <a:srgbClr val="1A202C"/>
-                </a:solidFill>
-                <a:effectLst/>
-                <a:latin typeface="JetBrainsMono"/>
-              </a:rPr>
-              <a:t> </a:t>
-            </a:r>
-            <a:r>
-              <a:rPr lang="en-US" sz="1200" b="0" i="0" dirty="0" err="1">
-                <a:solidFill>
-                  <a:srgbClr val="1A202C"/>
-                </a:solidFill>
-                <a:effectLst/>
-                <a:latin typeface="JetBrainsMono"/>
-              </a:rPr>
-              <a:t>process</a:t>
-            </a:r>
-            <a:r>
-              <a:rPr lang="en-US" sz="1200" b="0" i="0" dirty="0" err="1">
-                <a:solidFill>
-                  <a:srgbClr val="393A34"/>
-                </a:solidFill>
-                <a:effectLst/>
-                <a:latin typeface="JetBrainsMono"/>
-              </a:rPr>
-              <a:t>.</a:t>
-            </a:r>
-            <a:r>
-              <a:rPr lang="en-US" sz="1200" b="0" i="0" dirty="0" err="1">
-                <a:solidFill>
-                  <a:srgbClr val="D73A49"/>
-                </a:solidFill>
-                <a:effectLst/>
-                <a:latin typeface="JetBrainsMono"/>
-              </a:rPr>
-              <a:t>exit</a:t>
-            </a:r>
-            <a:r>
-              <a:rPr lang="en-US" sz="1200" b="0" i="0" dirty="0">
-                <a:solidFill>
-                  <a:srgbClr val="393A34"/>
-                </a:solidFill>
-                <a:effectLst/>
-                <a:latin typeface="JetBrainsMono"/>
-              </a:rPr>
-              <a:t>(</a:t>
-            </a:r>
-            <a:r>
-              <a:rPr lang="en-US" sz="1200" b="0" i="0" dirty="0">
-                <a:solidFill>
-                  <a:srgbClr val="36ACAA"/>
-                </a:solidFill>
-                <a:effectLst/>
-                <a:latin typeface="JetBrainsMono"/>
-              </a:rPr>
-              <a:t>1</a:t>
-            </a:r>
-            <a:r>
-              <a:rPr lang="en-US" sz="1200" b="0" i="0" dirty="0">
-                <a:solidFill>
-                  <a:srgbClr val="393A34"/>
-                </a:solidFill>
-                <a:effectLst/>
-                <a:latin typeface="JetBrainsMono"/>
-              </a:rPr>
-              <a:t>)</a:t>
-            </a:r>
-            <a:endParaRPr lang="en-US" sz="1200" b="0" i="0" dirty="0">
-              <a:solidFill>
-                <a:srgbClr val="1A202C"/>
-              </a:solidFill>
-              <a:effectLst/>
-              <a:latin typeface="JetBrainsMono"/>
-            </a:endParaRPr>
-          </a:p>
-          <a:p>
-            <a:pPr algn="l"/>
-            <a:r>
-              <a:rPr lang="en-US" sz="1200" b="0" i="0" dirty="0">
-                <a:solidFill>
-                  <a:srgbClr val="CBD5E0"/>
-                </a:solidFill>
-                <a:effectLst/>
-                <a:latin typeface="JetBrainsMono"/>
-              </a:rPr>
-              <a:t>17</a:t>
-            </a:r>
-            <a:r>
-              <a:rPr lang="en-US" sz="1200" b="0" i="0" dirty="0">
-                <a:solidFill>
-                  <a:srgbClr val="1A202C"/>
-                </a:solidFill>
-                <a:effectLst/>
-                <a:latin typeface="JetBrainsMono"/>
-              </a:rPr>
-              <a:t> </a:t>
-            </a:r>
-            <a:r>
-              <a:rPr lang="en-US" sz="1200" b="0" i="0" dirty="0">
-                <a:solidFill>
-                  <a:srgbClr val="393A34"/>
-                </a:solidFill>
-                <a:effectLst/>
-                <a:latin typeface="JetBrainsMono"/>
-              </a:rPr>
-              <a:t>})</a:t>
-            </a:r>
-            <a:endParaRPr lang="en-US" sz="1200" b="0" i="0" dirty="0">
-              <a:solidFill>
-                <a:srgbClr val="1A202C"/>
-              </a:solidFill>
-              <a:effectLst/>
-              <a:latin typeface="JetBrainsMono"/>
-            </a:endParaRPr>
-          </a:p>
-        </p:txBody>
-      </p:sp>
-      <p:sp>
-        <p:nvSpPr>
           <p:cNvPr id="9" name="TextBox 8">
             <a:extLst>
               <a:ext uri="{FF2B5EF4-FFF2-40B4-BE49-F238E27FC236}">
@@ -4905,6 +3720,977 @@
               <a:rPr lang="en-US" sz="3200" dirty="0"/>
               <a:t>Seed File</a:t>
             </a:r>
+          </a:p>
+        </p:txBody>
+      </p:sp>
+      <p:sp>
+        <p:nvSpPr>
+          <p:cNvPr id="14" name="TextBox 13">
+            <a:extLst>
+              <a:ext uri="{FF2B5EF4-FFF2-40B4-BE49-F238E27FC236}">
+                <a16:creationId xmlns:a16="http://schemas.microsoft.com/office/drawing/2014/main" id="{75F6B8F9-D5D9-D30A-79B3-6D4232C26121}"/>
+              </a:ext>
+            </a:extLst>
+          </p:cNvPr>
+          <p:cNvSpPr txBox="1"/>
+          <p:nvPr/>
+        </p:nvSpPr>
+        <p:spPr>
+          <a:xfrm>
+            <a:off x="6096000" y="423410"/>
+            <a:ext cx="5378824" cy="6186309"/>
+          </a:xfrm>
+          <a:prstGeom prst="rect">
+            <a:avLst/>
+          </a:prstGeom>
+          <a:noFill/>
+        </p:spPr>
+        <p:txBody>
+          <a:bodyPr wrap="square">
+            <a:spAutoFit/>
+          </a:bodyPr>
+          <a:lstStyle/>
+          <a:p>
+            <a:r>
+              <a:rPr lang="en-US" b="0" dirty="0">
+                <a:solidFill>
+                  <a:srgbClr val="569CD6"/>
+                </a:solidFill>
+                <a:effectLst/>
+                <a:latin typeface="Consolas" panose="020B0609020204030204" pitchFamily="49" charset="0"/>
+              </a:rPr>
+              <a:t>const</a:t>
+            </a:r>
+            <a:r>
+              <a:rPr lang="en-US" b="0" dirty="0">
+                <a:solidFill>
+                  <a:srgbClr val="CCCCCC"/>
+                </a:solidFill>
+                <a:effectLst/>
+                <a:latin typeface="Consolas" panose="020B0609020204030204" pitchFamily="49" charset="0"/>
+              </a:rPr>
+              <a:t> { </a:t>
+            </a:r>
+            <a:r>
+              <a:rPr lang="en-US" b="0" dirty="0" err="1">
+                <a:solidFill>
+                  <a:srgbClr val="4EC9B0"/>
+                </a:solidFill>
+                <a:effectLst/>
+                <a:latin typeface="Consolas" panose="020B0609020204030204" pitchFamily="49" charset="0"/>
+              </a:rPr>
+              <a:t>PrismaClient</a:t>
+            </a:r>
+            <a:r>
+              <a:rPr lang="en-US" b="0" dirty="0">
+                <a:solidFill>
+                  <a:srgbClr val="CCCCCC"/>
+                </a:solidFill>
+                <a:effectLst/>
+                <a:latin typeface="Consolas" panose="020B0609020204030204" pitchFamily="49" charset="0"/>
+              </a:rPr>
+              <a:t> } </a:t>
+            </a:r>
+            <a:r>
+              <a:rPr lang="en-US" b="0" dirty="0">
+                <a:solidFill>
+                  <a:srgbClr val="D4D4D4"/>
+                </a:solidFill>
+                <a:effectLst/>
+                <a:latin typeface="Consolas" panose="020B0609020204030204" pitchFamily="49" charset="0"/>
+              </a:rPr>
+              <a:t>=</a:t>
+            </a:r>
+            <a:r>
+              <a:rPr lang="en-US" b="0" dirty="0">
+                <a:solidFill>
+                  <a:srgbClr val="CCCCCC"/>
+                </a:solidFill>
+                <a:effectLst/>
+                <a:latin typeface="Consolas" panose="020B0609020204030204" pitchFamily="49" charset="0"/>
+              </a:rPr>
+              <a:t> </a:t>
+            </a:r>
+            <a:r>
+              <a:rPr lang="en-US" b="0" dirty="0">
+                <a:solidFill>
+                  <a:srgbClr val="DCDCAA"/>
+                </a:solidFill>
+                <a:effectLst/>
+                <a:latin typeface="Consolas" panose="020B0609020204030204" pitchFamily="49" charset="0"/>
+              </a:rPr>
+              <a:t>require</a:t>
+            </a:r>
+            <a:r>
+              <a:rPr lang="en-US" b="0" dirty="0">
+                <a:solidFill>
+                  <a:srgbClr val="CCCCCC"/>
+                </a:solidFill>
+                <a:effectLst/>
+                <a:latin typeface="Consolas" panose="020B0609020204030204" pitchFamily="49" charset="0"/>
+              </a:rPr>
+              <a:t>(</a:t>
+            </a:r>
+            <a:r>
+              <a:rPr lang="en-US" b="0" dirty="0">
+                <a:solidFill>
+                  <a:srgbClr val="CE9178"/>
+                </a:solidFill>
+                <a:effectLst/>
+                <a:latin typeface="Consolas" panose="020B0609020204030204" pitchFamily="49" charset="0"/>
+              </a:rPr>
+              <a:t>"@</a:t>
+            </a:r>
+            <a:r>
+              <a:rPr lang="en-US" b="0" dirty="0" err="1">
+                <a:solidFill>
+                  <a:srgbClr val="CE9178"/>
+                </a:solidFill>
+                <a:effectLst/>
+                <a:latin typeface="Consolas" panose="020B0609020204030204" pitchFamily="49" charset="0"/>
+              </a:rPr>
+              <a:t>prisma</a:t>
+            </a:r>
+            <a:r>
+              <a:rPr lang="en-US" b="0" dirty="0">
+                <a:solidFill>
+                  <a:srgbClr val="CE9178"/>
+                </a:solidFill>
+                <a:effectLst/>
+                <a:latin typeface="Consolas" panose="020B0609020204030204" pitchFamily="49" charset="0"/>
+              </a:rPr>
+              <a:t>/client"</a:t>
+            </a:r>
+            <a:r>
+              <a:rPr lang="en-US" b="0" dirty="0">
+                <a:solidFill>
+                  <a:srgbClr val="CCCCCC"/>
+                </a:solidFill>
+                <a:effectLst/>
+                <a:latin typeface="Consolas" panose="020B0609020204030204" pitchFamily="49" charset="0"/>
+              </a:rPr>
+              <a:t>)</a:t>
+            </a:r>
+          </a:p>
+          <a:p>
+            <a:br>
+              <a:rPr lang="en-US" b="0" dirty="0">
+                <a:solidFill>
+                  <a:srgbClr val="CCCCCC"/>
+                </a:solidFill>
+                <a:effectLst/>
+                <a:latin typeface="Consolas" panose="020B0609020204030204" pitchFamily="49" charset="0"/>
+              </a:rPr>
+            </a:br>
+            <a:r>
+              <a:rPr lang="en-US" b="0" dirty="0">
+                <a:solidFill>
+                  <a:srgbClr val="569CD6"/>
+                </a:solidFill>
+                <a:effectLst/>
+                <a:latin typeface="Consolas" panose="020B0609020204030204" pitchFamily="49" charset="0"/>
+              </a:rPr>
+              <a:t>const</a:t>
+            </a:r>
+            <a:r>
+              <a:rPr lang="en-US" b="0" dirty="0">
+                <a:solidFill>
+                  <a:srgbClr val="CCCCCC"/>
+                </a:solidFill>
+                <a:effectLst/>
+                <a:latin typeface="Consolas" panose="020B0609020204030204" pitchFamily="49" charset="0"/>
+              </a:rPr>
+              <a:t> </a:t>
+            </a:r>
+            <a:r>
+              <a:rPr lang="en-US" b="0" dirty="0" err="1">
+                <a:solidFill>
+                  <a:srgbClr val="4FC1FF"/>
+                </a:solidFill>
+                <a:effectLst/>
+                <a:latin typeface="Consolas" panose="020B0609020204030204" pitchFamily="49" charset="0"/>
+              </a:rPr>
+              <a:t>prisma</a:t>
+            </a:r>
+            <a:r>
+              <a:rPr lang="en-US" b="0" dirty="0">
+                <a:solidFill>
+                  <a:srgbClr val="CCCCCC"/>
+                </a:solidFill>
+                <a:effectLst/>
+                <a:latin typeface="Consolas" panose="020B0609020204030204" pitchFamily="49" charset="0"/>
+              </a:rPr>
+              <a:t> </a:t>
+            </a:r>
+            <a:r>
+              <a:rPr lang="en-US" b="0" dirty="0">
+                <a:solidFill>
+                  <a:srgbClr val="D4D4D4"/>
+                </a:solidFill>
+                <a:effectLst/>
+                <a:latin typeface="Consolas" panose="020B0609020204030204" pitchFamily="49" charset="0"/>
+              </a:rPr>
+              <a:t>=</a:t>
+            </a:r>
+            <a:r>
+              <a:rPr lang="en-US" b="0" dirty="0">
+                <a:solidFill>
+                  <a:srgbClr val="CCCCCC"/>
+                </a:solidFill>
+                <a:effectLst/>
+                <a:latin typeface="Consolas" panose="020B0609020204030204" pitchFamily="49" charset="0"/>
+              </a:rPr>
+              <a:t> </a:t>
+            </a:r>
+            <a:r>
+              <a:rPr lang="en-US" b="0" dirty="0">
+                <a:solidFill>
+                  <a:srgbClr val="569CD6"/>
+                </a:solidFill>
+                <a:effectLst/>
+                <a:latin typeface="Consolas" panose="020B0609020204030204" pitchFamily="49" charset="0"/>
+              </a:rPr>
+              <a:t>new</a:t>
+            </a:r>
+            <a:r>
+              <a:rPr lang="en-US" b="0" dirty="0">
+                <a:solidFill>
+                  <a:srgbClr val="CCCCCC"/>
+                </a:solidFill>
+                <a:effectLst/>
+                <a:latin typeface="Consolas" panose="020B0609020204030204" pitchFamily="49" charset="0"/>
+              </a:rPr>
+              <a:t> </a:t>
+            </a:r>
+            <a:r>
+              <a:rPr lang="en-US" b="0" dirty="0" err="1">
+                <a:solidFill>
+                  <a:srgbClr val="4EC9B0"/>
+                </a:solidFill>
+                <a:effectLst/>
+                <a:latin typeface="Consolas" panose="020B0609020204030204" pitchFamily="49" charset="0"/>
+              </a:rPr>
+              <a:t>PrismaClient</a:t>
+            </a:r>
+            <a:r>
+              <a:rPr lang="en-US" b="0" dirty="0">
+                <a:solidFill>
+                  <a:srgbClr val="CCCCCC"/>
+                </a:solidFill>
+                <a:effectLst/>
+                <a:latin typeface="Consolas" panose="020B0609020204030204" pitchFamily="49" charset="0"/>
+              </a:rPr>
+              <a:t>();</a:t>
+            </a:r>
+          </a:p>
+          <a:p>
+            <a:br>
+              <a:rPr lang="en-US" b="0" dirty="0">
+                <a:solidFill>
+                  <a:srgbClr val="CCCCCC"/>
+                </a:solidFill>
+                <a:effectLst/>
+                <a:latin typeface="Consolas" panose="020B0609020204030204" pitchFamily="49" charset="0"/>
+              </a:rPr>
+            </a:br>
+            <a:r>
+              <a:rPr lang="en-US" b="0" dirty="0">
+                <a:solidFill>
+                  <a:srgbClr val="569CD6"/>
+                </a:solidFill>
+                <a:effectLst/>
+                <a:latin typeface="Consolas" panose="020B0609020204030204" pitchFamily="49" charset="0"/>
+              </a:rPr>
+              <a:t>async</a:t>
+            </a:r>
+            <a:r>
+              <a:rPr lang="en-US" b="0" dirty="0">
+                <a:solidFill>
+                  <a:srgbClr val="CCCCCC"/>
+                </a:solidFill>
+                <a:effectLst/>
+                <a:latin typeface="Consolas" panose="020B0609020204030204" pitchFamily="49" charset="0"/>
+              </a:rPr>
+              <a:t> </a:t>
+            </a:r>
+            <a:r>
+              <a:rPr lang="en-US" b="0" dirty="0">
+                <a:solidFill>
+                  <a:srgbClr val="569CD6"/>
+                </a:solidFill>
+                <a:effectLst/>
+                <a:latin typeface="Consolas" panose="020B0609020204030204" pitchFamily="49" charset="0"/>
+              </a:rPr>
+              <a:t>function</a:t>
+            </a:r>
+            <a:r>
+              <a:rPr lang="en-US" b="0" dirty="0">
+                <a:solidFill>
+                  <a:srgbClr val="CCCCCC"/>
+                </a:solidFill>
+                <a:effectLst/>
+                <a:latin typeface="Consolas" panose="020B0609020204030204" pitchFamily="49" charset="0"/>
+              </a:rPr>
+              <a:t> </a:t>
+            </a:r>
+            <a:r>
+              <a:rPr lang="en-US" b="0" dirty="0">
+                <a:solidFill>
+                  <a:srgbClr val="DCDCAA"/>
+                </a:solidFill>
+                <a:effectLst/>
+                <a:latin typeface="Consolas" panose="020B0609020204030204" pitchFamily="49" charset="0"/>
+              </a:rPr>
+              <a:t>main</a:t>
+            </a:r>
+            <a:r>
+              <a:rPr lang="en-US" b="0" dirty="0">
+                <a:solidFill>
+                  <a:srgbClr val="CCCCCC"/>
+                </a:solidFill>
+                <a:effectLst/>
+                <a:latin typeface="Consolas" panose="020B0609020204030204" pitchFamily="49" charset="0"/>
+              </a:rPr>
+              <a:t>() {</a:t>
+            </a:r>
+          </a:p>
+          <a:p>
+            <a:r>
+              <a:rPr lang="en-US" b="0" dirty="0">
+                <a:solidFill>
+                  <a:srgbClr val="CCCCCC"/>
+                </a:solidFill>
+                <a:effectLst/>
+                <a:latin typeface="Consolas" panose="020B0609020204030204" pitchFamily="49" charset="0"/>
+              </a:rPr>
+              <a:t>  </a:t>
+            </a:r>
+            <a:r>
+              <a:rPr lang="en-US" b="0" dirty="0">
+                <a:solidFill>
+                  <a:srgbClr val="6A9955"/>
+                </a:solidFill>
+                <a:effectLst/>
+                <a:latin typeface="Consolas" panose="020B0609020204030204" pitchFamily="49" charset="0"/>
+              </a:rPr>
+              <a:t>// ... you will write your Prisma Client queries here</a:t>
+            </a:r>
+            <a:endParaRPr lang="en-US" b="0" dirty="0">
+              <a:solidFill>
+                <a:srgbClr val="CCCCCC"/>
+              </a:solidFill>
+              <a:effectLst/>
+              <a:latin typeface="Consolas" panose="020B0609020204030204" pitchFamily="49" charset="0"/>
+            </a:endParaRPr>
+          </a:p>
+          <a:p>
+            <a:r>
+              <a:rPr lang="en-US" b="0" dirty="0">
+                <a:solidFill>
+                  <a:srgbClr val="CCCCCC"/>
+                </a:solidFill>
+                <a:effectLst/>
+                <a:latin typeface="Consolas" panose="020B0609020204030204" pitchFamily="49" charset="0"/>
+              </a:rPr>
+              <a:t>  </a:t>
+            </a:r>
+            <a:r>
+              <a:rPr lang="en-US" b="0" dirty="0">
+                <a:solidFill>
+                  <a:srgbClr val="9CDCFE"/>
+                </a:solidFill>
+                <a:effectLst/>
+                <a:latin typeface="Consolas" panose="020B0609020204030204" pitchFamily="49" charset="0"/>
+              </a:rPr>
+              <a:t>Console</a:t>
+            </a:r>
+            <a:r>
+              <a:rPr lang="en-US" b="0" dirty="0">
+                <a:solidFill>
+                  <a:srgbClr val="CCCCCC"/>
+                </a:solidFill>
+                <a:effectLst/>
+                <a:latin typeface="Consolas" panose="020B0609020204030204" pitchFamily="49" charset="0"/>
+              </a:rPr>
+              <a:t>.</a:t>
+            </a:r>
+            <a:r>
+              <a:rPr lang="en-US" b="0" dirty="0">
+                <a:solidFill>
+                  <a:srgbClr val="DCDCAA"/>
+                </a:solidFill>
+                <a:effectLst/>
+                <a:latin typeface="Consolas" panose="020B0609020204030204" pitchFamily="49" charset="0"/>
+              </a:rPr>
+              <a:t>log</a:t>
+            </a:r>
+            <a:r>
+              <a:rPr lang="en-US" b="0" dirty="0">
+                <a:solidFill>
+                  <a:srgbClr val="CCCCCC"/>
+                </a:solidFill>
+                <a:effectLst/>
+                <a:latin typeface="Consolas" panose="020B0609020204030204" pitchFamily="49" charset="0"/>
+              </a:rPr>
+              <a:t>(</a:t>
+            </a:r>
+            <a:r>
+              <a:rPr lang="en-US" b="0" dirty="0">
+                <a:solidFill>
+                  <a:srgbClr val="CE9178"/>
+                </a:solidFill>
+                <a:effectLst/>
+                <a:latin typeface="Consolas" panose="020B0609020204030204" pitchFamily="49" charset="0"/>
+              </a:rPr>
+              <a:t>`seeding the database`</a:t>
+            </a:r>
+            <a:r>
+              <a:rPr lang="en-US" b="0" dirty="0">
+                <a:solidFill>
+                  <a:srgbClr val="CCCCCC"/>
+                </a:solidFill>
+                <a:effectLst/>
+                <a:latin typeface="Consolas" panose="020B0609020204030204" pitchFamily="49" charset="0"/>
+              </a:rPr>
+              <a:t>)</a:t>
+            </a:r>
+          </a:p>
+          <a:p>
+            <a:r>
+              <a:rPr lang="en-US" b="0" dirty="0">
+                <a:solidFill>
+                  <a:srgbClr val="CCCCCC"/>
+                </a:solidFill>
+                <a:effectLst/>
+                <a:latin typeface="Consolas" panose="020B0609020204030204" pitchFamily="49" charset="0"/>
+              </a:rPr>
+              <a:t>}</a:t>
+            </a:r>
+          </a:p>
+          <a:p>
+            <a:br>
+              <a:rPr lang="en-US" b="0" dirty="0">
+                <a:solidFill>
+                  <a:srgbClr val="CCCCCC"/>
+                </a:solidFill>
+                <a:effectLst/>
+                <a:latin typeface="Consolas" panose="020B0609020204030204" pitchFamily="49" charset="0"/>
+              </a:rPr>
+            </a:br>
+            <a:r>
+              <a:rPr lang="en-US" b="0" dirty="0">
+                <a:solidFill>
+                  <a:srgbClr val="DCDCAA"/>
+                </a:solidFill>
+                <a:effectLst/>
+                <a:latin typeface="Consolas" panose="020B0609020204030204" pitchFamily="49" charset="0"/>
+              </a:rPr>
+              <a:t>main</a:t>
+            </a:r>
+            <a:r>
+              <a:rPr lang="en-US" b="0" dirty="0">
+                <a:solidFill>
+                  <a:srgbClr val="CCCCCC"/>
+                </a:solidFill>
+                <a:effectLst/>
+                <a:latin typeface="Consolas" panose="020B0609020204030204" pitchFamily="49" charset="0"/>
+              </a:rPr>
+              <a:t>()</a:t>
+            </a:r>
+          </a:p>
+          <a:p>
+            <a:r>
+              <a:rPr lang="en-US" b="0" dirty="0">
+                <a:solidFill>
+                  <a:srgbClr val="CCCCCC"/>
+                </a:solidFill>
+                <a:effectLst/>
+                <a:latin typeface="Consolas" panose="020B0609020204030204" pitchFamily="49" charset="0"/>
+              </a:rPr>
+              <a:t>  .</a:t>
+            </a:r>
+            <a:r>
+              <a:rPr lang="en-US" b="0" dirty="0">
+                <a:solidFill>
+                  <a:srgbClr val="DCDCAA"/>
+                </a:solidFill>
+                <a:effectLst/>
+                <a:latin typeface="Consolas" panose="020B0609020204030204" pitchFamily="49" charset="0"/>
+              </a:rPr>
+              <a:t>then</a:t>
+            </a:r>
+            <a:r>
+              <a:rPr lang="en-US" b="0" dirty="0">
+                <a:solidFill>
+                  <a:srgbClr val="CCCCCC"/>
+                </a:solidFill>
+                <a:effectLst/>
+                <a:latin typeface="Consolas" panose="020B0609020204030204" pitchFamily="49" charset="0"/>
+              </a:rPr>
+              <a:t>(</a:t>
+            </a:r>
+            <a:r>
+              <a:rPr lang="en-US" b="0" dirty="0">
+                <a:solidFill>
+                  <a:srgbClr val="569CD6"/>
+                </a:solidFill>
+                <a:effectLst/>
+                <a:latin typeface="Consolas" panose="020B0609020204030204" pitchFamily="49" charset="0"/>
+              </a:rPr>
+              <a:t>async</a:t>
+            </a:r>
+            <a:r>
+              <a:rPr lang="en-US" b="0" dirty="0">
+                <a:solidFill>
+                  <a:srgbClr val="CCCCCC"/>
+                </a:solidFill>
+                <a:effectLst/>
+                <a:latin typeface="Consolas" panose="020B0609020204030204" pitchFamily="49" charset="0"/>
+              </a:rPr>
+              <a:t> () </a:t>
+            </a:r>
+            <a:r>
+              <a:rPr lang="en-US" b="0" dirty="0">
+                <a:solidFill>
+                  <a:srgbClr val="569CD6"/>
+                </a:solidFill>
+                <a:effectLst/>
+                <a:latin typeface="Consolas" panose="020B0609020204030204" pitchFamily="49" charset="0"/>
+              </a:rPr>
+              <a:t>=&gt;</a:t>
+            </a:r>
+            <a:r>
+              <a:rPr lang="en-US" b="0" dirty="0">
+                <a:solidFill>
+                  <a:srgbClr val="CCCCCC"/>
+                </a:solidFill>
+                <a:effectLst/>
+                <a:latin typeface="Consolas" panose="020B0609020204030204" pitchFamily="49" charset="0"/>
+              </a:rPr>
+              <a:t> {</a:t>
+            </a:r>
+          </a:p>
+          <a:p>
+            <a:r>
+              <a:rPr lang="en-US" b="0" dirty="0">
+                <a:solidFill>
+                  <a:srgbClr val="CCCCCC"/>
+                </a:solidFill>
+                <a:effectLst/>
+                <a:latin typeface="Consolas" panose="020B0609020204030204" pitchFamily="49" charset="0"/>
+              </a:rPr>
+              <a:t>    </a:t>
+            </a:r>
+            <a:r>
+              <a:rPr lang="en-US" b="0" dirty="0">
+                <a:solidFill>
+                  <a:srgbClr val="C586C0"/>
+                </a:solidFill>
+                <a:effectLst/>
+                <a:latin typeface="Consolas" panose="020B0609020204030204" pitchFamily="49" charset="0"/>
+              </a:rPr>
+              <a:t>await</a:t>
+            </a:r>
+            <a:r>
+              <a:rPr lang="en-US" b="0" dirty="0">
+                <a:solidFill>
+                  <a:srgbClr val="CCCCCC"/>
+                </a:solidFill>
+                <a:effectLst/>
+                <a:latin typeface="Consolas" panose="020B0609020204030204" pitchFamily="49" charset="0"/>
+              </a:rPr>
+              <a:t> </a:t>
+            </a:r>
+            <a:r>
+              <a:rPr lang="en-US" b="0" dirty="0" err="1">
+                <a:solidFill>
+                  <a:srgbClr val="4FC1FF"/>
+                </a:solidFill>
+                <a:effectLst/>
+                <a:latin typeface="Consolas" panose="020B0609020204030204" pitchFamily="49" charset="0"/>
+              </a:rPr>
+              <a:t>prisma</a:t>
+            </a:r>
+            <a:r>
+              <a:rPr lang="en-US" b="0" dirty="0">
+                <a:solidFill>
+                  <a:srgbClr val="CCCCCC"/>
+                </a:solidFill>
+                <a:effectLst/>
+                <a:latin typeface="Consolas" panose="020B0609020204030204" pitchFamily="49" charset="0"/>
+              </a:rPr>
+              <a:t>.</a:t>
+            </a:r>
+            <a:r>
+              <a:rPr lang="en-US" b="0" dirty="0">
+                <a:solidFill>
+                  <a:srgbClr val="DCDCAA"/>
+                </a:solidFill>
+                <a:effectLst/>
+                <a:latin typeface="Consolas" panose="020B0609020204030204" pitchFamily="49" charset="0"/>
+              </a:rPr>
+              <a:t>$disconnect</a:t>
+            </a:r>
+            <a:r>
+              <a:rPr lang="en-US" b="0" dirty="0">
+                <a:solidFill>
+                  <a:srgbClr val="CCCCCC"/>
+                </a:solidFill>
+                <a:effectLst/>
+                <a:latin typeface="Consolas" panose="020B0609020204030204" pitchFamily="49" charset="0"/>
+              </a:rPr>
+              <a:t>()</a:t>
+            </a:r>
+          </a:p>
+          <a:p>
+            <a:r>
+              <a:rPr lang="en-US" b="0" dirty="0">
+                <a:solidFill>
+                  <a:srgbClr val="CCCCCC"/>
+                </a:solidFill>
+                <a:effectLst/>
+                <a:latin typeface="Consolas" panose="020B0609020204030204" pitchFamily="49" charset="0"/>
+              </a:rPr>
+              <a:t>  })</a:t>
+            </a:r>
+          </a:p>
+          <a:p>
+            <a:r>
+              <a:rPr lang="en-US" b="0" dirty="0">
+                <a:solidFill>
+                  <a:srgbClr val="CCCCCC"/>
+                </a:solidFill>
+                <a:effectLst/>
+                <a:latin typeface="Consolas" panose="020B0609020204030204" pitchFamily="49" charset="0"/>
+              </a:rPr>
+              <a:t>  .</a:t>
+            </a:r>
+            <a:r>
+              <a:rPr lang="en-US" b="0" dirty="0">
+                <a:solidFill>
+                  <a:srgbClr val="DCDCAA"/>
+                </a:solidFill>
+                <a:effectLst/>
+                <a:latin typeface="Consolas" panose="020B0609020204030204" pitchFamily="49" charset="0"/>
+              </a:rPr>
+              <a:t>catch</a:t>
+            </a:r>
+            <a:r>
+              <a:rPr lang="en-US" b="0" dirty="0">
+                <a:solidFill>
+                  <a:srgbClr val="CCCCCC"/>
+                </a:solidFill>
+                <a:effectLst/>
+                <a:latin typeface="Consolas" panose="020B0609020204030204" pitchFamily="49" charset="0"/>
+              </a:rPr>
+              <a:t>(</a:t>
+            </a:r>
+            <a:r>
+              <a:rPr lang="en-US" b="0" dirty="0">
+                <a:solidFill>
+                  <a:srgbClr val="569CD6"/>
+                </a:solidFill>
+                <a:effectLst/>
+                <a:latin typeface="Consolas" panose="020B0609020204030204" pitchFamily="49" charset="0"/>
+              </a:rPr>
+              <a:t>async</a:t>
+            </a:r>
+            <a:r>
+              <a:rPr lang="en-US" b="0" dirty="0">
+                <a:solidFill>
+                  <a:srgbClr val="CCCCCC"/>
+                </a:solidFill>
+                <a:effectLst/>
+                <a:latin typeface="Consolas" panose="020B0609020204030204" pitchFamily="49" charset="0"/>
+              </a:rPr>
+              <a:t> (</a:t>
+            </a:r>
+            <a:r>
+              <a:rPr lang="en-US" b="0" dirty="0">
+                <a:solidFill>
+                  <a:srgbClr val="9CDCFE"/>
+                </a:solidFill>
+                <a:effectLst/>
+                <a:latin typeface="Consolas" panose="020B0609020204030204" pitchFamily="49" charset="0"/>
+              </a:rPr>
+              <a:t>e</a:t>
+            </a:r>
+            <a:r>
+              <a:rPr lang="en-US" b="0" dirty="0">
+                <a:solidFill>
+                  <a:srgbClr val="CCCCCC"/>
+                </a:solidFill>
+                <a:effectLst/>
+                <a:latin typeface="Consolas" panose="020B0609020204030204" pitchFamily="49" charset="0"/>
+              </a:rPr>
+              <a:t>) </a:t>
+            </a:r>
+            <a:r>
+              <a:rPr lang="en-US" b="0" dirty="0">
+                <a:solidFill>
+                  <a:srgbClr val="569CD6"/>
+                </a:solidFill>
+                <a:effectLst/>
+                <a:latin typeface="Consolas" panose="020B0609020204030204" pitchFamily="49" charset="0"/>
+              </a:rPr>
+              <a:t>=&gt;</a:t>
+            </a:r>
+            <a:r>
+              <a:rPr lang="en-US" b="0" dirty="0">
+                <a:solidFill>
+                  <a:srgbClr val="CCCCCC"/>
+                </a:solidFill>
+                <a:effectLst/>
+                <a:latin typeface="Consolas" panose="020B0609020204030204" pitchFamily="49" charset="0"/>
+              </a:rPr>
+              <a:t> {</a:t>
+            </a:r>
+          </a:p>
+          <a:p>
+            <a:r>
+              <a:rPr lang="en-US" b="0" dirty="0">
+                <a:solidFill>
+                  <a:srgbClr val="CCCCCC"/>
+                </a:solidFill>
+                <a:effectLst/>
+                <a:latin typeface="Consolas" panose="020B0609020204030204" pitchFamily="49" charset="0"/>
+              </a:rPr>
+              <a:t>    </a:t>
+            </a:r>
+            <a:r>
+              <a:rPr lang="en-US" b="0" dirty="0" err="1">
+                <a:solidFill>
+                  <a:srgbClr val="9CDCFE"/>
+                </a:solidFill>
+                <a:effectLst/>
+                <a:latin typeface="Consolas" panose="020B0609020204030204" pitchFamily="49" charset="0"/>
+              </a:rPr>
+              <a:t>console</a:t>
+            </a:r>
+            <a:r>
+              <a:rPr lang="en-US" b="0" dirty="0" err="1">
+                <a:solidFill>
+                  <a:srgbClr val="CCCCCC"/>
+                </a:solidFill>
+                <a:effectLst/>
+                <a:latin typeface="Consolas" panose="020B0609020204030204" pitchFamily="49" charset="0"/>
+              </a:rPr>
+              <a:t>.</a:t>
+            </a:r>
+            <a:r>
+              <a:rPr lang="en-US" b="0" dirty="0" err="1">
+                <a:solidFill>
+                  <a:srgbClr val="DCDCAA"/>
+                </a:solidFill>
+                <a:effectLst/>
+                <a:latin typeface="Consolas" panose="020B0609020204030204" pitchFamily="49" charset="0"/>
+              </a:rPr>
+              <a:t>error</a:t>
+            </a:r>
+            <a:r>
+              <a:rPr lang="en-US" b="0" dirty="0">
+                <a:solidFill>
+                  <a:srgbClr val="CCCCCC"/>
+                </a:solidFill>
+                <a:effectLst/>
+                <a:latin typeface="Consolas" panose="020B0609020204030204" pitchFamily="49" charset="0"/>
+              </a:rPr>
+              <a:t>(</a:t>
+            </a:r>
+            <a:r>
+              <a:rPr lang="en-US" b="0" dirty="0">
+                <a:solidFill>
+                  <a:srgbClr val="9CDCFE"/>
+                </a:solidFill>
+                <a:effectLst/>
+                <a:latin typeface="Consolas" panose="020B0609020204030204" pitchFamily="49" charset="0"/>
+              </a:rPr>
+              <a:t>e</a:t>
+            </a:r>
+            <a:r>
+              <a:rPr lang="en-US" b="0" dirty="0">
+                <a:solidFill>
+                  <a:srgbClr val="CCCCCC"/>
+                </a:solidFill>
+                <a:effectLst/>
+                <a:latin typeface="Consolas" panose="020B0609020204030204" pitchFamily="49" charset="0"/>
+              </a:rPr>
+              <a:t>)</a:t>
+            </a:r>
+          </a:p>
+          <a:p>
+            <a:r>
+              <a:rPr lang="en-US" b="0" dirty="0">
+                <a:solidFill>
+                  <a:srgbClr val="CCCCCC"/>
+                </a:solidFill>
+                <a:effectLst/>
+                <a:latin typeface="Consolas" panose="020B0609020204030204" pitchFamily="49" charset="0"/>
+              </a:rPr>
+              <a:t>    </a:t>
+            </a:r>
+            <a:r>
+              <a:rPr lang="en-US" b="0" dirty="0">
+                <a:solidFill>
+                  <a:srgbClr val="C586C0"/>
+                </a:solidFill>
+                <a:effectLst/>
+                <a:latin typeface="Consolas" panose="020B0609020204030204" pitchFamily="49" charset="0"/>
+              </a:rPr>
+              <a:t>await</a:t>
+            </a:r>
+            <a:r>
+              <a:rPr lang="en-US" b="0" dirty="0">
+                <a:solidFill>
+                  <a:srgbClr val="CCCCCC"/>
+                </a:solidFill>
+                <a:effectLst/>
+                <a:latin typeface="Consolas" panose="020B0609020204030204" pitchFamily="49" charset="0"/>
+              </a:rPr>
+              <a:t> </a:t>
+            </a:r>
+            <a:r>
+              <a:rPr lang="en-US" b="0" dirty="0" err="1">
+                <a:solidFill>
+                  <a:srgbClr val="4FC1FF"/>
+                </a:solidFill>
+                <a:effectLst/>
+                <a:latin typeface="Consolas" panose="020B0609020204030204" pitchFamily="49" charset="0"/>
+              </a:rPr>
+              <a:t>prisma</a:t>
+            </a:r>
+            <a:r>
+              <a:rPr lang="en-US" b="0" dirty="0">
+                <a:solidFill>
+                  <a:srgbClr val="CCCCCC"/>
+                </a:solidFill>
+                <a:effectLst/>
+                <a:latin typeface="Consolas" panose="020B0609020204030204" pitchFamily="49" charset="0"/>
+              </a:rPr>
+              <a:t>.</a:t>
+            </a:r>
+            <a:r>
+              <a:rPr lang="en-US" b="0" dirty="0">
+                <a:solidFill>
+                  <a:srgbClr val="DCDCAA"/>
+                </a:solidFill>
+                <a:effectLst/>
+                <a:latin typeface="Consolas" panose="020B0609020204030204" pitchFamily="49" charset="0"/>
+              </a:rPr>
+              <a:t>$disconnect</a:t>
+            </a:r>
+            <a:r>
+              <a:rPr lang="en-US" b="0" dirty="0">
+                <a:solidFill>
+                  <a:srgbClr val="CCCCCC"/>
+                </a:solidFill>
+                <a:effectLst/>
+                <a:latin typeface="Consolas" panose="020B0609020204030204" pitchFamily="49" charset="0"/>
+              </a:rPr>
+              <a:t>()</a:t>
+            </a:r>
+          </a:p>
+          <a:p>
+            <a:r>
+              <a:rPr lang="en-US" b="0" dirty="0">
+                <a:solidFill>
+                  <a:srgbClr val="CCCCCC"/>
+                </a:solidFill>
+                <a:effectLst/>
+                <a:latin typeface="Consolas" panose="020B0609020204030204" pitchFamily="49" charset="0"/>
+              </a:rPr>
+              <a:t>    </a:t>
+            </a:r>
+            <a:r>
+              <a:rPr lang="en-US" b="0" dirty="0" err="1">
+                <a:solidFill>
+                  <a:srgbClr val="9CDCFE"/>
+                </a:solidFill>
+                <a:effectLst/>
+                <a:latin typeface="Consolas" panose="020B0609020204030204" pitchFamily="49" charset="0"/>
+              </a:rPr>
+              <a:t>process</a:t>
+            </a:r>
+            <a:r>
+              <a:rPr lang="en-US" b="0" dirty="0" err="1">
+                <a:solidFill>
+                  <a:srgbClr val="CCCCCC"/>
+                </a:solidFill>
+                <a:effectLst/>
+                <a:latin typeface="Consolas" panose="020B0609020204030204" pitchFamily="49" charset="0"/>
+              </a:rPr>
+              <a:t>.</a:t>
+            </a:r>
+            <a:r>
+              <a:rPr lang="en-US" b="0" dirty="0" err="1">
+                <a:solidFill>
+                  <a:srgbClr val="DCDCAA"/>
+                </a:solidFill>
+                <a:effectLst/>
+                <a:latin typeface="Consolas" panose="020B0609020204030204" pitchFamily="49" charset="0"/>
+              </a:rPr>
+              <a:t>exit</a:t>
+            </a:r>
+            <a:r>
+              <a:rPr lang="en-US" b="0" dirty="0">
+                <a:solidFill>
+                  <a:srgbClr val="CCCCCC"/>
+                </a:solidFill>
+                <a:effectLst/>
+                <a:latin typeface="Consolas" panose="020B0609020204030204" pitchFamily="49" charset="0"/>
+              </a:rPr>
+              <a:t>(</a:t>
+            </a:r>
+            <a:r>
+              <a:rPr lang="en-US" b="0" dirty="0">
+                <a:solidFill>
+                  <a:srgbClr val="B5CEA8"/>
+                </a:solidFill>
+                <a:effectLst/>
+                <a:latin typeface="Consolas" panose="020B0609020204030204" pitchFamily="49" charset="0"/>
+              </a:rPr>
+              <a:t>1</a:t>
+            </a:r>
+            <a:r>
+              <a:rPr lang="en-US" b="0" dirty="0">
+                <a:solidFill>
+                  <a:srgbClr val="CCCCCC"/>
+                </a:solidFill>
+                <a:effectLst/>
+                <a:latin typeface="Consolas" panose="020B0609020204030204" pitchFamily="49" charset="0"/>
+              </a:rPr>
+              <a:t>)</a:t>
+            </a:r>
+          </a:p>
+          <a:p>
+            <a:r>
+              <a:rPr lang="en-US" b="0" dirty="0">
+                <a:solidFill>
+                  <a:srgbClr val="CCCCCC"/>
+                </a:solidFill>
+                <a:effectLst/>
+                <a:latin typeface="Consolas" panose="020B0609020204030204" pitchFamily="49" charset="0"/>
+              </a:rPr>
+              <a:t>  })</a:t>
+            </a:r>
+          </a:p>
+          <a:p>
+            <a:br>
+              <a:rPr lang="en-US" b="0" dirty="0">
+                <a:solidFill>
+                  <a:srgbClr val="CCCCCC"/>
+                </a:solidFill>
+                <a:effectLst/>
+                <a:latin typeface="Consolas" panose="020B0609020204030204" pitchFamily="49" charset="0"/>
+              </a:rPr>
+            </a:br>
+            <a:endParaRPr lang="en-US" b="0" dirty="0">
+              <a:solidFill>
+                <a:srgbClr val="CCCCCC"/>
+              </a:solidFill>
+              <a:effectLst/>
+              <a:latin typeface="Consolas" panose="020B0609020204030204" pitchFamily="49" charset="0"/>
+            </a:endParaRPr>
           </a:p>
         </p:txBody>
       </p:sp>
@@ -5033,8 +4819,8 @@
         </p:blipFill>
         <p:spPr>
           <a:xfrm>
-            <a:off x="4273890" y="4443549"/>
-            <a:ext cx="4486901" cy="819264"/>
+            <a:off x="4273890" y="4443548"/>
+            <a:ext cx="7652006" cy="1397181"/>
           </a:xfrm>
           <a:prstGeom prst="rect">
             <a:avLst/>
@@ -5055,7 +4841,7 @@
         </p:nvSpPr>
         <p:spPr>
           <a:xfrm>
-            <a:off x="617277" y="4675905"/>
+            <a:off x="697287" y="4860571"/>
             <a:ext cx="2920543" cy="369332"/>
           </a:xfrm>
           <a:prstGeom prst="rect">
@@ -5090,7 +4876,7 @@
         </p:nvSpPr>
         <p:spPr>
           <a:xfrm>
-            <a:off x="3537820" y="4675905"/>
+            <a:off x="3617830" y="4860571"/>
             <a:ext cx="521904" cy="467165"/>
           </a:xfrm>
           <a:prstGeom prst="rightArrow">
@@ -7531,8 +7317,8 @@
         </p:blipFill>
         <p:spPr>
           <a:xfrm>
-            <a:off x="6681257" y="320040"/>
-            <a:ext cx="5163271" cy="5239481"/>
+            <a:off x="4642339" y="320040"/>
+            <a:ext cx="7202190" cy="7308494"/>
           </a:xfrm>
           <a:prstGeom prst="rect">
             <a:avLst/>
@@ -8273,71 +8059,6 @@
 </file>
 
 <file path=ppt/slides/slide24.xml><?xml version="1.0" encoding="utf-8"?>
-<p:sld xmlns:a="http://schemas.openxmlformats.org/drawingml/2006/main" xmlns:r="http://schemas.openxmlformats.org/officeDocument/2006/relationships" xmlns:p="http://schemas.openxmlformats.org/presentationml/2006/main">
-  <p:cSld>
-    <p:spTree>
-      <p:nvGrpSpPr>
-        <p:cNvPr id="1" name=""/>
-        <p:cNvGrpSpPr/>
-        <p:nvPr/>
-      </p:nvGrpSpPr>
-      <p:grpSpPr>
-        <a:xfrm>
-          <a:off x="0" y="0"/>
-          <a:ext cx="0" cy="0"/>
-          <a:chOff x="0" y="0"/>
-          <a:chExt cx="0" cy="0"/>
-        </a:xfrm>
-      </p:grpSpPr>
-      <p:sp>
-        <p:nvSpPr>
-          <p:cNvPr id="4" name="TextBox 3">
-            <a:extLst>
-              <a:ext uri="{FF2B5EF4-FFF2-40B4-BE49-F238E27FC236}">
-                <a16:creationId xmlns:a16="http://schemas.microsoft.com/office/drawing/2014/main" id="{46A03C2E-42EC-5A2E-3E5B-D6704751899B}"/>
-              </a:ext>
-            </a:extLst>
-          </p:cNvPr>
-          <p:cNvSpPr txBox="1"/>
-          <p:nvPr/>
-        </p:nvSpPr>
-        <p:spPr>
-          <a:xfrm>
-            <a:off x="347472" y="320040"/>
-            <a:ext cx="5013422" cy="707886"/>
-          </a:xfrm>
-          <a:prstGeom prst="rect">
-            <a:avLst/>
-          </a:prstGeom>
-          <a:noFill/>
-        </p:spPr>
-        <p:txBody>
-          <a:bodyPr wrap="square" rtlCol="0">
-            <a:spAutoFit/>
-          </a:bodyPr>
-          <a:lstStyle/>
-          <a:p>
-            <a:r>
-              <a:rPr lang="en-US" sz="4000" dirty="0"/>
-              <a:t>Add to existing project</a:t>
-            </a:r>
-          </a:p>
-        </p:txBody>
-      </p:sp>
-    </p:spTree>
-    <p:extLst>
-      <p:ext uri="{BB962C8B-B14F-4D97-AF65-F5344CB8AC3E}">
-        <p14:creationId xmlns:p14="http://schemas.microsoft.com/office/powerpoint/2010/main" val="1608287920"/>
-      </p:ext>
-    </p:extLst>
-  </p:cSld>
-  <p:clrMapOvr>
-    <a:masterClrMapping/>
-  </p:clrMapOvr>
-</p:sld>
-</file>
-
-<file path=ppt/slides/slide25.xml><?xml version="1.0" encoding="utf-8"?>
 <p:sld xmlns:a="http://schemas.openxmlformats.org/drawingml/2006/main" xmlns:r="http://schemas.openxmlformats.org/officeDocument/2006/relationships" xmlns:p="http://schemas.openxmlformats.org/presentationml/2006/main">
   <p:cSld>
     <p:spTree>
